--- a/Presentation.pptx
+++ b/Presentation.pptx
@@ -9,8 +9,15 @@
     <p:sldId id="257" r:id="rId3"/>
     <p:sldId id="258" r:id="rId4"/>
     <p:sldId id="259" r:id="rId5"/>
-    <p:sldId id="260" r:id="rId6"/>
-    <p:sldId id="261" r:id="rId7"/>
+    <p:sldId id="263" r:id="rId6"/>
+    <p:sldId id="264" r:id="rId7"/>
+    <p:sldId id="260" r:id="rId8"/>
+    <p:sldId id="265" r:id="rId9"/>
+    <p:sldId id="266" r:id="rId10"/>
+    <p:sldId id="261" r:id="rId11"/>
+    <p:sldId id="267" r:id="rId12"/>
+    <p:sldId id="268" r:id="rId13"/>
+    <p:sldId id="262" r:id="rId14"/>
   </p:sldIdLst>
   <p:sldSz cx="12192000" cy="6858000"/>
   <p:notesSz cx="6858000" cy="9144000"/>
@@ -117,6 +124,118 @@
 </p:presentation>
 </file>
 
+<file path=ppt/ink/ink1.xml><?xml version="1.0" encoding="utf-8"?>
+<inkml:ink xmlns:inkml="http://www.w3.org/2003/InkML">
+  <inkml:definitions>
+    <inkml:context xml:id="ctx0">
+      <inkml:inkSource xml:id="inkSrc0">
+        <inkml:traceFormat>
+          <inkml:channel name="X" type="integer" min="-2.14748E9" max="2.14748E9" units="cm"/>
+          <inkml:channel name="Y" type="integer" min="-2.14748E9" max="2.14748E9" units="cm"/>
+          <inkml:channel name="F" type="integer" max="32767" units="dev"/>
+        </inkml:traceFormat>
+        <inkml:channelProperties>
+          <inkml:channelProperty channel="X" name="resolution" value="1000" units="1/cm"/>
+          <inkml:channelProperty channel="Y" name="resolution" value="1000" units="1/cm"/>
+          <inkml:channelProperty channel="F" name="resolution" value="0" units="1/dev"/>
+        </inkml:channelProperties>
+      </inkml:inkSource>
+      <inkml:timestamp xml:id="ts0" timeString="2023-04-30T13:30:11.586"/>
+    </inkml:context>
+    <inkml:brush xml:id="br0">
+      <inkml:brushProperty name="width" value="0.05" units="cm"/>
+      <inkml:brushProperty name="height" value="0.05" units="cm"/>
+      <inkml:brushProperty name="color" value="#E71224"/>
+    </inkml:brush>
+  </inkml:definitions>
+  <inkml:trace contextRef="#ctx0" brushRef="#br0">1294 0 24575,'-15'0'0,"-9"0"0,-4 0 0,-17 10 0,4 2 0,-13 9 0,1 0 0,6 0 0,-5 0 0,11-1 0,1-1 0,2 1 0,9-2 0,-3 1 0,4-1 0,1 0 0,0 0 0,4 4 0,-3-3 0,3 3 0,-1 0 0,-2-3 0,7 7 0,-3-3 0,0 0 0,3 3 0,-4-3 0,5 4 0,0 0 0,1-4 0,3 3 0,-3 1 0,2 7 0,-5 0 0,5 10 0,-3-8 0,2 9 0,-4-5 0,1-1 0,3 0 0,-2 1 0,7-6 0,-3 4 0,5-10 0,-1 5 0,5-6 0,-3-5 0,7-1 0,-6-8 0,6 2 0,-2-7 0,3 4 0,0-5 0,0 1 0,0-1 0,0 1 0,0-1 0,0 0 0,-3-3 0,-1-1 0,-3-6 0,0-1 0,3-7 0,-3-2 0,6-3 0,-7-1 0,3-4 0,1 7 0,-4-6 0,7 7 0,-6-3 0,2-1 0,0 0 0,-2 5 0,3-4 0,-1 4 0,-2-5 0,2 1 0,-3-1 0,0 5 0,3-4 0,2 7 0,0-2 0,2 3 0,-2 1 0,3 0 0,3 3 0,1 1 0,3 6 0,0 2 0,1 2 0,6 8 0,-4-2 0,5 3 0,-7-1 0,-1-6 0,1 2 0,0 1 0,-4-4 0,3 4 0,-6-5 0,2 0 0,1 1 0,-3-1 0,2 1 0,0-1 0,-2 1 0,2-1 0,1 1 0,-4-1 0,4 0 0,-1 1 0,-2-1 0,2 1 0,-3-1 0,3 1 0,-2-1 0,3 0 0,-1-3 0,-2 3 0,2-3 0,-3 3 0,0 0 0,3-3 0,1-1 0,3-10 0,-3 2 0,2-13 0,-1 8 0,2-9 0,1 11 0,0-8 0,0 8 0,0-8 0,-1 8 0,5-11 0,-4 9 0,3-5 0,-3 8 0,3 3 0,-3-3 0,4 6 0,-5-6 0,5 7 0,-4-4 0,4 4 0,-5-3 0,5 2 0,-4-6 0,7 6 0,-2-2 0,-1 0 0,4 2 0,-8-3 0,4 4 0,-5 0 0,1 0 0,-1 0 0,0 0 0,1 0 0,-1 0 0,-3 3 0,-1-2 0,-3 2 0</inkml:trace>
+</inkml:ink>
+</file>
+
+<file path=ppt/ink/ink2.xml><?xml version="1.0" encoding="utf-8"?>
+<inkml:ink xmlns:inkml="http://www.w3.org/2003/InkML">
+  <inkml:definitions>
+    <inkml:context xml:id="ctx0">
+      <inkml:inkSource xml:id="inkSrc0">
+        <inkml:traceFormat>
+          <inkml:channel name="X" type="integer" min="-2.14748E9" max="2.14748E9" units="cm"/>
+          <inkml:channel name="Y" type="integer" min="-2.14748E9" max="2.14748E9" units="cm"/>
+          <inkml:channel name="F" type="integer" max="32767" units="dev"/>
+        </inkml:traceFormat>
+        <inkml:channelProperties>
+          <inkml:channelProperty channel="X" name="resolution" value="1000" units="1/cm"/>
+          <inkml:channelProperty channel="Y" name="resolution" value="1000" units="1/cm"/>
+          <inkml:channelProperty channel="F" name="resolution" value="0" units="1/dev"/>
+        </inkml:channelProperties>
+      </inkml:inkSource>
+      <inkml:timestamp xml:id="ts0" timeString="2023-04-30T13:30:45.767"/>
+    </inkml:context>
+    <inkml:brush xml:id="br0">
+      <inkml:brushProperty name="width" value="0.05" units="cm"/>
+      <inkml:brushProperty name="height" value="0.05" units="cm"/>
+      <inkml:brushProperty name="color" value="#E71224"/>
+    </inkml:brush>
+  </inkml:definitions>
+  <inkml:trace contextRef="#ctx0" brushRef="#br0">1 0 24575,'23'0'0,"-4"0"0,14 0 0,-9 0 0,6 0 0,-9 0 0,0 0 0,-3 0 0,3 0 0,0 0 0,2 0 0,4 0 0,5 0 0,-3 0 0,9 5 0,-10 0 0,10 4 0,-9 4 0,-2-3 0,-1 3 0,-8-4 0,-1-1 0,-5 0 0,-1 0 0,-3-1 0,4 1 0,-5-1 0,1 1 0,-1-1 0,1 5 0,0 0 0,4 5 0,-3-1 0,3 0 0,0 1 0,-3 4 0,7-3 0,-2 8 0,-1-9 0,3 4 0,-7 1 0,3-5 0,-3 0 0,-1-1 0,-1-8 0,1 4 0,-4-5 0,3 5 0,-6-4 0,6 8 0,-6-4 0,7 4 0,-4 1 0,1-1 0,2-3 0,-2 7 0,-1-6 0,4 7 0,-8-5 0,8 5 0,-3-3 0,0 8 0,2-8 0,-6 3 0,3-9 0,-1 4 0,-2-4 0,3 5 0,-1-1 0,-2-3 0,3 2 0,-4-7 0,0 4 0,0-5 0,0 1 0,0-1 0,-3-3 0,-5 0 0,0-4 0,-8-4 0,8 3 0,-8-6 0,3 2 0,-3-3 0,-1 3 0,5-2 0,-4 2 0,8 1 0,-8-3 0,7 6 0,-2-6 0,-1 6 0,4-6 0,-8 3 0,4-4 0,-1 0 0,-2-1 0,2 1 0,0 4 0,-2-4 0,6 4 0,-2-4 0,7 1 0,4 3 0,4 1 0,3 3 0,0 0 0,1 0 0,-1 0 0,0 0 0,5 0 0,-4 0 0,4 0 0,-1 0 0,-2 3 0,2-2 0,1 2 0,-4 1 0,3-4 0,-3 7 0,-1-6 0,1 6 0,-1-7 0,1 7 0,-1-3 0,1 0 0,-1 3 0,0-3 0,1 0 0,-1 3 0,1-6 0,-1 5 0,0-2 0,1 0 0,-4 3 0,2-7 0,-5 7 0,5-6 0,-2 5 0,3-2 0,0-1 0,-3 4 0,2-7 0,-5 7 0,6-7 0,-3 3 0,3-3 0,-1 0 0,-2-3 0,2-1 0,-5-3 0,6-1 0,-6 1 0,5-1 0,-5 1 0,6-1 0,-6 0 0,5 1 0,-2 3 0,0-3 0,3 3 0,-3-4 0,4 1 0,-1-1 0,1 1 0,-1-1 0,0 0 0,5 1 0,0-1 0,1 0 0,2-1 0,-6 2 0,2 2 0,-3-2 0,-1 3 0,0 0 0,1-3 0,-1 3 0,1 0 0,-1 1 0,1-1 0,-1 3 0,1-2 0,-4 0 0,2 2 0,-2-3 0,3 4 0,-3 0 0,-1 0 0</inkml:trace>
+</inkml:ink>
+</file>
+
+<file path=ppt/ink/ink3.xml><?xml version="1.0" encoding="utf-8"?>
+<inkml:ink xmlns:inkml="http://www.w3.org/2003/InkML">
+  <inkml:definitions>
+    <inkml:context xml:id="ctx0">
+      <inkml:inkSource xml:id="inkSrc0">
+        <inkml:traceFormat>
+          <inkml:channel name="X" type="integer" min="-2.14748E9" max="2.14748E9" units="cm"/>
+          <inkml:channel name="Y" type="integer" min="-2.14748E9" max="2.14748E9" units="cm"/>
+          <inkml:channel name="F" type="integer" max="32767" units="dev"/>
+        </inkml:traceFormat>
+        <inkml:channelProperties>
+          <inkml:channelProperty channel="X" name="resolution" value="1000" units="1/cm"/>
+          <inkml:channelProperty channel="Y" name="resolution" value="1000" units="1/cm"/>
+          <inkml:channelProperty channel="F" name="resolution" value="0" units="1/dev"/>
+        </inkml:channelProperties>
+      </inkml:inkSource>
+      <inkml:timestamp xml:id="ts0" timeString="2023-04-30T13:43:42.799"/>
+    </inkml:context>
+    <inkml:brush xml:id="br0">
+      <inkml:brushProperty name="width" value="0.05" units="cm"/>
+      <inkml:brushProperty name="height" value="0.05" units="cm"/>
+      <inkml:brushProperty name="color" value="#E71224"/>
+    </inkml:brush>
+  </inkml:definitions>
+  <inkml:trace contextRef="#ctx0" brushRef="#br0">1420 1 24575,'-21'9'0,"-7"6"0,-9 20 0,-21 19 0,3 1 0,13-16 0,-1 0 0,2-1 0,0-2 0,-32 29 0,35-27 0,1-2 0,-21 19 0,2 10 0,-9-5 0,19-8 0,-1-1 0,12-15 0,3 6 0,1-6 0,-1 7 0,1-6 0,-1 4 0,7-6 0,-5 2 0,9 1 0,-1-13 0,7 6 0,-2-8 0,8-1 0,-8-1 0,8-5 0,-3 1 0,4-1 0,-1 6 0,1-5 0,-2 9 0,2-4 0,-1 1 0,0 3 0,0-4 0,0 0 0,0 4 0,0-3 0,1-1 0,3 4 0,-3-9 0,4 5 0,-5-1 0,1-4 0,3 5 0,-3-6 0,7 1 0,-6-5 0,6-1 0,-2-3 0,0-1 0,2 1 0,-6-4 0,4-4 0,-1-4 0,-3-11 0,6 5 0,-3-8 0,1 5 0,2-4 0,-3 1 0,0-1 0,3 1 0,-2-1 0,3 1 0,-4-1 0,3 4 0,-3-2 0,4 6 0,-3-2 0,2 3 0,-2 1 0,-1-1 0,4 0 0,-4 1 0,1-1 0,2 1 0,-2-1 0,-1 1 0,3-1 0,-5 1 0,5 0 0,-6 3 0,7-3 0,-4 9 0,4-1 0,0 6 0,0 0 0,4 1 0,-3-1 0,5 1 0,-5-1 0,6 1 0,-7-1 0,7 0 0,-6 1 0,5-1 0,-5 0 0,6 1 0,-6-1 0,5-3 0,-5 3 0,2-3 0,1 3 0,-3 1 0,2-1 0,0 0 0,-2 0 0,2 0 0,1-3 0,-4 3 0,4-3 0,-1 3 0,-2 0 0,2 0 0,-3 0 0,0 0 0,3 0 0,-2 0 0,5-4 0,-3 0 0,4-3 0,0 0 0,0 0 0,0-3 0,0-1 0,0 0 0,-3-3 0,3 7 0,-3-7 0,4 6 0,-4-6 0,2 6 0,-2-5 0,4 2 0,-1-1 0,-3-1 0,3 1 0,-3 1 0,4-2 0,-1 2 0,0-4 0,1 4 0,-4-3 0,2 6 0,-2-5 0,4 5 0,-1-6 0,1 3 0,-1 0 0,-3-3 0,3 6 0,-3-5 0,4 5 0,-1-6 0,0 6 0,1-2 0,-1 3 0,1-4 0,-1 4 0,0-4 0,0 4 0,1 0 0,-1 0 0,0 0 0,-3-3 0,2 2 0,-2-2 0,0 9 0,-1-5 0,-3 5 0</inkml:trace>
+</inkml:ink>
+</file>
+
+<file path=ppt/ink/ink4.xml><?xml version="1.0" encoding="utf-8"?>
+<inkml:ink xmlns:inkml="http://www.w3.org/2003/InkML">
+  <inkml:definitions>
+    <inkml:context xml:id="ctx0">
+      <inkml:inkSource xml:id="inkSrc0">
+        <inkml:traceFormat>
+          <inkml:channel name="X" type="integer" min="-2.14748E9" max="2.14748E9" units="cm"/>
+          <inkml:channel name="Y" type="integer" min="-2.14748E9" max="2.14748E9" units="cm"/>
+          <inkml:channel name="F" type="integer" max="32767" units="dev"/>
+        </inkml:traceFormat>
+        <inkml:channelProperties>
+          <inkml:channelProperty channel="X" name="resolution" value="1000" units="1/cm"/>
+          <inkml:channelProperty channel="Y" name="resolution" value="1000" units="1/cm"/>
+          <inkml:channelProperty channel="F" name="resolution" value="0" units="1/dev"/>
+        </inkml:channelProperties>
+      </inkml:inkSource>
+      <inkml:timestamp xml:id="ts0" timeString="2023-04-30T13:43:47.012"/>
+    </inkml:context>
+    <inkml:brush xml:id="br0">
+      <inkml:brushProperty name="width" value="0.05" units="cm"/>
+      <inkml:brushProperty name="height" value="0.05" units="cm"/>
+      <inkml:brushProperty name="color" value="#E71224"/>
+    </inkml:brush>
+  </inkml:definitions>
+  <inkml:trace contextRef="#ctx0" brushRef="#br0">214 1 24575,'0'7'0,"0"11"0,0-8 0,0 13 0,0-10 0,0 3 0,0-3 0,0 2 0,0 2 0,0 1 0,0 3 0,0-5 0,0 1 0,0-1 0,0 1 0,0-5 0,0 4 0,0-4 0,0 5 0,0-1 0,0 1 0,0-1 0,0 1 0,0 4 0,0-4 0,0 5 0,0-6 0,0 0 0,0 1 0,0-1 0,0 1 0,0-1 0,0 1 0,0-1 0,0 1 0,0-5 0,0 4 0,0-4 0,0 0 0,0 4 0,0 0 0,0 1 0,0 3 0,0-4 0,0-3 0,0 2 0,0-2 0,0 3 0,0-4 0,0 4 0,0-8 0,0 8 0,0-8 0,0 4 0,0-1 0,0-2 0,0 6 0,0-6 0,0 2 0,0 0 0,0-2 0,0 2 0,0-3 0,0 3 0,0-2 0,0 2 0,0-3 0,0-1 0,0 0 0,0 1 0,0-1 0,0 1 0,0-1 0,0 1 0,0-1 0,0 1 0,0-1 0,0 0 0,0 1 0,0-1 0,0 0 0,0 0 0,0 1 0,0-1 0,0 0 0,0 0 0,0 0 0,-3-3 0,-1-1 0,-3-3 0,0 0 0,0 0 0,-1 0 0,1 0 0,-1 0 0,-3-4 0,2-4 0,-3-1 0,0-7 0,4 8 0,-4-8 0,0 7 0,3-3 0,-2 4 0,3 1 0,0-1 0,4 1 0,-2-1 0,2 1 0,-4 0 0,4 0 0,-2 3 0,5-3 0,-6 6 0,6-5 0,-5 5 0,5-5 0,-2 2 0,6 0 0,1 1 0,3 3 0,7 0 0,-5 4 0,5-4 0,-6 7 0,-1-3 0,1 0 0,-1 3 0,1-3 0,-1 0 0,0 3 0,1-3 0,-1 0 0,0-1 0,-3 0 0,3-2 0,-3 2 0,0 1 0,3-4 0,-3 7 0,3-3 0,-3 3 0,2-3 0,-5 2 0,3-2 0,-1 0 0,-3 3 0,7-3 0,-7 3 0,7-3 0,-6 2 0,2-2 0,0 4 0,-2-1 0,5 0 0,-5 0 0,5-3 0,-2-1 0,2-3 0,1 0 0,-3-4 0,9-7 0,-10 2 0,10-5 0,-9 10 0,4-3 0,-4 3 0,2 0 0,-2-3 0,4 3 0,-1-4 0,0 1 0,1 3 0,-4-3 0,2 6 0,-1-5 0,2 5 0,0-6 0,1 6 0,-1-2 0,1 0 0,-1-1 0,0-1 0,1 2 0,-1 0 0,1 2 0,-1-2 0,-3-1 0,3 3 0,-3-2 0,3 3 0,0 0 0,0 0 0,0 0 0,-3-3 0,2 2 0,-5-5 0,2 5 0,-3-2 0</inkml:trace>
+</inkml:ink>
+</file>
+
 <file path=ppt/slideLayouts/slideLayout1.xml><?xml version="1.0" encoding="utf-8"?>
 <p:sldLayout xmlns:a="http://schemas.openxmlformats.org/drawingml/2006/main" xmlns:r="http://schemas.openxmlformats.org/officeDocument/2006/relationships" xmlns:p="http://schemas.openxmlformats.org/presentationml/2006/main" type="title" preserve="1">
   <p:cSld name="Title Slide">
@@ -268,7 +387,7 @@
           <a:p>
             <a:fld id="{B6D41BCC-AD73-4203-A5A6-E62EB28B0FE6}" type="datetimeFigureOut">
               <a:rPr lang="en-US" smtClean="0"/>
-              <a:t>4/28/23</a:t>
+              <a:t>4/30/23</a:t>
             </a:fld>
             <a:endParaRPr lang="en-US"/>
           </a:p>
@@ -476,7 +595,7 @@
           <a:p>
             <a:fld id="{B6D41BCC-AD73-4203-A5A6-E62EB28B0FE6}" type="datetimeFigureOut">
               <a:rPr lang="en-US" smtClean="0"/>
-              <a:t>4/28/23</a:t>
+              <a:t>4/30/23</a:t>
             </a:fld>
             <a:endParaRPr lang="en-US"/>
           </a:p>
@@ -684,7 +803,7 @@
           <a:p>
             <a:fld id="{B6D41BCC-AD73-4203-A5A6-E62EB28B0FE6}" type="datetimeFigureOut">
               <a:rPr lang="en-US" smtClean="0"/>
-              <a:t>4/28/23</a:t>
+              <a:t>4/30/23</a:t>
             </a:fld>
             <a:endParaRPr lang="en-US"/>
           </a:p>
@@ -882,7 +1001,7 @@
           <a:p>
             <a:fld id="{B6D41BCC-AD73-4203-A5A6-E62EB28B0FE6}" type="datetimeFigureOut">
               <a:rPr lang="en-US" smtClean="0"/>
-              <a:t>4/28/23</a:t>
+              <a:t>4/30/23</a:t>
             </a:fld>
             <a:endParaRPr lang="en-US"/>
           </a:p>
@@ -1159,7 +1278,7 @@
           <a:p>
             <a:fld id="{B6D41BCC-AD73-4203-A5A6-E62EB28B0FE6}" type="datetimeFigureOut">
               <a:rPr lang="en-US" smtClean="0"/>
-              <a:t>4/28/23</a:t>
+              <a:t>4/30/23</a:t>
             </a:fld>
             <a:endParaRPr lang="en-US"/>
           </a:p>
@@ -1429,7 +1548,7 @@
           <a:p>
             <a:fld id="{B6D41BCC-AD73-4203-A5A6-E62EB28B0FE6}" type="datetimeFigureOut">
               <a:rPr lang="en-US" smtClean="0"/>
-              <a:t>4/28/23</a:t>
+              <a:t>4/30/23</a:t>
             </a:fld>
             <a:endParaRPr lang="en-US"/>
           </a:p>
@@ -1845,7 +1964,7 @@
           <a:p>
             <a:fld id="{B6D41BCC-AD73-4203-A5A6-E62EB28B0FE6}" type="datetimeFigureOut">
               <a:rPr lang="en-US" smtClean="0"/>
-              <a:t>4/28/23</a:t>
+              <a:t>4/30/23</a:t>
             </a:fld>
             <a:endParaRPr lang="en-US"/>
           </a:p>
@@ -1986,7 +2105,7 @@
           <a:p>
             <a:fld id="{B6D41BCC-AD73-4203-A5A6-E62EB28B0FE6}" type="datetimeFigureOut">
               <a:rPr lang="en-US" smtClean="0"/>
-              <a:t>4/28/23</a:t>
+              <a:t>4/30/23</a:t>
             </a:fld>
             <a:endParaRPr lang="en-US"/>
           </a:p>
@@ -2099,7 +2218,7 @@
           <a:p>
             <a:fld id="{B6D41BCC-AD73-4203-A5A6-E62EB28B0FE6}" type="datetimeFigureOut">
               <a:rPr lang="en-US" smtClean="0"/>
-              <a:t>4/28/23</a:t>
+              <a:t>4/30/23</a:t>
             </a:fld>
             <a:endParaRPr lang="en-US"/>
           </a:p>
@@ -2425,7 +2544,7 @@
           <a:p>
             <a:fld id="{B6D41BCC-AD73-4203-A5A6-E62EB28B0FE6}" type="datetimeFigureOut">
               <a:rPr lang="en-US" smtClean="0"/>
-              <a:t>4/28/23</a:t>
+              <a:t>4/30/23</a:t>
             </a:fld>
             <a:endParaRPr lang="en-US"/>
           </a:p>
@@ -2713,7 +2832,7 @@
           <a:p>
             <a:fld id="{B6D41BCC-AD73-4203-A5A6-E62EB28B0FE6}" type="datetimeFigureOut">
               <a:rPr lang="en-US" smtClean="0"/>
-              <a:t>4/28/23</a:t>
+              <a:t>4/30/23</a:t>
             </a:fld>
             <a:endParaRPr lang="en-US"/>
           </a:p>
@@ -2953,7 +3072,7 @@
             <a:fld id="{B6D41BCC-AD73-4203-A5A6-E62EB28B0FE6}" type="datetimeFigureOut">
               <a:rPr lang="en-US" smtClean="0"/>
               <a:pPr/>
-              <a:t>4/28/23</a:t>
+              <a:t>4/30/23</a:t>
             </a:fld>
             <a:endParaRPr lang="en-US"/>
           </a:p>
@@ -3719,6 +3838,1706 @@
 </p:sld>
 </file>
 
+<file path=ppt/slides/slide10.xml><?xml version="1.0" encoding="utf-8"?>
+<p:sld xmlns:a="http://schemas.openxmlformats.org/drawingml/2006/main" xmlns:r="http://schemas.openxmlformats.org/officeDocument/2006/relationships" xmlns:p="http://schemas.openxmlformats.org/presentationml/2006/main">
+  <p:cSld>
+    <p:spTree>
+      <p:nvGrpSpPr>
+        <p:cNvPr id="1" name=""/>
+        <p:cNvGrpSpPr/>
+        <p:nvPr/>
+      </p:nvGrpSpPr>
+      <p:grpSpPr>
+        <a:xfrm>
+          <a:off x="0" y="0"/>
+          <a:ext cx="0" cy="0"/>
+          <a:chOff x="0" y="0"/>
+          <a:chExt cx="0" cy="0"/>
+        </a:xfrm>
+      </p:grpSpPr>
+      <p:sp>
+        <p:nvSpPr>
+          <p:cNvPr id="4" name="Rectangle 3">
+            <a:extLst>
+              <a:ext uri="{FF2B5EF4-FFF2-40B4-BE49-F238E27FC236}">
+                <a16:creationId xmlns:a16="http://schemas.microsoft.com/office/drawing/2014/main" id="{C3107E71-09FC-BCDF-1F64-49DDD36030DE}"/>
+              </a:ext>
+            </a:extLst>
+          </p:cNvPr>
+          <p:cNvSpPr/>
+          <p:nvPr/>
+        </p:nvSpPr>
+        <p:spPr>
+          <a:xfrm>
+            <a:off x="-7847" y="0"/>
+            <a:ext cx="2138572" cy="6858000"/>
+          </a:xfrm>
+          <a:prstGeom prst="rect">
+            <a:avLst/>
+          </a:prstGeom>
+        </p:spPr>
+        <p:style>
+          <a:lnRef idx="2">
+            <a:schemeClr val="accent1">
+              <a:shade val="50000"/>
+            </a:schemeClr>
+          </a:lnRef>
+          <a:fillRef idx="1">
+            <a:schemeClr val="accent1"/>
+          </a:fillRef>
+          <a:effectRef idx="0">
+            <a:schemeClr val="accent1"/>
+          </a:effectRef>
+          <a:fontRef idx="minor">
+            <a:schemeClr val="lt1"/>
+          </a:fontRef>
+        </p:style>
+        <p:txBody>
+          <a:bodyPr rtlCol="0" anchor="ctr"/>
+          <a:lstStyle/>
+          <a:p>
+            <a:pPr algn="ctr"/>
+            <a:endParaRPr lang="en-US" dirty="0"/>
+          </a:p>
+        </p:txBody>
+      </p:sp>
+      <p:sp>
+        <p:nvSpPr>
+          <p:cNvPr id="5" name="Rectangle 4">
+            <a:extLst>
+              <a:ext uri="{FF2B5EF4-FFF2-40B4-BE49-F238E27FC236}">
+                <a16:creationId xmlns:a16="http://schemas.microsoft.com/office/drawing/2014/main" id="{069A767E-017F-7463-2632-A053F60E3E3D}"/>
+              </a:ext>
+            </a:extLst>
+          </p:cNvPr>
+          <p:cNvSpPr/>
+          <p:nvPr/>
+        </p:nvSpPr>
+        <p:spPr>
+          <a:xfrm>
+            <a:off x="2117725" y="0"/>
+            <a:ext cx="2138572" cy="6858000"/>
+          </a:xfrm>
+          <a:prstGeom prst="rect">
+            <a:avLst/>
+          </a:prstGeom>
+          <a:solidFill>
+            <a:schemeClr val="accent4"/>
+          </a:solidFill>
+        </p:spPr>
+        <p:style>
+          <a:lnRef idx="2">
+            <a:schemeClr val="accent1">
+              <a:shade val="50000"/>
+            </a:schemeClr>
+          </a:lnRef>
+          <a:fillRef idx="1">
+            <a:schemeClr val="accent1"/>
+          </a:fillRef>
+          <a:effectRef idx="0">
+            <a:schemeClr val="accent1"/>
+          </a:effectRef>
+          <a:fontRef idx="minor">
+            <a:schemeClr val="lt1"/>
+          </a:fontRef>
+        </p:style>
+        <p:txBody>
+          <a:bodyPr rtlCol="0" anchor="ctr"/>
+          <a:lstStyle/>
+          <a:p>
+            <a:pPr algn="ctr"/>
+            <a:endParaRPr lang="en-US" dirty="0"/>
+          </a:p>
+        </p:txBody>
+      </p:sp>
+      <p:sp>
+        <p:nvSpPr>
+          <p:cNvPr id="6" name="Rectangle 5">
+            <a:extLst>
+              <a:ext uri="{FF2B5EF4-FFF2-40B4-BE49-F238E27FC236}">
+                <a16:creationId xmlns:a16="http://schemas.microsoft.com/office/drawing/2014/main" id="{0DCBBFFD-A6E3-742A-9C31-B4467F1CEAE2}"/>
+              </a:ext>
+            </a:extLst>
+          </p:cNvPr>
+          <p:cNvSpPr/>
+          <p:nvPr/>
+        </p:nvSpPr>
+        <p:spPr>
+          <a:xfrm>
+            <a:off x="4256297" y="0"/>
+            <a:ext cx="7960575" cy="6858000"/>
+          </a:xfrm>
+          <a:prstGeom prst="rect">
+            <a:avLst/>
+          </a:prstGeom>
+          <a:solidFill>
+            <a:schemeClr val="accent6"/>
+          </a:solidFill>
+        </p:spPr>
+        <p:style>
+          <a:lnRef idx="2">
+            <a:schemeClr val="accent1">
+              <a:shade val="50000"/>
+            </a:schemeClr>
+          </a:lnRef>
+          <a:fillRef idx="1">
+            <a:schemeClr val="accent1"/>
+          </a:fillRef>
+          <a:effectRef idx="0">
+            <a:schemeClr val="accent1"/>
+          </a:effectRef>
+          <a:fontRef idx="minor">
+            <a:schemeClr val="lt1"/>
+          </a:fontRef>
+        </p:style>
+        <p:txBody>
+          <a:bodyPr rtlCol="0" anchor="ctr"/>
+          <a:lstStyle/>
+          <a:p>
+            <a:pPr algn="ctr"/>
+            <a:endParaRPr lang="en-US" dirty="0"/>
+          </a:p>
+        </p:txBody>
+      </p:sp>
+      <p:sp>
+        <p:nvSpPr>
+          <p:cNvPr id="7" name="TextBox 6">
+            <a:extLst>
+              <a:ext uri="{FF2B5EF4-FFF2-40B4-BE49-F238E27FC236}">
+                <a16:creationId xmlns:a16="http://schemas.microsoft.com/office/drawing/2014/main" id="{4DBCD72F-F194-92BE-0723-EF74452CF088}"/>
+              </a:ext>
+            </a:extLst>
+          </p:cNvPr>
+          <p:cNvSpPr txBox="1"/>
+          <p:nvPr/>
+        </p:nvSpPr>
+        <p:spPr>
+          <a:xfrm>
+            <a:off x="-823175" y="659028"/>
+            <a:ext cx="3580327" cy="400110"/>
+          </a:xfrm>
+          <a:prstGeom prst="rect">
+            <a:avLst/>
+          </a:prstGeom>
+          <a:noFill/>
+        </p:spPr>
+        <p:txBody>
+          <a:bodyPr wrap="square" rtlCol="0">
+            <a:spAutoFit/>
+          </a:bodyPr>
+          <a:lstStyle/>
+          <a:p>
+            <a:pPr algn="ctr"/>
+            <a:r>
+              <a:rPr lang="en-US" sz="2000" b="1" dirty="0">
+                <a:solidFill>
+                  <a:schemeClr val="bg1"/>
+                </a:solidFill>
+                <a:latin typeface="+mj-lt"/>
+              </a:rPr>
+              <a:t>Phase 1</a:t>
+            </a:r>
+          </a:p>
+        </p:txBody>
+      </p:sp>
+      <p:sp>
+        <p:nvSpPr>
+          <p:cNvPr id="10" name="TextBox 9">
+            <a:extLst>
+              <a:ext uri="{FF2B5EF4-FFF2-40B4-BE49-F238E27FC236}">
+                <a16:creationId xmlns:a16="http://schemas.microsoft.com/office/drawing/2014/main" id="{DC57F0F7-F30D-4526-E18F-642F0E2FC0D7}"/>
+              </a:ext>
+            </a:extLst>
+          </p:cNvPr>
+          <p:cNvSpPr txBox="1"/>
+          <p:nvPr/>
+        </p:nvSpPr>
+        <p:spPr>
+          <a:xfrm>
+            <a:off x="6096000" y="525245"/>
+            <a:ext cx="3580327" cy="707886"/>
+          </a:xfrm>
+          <a:prstGeom prst="rect">
+            <a:avLst/>
+          </a:prstGeom>
+          <a:noFill/>
+        </p:spPr>
+        <p:txBody>
+          <a:bodyPr wrap="square" rtlCol="0">
+            <a:spAutoFit/>
+          </a:bodyPr>
+          <a:lstStyle/>
+          <a:p>
+            <a:pPr algn="ctr"/>
+            <a:r>
+              <a:rPr lang="en-US" sz="4000" b="1" dirty="0">
+                <a:solidFill>
+                  <a:schemeClr val="bg1"/>
+                </a:solidFill>
+                <a:latin typeface="+mj-lt"/>
+              </a:rPr>
+              <a:t>Phase 3</a:t>
+            </a:r>
+          </a:p>
+        </p:txBody>
+      </p:sp>
+      <p:sp>
+        <p:nvSpPr>
+          <p:cNvPr id="11" name="TextBox 10">
+            <a:extLst>
+              <a:ext uri="{FF2B5EF4-FFF2-40B4-BE49-F238E27FC236}">
+                <a16:creationId xmlns:a16="http://schemas.microsoft.com/office/drawing/2014/main" id="{533CC8A0-7D1F-76F0-0216-308434A51135}"/>
+              </a:ext>
+            </a:extLst>
+          </p:cNvPr>
+          <p:cNvSpPr txBox="1"/>
+          <p:nvPr/>
+        </p:nvSpPr>
+        <p:spPr>
+          <a:xfrm>
+            <a:off x="1313496" y="659028"/>
+            <a:ext cx="3580327" cy="400110"/>
+          </a:xfrm>
+          <a:prstGeom prst="rect">
+            <a:avLst/>
+          </a:prstGeom>
+          <a:noFill/>
+        </p:spPr>
+        <p:txBody>
+          <a:bodyPr wrap="square" rtlCol="0">
+            <a:spAutoFit/>
+          </a:bodyPr>
+          <a:lstStyle/>
+          <a:p>
+            <a:pPr algn="ctr"/>
+            <a:r>
+              <a:rPr lang="en-US" sz="2000" b="1" dirty="0">
+                <a:solidFill>
+                  <a:schemeClr val="bg1"/>
+                </a:solidFill>
+                <a:latin typeface="+mj-lt"/>
+              </a:rPr>
+              <a:t>Phase 2</a:t>
+            </a:r>
+          </a:p>
+        </p:txBody>
+      </p:sp>
+      <p:sp>
+        <p:nvSpPr>
+          <p:cNvPr id="12" name="TextBox 11">
+            <a:extLst>
+              <a:ext uri="{FF2B5EF4-FFF2-40B4-BE49-F238E27FC236}">
+                <a16:creationId xmlns:a16="http://schemas.microsoft.com/office/drawing/2014/main" id="{9BA047EF-FD15-E53B-BD23-37A319F6E77E}"/>
+              </a:ext>
+            </a:extLst>
+          </p:cNvPr>
+          <p:cNvSpPr txBox="1"/>
+          <p:nvPr/>
+        </p:nvSpPr>
+        <p:spPr>
+          <a:xfrm>
+            <a:off x="-7847" y="1132480"/>
+            <a:ext cx="2336979" cy="246221"/>
+          </a:xfrm>
+          <a:prstGeom prst="rect">
+            <a:avLst/>
+          </a:prstGeom>
+          <a:noFill/>
+        </p:spPr>
+        <p:txBody>
+          <a:bodyPr wrap="square" rtlCol="0">
+            <a:spAutoFit/>
+          </a:bodyPr>
+          <a:lstStyle/>
+          <a:p>
+            <a:r>
+              <a:rPr lang="en-US" sz="1000" b="1" i="1" dirty="0">
+                <a:solidFill>
+                  <a:schemeClr val="bg1"/>
+                </a:solidFill>
+                <a:latin typeface="+mj-lt"/>
+              </a:rPr>
+              <a:t>Data acquisition and refinement</a:t>
+            </a:r>
+          </a:p>
+        </p:txBody>
+      </p:sp>
+      <p:pic>
+        <p:nvPicPr>
+          <p:cNvPr id="14" name="Content Placeholder 13" descr="Icon&#10;&#10;Description automatically generated">
+            <a:extLst>
+              <a:ext uri="{FF2B5EF4-FFF2-40B4-BE49-F238E27FC236}">
+                <a16:creationId xmlns:a16="http://schemas.microsoft.com/office/drawing/2014/main" id="{56C9E5C3-3E25-1323-9E8A-A7867759C32D}"/>
+              </a:ext>
+            </a:extLst>
+          </p:cNvPr>
+          <p:cNvPicPr>
+            <a:picLocks noGrp="1" noChangeAspect="1"/>
+          </p:cNvPicPr>
+          <p:nvPr>
+            <p:ph idx="1"/>
+          </p:nvPr>
+        </p:nvPicPr>
+        <p:blipFill>
+          <a:blip r:embed="rId2"/>
+          <a:stretch>
+            <a:fillRect/>
+          </a:stretch>
+        </p:blipFill>
+        <p:spPr>
+          <a:xfrm>
+            <a:off x="374695" y="2138739"/>
+            <a:ext cx="1213220" cy="1213220"/>
+          </a:xfrm>
+        </p:spPr>
+      </p:pic>
+      <p:pic>
+        <p:nvPicPr>
+          <p:cNvPr id="17" name="Picture 16" descr="Icon&#10;&#10;Description automatically generated">
+            <a:extLst>
+              <a:ext uri="{FF2B5EF4-FFF2-40B4-BE49-F238E27FC236}">
+                <a16:creationId xmlns:a16="http://schemas.microsoft.com/office/drawing/2014/main" id="{F2289D26-57CE-E4E7-2E9D-9A9C1D819467}"/>
+              </a:ext>
+            </a:extLst>
+          </p:cNvPr>
+          <p:cNvPicPr>
+            <a:picLocks noChangeAspect="1"/>
+          </p:cNvPicPr>
+          <p:nvPr/>
+        </p:nvPicPr>
+        <p:blipFill>
+          <a:blip r:embed="rId3"/>
+          <a:stretch>
+            <a:fillRect/>
+          </a:stretch>
+        </p:blipFill>
+        <p:spPr>
+          <a:xfrm>
+            <a:off x="2589507" y="2121019"/>
+            <a:ext cx="1225033" cy="1225033"/>
+          </a:xfrm>
+          <a:prstGeom prst="rect">
+            <a:avLst/>
+          </a:prstGeom>
+        </p:spPr>
+      </p:pic>
+      <p:sp>
+        <p:nvSpPr>
+          <p:cNvPr id="18" name="TextBox 17">
+            <a:extLst>
+              <a:ext uri="{FF2B5EF4-FFF2-40B4-BE49-F238E27FC236}">
+                <a16:creationId xmlns:a16="http://schemas.microsoft.com/office/drawing/2014/main" id="{7ADC5359-481D-E038-5CAB-D345D2A8F315}"/>
+              </a:ext>
+            </a:extLst>
+          </p:cNvPr>
+          <p:cNvSpPr txBox="1"/>
+          <p:nvPr/>
+        </p:nvSpPr>
+        <p:spPr>
+          <a:xfrm>
+            <a:off x="2273055" y="1132479"/>
+            <a:ext cx="2987898" cy="246221"/>
+          </a:xfrm>
+          <a:prstGeom prst="rect">
+            <a:avLst/>
+          </a:prstGeom>
+          <a:noFill/>
+        </p:spPr>
+        <p:txBody>
+          <a:bodyPr wrap="square" rtlCol="0">
+            <a:spAutoFit/>
+          </a:bodyPr>
+          <a:lstStyle/>
+          <a:p>
+            <a:r>
+              <a:rPr lang="en-US" sz="1000" b="1" i="0" dirty="0">
+                <a:solidFill>
+                  <a:srgbClr val="E6EDF3"/>
+                </a:solidFill>
+                <a:effectLst/>
+                <a:latin typeface="+mj-lt"/>
+              </a:rPr>
+              <a:t>Model Architecture Selection</a:t>
+            </a:r>
+            <a:endParaRPr lang="en-US" sz="1000" b="1" i="1" dirty="0">
+              <a:solidFill>
+                <a:schemeClr val="bg1"/>
+              </a:solidFill>
+              <a:latin typeface="+mj-lt"/>
+            </a:endParaRPr>
+          </a:p>
+        </p:txBody>
+      </p:sp>
+      <p:sp>
+        <p:nvSpPr>
+          <p:cNvPr id="19" name="TextBox 18">
+            <a:extLst>
+              <a:ext uri="{FF2B5EF4-FFF2-40B4-BE49-F238E27FC236}">
+                <a16:creationId xmlns:a16="http://schemas.microsoft.com/office/drawing/2014/main" id="{289FAF70-B5F1-42DD-06F9-15510A212020}"/>
+              </a:ext>
+            </a:extLst>
+          </p:cNvPr>
+          <p:cNvSpPr txBox="1"/>
+          <p:nvPr/>
+        </p:nvSpPr>
+        <p:spPr>
+          <a:xfrm>
+            <a:off x="6530846" y="1516497"/>
+            <a:ext cx="5129570" cy="461665"/>
+          </a:xfrm>
+          <a:prstGeom prst="rect">
+            <a:avLst/>
+          </a:prstGeom>
+          <a:noFill/>
+        </p:spPr>
+        <p:txBody>
+          <a:bodyPr wrap="square" rtlCol="0">
+            <a:spAutoFit/>
+          </a:bodyPr>
+          <a:lstStyle/>
+          <a:p>
+            <a:r>
+              <a:rPr lang="en-US" sz="2400" b="1" i="0" dirty="0">
+                <a:solidFill>
+                  <a:srgbClr val="E6EDF3"/>
+                </a:solidFill>
+                <a:effectLst/>
+                <a:latin typeface="+mj-lt"/>
+              </a:rPr>
+              <a:t>Model Training and Evaluation</a:t>
+            </a:r>
+            <a:endParaRPr lang="en-US" sz="2400" b="1" i="1" dirty="0">
+              <a:solidFill>
+                <a:schemeClr val="bg1"/>
+              </a:solidFill>
+              <a:latin typeface="+mj-lt"/>
+            </a:endParaRPr>
+          </a:p>
+        </p:txBody>
+      </p:sp>
+      <p:pic>
+        <p:nvPicPr>
+          <p:cNvPr id="21" name="Picture 20" descr="Icon&#10;&#10;Description automatically generated">
+            <a:extLst>
+              <a:ext uri="{FF2B5EF4-FFF2-40B4-BE49-F238E27FC236}">
+                <a16:creationId xmlns:a16="http://schemas.microsoft.com/office/drawing/2014/main" id="{C31D2572-0982-0482-AB2E-4CA77F1440C9}"/>
+              </a:ext>
+            </a:extLst>
+          </p:cNvPr>
+          <p:cNvPicPr>
+            <a:picLocks noChangeAspect="1"/>
+          </p:cNvPicPr>
+          <p:nvPr/>
+        </p:nvPicPr>
+        <p:blipFill>
+          <a:blip r:embed="rId4"/>
+          <a:stretch>
+            <a:fillRect/>
+          </a:stretch>
+        </p:blipFill>
+        <p:spPr>
+          <a:xfrm>
+            <a:off x="4387242" y="191106"/>
+            <a:ext cx="1947633" cy="1947633"/>
+          </a:xfrm>
+          <a:prstGeom prst="rect">
+            <a:avLst/>
+          </a:prstGeom>
+        </p:spPr>
+      </p:pic>
+    </p:spTree>
+    <p:extLst>
+      <p:ext uri="{BB962C8B-B14F-4D97-AF65-F5344CB8AC3E}">
+        <p14:creationId xmlns:p14="http://schemas.microsoft.com/office/powerpoint/2010/main" val="3669134436"/>
+      </p:ext>
+    </p:extLst>
+  </p:cSld>
+  <p:clrMapOvr>
+    <a:masterClrMapping/>
+  </p:clrMapOvr>
+  <mc:AlternateContent xmlns:mc="http://schemas.openxmlformats.org/markup-compatibility/2006" xmlns:p159="http://schemas.microsoft.com/office/powerpoint/2015/09/main">
+    <mc:Choice Requires="p159">
+      <p:transition xmlns:p14="http://schemas.microsoft.com/office/powerpoint/2010/main" spd="slow" p14:dur="2000">
+        <p159:morph option="byObject"/>
+      </p:transition>
+    </mc:Choice>
+    <mc:Fallback xmlns="">
+      <p:transition spd="slow">
+        <p:fade/>
+      </p:transition>
+    </mc:Fallback>
+  </mc:AlternateContent>
+</p:sld>
+</file>
+
+<file path=ppt/slides/slide11.xml><?xml version="1.0" encoding="utf-8"?>
+<p:sld xmlns:a="http://schemas.openxmlformats.org/drawingml/2006/main" xmlns:r="http://schemas.openxmlformats.org/officeDocument/2006/relationships" xmlns:p="http://schemas.openxmlformats.org/presentationml/2006/main">
+  <p:cSld>
+    <p:spTree>
+      <p:nvGrpSpPr>
+        <p:cNvPr id="1" name=""/>
+        <p:cNvGrpSpPr/>
+        <p:nvPr/>
+      </p:nvGrpSpPr>
+      <p:grpSpPr>
+        <a:xfrm>
+          <a:off x="0" y="0"/>
+          <a:ext cx="0" cy="0"/>
+          <a:chOff x="0" y="0"/>
+          <a:chExt cx="0" cy="0"/>
+        </a:xfrm>
+      </p:grpSpPr>
+      <p:sp>
+        <p:nvSpPr>
+          <p:cNvPr id="2" name="Title 1">
+            <a:extLst>
+              <a:ext uri="{FF2B5EF4-FFF2-40B4-BE49-F238E27FC236}">
+                <a16:creationId xmlns:a16="http://schemas.microsoft.com/office/drawing/2014/main" id="{7EB20B63-5B31-0E8A-FDF1-9FCB17774875}"/>
+              </a:ext>
+            </a:extLst>
+          </p:cNvPr>
+          <p:cNvSpPr>
+            <a:spLocks noGrp="1"/>
+          </p:cNvSpPr>
+          <p:nvPr>
+            <p:ph type="title"/>
+          </p:nvPr>
+        </p:nvSpPr>
+        <p:spPr/>
+        <p:txBody>
+          <a:bodyPr/>
+          <a:lstStyle/>
+          <a:p>
+            <a:r>
+              <a:rPr lang="en-US" dirty="0"/>
+              <a:t>Scoring Metrics</a:t>
+            </a:r>
+          </a:p>
+        </p:txBody>
+      </p:sp>
+      <p:sp>
+        <p:nvSpPr>
+          <p:cNvPr id="3" name="Content Placeholder 2">
+            <a:extLst>
+              <a:ext uri="{FF2B5EF4-FFF2-40B4-BE49-F238E27FC236}">
+                <a16:creationId xmlns:a16="http://schemas.microsoft.com/office/drawing/2014/main" id="{1C31CD71-C467-C2B6-F6E7-F5960B65EA0D}"/>
+              </a:ext>
+            </a:extLst>
+          </p:cNvPr>
+          <p:cNvSpPr>
+            <a:spLocks noGrp="1"/>
+          </p:cNvSpPr>
+          <p:nvPr>
+            <p:ph idx="1"/>
+          </p:nvPr>
+        </p:nvSpPr>
+        <p:spPr>
+          <a:xfrm>
+            <a:off x="1638300" y="2057400"/>
+            <a:ext cx="4066309" cy="4137259"/>
+          </a:xfrm>
+        </p:spPr>
+        <p:txBody>
+          <a:bodyPr>
+            <a:normAutofit/>
+          </a:bodyPr>
+          <a:lstStyle/>
+          <a:p>
+            <a:r>
+              <a:rPr lang="en-US" sz="2800" dirty="0"/>
+              <a:t>Cosine Similarity captures semantic similarity</a:t>
+            </a:r>
+          </a:p>
+          <a:p>
+            <a:r>
+              <a:rPr lang="en-US" sz="2800" dirty="0"/>
+              <a:t>We chose Word Man’s Distance and Smooth Inverse Frequency</a:t>
+            </a:r>
+          </a:p>
+        </p:txBody>
+      </p:sp>
+      <p:pic>
+        <p:nvPicPr>
+          <p:cNvPr id="5" name="Picture 4" descr="A picture containing diagram&#10;&#10;Description automatically generated">
+            <a:extLst>
+              <a:ext uri="{FF2B5EF4-FFF2-40B4-BE49-F238E27FC236}">
+                <a16:creationId xmlns:a16="http://schemas.microsoft.com/office/drawing/2014/main" id="{E53EAB1E-E0F0-B9B3-163F-678B0C013A25}"/>
+              </a:ext>
+            </a:extLst>
+          </p:cNvPr>
+          <p:cNvPicPr>
+            <a:picLocks noChangeAspect="1"/>
+          </p:cNvPicPr>
+          <p:nvPr/>
+        </p:nvPicPr>
+        <p:blipFill rotWithShape="1">
+          <a:blip r:embed="rId2"/>
+          <a:srcRect l="46034"/>
+          <a:stretch/>
+        </p:blipFill>
+        <p:spPr>
+          <a:xfrm>
+            <a:off x="7232072" y="685800"/>
+            <a:ext cx="4194464" cy="4364681"/>
+          </a:xfrm>
+          <a:prstGeom prst="rect">
+            <a:avLst/>
+          </a:prstGeom>
+        </p:spPr>
+      </p:pic>
+      <p:sp>
+        <p:nvSpPr>
+          <p:cNvPr id="6" name="TextBox 5">
+            <a:extLst>
+              <a:ext uri="{FF2B5EF4-FFF2-40B4-BE49-F238E27FC236}">
+                <a16:creationId xmlns:a16="http://schemas.microsoft.com/office/drawing/2014/main" id="{607010D1-D55D-5BA5-A229-1CEBE66C2793}"/>
+              </a:ext>
+            </a:extLst>
+          </p:cNvPr>
+          <p:cNvSpPr txBox="1"/>
+          <p:nvPr/>
+        </p:nvSpPr>
+        <p:spPr>
+          <a:xfrm>
+            <a:off x="5393279" y="6237415"/>
+            <a:ext cx="6798721" cy="369332"/>
+          </a:xfrm>
+          <a:prstGeom prst="rect">
+            <a:avLst/>
+          </a:prstGeom>
+          <a:noFill/>
+        </p:spPr>
+        <p:txBody>
+          <a:bodyPr wrap="none" rtlCol="0">
+            <a:spAutoFit/>
+          </a:bodyPr>
+          <a:lstStyle/>
+          <a:p>
+            <a:r>
+              <a:rPr lang="en-US" dirty="0"/>
+              <a:t>image credit: </a:t>
+            </a:r>
+            <a:r>
+              <a:rPr lang="en-US" dirty="0">
+                <a:hlinkClick r:id="rId3"/>
+              </a:rPr>
+              <a:t>https://www.engati.com/glossary/cosine-similarity</a:t>
+            </a:r>
+            <a:r>
+              <a:rPr lang="en-US" dirty="0"/>
+              <a:t> </a:t>
+            </a:r>
+          </a:p>
+        </p:txBody>
+      </p:sp>
+    </p:spTree>
+    <p:extLst>
+      <p:ext uri="{BB962C8B-B14F-4D97-AF65-F5344CB8AC3E}">
+        <p14:creationId xmlns:p14="http://schemas.microsoft.com/office/powerpoint/2010/main" val="2843211348"/>
+      </p:ext>
+    </p:extLst>
+  </p:cSld>
+  <p:clrMapOvr>
+    <a:masterClrMapping/>
+  </p:clrMapOvr>
+</p:sld>
+</file>
+
+<file path=ppt/slides/slide12.xml><?xml version="1.0" encoding="utf-8"?>
+<p:sld xmlns:a="http://schemas.openxmlformats.org/drawingml/2006/main" xmlns:r="http://schemas.openxmlformats.org/officeDocument/2006/relationships" xmlns:p="http://schemas.openxmlformats.org/presentationml/2006/main">
+  <p:cSld>
+    <p:spTree>
+      <p:nvGrpSpPr>
+        <p:cNvPr id="1" name=""/>
+        <p:cNvGrpSpPr/>
+        <p:nvPr/>
+      </p:nvGrpSpPr>
+      <p:grpSpPr>
+        <a:xfrm>
+          <a:off x="0" y="0"/>
+          <a:ext cx="0" cy="0"/>
+          <a:chOff x="0" y="0"/>
+          <a:chExt cx="0" cy="0"/>
+        </a:xfrm>
+      </p:grpSpPr>
+      <p:sp>
+        <p:nvSpPr>
+          <p:cNvPr id="2" name="Title 1">
+            <a:extLst>
+              <a:ext uri="{FF2B5EF4-FFF2-40B4-BE49-F238E27FC236}">
+                <a16:creationId xmlns:a16="http://schemas.microsoft.com/office/drawing/2014/main" id="{7EB20B63-5B31-0E8A-FDF1-9FCB17774875}"/>
+              </a:ext>
+            </a:extLst>
+          </p:cNvPr>
+          <p:cNvSpPr>
+            <a:spLocks noGrp="1"/>
+          </p:cNvSpPr>
+          <p:nvPr>
+            <p:ph type="title"/>
+          </p:nvPr>
+        </p:nvSpPr>
+        <p:spPr/>
+        <p:txBody>
+          <a:bodyPr/>
+          <a:lstStyle/>
+          <a:p>
+            <a:r>
+              <a:rPr lang="en-US" dirty="0"/>
+              <a:t>Scoring</a:t>
+            </a:r>
+          </a:p>
+        </p:txBody>
+      </p:sp>
+      <p:graphicFrame>
+        <p:nvGraphicFramePr>
+          <p:cNvPr id="4" name="Table 3">
+            <a:extLst>
+              <a:ext uri="{FF2B5EF4-FFF2-40B4-BE49-F238E27FC236}">
+                <a16:creationId xmlns:a16="http://schemas.microsoft.com/office/drawing/2014/main" id="{A83B1F93-1773-7BF0-EE70-C13CA53BE037}"/>
+              </a:ext>
+            </a:extLst>
+          </p:cNvPr>
+          <p:cNvGraphicFramePr>
+            <a:graphicFrameLocks noGrp="1"/>
+          </p:cNvGraphicFramePr>
+          <p:nvPr>
+            <p:extLst>
+              <p:ext uri="{D42A27DB-BD31-4B8C-83A1-F6EECF244321}">
+                <p14:modId xmlns:p14="http://schemas.microsoft.com/office/powerpoint/2010/main" val="765183128"/>
+              </p:ext>
+            </p:extLst>
+          </p:nvPr>
+        </p:nvGraphicFramePr>
+        <p:xfrm>
+          <a:off x="1638299" y="1655993"/>
+          <a:ext cx="8915400" cy="2217420"/>
+        </p:xfrm>
+        <a:graphic>
+          <a:graphicData uri="http://schemas.openxmlformats.org/drawingml/2006/table">
+            <a:tbl>
+              <a:tblPr/>
+              <a:tblGrid>
+                <a:gridCol w="2971800">
+                  <a:extLst>
+                    <a:ext uri="{9D8B030D-6E8A-4147-A177-3AD203B41FA5}">
+                      <a16:colId xmlns:a16="http://schemas.microsoft.com/office/drawing/2014/main" val="3643808483"/>
+                    </a:ext>
+                  </a:extLst>
+                </a:gridCol>
+                <a:gridCol w="2971800">
+                  <a:extLst>
+                    <a:ext uri="{9D8B030D-6E8A-4147-A177-3AD203B41FA5}">
+                      <a16:colId xmlns:a16="http://schemas.microsoft.com/office/drawing/2014/main" val="1279949153"/>
+                    </a:ext>
+                  </a:extLst>
+                </a:gridCol>
+                <a:gridCol w="2971800">
+                  <a:extLst>
+                    <a:ext uri="{9D8B030D-6E8A-4147-A177-3AD203B41FA5}">
+                      <a16:colId xmlns:a16="http://schemas.microsoft.com/office/drawing/2014/main" val="909053367"/>
+                    </a:ext>
+                  </a:extLst>
+                </a:gridCol>
+              </a:tblGrid>
+              <a:tr h="0">
+                <a:tc>
+                  <a:txBody>
+                    <a:bodyPr/>
+                    <a:lstStyle/>
+                    <a:p>
+                      <a:br>
+                        <a:rPr lang="en-US" dirty="0">
+                          <a:effectLst/>
+                        </a:rPr>
+                      </a:br>
+                      <a:endParaRPr lang="en-US" dirty="0">
+                        <a:effectLst/>
+                      </a:endParaRPr>
+                    </a:p>
+                  </a:txBody>
+                  <a:tcPr marL="123825" marR="123825" marT="57150" marB="57150" anchor="ctr">
+                    <a:lnL>
+                      <a:noFill/>
+                    </a:lnL>
+                    <a:lnR>
+                      <a:noFill/>
+                    </a:lnR>
+                    <a:lnT>
+                      <a:noFill/>
+                    </a:lnT>
+                    <a:lnB>
+                      <a:noFill/>
+                    </a:lnB>
+                    <a:solidFill>
+                      <a:srgbClr val="FFFFFF"/>
+                    </a:solidFill>
+                  </a:tcPr>
+                </a:tc>
+                <a:tc>
+                  <a:txBody>
+                    <a:bodyPr/>
+                    <a:lstStyle/>
+                    <a:p>
+                      <a:r>
+                        <a:rPr lang="en-US" dirty="0">
+                          <a:effectLst/>
+                        </a:rPr>
+                        <a:t>WMD Mean</a:t>
+                      </a:r>
+                    </a:p>
+                  </a:txBody>
+                  <a:tcPr marL="123825" marR="123825" marT="57150" marB="57150" anchor="ctr">
+                    <a:lnL>
+                      <a:noFill/>
+                    </a:lnL>
+                    <a:lnR>
+                      <a:noFill/>
+                    </a:lnR>
+                    <a:lnT>
+                      <a:noFill/>
+                    </a:lnT>
+                    <a:lnB>
+                      <a:noFill/>
+                    </a:lnB>
+                    <a:solidFill>
+                      <a:srgbClr val="FFFFFF"/>
+                    </a:solidFill>
+                  </a:tcPr>
+                </a:tc>
+                <a:tc>
+                  <a:txBody>
+                    <a:bodyPr/>
+                    <a:lstStyle/>
+                    <a:p>
+                      <a:endParaRPr lang="en-US" dirty="0"/>
+                    </a:p>
+                    <a:p>
+                      <a:r>
+                        <a:rPr lang="en-US" dirty="0"/>
+                        <a:t>SIF Mean</a:t>
+                      </a:r>
+                    </a:p>
+                  </a:txBody>
+                  <a:tcPr>
+                    <a:lnL>
+                      <a:noFill/>
+                    </a:lnL>
+                    <a:lnR w="12700" cmpd="sng">
+                      <a:noFill/>
+                      <a:prstDash val="solid"/>
+                    </a:lnR>
+                    <a:lnT w="12700" cmpd="sng">
+                      <a:noFill/>
+                      <a:prstDash val="solid"/>
+                    </a:lnT>
+                    <a:lnB w="12700" cmpd="sng">
+                      <a:noFill/>
+                      <a:prstDash val="solid"/>
+                    </a:lnB>
+                    <a:lnTlToBr w="12700" cmpd="sng">
+                      <a:noFill/>
+                      <a:prstDash val="solid"/>
+                    </a:lnTlToBr>
+                    <a:lnBlToTr w="12700" cmpd="sng">
+                      <a:noFill/>
+                      <a:prstDash val="solid"/>
+                    </a:lnBlToTr>
+                  </a:tcPr>
+                </a:tc>
+                <a:extLst>
+                  <a:ext uri="{0D108BD9-81ED-4DB2-BD59-A6C34878D82A}">
+                    <a16:rowId xmlns:a16="http://schemas.microsoft.com/office/drawing/2014/main" val="1766557615"/>
+                  </a:ext>
+                </a:extLst>
+              </a:tr>
+              <a:tr h="0">
+                <a:tc>
+                  <a:txBody>
+                    <a:bodyPr/>
+                    <a:lstStyle/>
+                    <a:p>
+                      <a:r>
+                        <a:rPr lang="en-US">
+                          <a:effectLst/>
+                        </a:rPr>
+                        <a:t>DistilBERT</a:t>
+                      </a:r>
+                    </a:p>
+                  </a:txBody>
+                  <a:tcPr marL="123825" marR="123825" marT="57150" marB="57150" anchor="ctr">
+                    <a:lnL>
+                      <a:noFill/>
+                    </a:lnL>
+                    <a:lnR>
+                      <a:noFill/>
+                    </a:lnR>
+                    <a:lnT>
+                      <a:noFill/>
+                    </a:lnT>
+                    <a:lnB>
+                      <a:noFill/>
+                    </a:lnB>
+                    <a:solidFill>
+                      <a:srgbClr val="FFFFFF"/>
+                    </a:solidFill>
+                  </a:tcPr>
+                </a:tc>
+                <a:tc>
+                  <a:txBody>
+                    <a:bodyPr/>
+                    <a:lstStyle/>
+                    <a:p>
+                      <a:r>
+                        <a:rPr lang="en-US">
+                          <a:effectLst/>
+                        </a:rPr>
+                        <a:t>4.4856</a:t>
+                      </a:r>
+                    </a:p>
+                  </a:txBody>
+                  <a:tcPr marL="123825" marR="123825" marT="57150" marB="57150" anchor="ctr">
+                    <a:lnL>
+                      <a:noFill/>
+                    </a:lnL>
+                    <a:lnR>
+                      <a:noFill/>
+                    </a:lnR>
+                    <a:lnT>
+                      <a:noFill/>
+                    </a:lnT>
+                    <a:lnB>
+                      <a:noFill/>
+                    </a:lnB>
+                    <a:solidFill>
+                      <a:srgbClr val="FFFFFF"/>
+                    </a:solidFill>
+                  </a:tcPr>
+                </a:tc>
+                <a:tc>
+                  <a:txBody>
+                    <a:bodyPr/>
+                    <a:lstStyle/>
+                    <a:p>
+                      <a:r>
+                        <a:rPr lang="en-US">
+                          <a:effectLst/>
+                        </a:rPr>
+                        <a:t>0.8400</a:t>
+                      </a:r>
+                    </a:p>
+                  </a:txBody>
+                  <a:tcPr marL="123825" marR="123825" marT="57150" marB="57150" anchor="ctr">
+                    <a:lnL>
+                      <a:noFill/>
+                    </a:lnL>
+                    <a:lnR>
+                      <a:noFill/>
+                    </a:lnR>
+                    <a:lnT w="12700" cmpd="sng">
+                      <a:noFill/>
+                      <a:prstDash val="solid"/>
+                    </a:lnT>
+                    <a:lnB>
+                      <a:noFill/>
+                    </a:lnB>
+                    <a:solidFill>
+                      <a:srgbClr val="FFFFFF"/>
+                    </a:solidFill>
+                  </a:tcPr>
+                </a:tc>
+                <a:extLst>
+                  <a:ext uri="{0D108BD9-81ED-4DB2-BD59-A6C34878D82A}">
+                    <a16:rowId xmlns:a16="http://schemas.microsoft.com/office/drawing/2014/main" val="4151308376"/>
+                  </a:ext>
+                </a:extLst>
+              </a:tr>
+              <a:tr h="0">
+                <a:tc>
+                  <a:txBody>
+                    <a:bodyPr/>
+                    <a:lstStyle/>
+                    <a:p>
+                      <a:r>
+                        <a:rPr lang="en-US">
+                          <a:effectLst/>
+                        </a:rPr>
+                        <a:t>MobileBERT</a:t>
+                      </a:r>
+                    </a:p>
+                  </a:txBody>
+                  <a:tcPr marL="123825" marR="123825" marT="57150" marB="57150" anchor="ctr">
+                    <a:lnL>
+                      <a:noFill/>
+                    </a:lnL>
+                    <a:lnR>
+                      <a:noFill/>
+                    </a:lnR>
+                    <a:lnT>
+                      <a:noFill/>
+                    </a:lnT>
+                    <a:lnB>
+                      <a:noFill/>
+                    </a:lnB>
+                    <a:solidFill>
+                      <a:srgbClr val="FFFFFF"/>
+                    </a:solidFill>
+                  </a:tcPr>
+                </a:tc>
+                <a:tc>
+                  <a:txBody>
+                    <a:bodyPr/>
+                    <a:lstStyle/>
+                    <a:p>
+                      <a:r>
+                        <a:rPr lang="en-US">
+                          <a:effectLst/>
+                        </a:rPr>
+                        <a:t>2204752.00</a:t>
+                      </a:r>
+                    </a:p>
+                  </a:txBody>
+                  <a:tcPr marL="123825" marR="123825" marT="57150" marB="57150" anchor="ctr">
+                    <a:lnL>
+                      <a:noFill/>
+                    </a:lnL>
+                    <a:lnR>
+                      <a:noFill/>
+                    </a:lnR>
+                    <a:lnT>
+                      <a:noFill/>
+                    </a:lnT>
+                    <a:lnB>
+                      <a:noFill/>
+                    </a:lnB>
+                    <a:solidFill>
+                      <a:srgbClr val="FFFFFF"/>
+                    </a:solidFill>
+                  </a:tcPr>
+                </a:tc>
+                <a:tc>
+                  <a:txBody>
+                    <a:bodyPr/>
+                    <a:lstStyle/>
+                    <a:p>
+                      <a:r>
+                        <a:rPr lang="en-US">
+                          <a:effectLst/>
+                        </a:rPr>
+                        <a:t>0.9992</a:t>
+                      </a:r>
+                    </a:p>
+                  </a:txBody>
+                  <a:tcPr marL="123825" marR="123825" marT="57150" marB="57150" anchor="ctr">
+                    <a:lnL>
+                      <a:noFill/>
+                    </a:lnL>
+                    <a:lnR>
+                      <a:noFill/>
+                    </a:lnR>
+                    <a:lnT>
+                      <a:noFill/>
+                    </a:lnT>
+                    <a:lnB>
+                      <a:noFill/>
+                    </a:lnB>
+                    <a:solidFill>
+                      <a:srgbClr val="FFFFFF"/>
+                    </a:solidFill>
+                  </a:tcPr>
+                </a:tc>
+                <a:extLst>
+                  <a:ext uri="{0D108BD9-81ED-4DB2-BD59-A6C34878D82A}">
+                    <a16:rowId xmlns:a16="http://schemas.microsoft.com/office/drawing/2014/main" val="3203319886"/>
+                  </a:ext>
+                </a:extLst>
+              </a:tr>
+              <a:tr h="0">
+                <a:tc>
+                  <a:txBody>
+                    <a:bodyPr/>
+                    <a:lstStyle/>
+                    <a:p>
+                      <a:r>
+                        <a:rPr lang="en-US">
+                          <a:effectLst/>
+                        </a:rPr>
+                        <a:t>ALBERT</a:t>
+                      </a:r>
+                    </a:p>
+                  </a:txBody>
+                  <a:tcPr marL="123825" marR="123825" marT="57150" marB="57150" anchor="ctr">
+                    <a:lnL>
+                      <a:noFill/>
+                    </a:lnL>
+                    <a:lnR>
+                      <a:noFill/>
+                    </a:lnR>
+                    <a:lnT>
+                      <a:noFill/>
+                    </a:lnT>
+                    <a:lnB>
+                      <a:noFill/>
+                    </a:lnB>
+                    <a:solidFill>
+                      <a:srgbClr val="FFFFFF"/>
+                    </a:solidFill>
+                  </a:tcPr>
+                </a:tc>
+                <a:tc>
+                  <a:txBody>
+                    <a:bodyPr/>
+                    <a:lstStyle/>
+                    <a:p>
+                      <a:r>
+                        <a:rPr lang="en-US">
+                          <a:effectLst/>
+                        </a:rPr>
+                        <a:t>15.5492</a:t>
+                      </a:r>
+                    </a:p>
+                  </a:txBody>
+                  <a:tcPr marL="123825" marR="123825" marT="57150" marB="57150" anchor="ctr">
+                    <a:lnL>
+                      <a:noFill/>
+                    </a:lnL>
+                    <a:lnR>
+                      <a:noFill/>
+                    </a:lnR>
+                    <a:lnT>
+                      <a:noFill/>
+                    </a:lnT>
+                    <a:lnB>
+                      <a:noFill/>
+                    </a:lnB>
+                    <a:solidFill>
+                      <a:srgbClr val="FFFFFF"/>
+                    </a:solidFill>
+                  </a:tcPr>
+                </a:tc>
+                <a:tc>
+                  <a:txBody>
+                    <a:bodyPr/>
+                    <a:lstStyle/>
+                    <a:p>
+                      <a:r>
+                        <a:rPr lang="en-US">
+                          <a:effectLst/>
+                        </a:rPr>
+                        <a:t>0.8180</a:t>
+                      </a:r>
+                    </a:p>
+                  </a:txBody>
+                  <a:tcPr marL="123825" marR="123825" marT="57150" marB="57150" anchor="ctr">
+                    <a:lnL>
+                      <a:noFill/>
+                    </a:lnL>
+                    <a:lnR>
+                      <a:noFill/>
+                    </a:lnR>
+                    <a:lnT>
+                      <a:noFill/>
+                    </a:lnT>
+                    <a:lnB>
+                      <a:noFill/>
+                    </a:lnB>
+                    <a:solidFill>
+                      <a:srgbClr val="FFFFFF"/>
+                    </a:solidFill>
+                  </a:tcPr>
+                </a:tc>
+                <a:extLst>
+                  <a:ext uri="{0D108BD9-81ED-4DB2-BD59-A6C34878D82A}">
+                    <a16:rowId xmlns:a16="http://schemas.microsoft.com/office/drawing/2014/main" val="3524579761"/>
+                  </a:ext>
+                </a:extLst>
+              </a:tr>
+              <a:tr h="0">
+                <a:tc>
+                  <a:txBody>
+                    <a:bodyPr/>
+                    <a:lstStyle/>
+                    <a:p>
+                      <a:r>
+                        <a:rPr lang="en-US">
+                          <a:effectLst/>
+                        </a:rPr>
+                        <a:t>ELECTRA</a:t>
+                      </a:r>
+                    </a:p>
+                  </a:txBody>
+                  <a:tcPr marL="123825" marR="123825" marT="57150" marB="57150" anchor="ctr">
+                    <a:lnL>
+                      <a:noFill/>
+                    </a:lnL>
+                    <a:lnR>
+                      <a:noFill/>
+                    </a:lnR>
+                    <a:lnT>
+                      <a:noFill/>
+                    </a:lnT>
+                    <a:lnB>
+                      <a:noFill/>
+                    </a:lnB>
+                    <a:solidFill>
+                      <a:srgbClr val="FFFFFF"/>
+                    </a:solidFill>
+                  </a:tcPr>
+                </a:tc>
+                <a:tc>
+                  <a:txBody>
+                    <a:bodyPr/>
+                    <a:lstStyle/>
+                    <a:p>
+                      <a:r>
+                        <a:rPr lang="en-US">
+                          <a:effectLst/>
+                        </a:rPr>
+                        <a:t>8.3385</a:t>
+                      </a:r>
+                    </a:p>
+                  </a:txBody>
+                  <a:tcPr marL="123825" marR="123825" marT="57150" marB="57150" anchor="ctr">
+                    <a:lnL>
+                      <a:noFill/>
+                    </a:lnL>
+                    <a:lnR>
+                      <a:noFill/>
+                    </a:lnR>
+                    <a:lnT>
+                      <a:noFill/>
+                    </a:lnT>
+                    <a:lnB>
+                      <a:noFill/>
+                    </a:lnB>
+                    <a:solidFill>
+                      <a:srgbClr val="FFFFFF"/>
+                    </a:solidFill>
+                  </a:tcPr>
+                </a:tc>
+                <a:tc>
+                  <a:txBody>
+                    <a:bodyPr/>
+                    <a:lstStyle/>
+                    <a:p>
+                      <a:r>
+                        <a:rPr lang="en-US" dirty="0">
+                          <a:effectLst/>
+                        </a:rPr>
+                        <a:t>0.3745</a:t>
+                      </a:r>
+                    </a:p>
+                  </a:txBody>
+                  <a:tcPr marL="123825" marR="123825" marT="57150" marB="57150" anchor="ctr">
+                    <a:lnL>
+                      <a:noFill/>
+                    </a:lnL>
+                    <a:lnR>
+                      <a:noFill/>
+                    </a:lnR>
+                    <a:lnT>
+                      <a:noFill/>
+                    </a:lnT>
+                    <a:lnB>
+                      <a:noFill/>
+                    </a:lnB>
+                    <a:solidFill>
+                      <a:srgbClr val="FFFFFF"/>
+                    </a:solidFill>
+                  </a:tcPr>
+                </a:tc>
+                <a:extLst>
+                  <a:ext uri="{0D108BD9-81ED-4DB2-BD59-A6C34878D82A}">
+                    <a16:rowId xmlns:a16="http://schemas.microsoft.com/office/drawing/2014/main" val="4101134459"/>
+                  </a:ext>
+                </a:extLst>
+              </a:tr>
+            </a:tbl>
+          </a:graphicData>
+        </a:graphic>
+      </p:graphicFrame>
+      <p:sp>
+        <p:nvSpPr>
+          <p:cNvPr id="8" name="TextBox 7">
+            <a:extLst>
+              <a:ext uri="{FF2B5EF4-FFF2-40B4-BE49-F238E27FC236}">
+                <a16:creationId xmlns:a16="http://schemas.microsoft.com/office/drawing/2014/main" id="{08307F08-426D-4669-ADCE-C345446B6DCF}"/>
+              </a:ext>
+            </a:extLst>
+          </p:cNvPr>
+          <p:cNvSpPr txBox="1"/>
+          <p:nvPr/>
+        </p:nvSpPr>
+        <p:spPr>
+          <a:xfrm>
+            <a:off x="2670463" y="4791652"/>
+            <a:ext cx="7637318" cy="1754326"/>
+          </a:xfrm>
+          <a:prstGeom prst="rect">
+            <a:avLst/>
+          </a:prstGeom>
+          <a:noFill/>
+        </p:spPr>
+        <p:txBody>
+          <a:bodyPr wrap="square" rtlCol="0">
+            <a:spAutoFit/>
+          </a:bodyPr>
+          <a:lstStyle/>
+          <a:p>
+            <a:r>
+              <a:rPr lang="en-US" b="0" i="0" dirty="0" err="1">
+                <a:solidFill>
+                  <a:srgbClr val="1F2328"/>
+                </a:solidFill>
+                <a:effectLst/>
+                <a:latin typeface="-apple-system"/>
+              </a:rPr>
+              <a:t>MobileBERT</a:t>
+            </a:r>
+            <a:r>
+              <a:rPr lang="en-US" b="0" i="0" dirty="0">
+                <a:solidFill>
+                  <a:srgbClr val="1F2328"/>
+                </a:solidFill>
+                <a:effectLst/>
+                <a:latin typeface="-apple-system"/>
+              </a:rPr>
+              <a:t> performed significantly better by WMD score than the other models, while ELECTRA performed the best by SIF score. </a:t>
+            </a:r>
+          </a:p>
+          <a:p>
+            <a:endParaRPr lang="en-US" dirty="0">
+              <a:solidFill>
+                <a:srgbClr val="1F2328"/>
+              </a:solidFill>
+              <a:latin typeface="-apple-system"/>
+            </a:endParaRPr>
+          </a:p>
+          <a:p>
+            <a:r>
+              <a:rPr lang="en-US" b="0" i="0" dirty="0">
+                <a:solidFill>
+                  <a:srgbClr val="1F2328"/>
+                </a:solidFill>
+                <a:effectLst/>
+                <a:latin typeface="-apple-system"/>
+              </a:rPr>
+              <a:t>This suggests that </a:t>
+            </a:r>
+            <a:r>
+              <a:rPr lang="en-US" b="0" i="0" dirty="0" err="1">
+                <a:solidFill>
+                  <a:srgbClr val="1F2328"/>
+                </a:solidFill>
+                <a:effectLst/>
+                <a:latin typeface="-apple-system"/>
+              </a:rPr>
+              <a:t>MobileBERT</a:t>
+            </a:r>
+            <a:r>
+              <a:rPr lang="en-US" b="0" i="0" dirty="0">
+                <a:solidFill>
+                  <a:srgbClr val="1F2328"/>
+                </a:solidFill>
+                <a:effectLst/>
+                <a:latin typeface="-apple-system"/>
+              </a:rPr>
+              <a:t> is better at capturing the semantic similarities between the text inputs, while ELECTRA is better at capturing the overall meaning of the text.</a:t>
+            </a:r>
+            <a:endParaRPr lang="en-US" dirty="0"/>
+          </a:p>
+        </p:txBody>
+      </p:sp>
+      <p:sp>
+        <p:nvSpPr>
+          <p:cNvPr id="9" name="TextBox 8">
+            <a:extLst>
+              <a:ext uri="{FF2B5EF4-FFF2-40B4-BE49-F238E27FC236}">
+                <a16:creationId xmlns:a16="http://schemas.microsoft.com/office/drawing/2014/main" id="{12DDE5C4-A7D1-7660-9D54-94042B44C511}"/>
+              </a:ext>
+            </a:extLst>
+          </p:cNvPr>
+          <p:cNvSpPr txBox="1"/>
+          <p:nvPr/>
+        </p:nvSpPr>
+        <p:spPr>
+          <a:xfrm>
+            <a:off x="7800109" y="1017404"/>
+            <a:ext cx="1664623" cy="369332"/>
+          </a:xfrm>
+          <a:prstGeom prst="rect">
+            <a:avLst/>
+          </a:prstGeom>
+          <a:noFill/>
+        </p:spPr>
+        <p:txBody>
+          <a:bodyPr wrap="none" rtlCol="0">
+            <a:spAutoFit/>
+          </a:bodyPr>
+          <a:lstStyle/>
+          <a:p>
+            <a:r>
+              <a:rPr lang="en-US" dirty="0"/>
+              <a:t>lower is better</a:t>
+            </a:r>
+          </a:p>
+        </p:txBody>
+      </p:sp>
+      <p:sp>
+        <p:nvSpPr>
+          <p:cNvPr id="10" name="TextBox 9">
+            <a:extLst>
+              <a:ext uri="{FF2B5EF4-FFF2-40B4-BE49-F238E27FC236}">
+                <a16:creationId xmlns:a16="http://schemas.microsoft.com/office/drawing/2014/main" id="{4B7AD788-6F04-E522-3E98-CC47EFC1D193}"/>
+              </a:ext>
+            </a:extLst>
+          </p:cNvPr>
+          <p:cNvSpPr txBox="1"/>
+          <p:nvPr/>
+        </p:nvSpPr>
+        <p:spPr>
+          <a:xfrm>
+            <a:off x="5330536" y="553088"/>
+            <a:ext cx="1767215" cy="369332"/>
+          </a:xfrm>
+          <a:prstGeom prst="rect">
+            <a:avLst/>
+          </a:prstGeom>
+          <a:noFill/>
+        </p:spPr>
+        <p:txBody>
+          <a:bodyPr wrap="none" rtlCol="0">
+            <a:spAutoFit/>
+          </a:bodyPr>
+          <a:lstStyle/>
+          <a:p>
+            <a:r>
+              <a:rPr lang="en-US" dirty="0"/>
+              <a:t>higher is better</a:t>
+            </a:r>
+          </a:p>
+        </p:txBody>
+      </p:sp>
+      <mc:AlternateContent xmlns:mc="http://schemas.openxmlformats.org/markup-compatibility/2006">
+        <mc:Choice xmlns:p14="http://schemas.microsoft.com/office/powerpoint/2010/main" Requires="p14">
+          <p:contentPart p14:bwMode="auto" r:id="rId2">
+            <p14:nvContentPartPr>
+              <p14:cNvPr id="11" name="Ink 10">
+                <a:extLst>
+                  <a:ext uri="{FF2B5EF4-FFF2-40B4-BE49-F238E27FC236}">
+                    <a16:creationId xmlns:a16="http://schemas.microsoft.com/office/drawing/2014/main" id="{F94D511D-18AB-4549-978B-2829325A5ED7}"/>
+                  </a:ext>
+                </a:extLst>
+              </p14:cNvPr>
+              <p14:cNvContentPartPr/>
+              <p14:nvPr/>
+            </p14:nvContentPartPr>
+            <p14:xfrm>
+              <a:off x="5199496" y="1037258"/>
+              <a:ext cx="511560" cy="618480"/>
+            </p14:xfrm>
+          </p:contentPart>
+        </mc:Choice>
+        <mc:Fallback>
+          <p:pic>
+            <p:nvPicPr>
+              <p:cNvPr id="11" name="Ink 10">
+                <a:extLst>
+                  <a:ext uri="{FF2B5EF4-FFF2-40B4-BE49-F238E27FC236}">
+                    <a16:creationId xmlns:a16="http://schemas.microsoft.com/office/drawing/2014/main" id="{F94D511D-18AB-4549-978B-2829325A5ED7}"/>
+                  </a:ext>
+                </a:extLst>
+              </p:cNvPr>
+              <p:cNvPicPr/>
+              <p:nvPr/>
+            </p:nvPicPr>
+            <p:blipFill>
+              <a:blip r:embed="rId3"/>
+              <a:stretch>
+                <a:fillRect/>
+              </a:stretch>
+            </p:blipFill>
+            <p:spPr>
+              <a:xfrm>
+                <a:off x="5190496" y="1028618"/>
+                <a:ext cx="529200" cy="636120"/>
+              </a:xfrm>
+              <a:prstGeom prst="rect">
+                <a:avLst/>
+              </a:prstGeom>
+            </p:spPr>
+          </p:pic>
+        </mc:Fallback>
+      </mc:AlternateContent>
+      <mc:AlternateContent xmlns:mc="http://schemas.openxmlformats.org/markup-compatibility/2006">
+        <mc:Choice xmlns:p14="http://schemas.microsoft.com/office/powerpoint/2010/main" Requires="p14">
+          <p:contentPart p14:bwMode="auto" r:id="rId4">
+            <p14:nvContentPartPr>
+              <p14:cNvPr id="12" name="Ink 11">
+                <a:extLst>
+                  <a:ext uri="{FF2B5EF4-FFF2-40B4-BE49-F238E27FC236}">
+                    <a16:creationId xmlns:a16="http://schemas.microsoft.com/office/drawing/2014/main" id="{B021B2AD-278F-6117-CE98-2E92319A4614}"/>
+                  </a:ext>
+                </a:extLst>
+              </p14:cNvPr>
+              <p14:cNvContentPartPr/>
+              <p14:nvPr/>
+            </p14:nvContentPartPr>
+            <p14:xfrm>
+              <a:off x="8342296" y="1440458"/>
+              <a:ext cx="171000" cy="403560"/>
+            </p14:xfrm>
+          </p:contentPart>
+        </mc:Choice>
+        <mc:Fallback>
+          <p:pic>
+            <p:nvPicPr>
+              <p:cNvPr id="12" name="Ink 11">
+                <a:extLst>
+                  <a:ext uri="{FF2B5EF4-FFF2-40B4-BE49-F238E27FC236}">
+                    <a16:creationId xmlns:a16="http://schemas.microsoft.com/office/drawing/2014/main" id="{B021B2AD-278F-6117-CE98-2E92319A4614}"/>
+                  </a:ext>
+                </a:extLst>
+              </p:cNvPr>
+              <p:cNvPicPr/>
+              <p:nvPr/>
+            </p:nvPicPr>
+            <p:blipFill>
+              <a:blip r:embed="rId5"/>
+              <a:stretch>
+                <a:fillRect/>
+              </a:stretch>
+            </p:blipFill>
+            <p:spPr>
+              <a:xfrm>
+                <a:off x="8333296" y="1431818"/>
+                <a:ext cx="188640" cy="421200"/>
+              </a:xfrm>
+              <a:prstGeom prst="rect">
+                <a:avLst/>
+              </a:prstGeom>
+            </p:spPr>
+          </p:pic>
+        </mc:Fallback>
+      </mc:AlternateContent>
+    </p:spTree>
+    <p:extLst>
+      <p:ext uri="{BB962C8B-B14F-4D97-AF65-F5344CB8AC3E}">
+        <p14:creationId xmlns:p14="http://schemas.microsoft.com/office/powerpoint/2010/main" val="3817481306"/>
+      </p:ext>
+    </p:extLst>
+  </p:cSld>
+  <p:clrMapOvr>
+    <a:masterClrMapping/>
+  </p:clrMapOvr>
+</p:sld>
+</file>
+
+<file path=ppt/slides/slide13.xml><?xml version="1.0" encoding="utf-8"?>
+<p:sld xmlns:a="http://schemas.openxmlformats.org/drawingml/2006/main" xmlns:r="http://schemas.openxmlformats.org/officeDocument/2006/relationships" xmlns:p="http://schemas.openxmlformats.org/presentationml/2006/main">
+  <p:cSld>
+    <p:spTree>
+      <p:nvGrpSpPr>
+        <p:cNvPr id="1" name=""/>
+        <p:cNvGrpSpPr/>
+        <p:nvPr/>
+      </p:nvGrpSpPr>
+      <p:grpSpPr>
+        <a:xfrm>
+          <a:off x="0" y="0"/>
+          <a:ext cx="0" cy="0"/>
+          <a:chOff x="0" y="0"/>
+          <a:chExt cx="0" cy="0"/>
+        </a:xfrm>
+      </p:grpSpPr>
+      <p:sp>
+        <p:nvSpPr>
+          <p:cNvPr id="2" name="Title 1">
+            <a:extLst>
+              <a:ext uri="{FF2B5EF4-FFF2-40B4-BE49-F238E27FC236}">
+                <a16:creationId xmlns:a16="http://schemas.microsoft.com/office/drawing/2014/main" id="{7EB20B63-5B31-0E8A-FDF1-9FCB17774875}"/>
+              </a:ext>
+            </a:extLst>
+          </p:cNvPr>
+          <p:cNvSpPr>
+            <a:spLocks noGrp="1"/>
+          </p:cNvSpPr>
+          <p:nvPr>
+            <p:ph type="title"/>
+          </p:nvPr>
+        </p:nvSpPr>
+        <p:spPr/>
+        <p:txBody>
+          <a:bodyPr/>
+          <a:lstStyle/>
+          <a:p>
+            <a:r>
+              <a:rPr lang="en-US" dirty="0"/>
+              <a:t>Future Improvements</a:t>
+            </a:r>
+          </a:p>
+        </p:txBody>
+      </p:sp>
+      <p:sp>
+        <p:nvSpPr>
+          <p:cNvPr id="3" name="Content Placeholder 2">
+            <a:extLst>
+              <a:ext uri="{FF2B5EF4-FFF2-40B4-BE49-F238E27FC236}">
+                <a16:creationId xmlns:a16="http://schemas.microsoft.com/office/drawing/2014/main" id="{1C31CD71-C467-C2B6-F6E7-F5960B65EA0D}"/>
+              </a:ext>
+            </a:extLst>
+          </p:cNvPr>
+          <p:cNvSpPr>
+            <a:spLocks noGrp="1"/>
+          </p:cNvSpPr>
+          <p:nvPr>
+            <p:ph idx="1"/>
+          </p:nvPr>
+        </p:nvSpPr>
+        <p:spPr/>
+        <p:txBody>
+          <a:bodyPr>
+            <a:normAutofit/>
+          </a:bodyPr>
+          <a:lstStyle/>
+          <a:p>
+            <a:r>
+              <a:rPr lang="en-US" sz="2800" dirty="0"/>
+              <a:t>Larger models – need more hardware power for this</a:t>
+            </a:r>
+          </a:p>
+          <a:p>
+            <a:r>
+              <a:rPr lang="en-US" sz="2800" dirty="0"/>
+              <a:t>Enhance domain-specific features in dataset</a:t>
+            </a:r>
+          </a:p>
+          <a:p>
+            <a:r>
+              <a:rPr lang="en-US" sz="2800" dirty="0"/>
+              <a:t>More data to train on</a:t>
+            </a:r>
+          </a:p>
+          <a:p>
+            <a:r>
+              <a:rPr lang="en-US" sz="2800" dirty="0"/>
+              <a:t>Different evaluation metrics – ROUGE or BLEU?</a:t>
+            </a:r>
+          </a:p>
+        </p:txBody>
+      </p:sp>
+    </p:spTree>
+    <p:extLst>
+      <p:ext uri="{BB962C8B-B14F-4D97-AF65-F5344CB8AC3E}">
+        <p14:creationId xmlns:p14="http://schemas.microsoft.com/office/powerpoint/2010/main" val="177114002"/>
+      </p:ext>
+    </p:extLst>
+  </p:cSld>
+  <p:clrMapOvr>
+    <a:masterClrMapping/>
+  </p:clrMapOvr>
+</p:sld>
+</file>
+
 <file path=ppt/slides/slide2.xml><?xml version="1.0" encoding="utf-8"?>
 <p:sld xmlns:a="http://schemas.openxmlformats.org/drawingml/2006/main" xmlns:r="http://schemas.openxmlformats.org/officeDocument/2006/relationships" xmlns:p="http://schemas.openxmlformats.org/presentationml/2006/main">
   <p:cSld>
@@ -3782,10 +5601,15 @@
         </p:nvSpPr>
         <p:spPr/>
         <p:txBody>
-          <a:bodyPr/>
-          <a:lstStyle/>
-          <a:p>
-            <a:endParaRPr lang="en-US"/>
+          <a:bodyPr>
+            <a:normAutofit/>
+          </a:bodyPr>
+          <a:lstStyle/>
+          <a:p>
+            <a:r>
+              <a:rPr lang="en-US" sz="2800" dirty="0"/>
+              <a:t>Can we train a language model to summarize news articles?</a:t>
+            </a:r>
           </a:p>
         </p:txBody>
       </p:sp>
@@ -4828,122 +6652,6 @@
       </p:pic>
       <p:sp>
         <p:nvSpPr>
-          <p:cNvPr id="3" name="TextBox 2">
-            <a:extLst>
-              <a:ext uri="{FF2B5EF4-FFF2-40B4-BE49-F238E27FC236}">
-                <a16:creationId xmlns:a16="http://schemas.microsoft.com/office/drawing/2014/main" id="{7719031B-5B55-F8BE-0C40-6F32A7DA847A}"/>
-              </a:ext>
-            </a:extLst>
-          </p:cNvPr>
-          <p:cNvSpPr txBox="1"/>
-          <p:nvPr/>
-        </p:nvSpPr>
-        <p:spPr>
-          <a:xfrm>
-            <a:off x="444790" y="2877466"/>
-            <a:ext cx="7017368" cy="2862322"/>
-          </a:xfrm>
-          <a:prstGeom prst="rect">
-            <a:avLst/>
-          </a:prstGeom>
-          <a:noFill/>
-        </p:spPr>
-        <p:txBody>
-          <a:bodyPr wrap="square" rtlCol="0">
-            <a:spAutoFit/>
-          </a:bodyPr>
-          <a:lstStyle/>
-          <a:p>
-            <a:pPr algn="l">
-              <a:buFont typeface="Arial" panose="020B0604020202020204" pitchFamily="34" charset="0"/>
-              <a:buChar char="•"/>
-            </a:pPr>
-            <a:r>
-              <a:rPr lang="en-US" b="0" i="0" dirty="0">
-                <a:solidFill>
-                  <a:srgbClr val="E6EDF3"/>
-                </a:solidFill>
-                <a:effectLst/>
-                <a:latin typeface="-apple-system"/>
-              </a:rPr>
-              <a:t>Obtain a dataset of news articles that includes the text content as well as a summary of each article.</a:t>
-            </a:r>
-          </a:p>
-          <a:p>
-            <a:pPr algn="l">
-              <a:buFont typeface="Arial" panose="020B0604020202020204" pitchFamily="34" charset="0"/>
-              <a:buChar char="•"/>
-            </a:pPr>
-            <a:r>
-              <a:rPr lang="en-US" b="0" i="0" dirty="0">
-                <a:solidFill>
-                  <a:srgbClr val="E6EDF3"/>
-                </a:solidFill>
-                <a:effectLst/>
-                <a:latin typeface="-apple-system"/>
-              </a:rPr>
-              <a:t> Explore the dataset to get a sense of the data, such as the number of articles, length of the articles and summaries, and distribution of topics and keywords.</a:t>
-            </a:r>
-          </a:p>
-          <a:p>
-            <a:pPr algn="l">
-              <a:buFont typeface="Arial" panose="020B0604020202020204" pitchFamily="34" charset="0"/>
-              <a:buChar char="•"/>
-            </a:pPr>
-            <a:r>
-              <a:rPr lang="en-US" b="0" i="0" dirty="0">
-                <a:solidFill>
-                  <a:srgbClr val="E6EDF3"/>
-                </a:solidFill>
-                <a:effectLst/>
-                <a:latin typeface="-apple-system"/>
-              </a:rPr>
-              <a:t> Clean and preprocess the data to remove unnecessary characters, punctuation, and stop words.</a:t>
-            </a:r>
-          </a:p>
-          <a:p>
-            <a:pPr algn="l">
-              <a:buFont typeface="Arial" panose="020B0604020202020204" pitchFamily="34" charset="0"/>
-              <a:buChar char="•"/>
-            </a:pPr>
-            <a:r>
-              <a:rPr lang="en-US" b="0" i="0" dirty="0">
-                <a:solidFill>
-                  <a:srgbClr val="E6EDF3"/>
-                </a:solidFill>
-                <a:effectLst/>
-                <a:latin typeface="-apple-system"/>
-              </a:rPr>
-              <a:t> Tokenize the text into words or </a:t>
-            </a:r>
-            <a:r>
-              <a:rPr lang="en-US" b="0" i="0" dirty="0" err="1">
-                <a:solidFill>
-                  <a:srgbClr val="E6EDF3"/>
-                </a:solidFill>
-                <a:effectLst/>
-                <a:latin typeface="-apple-system"/>
-              </a:rPr>
-              <a:t>subwords</a:t>
-            </a:r>
-            <a:r>
-              <a:rPr lang="en-US" b="0" i="0" dirty="0">
-                <a:solidFill>
-                  <a:srgbClr val="E6EDF3"/>
-                </a:solidFill>
-                <a:effectLst/>
-                <a:latin typeface="-apple-system"/>
-              </a:rPr>
-              <a:t>, and create input sequences and output summaries.</a:t>
-            </a:r>
-          </a:p>
-          <a:p>
-            <a:endParaRPr lang="en-US" dirty="0"/>
-          </a:p>
-        </p:txBody>
-      </p:sp>
-      <p:sp>
-        <p:nvSpPr>
           <p:cNvPr id="8" name="TextBox 7">
             <a:extLst>
               <a:ext uri="{FF2B5EF4-FFF2-40B4-BE49-F238E27FC236}">
@@ -5026,6 +6734,482 @@
       </p:grpSpPr>
       <p:sp>
         <p:nvSpPr>
+          <p:cNvPr id="2" name="Title 1">
+            <a:extLst>
+              <a:ext uri="{FF2B5EF4-FFF2-40B4-BE49-F238E27FC236}">
+                <a16:creationId xmlns:a16="http://schemas.microsoft.com/office/drawing/2014/main" id="{7EB20B63-5B31-0E8A-FDF1-9FCB17774875}"/>
+              </a:ext>
+            </a:extLst>
+          </p:cNvPr>
+          <p:cNvSpPr>
+            <a:spLocks noGrp="1"/>
+          </p:cNvSpPr>
+          <p:nvPr>
+            <p:ph type="title"/>
+          </p:nvPr>
+        </p:nvSpPr>
+        <p:spPr/>
+        <p:txBody>
+          <a:bodyPr/>
+          <a:lstStyle/>
+          <a:p>
+            <a:r>
+              <a:rPr lang="en-US" dirty="0"/>
+              <a:t>The Dataset</a:t>
+            </a:r>
+          </a:p>
+        </p:txBody>
+      </p:sp>
+      <p:sp>
+        <p:nvSpPr>
+          <p:cNvPr id="3" name="Content Placeholder 2">
+            <a:extLst>
+              <a:ext uri="{FF2B5EF4-FFF2-40B4-BE49-F238E27FC236}">
+                <a16:creationId xmlns:a16="http://schemas.microsoft.com/office/drawing/2014/main" id="{1C31CD71-C467-C2B6-F6E7-F5960B65EA0D}"/>
+              </a:ext>
+            </a:extLst>
+          </p:cNvPr>
+          <p:cNvSpPr>
+            <a:spLocks noGrp="1"/>
+          </p:cNvSpPr>
+          <p:nvPr>
+            <p:ph idx="1"/>
+          </p:nvPr>
+        </p:nvSpPr>
+        <p:spPr/>
+        <p:txBody>
+          <a:bodyPr>
+            <a:normAutofit fontScale="92500" lnSpcReduction="20000"/>
+          </a:bodyPr>
+          <a:lstStyle/>
+          <a:p>
+            <a:pPr algn="l">
+              <a:lnSpc>
+                <a:spcPct val="150000"/>
+              </a:lnSpc>
+              <a:buFont typeface="Arial" panose="020B0604020202020204" pitchFamily="34" charset="0"/>
+              <a:buChar char="•"/>
+            </a:pPr>
+            <a:r>
+              <a:rPr lang="en-US" sz="2800" b="0" i="0" dirty="0">
+                <a:effectLst/>
+                <a:latin typeface="-apple-system"/>
+              </a:rPr>
+              <a:t>Dataset of news articles from Kaggle</a:t>
+            </a:r>
+          </a:p>
+          <a:p>
+            <a:pPr lvl="1">
+              <a:lnSpc>
+                <a:spcPct val="150000"/>
+              </a:lnSpc>
+              <a:buFont typeface="Arial" panose="020B0604020202020204" pitchFamily="34" charset="0"/>
+              <a:buChar char="•"/>
+            </a:pPr>
+            <a:r>
+              <a:rPr lang="en-US" sz="2800" b="0" i="0" dirty="0">
+                <a:effectLst/>
+                <a:latin typeface="-apple-system"/>
+              </a:rPr>
+              <a:t> Total of 870,521 articles</a:t>
+            </a:r>
+          </a:p>
+          <a:p>
+            <a:pPr lvl="1">
+              <a:lnSpc>
+                <a:spcPct val="150000"/>
+              </a:lnSpc>
+            </a:pPr>
+            <a:r>
+              <a:rPr lang="en-US" sz="2800" dirty="0">
+                <a:latin typeface="-apple-system"/>
+              </a:rPr>
+              <a:t>C</a:t>
+            </a:r>
+            <a:r>
+              <a:rPr lang="en-US" sz="2800" b="0" i="0" dirty="0">
+                <a:effectLst/>
+                <a:latin typeface="-apple-system"/>
+              </a:rPr>
+              <a:t>ollection of news articles from 3 separate datasets (</a:t>
+            </a:r>
+            <a:r>
+              <a:rPr lang="en-US" sz="2800" b="0" i="0" dirty="0" err="1">
+                <a:effectLst/>
+                <a:latin typeface="-apple-system"/>
+              </a:rPr>
+              <a:t>XSum</a:t>
+            </a:r>
+            <a:r>
+              <a:rPr lang="en-US" sz="2800" b="0" i="0" dirty="0">
+                <a:effectLst/>
+                <a:latin typeface="-apple-system"/>
+              </a:rPr>
+              <a:t>, CNN/Daily Mail, Multi-News)</a:t>
+            </a:r>
+          </a:p>
+          <a:p>
+            <a:pPr lvl="1">
+              <a:lnSpc>
+                <a:spcPct val="150000"/>
+              </a:lnSpc>
+              <a:buFont typeface="Arial" panose="020B0604020202020204" pitchFamily="34" charset="0"/>
+              <a:buChar char="•"/>
+            </a:pPr>
+            <a:r>
+              <a:rPr lang="en-US" sz="2800" b="0" i="0" dirty="0">
+                <a:effectLst/>
+                <a:latin typeface="-apple-system"/>
+              </a:rPr>
+              <a:t> Only 580,013 unique articles (about 1/3 of the articles are duplicates)</a:t>
+            </a:r>
+          </a:p>
+          <a:p>
+            <a:pPr>
+              <a:lnSpc>
+                <a:spcPct val="150000"/>
+              </a:lnSpc>
+              <a:buFont typeface="Arial" panose="020B0604020202020204" pitchFamily="34" charset="0"/>
+              <a:buChar char="•"/>
+            </a:pPr>
+            <a:r>
+              <a:rPr lang="en-US" sz="2800" dirty="0">
+                <a:latin typeface="-apple-system"/>
+              </a:rPr>
+              <a:t> We lemmatized the dataset to extract meaning</a:t>
+            </a:r>
+            <a:endParaRPr lang="en-US" sz="2800" b="0" i="0" dirty="0">
+              <a:effectLst/>
+              <a:latin typeface="-apple-system"/>
+            </a:endParaRPr>
+          </a:p>
+          <a:p>
+            <a:endParaRPr lang="en-US" dirty="0"/>
+          </a:p>
+        </p:txBody>
+      </p:sp>
+    </p:spTree>
+    <p:extLst>
+      <p:ext uri="{BB962C8B-B14F-4D97-AF65-F5344CB8AC3E}">
+        <p14:creationId xmlns:p14="http://schemas.microsoft.com/office/powerpoint/2010/main" val="3039075442"/>
+      </p:ext>
+    </p:extLst>
+  </p:cSld>
+  <p:clrMapOvr>
+    <a:masterClrMapping/>
+  </p:clrMapOvr>
+</p:sld>
+</file>
+
+<file path=ppt/slides/slide6.xml><?xml version="1.0" encoding="utf-8"?>
+<p:sld xmlns:a="http://schemas.openxmlformats.org/drawingml/2006/main" xmlns:r="http://schemas.openxmlformats.org/officeDocument/2006/relationships" xmlns:p="http://schemas.openxmlformats.org/presentationml/2006/main">
+  <p:cSld>
+    <p:spTree>
+      <p:nvGrpSpPr>
+        <p:cNvPr id="1" name=""/>
+        <p:cNvGrpSpPr/>
+        <p:nvPr/>
+      </p:nvGrpSpPr>
+      <p:grpSpPr>
+        <a:xfrm>
+          <a:off x="0" y="0"/>
+          <a:ext cx="0" cy="0"/>
+          <a:chOff x="0" y="0"/>
+          <a:chExt cx="0" cy="0"/>
+        </a:xfrm>
+      </p:grpSpPr>
+      <p:sp>
+        <p:nvSpPr>
+          <p:cNvPr id="2" name="Title 1">
+            <a:extLst>
+              <a:ext uri="{FF2B5EF4-FFF2-40B4-BE49-F238E27FC236}">
+                <a16:creationId xmlns:a16="http://schemas.microsoft.com/office/drawing/2014/main" id="{7EB20B63-5B31-0E8A-FDF1-9FCB17774875}"/>
+              </a:ext>
+            </a:extLst>
+          </p:cNvPr>
+          <p:cNvSpPr>
+            <a:spLocks noGrp="1"/>
+          </p:cNvSpPr>
+          <p:nvPr>
+            <p:ph type="title"/>
+          </p:nvPr>
+        </p:nvSpPr>
+        <p:spPr/>
+        <p:txBody>
+          <a:bodyPr/>
+          <a:lstStyle/>
+          <a:p>
+            <a:r>
+              <a:rPr lang="en-US" dirty="0"/>
+              <a:t>Word Map</a:t>
+            </a:r>
+          </a:p>
+        </p:txBody>
+      </p:sp>
+      <p:pic>
+        <p:nvPicPr>
+          <p:cNvPr id="4" name="Picture 3" descr="A picture containing text&#10;&#10;Description automatically generated">
+            <a:extLst>
+              <a:ext uri="{FF2B5EF4-FFF2-40B4-BE49-F238E27FC236}">
+                <a16:creationId xmlns:a16="http://schemas.microsoft.com/office/drawing/2014/main" id="{487EE9A5-F888-6B00-B0B4-CDA1F62446EE}"/>
+              </a:ext>
+            </a:extLst>
+          </p:cNvPr>
+          <p:cNvPicPr>
+            <a:picLocks noChangeAspect="1"/>
+          </p:cNvPicPr>
+          <p:nvPr/>
+        </p:nvPicPr>
+        <p:blipFill>
+          <a:blip r:embed="rId2"/>
+          <a:stretch>
+            <a:fillRect/>
+          </a:stretch>
+        </p:blipFill>
+        <p:spPr>
+          <a:xfrm>
+            <a:off x="6284191" y="3307160"/>
+            <a:ext cx="5830066" cy="2986882"/>
+          </a:xfrm>
+          <a:prstGeom prst="rect">
+            <a:avLst/>
+          </a:prstGeom>
+        </p:spPr>
+      </p:pic>
+      <p:pic>
+        <p:nvPicPr>
+          <p:cNvPr id="8" name="Picture 7" descr="Text&#10;&#10;Description automatically generated with medium confidence">
+            <a:extLst>
+              <a:ext uri="{FF2B5EF4-FFF2-40B4-BE49-F238E27FC236}">
+                <a16:creationId xmlns:a16="http://schemas.microsoft.com/office/drawing/2014/main" id="{661892BA-3471-CA49-3552-89626167CA83}"/>
+              </a:ext>
+            </a:extLst>
+          </p:cNvPr>
+          <p:cNvPicPr>
+            <a:picLocks noChangeAspect="1"/>
+          </p:cNvPicPr>
+          <p:nvPr/>
+        </p:nvPicPr>
+        <p:blipFill>
+          <a:blip r:embed="rId3"/>
+          <a:stretch>
+            <a:fillRect/>
+          </a:stretch>
+        </p:blipFill>
+        <p:spPr>
+          <a:xfrm>
+            <a:off x="77743" y="3307160"/>
+            <a:ext cx="5698836" cy="2919650"/>
+          </a:xfrm>
+          <a:prstGeom prst="rect">
+            <a:avLst/>
+          </a:prstGeom>
+        </p:spPr>
+      </p:pic>
+      <p:sp>
+        <p:nvSpPr>
+          <p:cNvPr id="9" name="TextBox 8">
+            <a:extLst>
+              <a:ext uri="{FF2B5EF4-FFF2-40B4-BE49-F238E27FC236}">
+                <a16:creationId xmlns:a16="http://schemas.microsoft.com/office/drawing/2014/main" id="{918E7E68-5C39-E50A-DAD1-DC0428105DA6}"/>
+              </a:ext>
+            </a:extLst>
+          </p:cNvPr>
+          <p:cNvSpPr txBox="1"/>
+          <p:nvPr/>
+        </p:nvSpPr>
+        <p:spPr>
+          <a:xfrm>
+            <a:off x="4010891" y="2497614"/>
+            <a:ext cx="1069267" cy="369332"/>
+          </a:xfrm>
+          <a:prstGeom prst="rect">
+            <a:avLst/>
+          </a:prstGeom>
+          <a:noFill/>
+        </p:spPr>
+        <p:txBody>
+          <a:bodyPr wrap="none" rtlCol="0">
+            <a:spAutoFit/>
+          </a:bodyPr>
+          <a:lstStyle/>
+          <a:p>
+            <a:r>
+              <a:rPr lang="en-US" dirty="0"/>
+              <a:t>raw data</a:t>
+            </a:r>
+          </a:p>
+        </p:txBody>
+      </p:sp>
+      <mc:AlternateContent xmlns:mc="http://schemas.openxmlformats.org/markup-compatibility/2006">
+        <mc:Choice xmlns:p14="http://schemas.microsoft.com/office/powerpoint/2010/main" Requires="p14">
+          <p:contentPart p14:bwMode="auto" r:id="rId4">
+            <p14:nvContentPartPr>
+              <p14:cNvPr id="12" name="Ink 11">
+                <a:extLst>
+                  <a:ext uri="{FF2B5EF4-FFF2-40B4-BE49-F238E27FC236}">
+                    <a16:creationId xmlns:a16="http://schemas.microsoft.com/office/drawing/2014/main" id="{67FA04C3-5322-FD73-DB04-5560A563F72F}"/>
+                  </a:ext>
+                </a:extLst>
+              </p14:cNvPr>
+              <p14:cNvContentPartPr/>
+              <p14:nvPr/>
+            </p14:nvContentPartPr>
+            <p14:xfrm>
+              <a:off x="3427936" y="2752658"/>
+              <a:ext cx="466200" cy="455400"/>
+            </p14:xfrm>
+          </p:contentPart>
+        </mc:Choice>
+        <mc:Fallback>
+          <p:pic>
+            <p:nvPicPr>
+              <p:cNvPr id="12" name="Ink 11">
+                <a:extLst>
+                  <a:ext uri="{FF2B5EF4-FFF2-40B4-BE49-F238E27FC236}">
+                    <a16:creationId xmlns:a16="http://schemas.microsoft.com/office/drawing/2014/main" id="{67FA04C3-5322-FD73-DB04-5560A563F72F}"/>
+                  </a:ext>
+                </a:extLst>
+              </p:cNvPr>
+              <p:cNvPicPr/>
+              <p:nvPr/>
+            </p:nvPicPr>
+            <p:blipFill>
+              <a:blip r:embed="rId5"/>
+              <a:stretch>
+                <a:fillRect/>
+              </a:stretch>
+            </p:blipFill>
+            <p:spPr>
+              <a:xfrm>
+                <a:off x="3419296" y="2743658"/>
+                <a:ext cx="483840" cy="473040"/>
+              </a:xfrm>
+              <a:prstGeom prst="rect">
+                <a:avLst/>
+              </a:prstGeom>
+            </p:spPr>
+          </p:pic>
+        </mc:Fallback>
+      </mc:AlternateContent>
+      <p:sp>
+        <p:nvSpPr>
+          <p:cNvPr id="13" name="TextBox 12">
+            <a:extLst>
+              <a:ext uri="{FF2B5EF4-FFF2-40B4-BE49-F238E27FC236}">
+                <a16:creationId xmlns:a16="http://schemas.microsoft.com/office/drawing/2014/main" id="{43C82F8F-01C1-37C7-10E1-218D110FE554}"/>
+              </a:ext>
+            </a:extLst>
+          </p:cNvPr>
+          <p:cNvSpPr txBox="1"/>
+          <p:nvPr/>
+        </p:nvSpPr>
+        <p:spPr>
+          <a:xfrm>
+            <a:off x="7111844" y="2497614"/>
+            <a:ext cx="2330766" cy="369332"/>
+          </a:xfrm>
+          <a:prstGeom prst="rect">
+            <a:avLst/>
+          </a:prstGeom>
+          <a:noFill/>
+        </p:spPr>
+        <p:txBody>
+          <a:bodyPr wrap="none" rtlCol="0">
+            <a:spAutoFit/>
+          </a:bodyPr>
+          <a:lstStyle/>
+          <a:p>
+            <a:r>
+              <a:rPr lang="en-US" dirty="0"/>
+              <a:t>stop words removed</a:t>
+            </a:r>
+          </a:p>
+        </p:txBody>
+      </p:sp>
+      <mc:AlternateContent xmlns:mc="http://schemas.openxmlformats.org/markup-compatibility/2006">
+        <mc:Choice xmlns:p14="http://schemas.microsoft.com/office/powerpoint/2010/main" Requires="p14">
+          <p:contentPart p14:bwMode="auto" r:id="rId6">
+            <p14:nvContentPartPr>
+              <p14:cNvPr id="14" name="Ink 13">
+                <a:extLst>
+                  <a:ext uri="{FF2B5EF4-FFF2-40B4-BE49-F238E27FC236}">
+                    <a16:creationId xmlns:a16="http://schemas.microsoft.com/office/drawing/2014/main" id="{19CFED8F-57EE-D202-6D31-B2BB8F0E2F36}"/>
+                  </a:ext>
+                </a:extLst>
+              </p14:cNvPr>
+              <p14:cNvContentPartPr/>
+              <p14:nvPr/>
+            </p14:nvContentPartPr>
+            <p14:xfrm>
+              <a:off x="9424456" y="2792258"/>
+              <a:ext cx="427680" cy="307080"/>
+            </p14:xfrm>
+          </p:contentPart>
+        </mc:Choice>
+        <mc:Fallback>
+          <p:pic>
+            <p:nvPicPr>
+              <p:cNvPr id="14" name="Ink 13">
+                <a:extLst>
+                  <a:ext uri="{FF2B5EF4-FFF2-40B4-BE49-F238E27FC236}">
+                    <a16:creationId xmlns:a16="http://schemas.microsoft.com/office/drawing/2014/main" id="{19CFED8F-57EE-D202-6D31-B2BB8F0E2F36}"/>
+                  </a:ext>
+                </a:extLst>
+              </p:cNvPr>
+              <p:cNvPicPr/>
+              <p:nvPr/>
+            </p:nvPicPr>
+            <p:blipFill>
+              <a:blip r:embed="rId7"/>
+              <a:stretch>
+                <a:fillRect/>
+              </a:stretch>
+            </p:blipFill>
+            <p:spPr>
+              <a:xfrm>
+                <a:off x="9415816" y="2783258"/>
+                <a:ext cx="445320" cy="324720"/>
+              </a:xfrm>
+              <a:prstGeom prst="rect">
+                <a:avLst/>
+              </a:prstGeom>
+            </p:spPr>
+          </p:pic>
+        </mc:Fallback>
+      </mc:AlternateContent>
+    </p:spTree>
+    <p:extLst>
+      <p:ext uri="{BB962C8B-B14F-4D97-AF65-F5344CB8AC3E}">
+        <p14:creationId xmlns:p14="http://schemas.microsoft.com/office/powerpoint/2010/main" val="4086251185"/>
+      </p:ext>
+    </p:extLst>
+  </p:cSld>
+  <p:clrMapOvr>
+    <a:masterClrMapping/>
+  </p:clrMapOvr>
+</p:sld>
+</file>
+
+<file path=ppt/slides/slide7.xml><?xml version="1.0" encoding="utf-8"?>
+<p:sld xmlns:a="http://schemas.openxmlformats.org/drawingml/2006/main" xmlns:r="http://schemas.openxmlformats.org/officeDocument/2006/relationships" xmlns:p="http://schemas.openxmlformats.org/presentationml/2006/main">
+  <p:cSld>
+    <p:spTree>
+      <p:nvGrpSpPr>
+        <p:cNvPr id="1" name=""/>
+        <p:cNvGrpSpPr/>
+        <p:nvPr/>
+      </p:nvGrpSpPr>
+      <p:grpSpPr>
+        <a:xfrm>
+          <a:off x="0" y="0"/>
+          <a:ext cx="0" cy="0"/>
+          <a:chOff x="0" y="0"/>
+          <a:chExt cx="0" cy="0"/>
+        </a:xfrm>
+      </p:grpSpPr>
+      <p:sp>
+        <p:nvSpPr>
           <p:cNvPr id="4" name="Rectangle 3">
             <a:extLst>
               <a:ext uri="{FF2B5EF4-FFF2-40B4-BE49-F238E27FC236}">
@@ -5484,321 +7668,36 @@
           </a:prstGeom>
         </p:spPr>
       </p:pic>
-      <p:sp>
-        <p:nvSpPr>
-          <p:cNvPr id="3" name="TextBox 2">
-            <a:extLst>
-              <a:ext uri="{FF2B5EF4-FFF2-40B4-BE49-F238E27FC236}">
-                <a16:creationId xmlns:a16="http://schemas.microsoft.com/office/drawing/2014/main" id="{9A6CBB1E-CEE6-7412-5259-E651C0F9EC98}"/>
-              </a:ext>
-            </a:extLst>
-          </p:cNvPr>
-          <p:cNvSpPr txBox="1"/>
+      <p:pic>
+        <p:nvPicPr>
+          <p:cNvPr id="2" name="Picture 1" descr="Icon&#10;&#10;Description automatically generated">
+            <a:extLst>
+              <a:ext uri="{FF2B5EF4-FFF2-40B4-BE49-F238E27FC236}">
+                <a16:creationId xmlns:a16="http://schemas.microsoft.com/office/drawing/2014/main" id="{CE43B082-0008-B668-D867-7F6D95FF121F}"/>
+              </a:ext>
+            </a:extLst>
+          </p:cNvPr>
+          <p:cNvPicPr>
+            <a:picLocks noChangeAspect="1"/>
+          </p:cNvPicPr>
           <p:nvPr/>
-        </p:nvSpPr>
+        </p:nvPicPr>
+        <p:blipFill>
+          <a:blip r:embed="rId4"/>
+          <a:stretch>
+            <a:fillRect/>
+          </a:stretch>
+        </p:blipFill>
         <p:spPr>
           <a:xfrm>
-            <a:off x="2447539" y="1539179"/>
-            <a:ext cx="7366161" cy="1477328"/>
+            <a:off x="4929570" y="1660615"/>
+            <a:ext cx="2292082" cy="2292082"/>
           </a:xfrm>
           <a:prstGeom prst="rect">
             <a:avLst/>
           </a:prstGeom>
-          <a:noFill/>
-        </p:spPr>
-        <p:txBody>
-          <a:bodyPr wrap="square" rtlCol="0">
-            <a:spAutoFit/>
-          </a:bodyPr>
-          <a:lstStyle/>
-          <a:p>
-            <a:pPr algn="l">
-              <a:buFont typeface="Arial" panose="020B0604020202020204" pitchFamily="34" charset="0"/>
-              <a:buChar char="•"/>
-            </a:pPr>
-            <a:r>
-              <a:rPr lang="en-US" b="0" i="0" dirty="0">
-                <a:solidFill>
-                  <a:srgbClr val="E6EDF3"/>
-                </a:solidFill>
-                <a:effectLst/>
-                <a:latin typeface="-apple-system"/>
-              </a:rPr>
-              <a:t> </a:t>
-            </a:r>
-            <a:r>
-              <a:rPr lang="en-US" b="0" i="0" dirty="0">
-                <a:solidFill>
-                  <a:srgbClr val="E6EDF3"/>
-                </a:solidFill>
-                <a:effectLst/>
-              </a:rPr>
-              <a:t>Choose a deep learning model that is suitable for the task of summarization.</a:t>
-            </a:r>
-          </a:p>
-          <a:p>
-            <a:pPr algn="l">
-              <a:buFont typeface="Arial" panose="020B0604020202020204" pitchFamily="34" charset="0"/>
-              <a:buChar char="•"/>
-            </a:pPr>
-            <a:r>
-              <a:rPr lang="en-US" b="0" i="0" dirty="0">
-                <a:solidFill>
-                  <a:srgbClr val="E6EDF3"/>
-                </a:solidFill>
-                <a:effectLst/>
-              </a:rPr>
-              <a:t> Define the architecture of the model, including the number of layers, hidden units, and embedding dimensions.</a:t>
-            </a:r>
-          </a:p>
-          <a:p>
-            <a:endParaRPr lang="en-US" dirty="0"/>
-          </a:p>
-        </p:txBody>
-      </p:sp>
-      <p:graphicFrame>
-        <p:nvGraphicFramePr>
-          <p:cNvPr id="8" name="Table 8">
-            <a:extLst>
-              <a:ext uri="{FF2B5EF4-FFF2-40B4-BE49-F238E27FC236}">
-                <a16:creationId xmlns:a16="http://schemas.microsoft.com/office/drawing/2014/main" id="{3F7A640E-2B8C-2016-8ED4-82021428EA45}"/>
-              </a:ext>
-            </a:extLst>
-          </p:cNvPr>
-          <p:cNvGraphicFramePr>
-            <a:graphicFrameLocks noGrp="1"/>
-          </p:cNvGraphicFramePr>
-          <p:nvPr>
-            <p:extLst>
-              <p:ext uri="{D42A27DB-BD31-4B8C-83A1-F6EECF244321}">
-                <p14:modId xmlns:p14="http://schemas.microsoft.com/office/powerpoint/2010/main" val="1864416816"/>
-              </p:ext>
-            </p:extLst>
-          </p:nvPr>
-        </p:nvGraphicFramePr>
-        <p:xfrm>
-          <a:off x="2412919" y="3254854"/>
-          <a:ext cx="7366161" cy="3357698"/>
-        </p:xfrm>
-        <a:graphic>
-          <a:graphicData uri="http://schemas.openxmlformats.org/drawingml/2006/table">
-            <a:tbl>
-              <a:tblPr firstRow="1" bandRow="1">
-                <a:tableStyleId>{00A15C55-8517-42AA-B614-E9B94910E393}</a:tableStyleId>
-              </a:tblPr>
-              <a:tblGrid>
-                <a:gridCol w="3064621">
-                  <a:extLst>
-                    <a:ext uri="{9D8B030D-6E8A-4147-A177-3AD203B41FA5}">
-                      <a16:colId xmlns:a16="http://schemas.microsoft.com/office/drawing/2014/main" val="363625428"/>
-                    </a:ext>
-                  </a:extLst>
-                </a:gridCol>
-                <a:gridCol w="1846153">
-                  <a:extLst>
-                    <a:ext uri="{9D8B030D-6E8A-4147-A177-3AD203B41FA5}">
-                      <a16:colId xmlns:a16="http://schemas.microsoft.com/office/drawing/2014/main" val="735180789"/>
-                    </a:ext>
-                  </a:extLst>
-                </a:gridCol>
-                <a:gridCol w="2455387">
-                  <a:extLst>
-                    <a:ext uri="{9D8B030D-6E8A-4147-A177-3AD203B41FA5}">
-                      <a16:colId xmlns:a16="http://schemas.microsoft.com/office/drawing/2014/main" val="3977514017"/>
-                    </a:ext>
-                  </a:extLst>
-                </a:gridCol>
-              </a:tblGrid>
-              <a:tr h="705938">
-                <a:tc>
-                  <a:txBody>
-                    <a:bodyPr/>
-                    <a:lstStyle/>
-                    <a:p>
-                      <a:r>
-                        <a:rPr lang="en-US" dirty="0"/>
-                        <a:t>Model</a:t>
-                      </a:r>
-                    </a:p>
-                  </a:txBody>
-                  <a:tcPr/>
-                </a:tc>
-                <a:tc>
-                  <a:txBody>
-                    <a:bodyPr/>
-                    <a:lstStyle/>
-                    <a:p>
-                      <a:r>
-                        <a:rPr lang="en-US" dirty="0"/>
-                        <a:t>Type</a:t>
-                      </a:r>
-                    </a:p>
-                  </a:txBody>
-                  <a:tcPr/>
-                </a:tc>
-                <a:tc>
-                  <a:txBody>
-                    <a:bodyPr/>
-                    <a:lstStyle/>
-                    <a:p>
-                      <a:r>
-                        <a:rPr lang="en-US" dirty="0"/>
-                        <a:t>Key Features</a:t>
-                      </a:r>
-                    </a:p>
-                  </a:txBody>
-                  <a:tcPr/>
-                </a:tc>
-                <a:extLst>
-                  <a:ext uri="{0D108BD9-81ED-4DB2-BD59-A6C34878D82A}">
-                    <a16:rowId xmlns:a16="http://schemas.microsoft.com/office/drawing/2014/main" val="2096657583"/>
-                  </a:ext>
-                </a:extLst>
-              </a:tr>
-              <a:tr h="795073">
-                <a:tc>
-                  <a:txBody>
-                    <a:bodyPr/>
-                    <a:lstStyle/>
-                    <a:p>
-                      <a:r>
-                        <a:rPr lang="en-US" dirty="0"/>
-                        <a:t>BERT</a:t>
-                      </a:r>
-                    </a:p>
-                  </a:txBody>
-                  <a:tcPr/>
-                </a:tc>
-                <a:tc>
-                  <a:txBody>
-                    <a:bodyPr/>
-                    <a:lstStyle/>
-                    <a:p>
-                      <a:r>
-                        <a:rPr lang="en-US" sz="1800" b="0" i="0" kern="1200" dirty="0">
-                          <a:solidFill>
-                            <a:schemeClr val="dk1"/>
-                          </a:solidFill>
-                          <a:effectLst/>
-                          <a:latin typeface="+mn-lt"/>
-                          <a:ea typeface="+mn-ea"/>
-                          <a:cs typeface="+mn-cs"/>
-                        </a:rPr>
-                        <a:t>Transformer-based model</a:t>
-                      </a:r>
-                      <a:endParaRPr lang="en-US" dirty="0"/>
-                    </a:p>
-                  </a:txBody>
-                  <a:tcPr/>
-                </a:tc>
-                <a:tc>
-                  <a:txBody>
-                    <a:bodyPr/>
-                    <a:lstStyle/>
-                    <a:p>
-                      <a:r>
-                        <a:rPr lang="en-US" sz="1800" b="0" i="0" kern="1200" dirty="0">
-                          <a:solidFill>
-                            <a:schemeClr val="dk1"/>
-                          </a:solidFill>
-                          <a:effectLst/>
-                          <a:latin typeface="+mn-lt"/>
-                          <a:ea typeface="+mn-ea"/>
-                          <a:cs typeface="+mn-cs"/>
-                        </a:rPr>
-                        <a:t>Pre-trained, fine-tunable, attention-based, bidirectional</a:t>
-                      </a:r>
-                      <a:endParaRPr lang="en-US" dirty="0"/>
-                    </a:p>
-                  </a:txBody>
-                  <a:tcPr/>
-                </a:tc>
-                <a:extLst>
-                  <a:ext uri="{0D108BD9-81ED-4DB2-BD59-A6C34878D82A}">
-                    <a16:rowId xmlns:a16="http://schemas.microsoft.com/office/drawing/2014/main" val="2969852656"/>
-                  </a:ext>
-                </a:extLst>
-              </a:tr>
-              <a:tr h="795073">
-                <a:tc>
-                  <a:txBody>
-                    <a:bodyPr/>
-                    <a:lstStyle/>
-                    <a:p>
-                      <a:r>
-                        <a:rPr lang="en-US" sz="1800" b="0" i="0" kern="1200" dirty="0">
-                          <a:solidFill>
-                            <a:schemeClr val="dk1"/>
-                          </a:solidFill>
-                          <a:effectLst/>
-                          <a:latin typeface="+mn-lt"/>
-                          <a:ea typeface="+mn-ea"/>
-                          <a:cs typeface="+mn-cs"/>
-                        </a:rPr>
-                        <a:t>Transformer-Based Models (</a:t>
-                      </a:r>
-                      <a:r>
-                        <a:rPr lang="en-US" dirty="0"/>
-                        <a:t>BART)</a:t>
-                      </a:r>
-                    </a:p>
-                  </a:txBody>
-                  <a:tcPr/>
-                </a:tc>
-                <a:tc>
-                  <a:txBody>
-                    <a:bodyPr/>
-                    <a:lstStyle/>
-                    <a:p>
-                      <a:r>
-                        <a:rPr lang="en-US" sz="1800" b="0" i="0" kern="1200" dirty="0">
-                          <a:solidFill>
-                            <a:schemeClr val="dk1"/>
-                          </a:solidFill>
-                          <a:effectLst/>
-                          <a:latin typeface="+mn-lt"/>
-                          <a:ea typeface="+mn-ea"/>
-                          <a:cs typeface="+mn-cs"/>
-                        </a:rPr>
-                        <a:t>Encoder-Decoder model</a:t>
-                      </a:r>
-                      <a:endParaRPr lang="en-US" dirty="0"/>
-                    </a:p>
-                  </a:txBody>
-                  <a:tcPr/>
-                </a:tc>
-                <a:tc>
-                  <a:txBody>
-                    <a:bodyPr/>
-                    <a:lstStyle/>
-                    <a:p>
-                      <a:r>
-                        <a:rPr lang="en-US" sz="1800" b="0" i="0" kern="1200" dirty="0">
-                          <a:solidFill>
-                            <a:schemeClr val="dk1"/>
-                          </a:solidFill>
-                          <a:effectLst/>
-                          <a:latin typeface="+mn-lt"/>
-                          <a:ea typeface="+mn-ea"/>
-                          <a:cs typeface="+mn-cs"/>
-                        </a:rPr>
-                        <a:t>Transformer-based, pre-trained, fine-tunable, bidirectional, flexible architecture, proven success for text summarization</a:t>
-                      </a:r>
-                      <a:endParaRPr lang="en-US" dirty="0"/>
-                    </a:p>
-                  </a:txBody>
-                  <a:tcPr/>
-                </a:tc>
-                <a:extLst>
-                  <a:ext uri="{0D108BD9-81ED-4DB2-BD59-A6C34878D82A}">
-                    <a16:rowId xmlns:a16="http://schemas.microsoft.com/office/drawing/2014/main" val="720211891"/>
-                  </a:ext>
-                </a:extLst>
-              </a:tr>
-            </a:tbl>
-          </a:graphicData>
-        </a:graphic>
-      </p:graphicFrame>
+        </p:spPr>
+      </p:pic>
     </p:spTree>
     <p:extLst>
       <p:ext uri="{BB962C8B-B14F-4D97-AF65-F5344CB8AC3E}">
@@ -5824,7 +7723,7 @@
 </p:sld>
 </file>
 
-<file path=ppt/slides/slide6.xml><?xml version="1.0" encoding="utf-8"?>
+<file path=ppt/slides/slide8.xml><?xml version="1.0" encoding="utf-8"?>
 <p:sld xmlns:a="http://schemas.openxmlformats.org/drawingml/2006/main" xmlns:r="http://schemas.openxmlformats.org/officeDocument/2006/relationships" xmlns:p="http://schemas.openxmlformats.org/presentationml/2006/main">
   <p:cSld>
     <p:spTree>
@@ -5843,516 +7742,1144 @@
       </p:grpSpPr>
       <p:sp>
         <p:nvSpPr>
-          <p:cNvPr id="4" name="Rectangle 3">
-            <a:extLst>
-              <a:ext uri="{FF2B5EF4-FFF2-40B4-BE49-F238E27FC236}">
-                <a16:creationId xmlns:a16="http://schemas.microsoft.com/office/drawing/2014/main" id="{C3107E71-09FC-BCDF-1F64-49DDD36030DE}"/>
-              </a:ext>
-            </a:extLst>
-          </p:cNvPr>
-          <p:cNvSpPr/>
-          <p:nvPr/>
+          <p:cNvPr id="2" name="Title 1">
+            <a:extLst>
+              <a:ext uri="{FF2B5EF4-FFF2-40B4-BE49-F238E27FC236}">
+                <a16:creationId xmlns:a16="http://schemas.microsoft.com/office/drawing/2014/main" id="{7EB20B63-5B31-0E8A-FDF1-9FCB17774875}"/>
+              </a:ext>
+            </a:extLst>
+          </p:cNvPr>
+          <p:cNvSpPr>
+            <a:spLocks noGrp="1"/>
+          </p:cNvSpPr>
+          <p:nvPr>
+            <p:ph type="title"/>
+          </p:nvPr>
         </p:nvSpPr>
         <p:spPr>
           <a:xfrm>
-            <a:off x="-7847" y="0"/>
-            <a:ext cx="2138572" cy="6858000"/>
-          </a:xfrm>
-          <a:prstGeom prst="rect">
-            <a:avLst/>
-          </a:prstGeom>
-        </p:spPr>
-        <p:style>
-          <a:lnRef idx="2">
-            <a:schemeClr val="accent1">
-              <a:shade val="50000"/>
-            </a:schemeClr>
-          </a:lnRef>
-          <a:fillRef idx="1">
-            <a:schemeClr val="accent1"/>
-          </a:fillRef>
-          <a:effectRef idx="0">
-            <a:schemeClr val="accent1"/>
-          </a:effectRef>
-          <a:fontRef idx="minor">
-            <a:schemeClr val="lt1"/>
-          </a:fontRef>
-        </p:style>
-        <p:txBody>
-          <a:bodyPr rtlCol="0" anchor="ctr"/>
-          <a:lstStyle/>
-          <a:p>
-            <a:pPr algn="ctr"/>
-            <a:endParaRPr lang="en-US" dirty="0"/>
-          </a:p>
-        </p:txBody>
-      </p:sp>
-      <p:sp>
-        <p:nvSpPr>
-          <p:cNvPr id="5" name="Rectangle 4">
-            <a:extLst>
-              <a:ext uri="{FF2B5EF4-FFF2-40B4-BE49-F238E27FC236}">
-                <a16:creationId xmlns:a16="http://schemas.microsoft.com/office/drawing/2014/main" id="{069A767E-017F-7463-2632-A053F60E3E3D}"/>
-              </a:ext>
-            </a:extLst>
-          </p:cNvPr>
-          <p:cNvSpPr/>
-          <p:nvPr/>
-        </p:nvSpPr>
-        <p:spPr>
-          <a:xfrm>
-            <a:off x="2117725" y="0"/>
-            <a:ext cx="2138572" cy="6858000"/>
-          </a:xfrm>
-          <a:prstGeom prst="rect">
-            <a:avLst/>
-          </a:prstGeom>
-          <a:solidFill>
-            <a:schemeClr val="accent4"/>
-          </a:solidFill>
-        </p:spPr>
-        <p:style>
-          <a:lnRef idx="2">
-            <a:schemeClr val="accent1">
-              <a:shade val="50000"/>
-            </a:schemeClr>
-          </a:lnRef>
-          <a:fillRef idx="1">
-            <a:schemeClr val="accent1"/>
-          </a:fillRef>
-          <a:effectRef idx="0">
-            <a:schemeClr val="accent1"/>
-          </a:effectRef>
-          <a:fontRef idx="minor">
-            <a:schemeClr val="lt1"/>
-          </a:fontRef>
-        </p:style>
-        <p:txBody>
-          <a:bodyPr rtlCol="0" anchor="ctr"/>
-          <a:lstStyle/>
-          <a:p>
-            <a:pPr algn="ctr"/>
-            <a:endParaRPr lang="en-US" dirty="0"/>
-          </a:p>
-        </p:txBody>
-      </p:sp>
-      <p:sp>
-        <p:nvSpPr>
-          <p:cNvPr id="6" name="Rectangle 5">
-            <a:extLst>
-              <a:ext uri="{FF2B5EF4-FFF2-40B4-BE49-F238E27FC236}">
-                <a16:creationId xmlns:a16="http://schemas.microsoft.com/office/drawing/2014/main" id="{0DCBBFFD-A6E3-742A-9C31-B4467F1CEAE2}"/>
-              </a:ext>
-            </a:extLst>
-          </p:cNvPr>
-          <p:cNvSpPr/>
-          <p:nvPr/>
-        </p:nvSpPr>
-        <p:spPr>
-          <a:xfrm>
-            <a:off x="4256297" y="0"/>
-            <a:ext cx="7960575" cy="6858000"/>
-          </a:xfrm>
-          <a:prstGeom prst="rect">
-            <a:avLst/>
-          </a:prstGeom>
-          <a:solidFill>
-            <a:schemeClr val="accent6"/>
-          </a:solidFill>
-        </p:spPr>
-        <p:style>
-          <a:lnRef idx="2">
-            <a:schemeClr val="accent1">
-              <a:shade val="50000"/>
-            </a:schemeClr>
-          </a:lnRef>
-          <a:fillRef idx="1">
-            <a:schemeClr val="accent1"/>
-          </a:fillRef>
-          <a:effectRef idx="0">
-            <a:schemeClr val="accent1"/>
-          </a:effectRef>
-          <a:fontRef idx="minor">
-            <a:schemeClr val="lt1"/>
-          </a:fontRef>
-        </p:style>
-        <p:txBody>
-          <a:bodyPr rtlCol="0" anchor="ctr"/>
-          <a:lstStyle/>
-          <a:p>
-            <a:pPr algn="ctr"/>
-            <a:endParaRPr lang="en-US" dirty="0"/>
-          </a:p>
-        </p:txBody>
-      </p:sp>
-      <p:sp>
-        <p:nvSpPr>
-          <p:cNvPr id="7" name="TextBox 6">
-            <a:extLst>
-              <a:ext uri="{FF2B5EF4-FFF2-40B4-BE49-F238E27FC236}">
-                <a16:creationId xmlns:a16="http://schemas.microsoft.com/office/drawing/2014/main" id="{4DBCD72F-F194-92BE-0723-EF74452CF088}"/>
-              </a:ext>
-            </a:extLst>
-          </p:cNvPr>
-          <p:cNvSpPr txBox="1"/>
-          <p:nvPr/>
-        </p:nvSpPr>
-        <p:spPr>
-          <a:xfrm>
-            <a:off x="-823175" y="659028"/>
-            <a:ext cx="3580327" cy="400110"/>
-          </a:xfrm>
-          <a:prstGeom prst="rect">
-            <a:avLst/>
-          </a:prstGeom>
-          <a:noFill/>
-        </p:spPr>
-        <p:txBody>
-          <a:bodyPr wrap="square" rtlCol="0">
-            <a:spAutoFit/>
-          </a:bodyPr>
-          <a:lstStyle/>
-          <a:p>
-            <a:pPr algn="ctr"/>
-            <a:r>
-              <a:rPr lang="en-US" sz="2000" b="1" dirty="0">
-                <a:solidFill>
-                  <a:schemeClr val="bg1"/>
-                </a:solidFill>
-                <a:latin typeface="+mj-lt"/>
-              </a:rPr>
-              <a:t>Phase 1</a:t>
-            </a:r>
-          </a:p>
-        </p:txBody>
-      </p:sp>
-      <p:sp>
-        <p:nvSpPr>
-          <p:cNvPr id="10" name="TextBox 9">
-            <a:extLst>
-              <a:ext uri="{FF2B5EF4-FFF2-40B4-BE49-F238E27FC236}">
-                <a16:creationId xmlns:a16="http://schemas.microsoft.com/office/drawing/2014/main" id="{DC57F0F7-F30D-4526-E18F-642F0E2FC0D7}"/>
-              </a:ext>
-            </a:extLst>
-          </p:cNvPr>
-          <p:cNvSpPr txBox="1"/>
-          <p:nvPr/>
-        </p:nvSpPr>
-        <p:spPr>
-          <a:xfrm>
-            <a:off x="6096000" y="525245"/>
-            <a:ext cx="3580327" cy="707886"/>
-          </a:xfrm>
-          <a:prstGeom prst="rect">
-            <a:avLst/>
-          </a:prstGeom>
-          <a:noFill/>
-        </p:spPr>
-        <p:txBody>
-          <a:bodyPr wrap="square" rtlCol="0">
-            <a:spAutoFit/>
-          </a:bodyPr>
-          <a:lstStyle/>
-          <a:p>
-            <a:pPr algn="ctr"/>
-            <a:r>
-              <a:rPr lang="en-US" sz="4000" b="1" dirty="0">
-                <a:solidFill>
-                  <a:schemeClr val="bg1"/>
-                </a:solidFill>
-                <a:latin typeface="+mj-lt"/>
-              </a:rPr>
-              <a:t>Phase 3</a:t>
-            </a:r>
-          </a:p>
-        </p:txBody>
-      </p:sp>
-      <p:sp>
-        <p:nvSpPr>
-          <p:cNvPr id="11" name="TextBox 10">
-            <a:extLst>
-              <a:ext uri="{FF2B5EF4-FFF2-40B4-BE49-F238E27FC236}">
-                <a16:creationId xmlns:a16="http://schemas.microsoft.com/office/drawing/2014/main" id="{533CC8A0-7D1F-76F0-0216-308434A51135}"/>
-              </a:ext>
-            </a:extLst>
-          </p:cNvPr>
-          <p:cNvSpPr txBox="1"/>
-          <p:nvPr/>
-        </p:nvSpPr>
-        <p:spPr>
-          <a:xfrm>
-            <a:off x="1313496" y="659028"/>
-            <a:ext cx="3580327" cy="400110"/>
-          </a:xfrm>
-          <a:prstGeom prst="rect">
-            <a:avLst/>
-          </a:prstGeom>
-          <a:noFill/>
-        </p:spPr>
-        <p:txBody>
-          <a:bodyPr wrap="square" rtlCol="0">
-            <a:spAutoFit/>
-          </a:bodyPr>
-          <a:lstStyle/>
-          <a:p>
-            <a:pPr algn="ctr"/>
-            <a:r>
-              <a:rPr lang="en-US" sz="2000" b="1" dirty="0">
-                <a:solidFill>
-                  <a:schemeClr val="bg1"/>
-                </a:solidFill>
-                <a:latin typeface="+mj-lt"/>
-              </a:rPr>
-              <a:t>Phase 2</a:t>
-            </a:r>
-          </a:p>
-        </p:txBody>
-      </p:sp>
-      <p:sp>
-        <p:nvSpPr>
-          <p:cNvPr id="12" name="TextBox 11">
-            <a:extLst>
-              <a:ext uri="{FF2B5EF4-FFF2-40B4-BE49-F238E27FC236}">
-                <a16:creationId xmlns:a16="http://schemas.microsoft.com/office/drawing/2014/main" id="{9BA047EF-FD15-E53B-BD23-37A319F6E77E}"/>
-              </a:ext>
-            </a:extLst>
-          </p:cNvPr>
-          <p:cNvSpPr txBox="1"/>
-          <p:nvPr/>
-        </p:nvSpPr>
-        <p:spPr>
-          <a:xfrm>
-            <a:off x="-7847" y="1132480"/>
-            <a:ext cx="2336979" cy="246221"/>
-          </a:xfrm>
-          <a:prstGeom prst="rect">
-            <a:avLst/>
-          </a:prstGeom>
-          <a:noFill/>
-        </p:spPr>
-        <p:txBody>
-          <a:bodyPr wrap="square" rtlCol="0">
-            <a:spAutoFit/>
-          </a:bodyPr>
-          <a:lstStyle/>
-          <a:p>
-            <a:r>
-              <a:rPr lang="en-US" sz="1000" b="1" i="1" dirty="0">
-                <a:solidFill>
-                  <a:schemeClr val="bg1"/>
-                </a:solidFill>
-                <a:latin typeface="+mj-lt"/>
-              </a:rPr>
-              <a:t>Data acquisition and refinement</a:t>
-            </a:r>
-          </a:p>
-        </p:txBody>
-      </p:sp>
-      <p:pic>
-        <p:nvPicPr>
-          <p:cNvPr id="14" name="Content Placeholder 13" descr="Icon&#10;&#10;Description automatically generated">
-            <a:extLst>
-              <a:ext uri="{FF2B5EF4-FFF2-40B4-BE49-F238E27FC236}">
-                <a16:creationId xmlns:a16="http://schemas.microsoft.com/office/drawing/2014/main" id="{56C9E5C3-3E25-1323-9E8A-A7867759C32D}"/>
-              </a:ext>
-            </a:extLst>
-          </p:cNvPr>
-          <p:cNvPicPr>
-            <a:picLocks noGrp="1" noChangeAspect="1"/>
-          </p:cNvPicPr>
+            <a:off x="1118754" y="727364"/>
+            <a:ext cx="8915402" cy="1371600"/>
+          </a:xfrm>
+        </p:spPr>
+        <p:txBody>
+          <a:bodyPr/>
+          <a:lstStyle/>
+          <a:p>
+            <a:r>
+              <a:rPr lang="en-US" dirty="0"/>
+              <a:t>Initial Models</a:t>
+            </a:r>
+          </a:p>
+        </p:txBody>
+      </p:sp>
+      <p:graphicFrame>
+        <p:nvGraphicFramePr>
+          <p:cNvPr id="4" name="Table 3">
+            <a:extLst>
+              <a:ext uri="{FF2B5EF4-FFF2-40B4-BE49-F238E27FC236}">
+                <a16:creationId xmlns:a16="http://schemas.microsoft.com/office/drawing/2014/main" id="{2B68C382-C099-44CB-BA8C-FA58ABC2E2AF}"/>
+              </a:ext>
+            </a:extLst>
+          </p:cNvPr>
+          <p:cNvGraphicFramePr>
+            <a:graphicFrameLocks noGrp="1"/>
+          </p:cNvGraphicFramePr>
           <p:nvPr>
-            <p:ph idx="1"/>
+            <p:extLst>
+              <p:ext uri="{D42A27DB-BD31-4B8C-83A1-F6EECF244321}">
+                <p14:modId xmlns:p14="http://schemas.microsoft.com/office/powerpoint/2010/main" val="4009569966"/>
+              </p:ext>
+            </p:extLst>
           </p:nvPr>
-        </p:nvPicPr>
-        <p:blipFill>
-          <a:blip r:embed="rId2"/>
-          <a:stretch>
-            <a:fillRect/>
-          </a:stretch>
-        </p:blipFill>
-        <p:spPr>
-          <a:xfrm>
-            <a:off x="374695" y="2138739"/>
-            <a:ext cx="1213220" cy="1213220"/>
-          </a:xfrm>
-        </p:spPr>
-      </p:pic>
-      <p:pic>
-        <p:nvPicPr>
-          <p:cNvPr id="17" name="Picture 16" descr="Icon&#10;&#10;Description automatically generated">
-            <a:extLst>
-              <a:ext uri="{FF2B5EF4-FFF2-40B4-BE49-F238E27FC236}">
-                <a16:creationId xmlns:a16="http://schemas.microsoft.com/office/drawing/2014/main" id="{F2289D26-57CE-E4E7-2E9D-9A9C1D819467}"/>
-              </a:ext>
-            </a:extLst>
-          </p:cNvPr>
-          <p:cNvPicPr>
-            <a:picLocks noChangeAspect="1"/>
-          </p:cNvPicPr>
-          <p:nvPr/>
-        </p:nvPicPr>
-        <p:blipFill>
-          <a:blip r:embed="rId3"/>
-          <a:stretch>
-            <a:fillRect/>
-          </a:stretch>
-        </p:blipFill>
-        <p:spPr>
-          <a:xfrm>
-            <a:off x="2589507" y="2121019"/>
-            <a:ext cx="1225033" cy="1225033"/>
-          </a:xfrm>
-          <a:prstGeom prst="rect">
-            <a:avLst/>
-          </a:prstGeom>
-        </p:spPr>
-      </p:pic>
-      <p:sp>
-        <p:nvSpPr>
-          <p:cNvPr id="18" name="TextBox 17">
-            <a:extLst>
-              <a:ext uri="{FF2B5EF4-FFF2-40B4-BE49-F238E27FC236}">
-                <a16:creationId xmlns:a16="http://schemas.microsoft.com/office/drawing/2014/main" id="{7ADC5359-481D-E038-5CAB-D345D2A8F315}"/>
-              </a:ext>
-            </a:extLst>
-          </p:cNvPr>
-          <p:cNvSpPr txBox="1"/>
-          <p:nvPr/>
-        </p:nvSpPr>
-        <p:spPr>
-          <a:xfrm>
-            <a:off x="2273055" y="1132479"/>
-            <a:ext cx="2987898" cy="246221"/>
-          </a:xfrm>
-          <a:prstGeom prst="rect">
-            <a:avLst/>
-          </a:prstGeom>
-          <a:noFill/>
-        </p:spPr>
-        <p:txBody>
-          <a:bodyPr wrap="square" rtlCol="0">
-            <a:spAutoFit/>
-          </a:bodyPr>
-          <a:lstStyle/>
-          <a:p>
-            <a:r>
-              <a:rPr lang="en-US" sz="1000" b="1" i="0" dirty="0">
-                <a:solidFill>
-                  <a:srgbClr val="E6EDF3"/>
-                </a:solidFill>
-                <a:effectLst/>
-                <a:latin typeface="+mj-lt"/>
-              </a:rPr>
-              <a:t>Model Architecture Selection</a:t>
-            </a:r>
-            <a:endParaRPr lang="en-US" sz="1000" b="1" i="1" dirty="0">
-              <a:solidFill>
-                <a:schemeClr val="bg1"/>
-              </a:solidFill>
-              <a:latin typeface="+mj-lt"/>
-            </a:endParaRPr>
-          </a:p>
-        </p:txBody>
-      </p:sp>
-      <p:sp>
-        <p:nvSpPr>
-          <p:cNvPr id="19" name="TextBox 18">
-            <a:extLst>
-              <a:ext uri="{FF2B5EF4-FFF2-40B4-BE49-F238E27FC236}">
-                <a16:creationId xmlns:a16="http://schemas.microsoft.com/office/drawing/2014/main" id="{289FAF70-B5F1-42DD-06F9-15510A212020}"/>
-              </a:ext>
-            </a:extLst>
-          </p:cNvPr>
-          <p:cNvSpPr txBox="1"/>
-          <p:nvPr/>
-        </p:nvSpPr>
-        <p:spPr>
-          <a:xfrm>
-            <a:off x="6530846" y="1516497"/>
-            <a:ext cx="5129570" cy="461665"/>
-          </a:xfrm>
-          <a:prstGeom prst="rect">
-            <a:avLst/>
-          </a:prstGeom>
-          <a:noFill/>
-        </p:spPr>
-        <p:txBody>
-          <a:bodyPr wrap="square" rtlCol="0">
-            <a:spAutoFit/>
-          </a:bodyPr>
-          <a:lstStyle/>
-          <a:p>
-            <a:r>
-              <a:rPr lang="en-US" sz="2400" b="1" i="0" dirty="0">
-                <a:solidFill>
-                  <a:srgbClr val="E6EDF3"/>
-                </a:solidFill>
-                <a:effectLst/>
-                <a:latin typeface="+mj-lt"/>
-              </a:rPr>
-              <a:t>Model Training and Evaluation</a:t>
-            </a:r>
-            <a:endParaRPr lang="en-US" sz="2400" b="1" i="1" dirty="0">
-              <a:solidFill>
-                <a:schemeClr val="bg1"/>
-              </a:solidFill>
-              <a:latin typeface="+mj-lt"/>
-            </a:endParaRPr>
-          </a:p>
-        </p:txBody>
-      </p:sp>
-      <p:pic>
-        <p:nvPicPr>
-          <p:cNvPr id="21" name="Picture 20" descr="Icon&#10;&#10;Description automatically generated">
-            <a:extLst>
-              <a:ext uri="{FF2B5EF4-FFF2-40B4-BE49-F238E27FC236}">
-                <a16:creationId xmlns:a16="http://schemas.microsoft.com/office/drawing/2014/main" id="{C31D2572-0982-0482-AB2E-4CA77F1440C9}"/>
-              </a:ext>
-            </a:extLst>
-          </p:cNvPr>
-          <p:cNvPicPr>
-            <a:picLocks noChangeAspect="1"/>
-          </p:cNvPicPr>
-          <p:nvPr/>
-        </p:nvPicPr>
-        <p:blipFill>
-          <a:blip r:embed="rId4"/>
-          <a:stretch>
-            <a:fillRect/>
-          </a:stretch>
-        </p:blipFill>
-        <p:spPr>
-          <a:xfrm>
-            <a:off x="4387242" y="191106"/>
-            <a:ext cx="1947633" cy="1947633"/>
-          </a:xfrm>
-          <a:prstGeom prst="rect">
-            <a:avLst/>
-          </a:prstGeom>
-        </p:spPr>
-      </p:pic>
+        </p:nvGraphicFramePr>
+        <p:xfrm>
+          <a:off x="5141508" y="501939"/>
+          <a:ext cx="5301354" cy="6035387"/>
+        </p:xfrm>
+        <a:graphic>
+          <a:graphicData uri="http://schemas.openxmlformats.org/drawingml/2006/table">
+            <a:tbl>
+              <a:tblPr/>
+              <a:tblGrid>
+                <a:gridCol w="1767118">
+                  <a:extLst>
+                    <a:ext uri="{9D8B030D-6E8A-4147-A177-3AD203B41FA5}">
+                      <a16:colId xmlns:a16="http://schemas.microsoft.com/office/drawing/2014/main" val="1369273294"/>
+                    </a:ext>
+                  </a:extLst>
+                </a:gridCol>
+                <a:gridCol w="1767118">
+                  <a:extLst>
+                    <a:ext uri="{9D8B030D-6E8A-4147-A177-3AD203B41FA5}">
+                      <a16:colId xmlns:a16="http://schemas.microsoft.com/office/drawing/2014/main" val="3083860692"/>
+                    </a:ext>
+                  </a:extLst>
+                </a:gridCol>
+                <a:gridCol w="1767118">
+                  <a:extLst>
+                    <a:ext uri="{9D8B030D-6E8A-4147-A177-3AD203B41FA5}">
+                      <a16:colId xmlns:a16="http://schemas.microsoft.com/office/drawing/2014/main" val="2653827986"/>
+                    </a:ext>
+                  </a:extLst>
+                </a:gridCol>
+              </a:tblGrid>
+              <a:tr h="217492">
+                <a:tc>
+                  <a:txBody>
+                    <a:bodyPr/>
+                    <a:lstStyle/>
+                    <a:p>
+                      <a:pPr fontAlgn="ctr"/>
+                      <a:r>
+                        <a:rPr lang="en-US" sz="1000" b="1">
+                          <a:effectLst/>
+                        </a:rPr>
+                        <a:t>Model</a:t>
+                      </a:r>
+                    </a:p>
+                  </a:txBody>
+                  <a:tcPr marL="54372" marR="54372" marT="27186" marB="27186" anchor="ctr">
+                    <a:lnL>
+                      <a:noFill/>
+                    </a:lnL>
+                    <a:lnR>
+                      <a:noFill/>
+                    </a:lnR>
+                    <a:lnT>
+                      <a:noFill/>
+                    </a:lnT>
+                    <a:lnB>
+                      <a:noFill/>
+                    </a:lnB>
+                    <a:solidFill>
+                      <a:srgbClr val="FFFFFF"/>
+                    </a:solidFill>
+                  </a:tcPr>
+                </a:tc>
+                <a:tc>
+                  <a:txBody>
+                    <a:bodyPr/>
+                    <a:lstStyle/>
+                    <a:p>
+                      <a:pPr fontAlgn="ctr"/>
+                      <a:r>
+                        <a:rPr lang="en-US" sz="1000" b="1">
+                          <a:effectLst/>
+                        </a:rPr>
+                        <a:t>Type</a:t>
+                      </a:r>
+                    </a:p>
+                  </a:txBody>
+                  <a:tcPr marL="54372" marR="54372" marT="27186" marB="27186" anchor="ctr">
+                    <a:lnL>
+                      <a:noFill/>
+                    </a:lnL>
+                    <a:lnR>
+                      <a:noFill/>
+                    </a:lnR>
+                    <a:lnT>
+                      <a:noFill/>
+                    </a:lnT>
+                    <a:lnB>
+                      <a:noFill/>
+                    </a:lnB>
+                    <a:solidFill>
+                      <a:srgbClr val="FFFFFF"/>
+                    </a:solidFill>
+                  </a:tcPr>
+                </a:tc>
+                <a:tc>
+                  <a:txBody>
+                    <a:bodyPr/>
+                    <a:lstStyle/>
+                    <a:p>
+                      <a:pPr fontAlgn="ctr"/>
+                      <a:r>
+                        <a:rPr lang="en-US" sz="1000" b="1">
+                          <a:effectLst/>
+                        </a:rPr>
+                        <a:t>Key Features</a:t>
+                      </a:r>
+                    </a:p>
+                  </a:txBody>
+                  <a:tcPr marL="54372" marR="54372" marT="27186" marB="27186" anchor="ctr">
+                    <a:lnL>
+                      <a:noFill/>
+                    </a:lnL>
+                    <a:lnR>
+                      <a:noFill/>
+                    </a:lnR>
+                    <a:lnT>
+                      <a:noFill/>
+                    </a:lnT>
+                    <a:lnB>
+                      <a:noFill/>
+                    </a:lnB>
+                    <a:solidFill>
+                      <a:srgbClr val="FFFFFF"/>
+                    </a:solidFill>
+                  </a:tcPr>
+                </a:tc>
+                <a:extLst>
+                  <a:ext uri="{0D108BD9-81ED-4DB2-BD59-A6C34878D82A}">
+                    <a16:rowId xmlns:a16="http://schemas.microsoft.com/office/drawing/2014/main" val="1668912095"/>
+                  </a:ext>
+                </a:extLst>
+              </a:tr>
+              <a:tr h="543729">
+                <a:tc>
+                  <a:txBody>
+                    <a:bodyPr/>
+                    <a:lstStyle/>
+                    <a:p>
+                      <a:pPr fontAlgn="ctr"/>
+                      <a:r>
+                        <a:rPr lang="en-US" sz="1000">
+                          <a:effectLst/>
+                        </a:rPr>
+                        <a:t>BERT</a:t>
+                      </a:r>
+                    </a:p>
+                  </a:txBody>
+                  <a:tcPr marL="54372" marR="54372" marT="27186" marB="27186" anchor="ctr">
+                    <a:lnL>
+                      <a:noFill/>
+                    </a:lnL>
+                    <a:lnR>
+                      <a:noFill/>
+                    </a:lnR>
+                    <a:lnT>
+                      <a:noFill/>
+                    </a:lnT>
+                    <a:lnB>
+                      <a:noFill/>
+                    </a:lnB>
+                    <a:solidFill>
+                      <a:srgbClr val="FFFFFF"/>
+                    </a:solidFill>
+                  </a:tcPr>
+                </a:tc>
+                <a:tc>
+                  <a:txBody>
+                    <a:bodyPr/>
+                    <a:lstStyle/>
+                    <a:p>
+                      <a:pPr fontAlgn="ctr"/>
+                      <a:r>
+                        <a:rPr lang="en-US" sz="1000">
+                          <a:effectLst/>
+                        </a:rPr>
+                        <a:t>Transformer-based model</a:t>
+                      </a:r>
+                    </a:p>
+                  </a:txBody>
+                  <a:tcPr marL="54372" marR="54372" marT="27186" marB="27186" anchor="ctr">
+                    <a:lnL>
+                      <a:noFill/>
+                    </a:lnL>
+                    <a:lnR>
+                      <a:noFill/>
+                    </a:lnR>
+                    <a:lnT>
+                      <a:noFill/>
+                    </a:lnT>
+                    <a:lnB>
+                      <a:noFill/>
+                    </a:lnB>
+                    <a:solidFill>
+                      <a:srgbClr val="FFFFFF"/>
+                    </a:solidFill>
+                  </a:tcPr>
+                </a:tc>
+                <a:tc>
+                  <a:txBody>
+                    <a:bodyPr/>
+                    <a:lstStyle/>
+                    <a:p>
+                      <a:pPr fontAlgn="ctr"/>
+                      <a:r>
+                        <a:rPr lang="en-US" sz="1000">
+                          <a:effectLst/>
+                        </a:rPr>
+                        <a:t>Pre-trained, fine-tunable, attention-based, bidirectional</a:t>
+                      </a:r>
+                    </a:p>
+                  </a:txBody>
+                  <a:tcPr marL="54372" marR="54372" marT="27186" marB="27186" anchor="ctr">
+                    <a:lnL>
+                      <a:noFill/>
+                    </a:lnL>
+                    <a:lnR>
+                      <a:noFill/>
+                    </a:lnR>
+                    <a:lnT>
+                      <a:noFill/>
+                    </a:lnT>
+                    <a:lnB>
+                      <a:noFill/>
+                    </a:lnB>
+                    <a:solidFill>
+                      <a:srgbClr val="FFFFFF"/>
+                    </a:solidFill>
+                  </a:tcPr>
+                </a:tc>
+                <a:extLst>
+                  <a:ext uri="{0D108BD9-81ED-4DB2-BD59-A6C34878D82A}">
+                    <a16:rowId xmlns:a16="http://schemas.microsoft.com/office/drawing/2014/main" val="83961526"/>
+                  </a:ext>
+                </a:extLst>
+              </a:tr>
+              <a:tr h="706847">
+                <a:tc>
+                  <a:txBody>
+                    <a:bodyPr/>
+                    <a:lstStyle/>
+                    <a:p>
+                      <a:pPr fontAlgn="ctr"/>
+                      <a:r>
+                        <a:rPr lang="en-US" sz="1000">
+                          <a:effectLst/>
+                        </a:rPr>
+                        <a:t>T5</a:t>
+                      </a:r>
+                    </a:p>
+                  </a:txBody>
+                  <a:tcPr marL="54372" marR="54372" marT="27186" marB="27186" anchor="ctr">
+                    <a:lnL>
+                      <a:noFill/>
+                    </a:lnL>
+                    <a:lnR>
+                      <a:noFill/>
+                    </a:lnR>
+                    <a:lnT>
+                      <a:noFill/>
+                    </a:lnT>
+                    <a:lnB>
+                      <a:noFill/>
+                    </a:lnB>
+                    <a:solidFill>
+                      <a:srgbClr val="FFFFFF"/>
+                    </a:solidFill>
+                  </a:tcPr>
+                </a:tc>
+                <a:tc>
+                  <a:txBody>
+                    <a:bodyPr/>
+                    <a:lstStyle/>
+                    <a:p>
+                      <a:pPr fontAlgn="ctr"/>
+                      <a:r>
+                        <a:rPr lang="en-US" sz="1000">
+                          <a:effectLst/>
+                        </a:rPr>
+                        <a:t>Transformer-based model</a:t>
+                      </a:r>
+                    </a:p>
+                  </a:txBody>
+                  <a:tcPr marL="54372" marR="54372" marT="27186" marB="27186" anchor="ctr">
+                    <a:lnL>
+                      <a:noFill/>
+                    </a:lnL>
+                    <a:lnR>
+                      <a:noFill/>
+                    </a:lnR>
+                    <a:lnT>
+                      <a:noFill/>
+                    </a:lnT>
+                    <a:lnB>
+                      <a:noFill/>
+                    </a:lnB>
+                    <a:solidFill>
+                      <a:srgbClr val="FFFFFF"/>
+                    </a:solidFill>
+                  </a:tcPr>
+                </a:tc>
+                <a:tc>
+                  <a:txBody>
+                    <a:bodyPr/>
+                    <a:lstStyle/>
+                    <a:p>
+                      <a:pPr fontAlgn="ctr"/>
+                      <a:r>
+                        <a:rPr lang="en-US" sz="1000">
+                          <a:effectLst/>
+                        </a:rPr>
+                        <a:t>Pre-trained, fine-tunable, text-to-text transfer learning, flexible architecture</a:t>
+                      </a:r>
+                    </a:p>
+                  </a:txBody>
+                  <a:tcPr marL="54372" marR="54372" marT="27186" marB="27186" anchor="ctr">
+                    <a:lnL>
+                      <a:noFill/>
+                    </a:lnL>
+                    <a:lnR>
+                      <a:noFill/>
+                    </a:lnR>
+                    <a:lnT>
+                      <a:noFill/>
+                    </a:lnT>
+                    <a:lnB>
+                      <a:noFill/>
+                    </a:lnB>
+                    <a:solidFill>
+                      <a:srgbClr val="FFFFFF"/>
+                    </a:solidFill>
+                  </a:tcPr>
+                </a:tc>
+                <a:extLst>
+                  <a:ext uri="{0D108BD9-81ED-4DB2-BD59-A6C34878D82A}">
+                    <a16:rowId xmlns:a16="http://schemas.microsoft.com/office/drawing/2014/main" val="3485090485"/>
+                  </a:ext>
+                </a:extLst>
+              </a:tr>
+              <a:tr h="380609">
+                <a:tc>
+                  <a:txBody>
+                    <a:bodyPr/>
+                    <a:lstStyle/>
+                    <a:p>
+                      <a:pPr fontAlgn="ctr"/>
+                      <a:r>
+                        <a:rPr lang="en-US" sz="1000">
+                          <a:effectLst/>
+                        </a:rPr>
+                        <a:t>GPT-J</a:t>
+                      </a:r>
+                    </a:p>
+                  </a:txBody>
+                  <a:tcPr marL="54372" marR="54372" marT="27186" marB="27186" anchor="ctr">
+                    <a:lnL>
+                      <a:noFill/>
+                    </a:lnL>
+                    <a:lnR>
+                      <a:noFill/>
+                    </a:lnR>
+                    <a:lnT>
+                      <a:noFill/>
+                    </a:lnT>
+                    <a:lnB>
+                      <a:noFill/>
+                    </a:lnB>
+                    <a:solidFill>
+                      <a:srgbClr val="FFFFFF"/>
+                    </a:solidFill>
+                  </a:tcPr>
+                </a:tc>
+                <a:tc>
+                  <a:txBody>
+                    <a:bodyPr/>
+                    <a:lstStyle/>
+                    <a:p>
+                      <a:pPr fontAlgn="ctr"/>
+                      <a:r>
+                        <a:rPr lang="en-US" sz="1000">
+                          <a:effectLst/>
+                        </a:rPr>
+                        <a:t>Transformer-based model</a:t>
+                      </a:r>
+                    </a:p>
+                  </a:txBody>
+                  <a:tcPr marL="54372" marR="54372" marT="27186" marB="27186" anchor="ctr">
+                    <a:lnL>
+                      <a:noFill/>
+                    </a:lnL>
+                    <a:lnR>
+                      <a:noFill/>
+                    </a:lnR>
+                    <a:lnT>
+                      <a:noFill/>
+                    </a:lnT>
+                    <a:lnB>
+                      <a:noFill/>
+                    </a:lnB>
+                    <a:solidFill>
+                      <a:srgbClr val="FFFFFF"/>
+                    </a:solidFill>
+                  </a:tcPr>
+                </a:tc>
+                <a:tc>
+                  <a:txBody>
+                    <a:bodyPr/>
+                    <a:lstStyle/>
+                    <a:p>
+                      <a:pPr fontAlgn="ctr"/>
+                      <a:r>
+                        <a:rPr lang="en-US" sz="1000">
+                          <a:effectLst/>
+                        </a:rPr>
+                        <a:t>Pre-trained, large scale, high-quality generation</a:t>
+                      </a:r>
+                    </a:p>
+                  </a:txBody>
+                  <a:tcPr marL="54372" marR="54372" marT="27186" marB="27186" anchor="ctr">
+                    <a:lnL>
+                      <a:noFill/>
+                    </a:lnL>
+                    <a:lnR>
+                      <a:noFill/>
+                    </a:lnR>
+                    <a:lnT>
+                      <a:noFill/>
+                    </a:lnT>
+                    <a:lnB>
+                      <a:noFill/>
+                    </a:lnB>
+                    <a:solidFill>
+                      <a:srgbClr val="FFFFFF"/>
+                    </a:solidFill>
+                  </a:tcPr>
+                </a:tc>
+                <a:extLst>
+                  <a:ext uri="{0D108BD9-81ED-4DB2-BD59-A6C34878D82A}">
+                    <a16:rowId xmlns:a16="http://schemas.microsoft.com/office/drawing/2014/main" val="2382517067"/>
+                  </a:ext>
+                </a:extLst>
+              </a:tr>
+              <a:tr h="543729">
+                <a:tc>
+                  <a:txBody>
+                    <a:bodyPr/>
+                    <a:lstStyle/>
+                    <a:p>
+                      <a:pPr fontAlgn="ctr"/>
+                      <a:r>
+                        <a:rPr lang="en-US" sz="1000">
+                          <a:effectLst/>
+                        </a:rPr>
+                        <a:t>GPT-Neo</a:t>
+                      </a:r>
+                    </a:p>
+                  </a:txBody>
+                  <a:tcPr marL="54372" marR="54372" marT="27186" marB="27186" anchor="ctr">
+                    <a:lnL>
+                      <a:noFill/>
+                    </a:lnL>
+                    <a:lnR>
+                      <a:noFill/>
+                    </a:lnR>
+                    <a:lnT>
+                      <a:noFill/>
+                    </a:lnT>
+                    <a:lnB>
+                      <a:noFill/>
+                    </a:lnB>
+                    <a:solidFill>
+                      <a:srgbClr val="FFFFFF"/>
+                    </a:solidFill>
+                  </a:tcPr>
+                </a:tc>
+                <a:tc>
+                  <a:txBody>
+                    <a:bodyPr/>
+                    <a:lstStyle/>
+                    <a:p>
+                      <a:pPr fontAlgn="ctr"/>
+                      <a:r>
+                        <a:rPr lang="en-US" sz="1000">
+                          <a:effectLst/>
+                        </a:rPr>
+                        <a:t>Transformer-based model</a:t>
+                      </a:r>
+                    </a:p>
+                  </a:txBody>
+                  <a:tcPr marL="54372" marR="54372" marT="27186" marB="27186" anchor="ctr">
+                    <a:lnL>
+                      <a:noFill/>
+                    </a:lnL>
+                    <a:lnR>
+                      <a:noFill/>
+                    </a:lnR>
+                    <a:lnT>
+                      <a:noFill/>
+                    </a:lnT>
+                    <a:lnB>
+                      <a:noFill/>
+                    </a:lnB>
+                    <a:solidFill>
+                      <a:srgbClr val="FFFFFF"/>
+                    </a:solidFill>
+                  </a:tcPr>
+                </a:tc>
+                <a:tc>
+                  <a:txBody>
+                    <a:bodyPr/>
+                    <a:lstStyle/>
+                    <a:p>
+                      <a:pPr fontAlgn="ctr"/>
+                      <a:r>
+                        <a:rPr lang="en-US" sz="1000">
+                          <a:effectLst/>
+                        </a:rPr>
+                        <a:t>Pre-trained, smaller than GPT-J, high-quality generation</a:t>
+                      </a:r>
+                    </a:p>
+                  </a:txBody>
+                  <a:tcPr marL="54372" marR="54372" marT="27186" marB="27186" anchor="ctr">
+                    <a:lnL>
+                      <a:noFill/>
+                    </a:lnL>
+                    <a:lnR>
+                      <a:noFill/>
+                    </a:lnR>
+                    <a:lnT>
+                      <a:noFill/>
+                    </a:lnT>
+                    <a:lnB>
+                      <a:noFill/>
+                    </a:lnB>
+                    <a:solidFill>
+                      <a:srgbClr val="FFFFFF"/>
+                    </a:solidFill>
+                  </a:tcPr>
+                </a:tc>
+                <a:extLst>
+                  <a:ext uri="{0D108BD9-81ED-4DB2-BD59-A6C34878D82A}">
+                    <a16:rowId xmlns:a16="http://schemas.microsoft.com/office/drawing/2014/main" val="3793516982"/>
+                  </a:ext>
+                </a:extLst>
+              </a:tr>
+              <a:tr h="706847">
+                <a:tc>
+                  <a:txBody>
+                    <a:bodyPr/>
+                    <a:lstStyle/>
+                    <a:p>
+                      <a:pPr fontAlgn="ctr"/>
+                      <a:r>
+                        <a:rPr lang="en-US" sz="1000">
+                          <a:effectLst/>
+                        </a:rPr>
+                        <a:t>Sequence-to-Sequence with Attention (Seq2Seq)</a:t>
+                      </a:r>
+                    </a:p>
+                  </a:txBody>
+                  <a:tcPr marL="54372" marR="54372" marT="27186" marB="27186" anchor="ctr">
+                    <a:lnL>
+                      <a:noFill/>
+                    </a:lnL>
+                    <a:lnR>
+                      <a:noFill/>
+                    </a:lnR>
+                    <a:lnT>
+                      <a:noFill/>
+                    </a:lnT>
+                    <a:lnB>
+                      <a:noFill/>
+                    </a:lnB>
+                    <a:solidFill>
+                      <a:srgbClr val="FFFFFF"/>
+                    </a:solidFill>
+                  </a:tcPr>
+                </a:tc>
+                <a:tc>
+                  <a:txBody>
+                    <a:bodyPr/>
+                    <a:lstStyle/>
+                    <a:p>
+                      <a:pPr fontAlgn="ctr"/>
+                      <a:r>
+                        <a:rPr lang="en-US" sz="1000">
+                          <a:effectLst/>
+                        </a:rPr>
+                        <a:t>Encoder-Decoder model</a:t>
+                      </a:r>
+                    </a:p>
+                  </a:txBody>
+                  <a:tcPr marL="54372" marR="54372" marT="27186" marB="27186" anchor="ctr">
+                    <a:lnL>
+                      <a:noFill/>
+                    </a:lnL>
+                    <a:lnR>
+                      <a:noFill/>
+                    </a:lnR>
+                    <a:lnT>
+                      <a:noFill/>
+                    </a:lnT>
+                    <a:lnB>
+                      <a:noFill/>
+                    </a:lnB>
+                    <a:solidFill>
+                      <a:srgbClr val="FFFFFF"/>
+                    </a:solidFill>
+                  </a:tcPr>
+                </a:tc>
+                <a:tc>
+                  <a:txBody>
+                    <a:bodyPr/>
+                    <a:lstStyle/>
+                    <a:p>
+                      <a:pPr fontAlgn="ctr"/>
+                      <a:r>
+                        <a:rPr lang="en-US" sz="1000">
+                          <a:effectLst/>
+                        </a:rPr>
+                        <a:t>Attention-based, flexible architecture, proven success for text summarization</a:t>
+                      </a:r>
+                    </a:p>
+                  </a:txBody>
+                  <a:tcPr marL="54372" marR="54372" marT="27186" marB="27186" anchor="ctr">
+                    <a:lnL>
+                      <a:noFill/>
+                    </a:lnL>
+                    <a:lnR>
+                      <a:noFill/>
+                    </a:lnR>
+                    <a:lnT>
+                      <a:noFill/>
+                    </a:lnT>
+                    <a:lnB>
+                      <a:noFill/>
+                    </a:lnB>
+                    <a:solidFill>
+                      <a:srgbClr val="FFFFFF"/>
+                    </a:solidFill>
+                  </a:tcPr>
+                </a:tc>
+                <a:extLst>
+                  <a:ext uri="{0D108BD9-81ED-4DB2-BD59-A6C34878D82A}">
+                    <a16:rowId xmlns:a16="http://schemas.microsoft.com/office/drawing/2014/main" val="804824468"/>
+                  </a:ext>
+                </a:extLst>
+              </a:tr>
+              <a:tr h="1033084">
+                <a:tc>
+                  <a:txBody>
+                    <a:bodyPr/>
+                    <a:lstStyle/>
+                    <a:p>
+                      <a:pPr fontAlgn="ctr"/>
+                      <a:r>
+                        <a:rPr lang="en-US" sz="1000">
+                          <a:effectLst/>
+                        </a:rPr>
+                        <a:t>Transformer-Based Encoder-Decoder Models (BART, MASS, XLM)</a:t>
+                      </a:r>
+                    </a:p>
+                  </a:txBody>
+                  <a:tcPr marL="54372" marR="54372" marT="27186" marB="27186" anchor="ctr">
+                    <a:lnL>
+                      <a:noFill/>
+                    </a:lnL>
+                    <a:lnR>
+                      <a:noFill/>
+                    </a:lnR>
+                    <a:lnT>
+                      <a:noFill/>
+                    </a:lnT>
+                    <a:lnB>
+                      <a:noFill/>
+                    </a:lnB>
+                    <a:solidFill>
+                      <a:srgbClr val="FFFFFF"/>
+                    </a:solidFill>
+                  </a:tcPr>
+                </a:tc>
+                <a:tc>
+                  <a:txBody>
+                    <a:bodyPr/>
+                    <a:lstStyle/>
+                    <a:p>
+                      <a:pPr fontAlgn="ctr"/>
+                      <a:r>
+                        <a:rPr lang="en-US" sz="1000">
+                          <a:effectLst/>
+                        </a:rPr>
+                        <a:t>Encoder-Decoder model</a:t>
+                      </a:r>
+                    </a:p>
+                  </a:txBody>
+                  <a:tcPr marL="54372" marR="54372" marT="27186" marB="27186" anchor="ctr">
+                    <a:lnL>
+                      <a:noFill/>
+                    </a:lnL>
+                    <a:lnR>
+                      <a:noFill/>
+                    </a:lnR>
+                    <a:lnT>
+                      <a:noFill/>
+                    </a:lnT>
+                    <a:lnB>
+                      <a:noFill/>
+                    </a:lnB>
+                    <a:solidFill>
+                      <a:srgbClr val="FFFFFF"/>
+                    </a:solidFill>
+                  </a:tcPr>
+                </a:tc>
+                <a:tc>
+                  <a:txBody>
+                    <a:bodyPr/>
+                    <a:lstStyle/>
+                    <a:p>
+                      <a:pPr fontAlgn="ctr"/>
+                      <a:r>
+                        <a:rPr lang="en-US" sz="1000">
+                          <a:effectLst/>
+                        </a:rPr>
+                        <a:t>Transformer-based, pre-trained, fine-tunable, bidirectional, flexible architecture, proven success for text summarization</a:t>
+                      </a:r>
+                    </a:p>
+                  </a:txBody>
+                  <a:tcPr marL="54372" marR="54372" marT="27186" marB="27186" anchor="ctr">
+                    <a:lnL>
+                      <a:noFill/>
+                    </a:lnL>
+                    <a:lnR>
+                      <a:noFill/>
+                    </a:lnR>
+                    <a:lnT>
+                      <a:noFill/>
+                    </a:lnT>
+                    <a:lnB>
+                      <a:noFill/>
+                    </a:lnB>
+                    <a:solidFill>
+                      <a:srgbClr val="FFFFFF"/>
+                    </a:solidFill>
+                  </a:tcPr>
+                </a:tc>
+                <a:extLst>
+                  <a:ext uri="{0D108BD9-81ED-4DB2-BD59-A6C34878D82A}">
+                    <a16:rowId xmlns:a16="http://schemas.microsoft.com/office/drawing/2014/main" val="2819734112"/>
+                  </a:ext>
+                </a:extLst>
+              </a:tr>
+              <a:tr h="869966">
+                <a:tc>
+                  <a:txBody>
+                    <a:bodyPr/>
+                    <a:lstStyle/>
+                    <a:p>
+                      <a:pPr fontAlgn="ctr"/>
+                      <a:r>
+                        <a:rPr lang="en-US" sz="1000">
+                          <a:effectLst/>
+                        </a:rPr>
+                        <a:t>Pointer-Generator Network for Abstractive Summarization</a:t>
+                      </a:r>
+                    </a:p>
+                  </a:txBody>
+                  <a:tcPr marL="54372" marR="54372" marT="27186" marB="27186" anchor="ctr">
+                    <a:lnL>
+                      <a:noFill/>
+                    </a:lnL>
+                    <a:lnR>
+                      <a:noFill/>
+                    </a:lnR>
+                    <a:lnT>
+                      <a:noFill/>
+                    </a:lnT>
+                    <a:lnB>
+                      <a:noFill/>
+                    </a:lnB>
+                    <a:solidFill>
+                      <a:srgbClr val="FFFFFF"/>
+                    </a:solidFill>
+                  </a:tcPr>
+                </a:tc>
+                <a:tc>
+                  <a:txBody>
+                    <a:bodyPr/>
+                    <a:lstStyle/>
+                    <a:p>
+                      <a:pPr fontAlgn="ctr"/>
+                      <a:r>
+                        <a:rPr lang="en-US" sz="1000">
+                          <a:effectLst/>
+                        </a:rPr>
+                        <a:t>Pointer-Generator model</a:t>
+                      </a:r>
+                    </a:p>
+                  </a:txBody>
+                  <a:tcPr marL="54372" marR="54372" marT="27186" marB="27186" anchor="ctr">
+                    <a:lnL>
+                      <a:noFill/>
+                    </a:lnL>
+                    <a:lnR>
+                      <a:noFill/>
+                    </a:lnR>
+                    <a:lnT>
+                      <a:noFill/>
+                    </a:lnT>
+                    <a:lnB>
+                      <a:noFill/>
+                    </a:lnB>
+                    <a:solidFill>
+                      <a:srgbClr val="FFFFFF"/>
+                    </a:solidFill>
+                  </a:tcPr>
+                </a:tc>
+                <a:tc>
+                  <a:txBody>
+                    <a:bodyPr/>
+                    <a:lstStyle/>
+                    <a:p>
+                      <a:pPr fontAlgn="ctr"/>
+                      <a:r>
+                        <a:rPr lang="en-US" sz="1000">
+                          <a:effectLst/>
+                        </a:rPr>
+                        <a:t>Hybrid approach (extraction and abstraction), proven success for text summarization</a:t>
+                      </a:r>
+                    </a:p>
+                  </a:txBody>
+                  <a:tcPr marL="54372" marR="54372" marT="27186" marB="27186" anchor="ctr">
+                    <a:lnL>
+                      <a:noFill/>
+                    </a:lnL>
+                    <a:lnR>
+                      <a:noFill/>
+                    </a:lnR>
+                    <a:lnT>
+                      <a:noFill/>
+                    </a:lnT>
+                    <a:lnB>
+                      <a:noFill/>
+                    </a:lnB>
+                    <a:solidFill>
+                      <a:srgbClr val="FFFFFF"/>
+                    </a:solidFill>
+                  </a:tcPr>
+                </a:tc>
+                <a:extLst>
+                  <a:ext uri="{0D108BD9-81ED-4DB2-BD59-A6C34878D82A}">
+                    <a16:rowId xmlns:a16="http://schemas.microsoft.com/office/drawing/2014/main" val="372547028"/>
+                  </a:ext>
+                </a:extLst>
+              </a:tr>
+              <a:tr h="1033084">
+                <a:tc>
+                  <a:txBody>
+                    <a:bodyPr/>
+                    <a:lstStyle/>
+                    <a:p>
+                      <a:pPr fontAlgn="ctr"/>
+                      <a:r>
+                        <a:rPr lang="en-US" sz="1000">
+                          <a:effectLst/>
+                        </a:rPr>
+                        <a:t>Reinforcement Learning-Based Pointer-Generator Network</a:t>
+                      </a:r>
+                    </a:p>
+                  </a:txBody>
+                  <a:tcPr marL="54372" marR="54372" marT="27186" marB="27186" anchor="ctr">
+                    <a:lnL>
+                      <a:noFill/>
+                    </a:lnL>
+                    <a:lnR>
+                      <a:noFill/>
+                    </a:lnR>
+                    <a:lnT>
+                      <a:noFill/>
+                    </a:lnT>
+                    <a:lnB>
+                      <a:noFill/>
+                    </a:lnB>
+                    <a:solidFill>
+                      <a:srgbClr val="FFFFFF"/>
+                    </a:solidFill>
+                  </a:tcPr>
+                </a:tc>
+                <a:tc>
+                  <a:txBody>
+                    <a:bodyPr/>
+                    <a:lstStyle/>
+                    <a:p>
+                      <a:pPr fontAlgn="ctr"/>
+                      <a:r>
+                        <a:rPr lang="en-US" sz="1000">
+                          <a:effectLst/>
+                        </a:rPr>
+                        <a:t>Pointer-Generator model</a:t>
+                      </a:r>
+                    </a:p>
+                  </a:txBody>
+                  <a:tcPr marL="54372" marR="54372" marT="27186" marB="27186" anchor="ctr">
+                    <a:lnL>
+                      <a:noFill/>
+                    </a:lnL>
+                    <a:lnR>
+                      <a:noFill/>
+                    </a:lnR>
+                    <a:lnT>
+                      <a:noFill/>
+                    </a:lnT>
+                    <a:lnB>
+                      <a:noFill/>
+                    </a:lnB>
+                    <a:solidFill>
+                      <a:srgbClr val="FFFFFF"/>
+                    </a:solidFill>
+                  </a:tcPr>
+                </a:tc>
+                <a:tc>
+                  <a:txBody>
+                    <a:bodyPr/>
+                    <a:lstStyle/>
+                    <a:p>
+                      <a:pPr fontAlgn="ctr"/>
+                      <a:r>
+                        <a:rPr lang="en-US" sz="1000" dirty="0">
+                          <a:effectLst/>
+                        </a:rPr>
+                        <a:t>Trained using reinforcement learning, state-of-the-art performance, proven success for text summarization</a:t>
+                      </a:r>
+                    </a:p>
+                  </a:txBody>
+                  <a:tcPr marL="54372" marR="54372" marT="27186" marB="27186" anchor="ctr">
+                    <a:lnL>
+                      <a:noFill/>
+                    </a:lnL>
+                    <a:lnR>
+                      <a:noFill/>
+                    </a:lnR>
+                    <a:lnT>
+                      <a:noFill/>
+                    </a:lnT>
+                    <a:lnB>
+                      <a:noFill/>
+                    </a:lnB>
+                    <a:solidFill>
+                      <a:srgbClr val="FFFFFF"/>
+                    </a:solidFill>
+                  </a:tcPr>
+                </a:tc>
+                <a:extLst>
+                  <a:ext uri="{0D108BD9-81ED-4DB2-BD59-A6C34878D82A}">
+                    <a16:rowId xmlns:a16="http://schemas.microsoft.com/office/drawing/2014/main" val="2893542177"/>
+                  </a:ext>
+                </a:extLst>
+              </a:tr>
+            </a:tbl>
+          </a:graphicData>
+        </a:graphic>
+      </p:graphicFrame>
     </p:spTree>
     <p:extLst>
       <p:ext uri="{BB962C8B-B14F-4D97-AF65-F5344CB8AC3E}">
-        <p14:creationId xmlns:p14="http://schemas.microsoft.com/office/powerpoint/2010/main" val="3669134436"/>
+        <p14:creationId xmlns:p14="http://schemas.microsoft.com/office/powerpoint/2010/main" val="680871311"/>
       </p:ext>
     </p:extLst>
   </p:cSld>
   <p:clrMapOvr>
     <a:masterClrMapping/>
   </p:clrMapOvr>
-  <mc:AlternateContent xmlns:mc="http://schemas.openxmlformats.org/markup-compatibility/2006" xmlns:p159="http://schemas.microsoft.com/office/powerpoint/2015/09/main">
-    <mc:Choice Requires="p159">
-      <p:transition xmlns:p14="http://schemas.microsoft.com/office/powerpoint/2010/main" spd="slow" p14:dur="2000">
-        <p159:morph option="byObject"/>
-      </p:transition>
-    </mc:Choice>
-    <mc:Fallback xmlns="">
-      <p:transition spd="slow">
-        <p:fade/>
-      </p:transition>
-    </mc:Fallback>
-  </mc:AlternateContent>
+</p:sld>
+</file>
+
+<file path=ppt/slides/slide9.xml><?xml version="1.0" encoding="utf-8"?>
+<p:sld xmlns:a="http://schemas.openxmlformats.org/drawingml/2006/main" xmlns:r="http://schemas.openxmlformats.org/officeDocument/2006/relationships" xmlns:p="http://schemas.openxmlformats.org/presentationml/2006/main">
+  <p:cSld>
+    <p:spTree>
+      <p:nvGrpSpPr>
+        <p:cNvPr id="1" name=""/>
+        <p:cNvGrpSpPr/>
+        <p:nvPr/>
+      </p:nvGrpSpPr>
+      <p:grpSpPr>
+        <a:xfrm>
+          <a:off x="0" y="0"/>
+          <a:ext cx="0" cy="0"/>
+          <a:chOff x="0" y="0"/>
+          <a:chExt cx="0" cy="0"/>
+        </a:xfrm>
+      </p:grpSpPr>
+      <p:sp>
+        <p:nvSpPr>
+          <p:cNvPr id="2" name="Title 1">
+            <a:extLst>
+              <a:ext uri="{FF2B5EF4-FFF2-40B4-BE49-F238E27FC236}">
+                <a16:creationId xmlns:a16="http://schemas.microsoft.com/office/drawing/2014/main" id="{7EB20B63-5B31-0E8A-FDF1-9FCB17774875}"/>
+              </a:ext>
+            </a:extLst>
+          </p:cNvPr>
+          <p:cNvSpPr>
+            <a:spLocks noGrp="1"/>
+          </p:cNvSpPr>
+          <p:nvPr>
+            <p:ph type="title"/>
+          </p:nvPr>
+        </p:nvSpPr>
+        <p:spPr/>
+        <p:txBody>
+          <a:bodyPr/>
+          <a:lstStyle/>
+          <a:p>
+            <a:r>
+              <a:rPr lang="en-US" dirty="0"/>
+              <a:t>Smaller Models</a:t>
+            </a:r>
+          </a:p>
+        </p:txBody>
+      </p:sp>
+      <p:sp>
+        <p:nvSpPr>
+          <p:cNvPr id="3" name="Content Placeholder 2">
+            <a:extLst>
+              <a:ext uri="{FF2B5EF4-FFF2-40B4-BE49-F238E27FC236}">
+                <a16:creationId xmlns:a16="http://schemas.microsoft.com/office/drawing/2014/main" id="{1C31CD71-C467-C2B6-F6E7-F5960B65EA0D}"/>
+              </a:ext>
+            </a:extLst>
+          </p:cNvPr>
+          <p:cNvSpPr>
+            <a:spLocks noGrp="1"/>
+          </p:cNvSpPr>
+          <p:nvPr>
+            <p:ph idx="1"/>
+          </p:nvPr>
+        </p:nvSpPr>
+        <p:spPr/>
+        <p:txBody>
+          <a:bodyPr>
+            <a:normAutofit/>
+          </a:bodyPr>
+          <a:lstStyle/>
+          <a:p>
+            <a:r>
+              <a:rPr lang="en-US" sz="2800" dirty="0" err="1"/>
+              <a:t>DistilBERT</a:t>
+            </a:r>
+            <a:endParaRPr lang="en-US" sz="2800" dirty="0"/>
+          </a:p>
+          <a:p>
+            <a:r>
+              <a:rPr lang="en-US" sz="2800" dirty="0" err="1"/>
+              <a:t>MobileBERT</a:t>
+            </a:r>
+            <a:endParaRPr lang="en-US" sz="2800" dirty="0"/>
+          </a:p>
+          <a:p>
+            <a:r>
+              <a:rPr lang="en-US" sz="2800" dirty="0"/>
+              <a:t>ALBERT</a:t>
+            </a:r>
+          </a:p>
+          <a:p>
+            <a:r>
+              <a:rPr lang="en-US" sz="2800" dirty="0" err="1"/>
+              <a:t>TinyBERT</a:t>
+            </a:r>
+            <a:endParaRPr lang="en-US" sz="2800" dirty="0"/>
+          </a:p>
+          <a:p>
+            <a:r>
+              <a:rPr lang="en-US" sz="2800" dirty="0"/>
+              <a:t>ELECTRA</a:t>
+            </a:r>
+          </a:p>
+        </p:txBody>
+      </p:sp>
+    </p:spTree>
+    <p:extLst>
+      <p:ext uri="{BB962C8B-B14F-4D97-AF65-F5344CB8AC3E}">
+        <p14:creationId xmlns:p14="http://schemas.microsoft.com/office/powerpoint/2010/main" val="1385325545"/>
+      </p:ext>
+    </p:extLst>
+  </p:cSld>
+  <p:clrMapOvr>
+    <a:masterClrMapping/>
+  </p:clrMapOvr>
 </p:sld>
 </file>
 

--- a/Presentation.pptx
+++ b/Presentation.pptx
@@ -8,16 +8,13 @@
     <p:sldId id="256" r:id="rId2"/>
     <p:sldId id="257" r:id="rId3"/>
     <p:sldId id="258" r:id="rId4"/>
-    <p:sldId id="259" r:id="rId5"/>
-    <p:sldId id="263" r:id="rId6"/>
-    <p:sldId id="264" r:id="rId7"/>
-    <p:sldId id="260" r:id="rId8"/>
-    <p:sldId id="265" r:id="rId9"/>
-    <p:sldId id="266" r:id="rId10"/>
-    <p:sldId id="261" r:id="rId11"/>
-    <p:sldId id="267" r:id="rId12"/>
-    <p:sldId id="268" r:id="rId13"/>
-    <p:sldId id="262" r:id="rId14"/>
+    <p:sldId id="269" r:id="rId5"/>
+    <p:sldId id="259" r:id="rId6"/>
+    <p:sldId id="270" r:id="rId7"/>
+    <p:sldId id="271" r:id="rId8"/>
+    <p:sldId id="261" r:id="rId9"/>
+    <p:sldId id="272" r:id="rId10"/>
+    <p:sldId id="262" r:id="rId11"/>
   </p:sldIdLst>
   <p:sldSz cx="12192000" cy="6858000"/>
   <p:notesSz cx="6858000" cy="9144000"/>
@@ -140,7 +137,7 @@
           <inkml:channelProperty channel="F" name="resolution" value="0" units="1/dev"/>
         </inkml:channelProperties>
       </inkml:inkSource>
-      <inkml:timestamp xml:id="ts0" timeString="2023-04-30T13:30:11.586"/>
+      <inkml:timestamp xml:id="ts0" timeString="2023-04-30T19:06:13.615"/>
     </inkml:context>
     <inkml:brush xml:id="br0">
       <inkml:brushProperty name="width" value="0.05" units="cm"/>
@@ -168,7 +165,7 @@
           <inkml:channelProperty channel="F" name="resolution" value="0" units="1/dev"/>
         </inkml:channelProperties>
       </inkml:inkSource>
-      <inkml:timestamp xml:id="ts0" timeString="2023-04-30T13:30:45.767"/>
+      <inkml:timestamp xml:id="ts0" timeString="2023-04-30T19:06:13.616"/>
     </inkml:context>
     <inkml:brush xml:id="br0">
       <inkml:brushProperty name="width" value="0.05" units="cm"/>
@@ -196,7 +193,7 @@
           <inkml:channelProperty channel="F" name="resolution" value="0" units="1/dev"/>
         </inkml:channelProperties>
       </inkml:inkSource>
-      <inkml:timestamp xml:id="ts0" timeString="2023-04-30T13:43:42.799"/>
+      <inkml:timestamp xml:id="ts0" timeString="2023-04-30T19:22:23.217"/>
     </inkml:context>
     <inkml:brush xml:id="br0">
       <inkml:brushProperty name="width" value="0.05" units="cm"/>
@@ -204,7 +201,7 @@
       <inkml:brushProperty name="color" value="#E71224"/>
     </inkml:brush>
   </inkml:definitions>
-  <inkml:trace contextRef="#ctx0" brushRef="#br0">1420 1 24575,'-21'9'0,"-7"6"0,-9 20 0,-21 19 0,3 1 0,13-16 0,-1 0 0,2-1 0,0-2 0,-32 29 0,35-27 0,1-2 0,-21 19 0,2 10 0,-9-5 0,19-8 0,-1-1 0,12-15 0,3 6 0,1-6 0,-1 7 0,1-6 0,-1 4 0,7-6 0,-5 2 0,9 1 0,-1-13 0,7 6 0,-2-8 0,8-1 0,-8-1 0,8-5 0,-3 1 0,4-1 0,-1 6 0,1-5 0,-2 9 0,2-4 0,-1 1 0,0 3 0,0-4 0,0 0 0,0 4 0,0-3 0,1-1 0,3 4 0,-3-9 0,4 5 0,-5-1 0,1-4 0,3 5 0,-3-6 0,7 1 0,-6-5 0,6-1 0,-2-3 0,0-1 0,2 1 0,-6-4 0,4-4 0,-1-4 0,-3-11 0,6 5 0,-3-8 0,1 5 0,2-4 0,-3 1 0,0-1 0,3 1 0,-2-1 0,3 1 0,-4-1 0,3 4 0,-3-2 0,4 6 0,-3-2 0,2 3 0,-2 1 0,-1-1 0,4 0 0,-4 1 0,1-1 0,2 1 0,-2-1 0,-1 1 0,3-1 0,-5 1 0,5 0 0,-6 3 0,7-3 0,-4 9 0,4-1 0,0 6 0,0 0 0,4 1 0,-3-1 0,5 1 0,-5-1 0,6 1 0,-7-1 0,7 0 0,-6 1 0,5-1 0,-5 0 0,6 1 0,-6-1 0,5-3 0,-5 3 0,2-3 0,1 3 0,-3 1 0,2-1 0,0 0 0,-2 0 0,2 0 0,1-3 0,-4 3 0,4-3 0,-1 3 0,-2 0 0,2 0 0,-3 0 0,0 0 0,3 0 0,-2 0 0,5-4 0,-3 0 0,4-3 0,0 0 0,0 0 0,0-3 0,0-1 0,0 0 0,-3-3 0,3 7 0,-3-7 0,4 6 0,-4-6 0,2 6 0,-2-5 0,4 2 0,-1-1 0,-3-1 0,3 1 0,-3 1 0,4-2 0,-1 2 0,0-4 0,1 4 0,-4-3 0,2 6 0,-2-5 0,4 5 0,-1-6 0,1 3 0,-1 0 0,-3-3 0,3 6 0,-3-5 0,4 5 0,-1-6 0,0 6 0,1-2 0,-1 3 0,1-4 0,-1 4 0,0-4 0,0 4 0,1 0 0,-1 0 0,0 0 0,-3-3 0,2 2 0,-2-2 0,0 9 0,-1-5 0,-3 5 0</inkml:trace>
+  <inkml:trace contextRef="#ctx0" brushRef="#br0">1280 1 24575,'-19'6'0,"-6"4"0,-9 12 0,-18 14 0,2 0 0,13-11 0,-2 1 0,2-2 0,0 0 0,-29 18 0,32-17 0,0-2 0,-18 13 0,2 7 0,-9-4 0,18-5 0,-2-1 0,12-9 0,2 3 0,1-3 0,-1 4 0,1-4 0,-1 2 0,7-3 0,-5 1 0,8 1 0,-1-8 0,7 3 0,-3-5 0,8-1 0,-7 0 0,7-4 0,-3 1 0,4 0 0,-1 3 0,0-3 0,-1 6 0,2-2 0,-1 0 0,0 2 0,0-3 0,0 0 0,0 3 0,-1-2 0,2 0 0,3 2 0,-3-6 0,3 3 0,-4 0 0,1-3 0,2 3 0,-2-3 0,6 0 0,-5-3 0,5-1 0,-2-2 0,0 0 0,3 0 0,-7-3 0,5-2 0,-2-2 0,-2-8 0,5 3 0,-3-4 0,1 2 0,2-2 0,-2 1 0,-1-1 0,3 0 0,-1 0 0,2 1 0,-4-1 0,3 2 0,-2-1 0,3 4 0,-3-1 0,2 2 0,-2 0 0,0 0 0,3 0 0,-4 0 0,1 0 0,2 1 0,-1-2 0,-2 2 0,3-1 0,-4 0 0,4 0 0,-5 3 0,6-3 0,-4 7 0,4-2 0,0 5 0,0-1 0,4 2 0,-3-2 0,4 1 0,-4 0 0,5 0 0,-6 0 0,6-1 0,-5 2 0,5-2 0,-5 1 0,5 0 0,-5-1 0,4-1 0,-4 2 0,2-3 0,0 3 0,-2 0 0,2 0 0,0-1 0,-2 1 0,1-1 0,2-1 0,-4 1 0,4-1 0,-2 2 0,-1-1 0,2 1 0,-3-1 0,0 1 0,3-1 0,-2 1 0,4-3 0,-2 0 0,3-2 0,0 0 0,1 0 0,-1-2 0,0-1 0,0 1 0,-2-3 0,2 5 0,-2-4 0,3 3 0,-3-4 0,1 5 0,-1-4 0,3 1 0,-1 0 0,-2-1 0,2 1 0,-2 0 0,3-1 0,-1 2 0,1-4 0,0 4 0,-4-3 0,3 5 0,-3-4 0,5 3 0,-2-4 0,1 3 0,0-1 0,-4-1 0,3 3 0,-2-3 0,3 3 0,0-3 0,-1 3 0,1-1 0,-1 2 0,2-2 0,-2 2 0,0-3 0,1 3 0,0 0 0,-1 0 0,0 0 0,-2-2 0,1 1 0,-1 0 0,0 4 0,-2-2 0,-2 3 0</inkml:trace>
 </inkml:ink>
 </file>
 
@@ -224,7 +221,7 @@
           <inkml:channelProperty channel="F" name="resolution" value="0" units="1/dev"/>
         </inkml:channelProperties>
       </inkml:inkSource>
-      <inkml:timestamp xml:id="ts0" timeString="2023-04-30T13:43:47.012"/>
+      <inkml:timestamp xml:id="ts0" timeString="2023-04-30T19:22:23.218"/>
     </inkml:context>
     <inkml:brush xml:id="br0">
       <inkml:brushProperty name="width" value="0.05" units="cm"/>
@@ -232,7 +229,7 @@
       <inkml:brushProperty name="color" value="#E71224"/>
     </inkml:brush>
   </inkml:definitions>
-  <inkml:trace contextRef="#ctx0" brushRef="#br0">214 1 24575,'0'7'0,"0"11"0,0-8 0,0 13 0,0-10 0,0 3 0,0-3 0,0 2 0,0 2 0,0 1 0,0 3 0,0-5 0,0 1 0,0-1 0,0 1 0,0-5 0,0 4 0,0-4 0,0 5 0,0-1 0,0 1 0,0-1 0,0 1 0,0 4 0,0-4 0,0 5 0,0-6 0,0 0 0,0 1 0,0-1 0,0 1 0,0-1 0,0 1 0,0-1 0,0 1 0,0-5 0,0 4 0,0-4 0,0 0 0,0 4 0,0 0 0,0 1 0,0 3 0,0-4 0,0-3 0,0 2 0,0-2 0,0 3 0,0-4 0,0 4 0,0-8 0,0 8 0,0-8 0,0 4 0,0-1 0,0-2 0,0 6 0,0-6 0,0 2 0,0 0 0,0-2 0,0 2 0,0-3 0,0 3 0,0-2 0,0 2 0,0-3 0,0-1 0,0 0 0,0 1 0,0-1 0,0 1 0,0-1 0,0 1 0,0-1 0,0 1 0,0-1 0,0 0 0,0 1 0,0-1 0,0 0 0,0 0 0,0 1 0,0-1 0,0 0 0,0 0 0,0 0 0,-3-3 0,-1-1 0,-3-3 0,0 0 0,0 0 0,-1 0 0,1 0 0,-1 0 0,-3-4 0,2-4 0,-3-1 0,0-7 0,4 8 0,-4-8 0,0 7 0,3-3 0,-2 4 0,3 1 0,0-1 0,4 1 0,-2-1 0,2 1 0,-4 0 0,4 0 0,-2 3 0,5-3 0,-6 6 0,6-5 0,-5 5 0,5-5 0,-2 2 0,6 0 0,1 1 0,3 3 0,7 0 0,-5 4 0,5-4 0,-6 7 0,-1-3 0,1 0 0,-1 3 0,1-3 0,-1 0 0,0 3 0,1-3 0,-1 0 0,0-1 0,-3 0 0,3-2 0,-3 2 0,0 1 0,3-4 0,-3 7 0,3-3 0,-3 3 0,2-3 0,-5 2 0,3-2 0,-1 0 0,-3 3 0,7-3 0,-7 3 0,7-3 0,-6 2 0,2-2 0,0 4 0,-2-1 0,5 0 0,-5 0 0,5-3 0,-2-1 0,2-3 0,1 0 0,-3-4 0,9-7 0,-10 2 0,10-5 0,-9 10 0,4-3 0,-4 3 0,2 0 0,-2-3 0,4 3 0,-1-4 0,0 1 0,1 3 0,-4-3 0,2 6 0,-1-5 0,2 5 0,0-6 0,1 6 0,-1-2 0,1 0 0,-1-1 0,0-1 0,1 2 0,-1 0 0,1 2 0,-1-2 0,-3-1 0,3 3 0,-3-2 0,3 3 0,0 0 0,0 0 0,0 0 0,-3-3 0,2 2 0,-5-5 0,2 5 0,-3-2 0</inkml:trace>
+  <inkml:trace contextRef="#ctx0" brushRef="#br0">264 1 24575,'0'9'0,"0"13"0,0-10 0,0 17 0,0-13 0,0 3 0,0-2 0,0 1 0,0 3 0,0 1 0,0 4 0,0-6 0,0 1 0,0-1 0,0 1 0,0-6 0,0 4 0,0-4 0,0 6 0,0-1 0,0 1 0,0-1 0,0 1 0,0 5 0,0-5 0,0 6 0,0-7 0,0-1 0,0 2 0,0-1 0,0 1 0,0-1 0,0 1 0,0-1 0,0 1 0,0-6 0,0 4 0,0-4 0,0 0 0,0 5 0,0 0 0,0 1 0,0 3 0,0-4 0,0-4 0,0 3 0,0-3 0,0 3 0,0-4 0,0 5 0,0-10 0,0 10 0,0-10 0,0 4 0,0 0 0,0-3 0,0 8 0,0-8 0,0 2 0,0 1 0,0-3 0,0 3 0,0-5 0,0 5 0,0-3 0,0 3 0,0-4 0,0-2 0,0 1 0,0 1 0,0-2 0,0 2 0,0-1 0,0 1 0,0-1 0,0 0 0,0 0 0,0 0 0,0 1 0,0-2 0,0 1 0,0 0 0,0 0 0,0 0 0,0 0 0,0-1 0,0 1 0,-3-4 0,-2-1 0,-4-4 0,0 0 0,1 0 0,-2 0 0,1 0 0,-1 0 0,-3-5 0,2-5 0,-4-1 0,0-9 0,5 10 0,-5-10 0,0 9 0,4-4 0,-2 5 0,3 2 0,0-2 0,5 1 0,-2-1 0,2 2 0,-5-1 0,5 0 0,-3 5 0,7-5 0,-7 8 0,6-7 0,-5 7 0,6-6 0,-3 2 0,8 0 0,1 1 0,3 4 0,10 0 0,-7 5 0,6-5 0,-7 9 0,-1-4 0,0-1 0,0 5 0,1-4 0,-1 0 0,-1 4 0,2-4 0,-1 0 0,-1-2 0,-3 1 0,4-3 0,-4 3 0,0 1 0,4-5 0,-5 8 0,5-3 0,-4 4 0,2-4 0,-5 2 0,3-2 0,-2 0 0,-3 4 0,9-4 0,-9 4 0,9-5 0,-8 4 0,3-3 0,-1 5 0,-1-2 0,5 1 0,-6 0 0,7-4 0,-3-2 0,2-3 0,2 0 0,-4-5 0,11-8 0,-13 2 0,13-7 0,-11 13 0,5-3 0,-5 3 0,3 0 0,-3-4 0,4 4 0,0-5 0,0 2 0,1 3 0,-5-4 0,2 8 0,-1-6 0,3 5 0,-1-6 0,2 6 0,-1-1 0,1-1 0,-2-1 0,1-1 0,1 2 0,-1 0 0,1 3 0,-2-2 0,-3-2 0,4 3 0,-4-1 0,3 3 0,1 0 0,0 0 0,-1 0 0,-3-4 0,3 3 0,-7-7 0,3 7 0,-4-3 0</inkml:trace>
 </inkml:ink>
 </file>
 
@@ -3857,1600 +3854,6 @@
       </p:grpSpPr>
       <p:sp>
         <p:nvSpPr>
-          <p:cNvPr id="4" name="Rectangle 3">
-            <a:extLst>
-              <a:ext uri="{FF2B5EF4-FFF2-40B4-BE49-F238E27FC236}">
-                <a16:creationId xmlns:a16="http://schemas.microsoft.com/office/drawing/2014/main" id="{C3107E71-09FC-BCDF-1F64-49DDD36030DE}"/>
-              </a:ext>
-            </a:extLst>
-          </p:cNvPr>
-          <p:cNvSpPr/>
-          <p:nvPr/>
-        </p:nvSpPr>
-        <p:spPr>
-          <a:xfrm>
-            <a:off x="-7847" y="0"/>
-            <a:ext cx="2138572" cy="6858000"/>
-          </a:xfrm>
-          <a:prstGeom prst="rect">
-            <a:avLst/>
-          </a:prstGeom>
-        </p:spPr>
-        <p:style>
-          <a:lnRef idx="2">
-            <a:schemeClr val="accent1">
-              <a:shade val="50000"/>
-            </a:schemeClr>
-          </a:lnRef>
-          <a:fillRef idx="1">
-            <a:schemeClr val="accent1"/>
-          </a:fillRef>
-          <a:effectRef idx="0">
-            <a:schemeClr val="accent1"/>
-          </a:effectRef>
-          <a:fontRef idx="minor">
-            <a:schemeClr val="lt1"/>
-          </a:fontRef>
-        </p:style>
-        <p:txBody>
-          <a:bodyPr rtlCol="0" anchor="ctr"/>
-          <a:lstStyle/>
-          <a:p>
-            <a:pPr algn="ctr"/>
-            <a:endParaRPr lang="en-US" dirty="0"/>
-          </a:p>
-        </p:txBody>
-      </p:sp>
-      <p:sp>
-        <p:nvSpPr>
-          <p:cNvPr id="5" name="Rectangle 4">
-            <a:extLst>
-              <a:ext uri="{FF2B5EF4-FFF2-40B4-BE49-F238E27FC236}">
-                <a16:creationId xmlns:a16="http://schemas.microsoft.com/office/drawing/2014/main" id="{069A767E-017F-7463-2632-A053F60E3E3D}"/>
-              </a:ext>
-            </a:extLst>
-          </p:cNvPr>
-          <p:cNvSpPr/>
-          <p:nvPr/>
-        </p:nvSpPr>
-        <p:spPr>
-          <a:xfrm>
-            <a:off x="2117725" y="0"/>
-            <a:ext cx="2138572" cy="6858000"/>
-          </a:xfrm>
-          <a:prstGeom prst="rect">
-            <a:avLst/>
-          </a:prstGeom>
-          <a:solidFill>
-            <a:schemeClr val="accent4"/>
-          </a:solidFill>
-        </p:spPr>
-        <p:style>
-          <a:lnRef idx="2">
-            <a:schemeClr val="accent1">
-              <a:shade val="50000"/>
-            </a:schemeClr>
-          </a:lnRef>
-          <a:fillRef idx="1">
-            <a:schemeClr val="accent1"/>
-          </a:fillRef>
-          <a:effectRef idx="0">
-            <a:schemeClr val="accent1"/>
-          </a:effectRef>
-          <a:fontRef idx="minor">
-            <a:schemeClr val="lt1"/>
-          </a:fontRef>
-        </p:style>
-        <p:txBody>
-          <a:bodyPr rtlCol="0" anchor="ctr"/>
-          <a:lstStyle/>
-          <a:p>
-            <a:pPr algn="ctr"/>
-            <a:endParaRPr lang="en-US" dirty="0"/>
-          </a:p>
-        </p:txBody>
-      </p:sp>
-      <p:sp>
-        <p:nvSpPr>
-          <p:cNvPr id="6" name="Rectangle 5">
-            <a:extLst>
-              <a:ext uri="{FF2B5EF4-FFF2-40B4-BE49-F238E27FC236}">
-                <a16:creationId xmlns:a16="http://schemas.microsoft.com/office/drawing/2014/main" id="{0DCBBFFD-A6E3-742A-9C31-B4467F1CEAE2}"/>
-              </a:ext>
-            </a:extLst>
-          </p:cNvPr>
-          <p:cNvSpPr/>
-          <p:nvPr/>
-        </p:nvSpPr>
-        <p:spPr>
-          <a:xfrm>
-            <a:off x="4256297" y="0"/>
-            <a:ext cx="7960575" cy="6858000"/>
-          </a:xfrm>
-          <a:prstGeom prst="rect">
-            <a:avLst/>
-          </a:prstGeom>
-          <a:solidFill>
-            <a:schemeClr val="accent6"/>
-          </a:solidFill>
-        </p:spPr>
-        <p:style>
-          <a:lnRef idx="2">
-            <a:schemeClr val="accent1">
-              <a:shade val="50000"/>
-            </a:schemeClr>
-          </a:lnRef>
-          <a:fillRef idx="1">
-            <a:schemeClr val="accent1"/>
-          </a:fillRef>
-          <a:effectRef idx="0">
-            <a:schemeClr val="accent1"/>
-          </a:effectRef>
-          <a:fontRef idx="minor">
-            <a:schemeClr val="lt1"/>
-          </a:fontRef>
-        </p:style>
-        <p:txBody>
-          <a:bodyPr rtlCol="0" anchor="ctr"/>
-          <a:lstStyle/>
-          <a:p>
-            <a:pPr algn="ctr"/>
-            <a:endParaRPr lang="en-US" dirty="0"/>
-          </a:p>
-        </p:txBody>
-      </p:sp>
-      <p:sp>
-        <p:nvSpPr>
-          <p:cNvPr id="7" name="TextBox 6">
-            <a:extLst>
-              <a:ext uri="{FF2B5EF4-FFF2-40B4-BE49-F238E27FC236}">
-                <a16:creationId xmlns:a16="http://schemas.microsoft.com/office/drawing/2014/main" id="{4DBCD72F-F194-92BE-0723-EF74452CF088}"/>
-              </a:ext>
-            </a:extLst>
-          </p:cNvPr>
-          <p:cNvSpPr txBox="1"/>
-          <p:nvPr/>
-        </p:nvSpPr>
-        <p:spPr>
-          <a:xfrm>
-            <a:off x="-823175" y="659028"/>
-            <a:ext cx="3580327" cy="400110"/>
-          </a:xfrm>
-          <a:prstGeom prst="rect">
-            <a:avLst/>
-          </a:prstGeom>
-          <a:noFill/>
-        </p:spPr>
-        <p:txBody>
-          <a:bodyPr wrap="square" rtlCol="0">
-            <a:spAutoFit/>
-          </a:bodyPr>
-          <a:lstStyle/>
-          <a:p>
-            <a:pPr algn="ctr"/>
-            <a:r>
-              <a:rPr lang="en-US" sz="2000" b="1" dirty="0">
-                <a:solidFill>
-                  <a:schemeClr val="bg1"/>
-                </a:solidFill>
-                <a:latin typeface="+mj-lt"/>
-              </a:rPr>
-              <a:t>Phase 1</a:t>
-            </a:r>
-          </a:p>
-        </p:txBody>
-      </p:sp>
-      <p:sp>
-        <p:nvSpPr>
-          <p:cNvPr id="10" name="TextBox 9">
-            <a:extLst>
-              <a:ext uri="{FF2B5EF4-FFF2-40B4-BE49-F238E27FC236}">
-                <a16:creationId xmlns:a16="http://schemas.microsoft.com/office/drawing/2014/main" id="{DC57F0F7-F30D-4526-E18F-642F0E2FC0D7}"/>
-              </a:ext>
-            </a:extLst>
-          </p:cNvPr>
-          <p:cNvSpPr txBox="1"/>
-          <p:nvPr/>
-        </p:nvSpPr>
-        <p:spPr>
-          <a:xfrm>
-            <a:off x="6096000" y="525245"/>
-            <a:ext cx="3580327" cy="707886"/>
-          </a:xfrm>
-          <a:prstGeom prst="rect">
-            <a:avLst/>
-          </a:prstGeom>
-          <a:noFill/>
-        </p:spPr>
-        <p:txBody>
-          <a:bodyPr wrap="square" rtlCol="0">
-            <a:spAutoFit/>
-          </a:bodyPr>
-          <a:lstStyle/>
-          <a:p>
-            <a:pPr algn="ctr"/>
-            <a:r>
-              <a:rPr lang="en-US" sz="4000" b="1" dirty="0">
-                <a:solidFill>
-                  <a:schemeClr val="bg1"/>
-                </a:solidFill>
-                <a:latin typeface="+mj-lt"/>
-              </a:rPr>
-              <a:t>Phase 3</a:t>
-            </a:r>
-          </a:p>
-        </p:txBody>
-      </p:sp>
-      <p:sp>
-        <p:nvSpPr>
-          <p:cNvPr id="11" name="TextBox 10">
-            <a:extLst>
-              <a:ext uri="{FF2B5EF4-FFF2-40B4-BE49-F238E27FC236}">
-                <a16:creationId xmlns:a16="http://schemas.microsoft.com/office/drawing/2014/main" id="{533CC8A0-7D1F-76F0-0216-308434A51135}"/>
-              </a:ext>
-            </a:extLst>
-          </p:cNvPr>
-          <p:cNvSpPr txBox="1"/>
-          <p:nvPr/>
-        </p:nvSpPr>
-        <p:spPr>
-          <a:xfrm>
-            <a:off x="1313496" y="659028"/>
-            <a:ext cx="3580327" cy="400110"/>
-          </a:xfrm>
-          <a:prstGeom prst="rect">
-            <a:avLst/>
-          </a:prstGeom>
-          <a:noFill/>
-        </p:spPr>
-        <p:txBody>
-          <a:bodyPr wrap="square" rtlCol="0">
-            <a:spAutoFit/>
-          </a:bodyPr>
-          <a:lstStyle/>
-          <a:p>
-            <a:pPr algn="ctr"/>
-            <a:r>
-              <a:rPr lang="en-US" sz="2000" b="1" dirty="0">
-                <a:solidFill>
-                  <a:schemeClr val="bg1"/>
-                </a:solidFill>
-                <a:latin typeface="+mj-lt"/>
-              </a:rPr>
-              <a:t>Phase 2</a:t>
-            </a:r>
-          </a:p>
-        </p:txBody>
-      </p:sp>
-      <p:sp>
-        <p:nvSpPr>
-          <p:cNvPr id="12" name="TextBox 11">
-            <a:extLst>
-              <a:ext uri="{FF2B5EF4-FFF2-40B4-BE49-F238E27FC236}">
-                <a16:creationId xmlns:a16="http://schemas.microsoft.com/office/drawing/2014/main" id="{9BA047EF-FD15-E53B-BD23-37A319F6E77E}"/>
-              </a:ext>
-            </a:extLst>
-          </p:cNvPr>
-          <p:cNvSpPr txBox="1"/>
-          <p:nvPr/>
-        </p:nvSpPr>
-        <p:spPr>
-          <a:xfrm>
-            <a:off x="-7847" y="1132480"/>
-            <a:ext cx="2336979" cy="246221"/>
-          </a:xfrm>
-          <a:prstGeom prst="rect">
-            <a:avLst/>
-          </a:prstGeom>
-          <a:noFill/>
-        </p:spPr>
-        <p:txBody>
-          <a:bodyPr wrap="square" rtlCol="0">
-            <a:spAutoFit/>
-          </a:bodyPr>
-          <a:lstStyle/>
-          <a:p>
-            <a:r>
-              <a:rPr lang="en-US" sz="1000" b="1" i="1" dirty="0">
-                <a:solidFill>
-                  <a:schemeClr val="bg1"/>
-                </a:solidFill>
-                <a:latin typeface="+mj-lt"/>
-              </a:rPr>
-              <a:t>Data acquisition and refinement</a:t>
-            </a:r>
-          </a:p>
-        </p:txBody>
-      </p:sp>
-      <p:pic>
-        <p:nvPicPr>
-          <p:cNvPr id="14" name="Content Placeholder 13" descr="Icon&#10;&#10;Description automatically generated">
-            <a:extLst>
-              <a:ext uri="{FF2B5EF4-FFF2-40B4-BE49-F238E27FC236}">
-                <a16:creationId xmlns:a16="http://schemas.microsoft.com/office/drawing/2014/main" id="{56C9E5C3-3E25-1323-9E8A-A7867759C32D}"/>
-              </a:ext>
-            </a:extLst>
-          </p:cNvPr>
-          <p:cNvPicPr>
-            <a:picLocks noGrp="1" noChangeAspect="1"/>
-          </p:cNvPicPr>
-          <p:nvPr>
-            <p:ph idx="1"/>
-          </p:nvPr>
-        </p:nvPicPr>
-        <p:blipFill>
-          <a:blip r:embed="rId2"/>
-          <a:stretch>
-            <a:fillRect/>
-          </a:stretch>
-        </p:blipFill>
-        <p:spPr>
-          <a:xfrm>
-            <a:off x="374695" y="2138739"/>
-            <a:ext cx="1213220" cy="1213220"/>
-          </a:xfrm>
-        </p:spPr>
-      </p:pic>
-      <p:pic>
-        <p:nvPicPr>
-          <p:cNvPr id="17" name="Picture 16" descr="Icon&#10;&#10;Description automatically generated">
-            <a:extLst>
-              <a:ext uri="{FF2B5EF4-FFF2-40B4-BE49-F238E27FC236}">
-                <a16:creationId xmlns:a16="http://schemas.microsoft.com/office/drawing/2014/main" id="{F2289D26-57CE-E4E7-2E9D-9A9C1D819467}"/>
-              </a:ext>
-            </a:extLst>
-          </p:cNvPr>
-          <p:cNvPicPr>
-            <a:picLocks noChangeAspect="1"/>
-          </p:cNvPicPr>
-          <p:nvPr/>
-        </p:nvPicPr>
-        <p:blipFill>
-          <a:blip r:embed="rId3"/>
-          <a:stretch>
-            <a:fillRect/>
-          </a:stretch>
-        </p:blipFill>
-        <p:spPr>
-          <a:xfrm>
-            <a:off x="2589507" y="2121019"/>
-            <a:ext cx="1225033" cy="1225033"/>
-          </a:xfrm>
-          <a:prstGeom prst="rect">
-            <a:avLst/>
-          </a:prstGeom>
-        </p:spPr>
-      </p:pic>
-      <p:sp>
-        <p:nvSpPr>
-          <p:cNvPr id="18" name="TextBox 17">
-            <a:extLst>
-              <a:ext uri="{FF2B5EF4-FFF2-40B4-BE49-F238E27FC236}">
-                <a16:creationId xmlns:a16="http://schemas.microsoft.com/office/drawing/2014/main" id="{7ADC5359-481D-E038-5CAB-D345D2A8F315}"/>
-              </a:ext>
-            </a:extLst>
-          </p:cNvPr>
-          <p:cNvSpPr txBox="1"/>
-          <p:nvPr/>
-        </p:nvSpPr>
-        <p:spPr>
-          <a:xfrm>
-            <a:off x="2273055" y="1132479"/>
-            <a:ext cx="2987898" cy="246221"/>
-          </a:xfrm>
-          <a:prstGeom prst="rect">
-            <a:avLst/>
-          </a:prstGeom>
-          <a:noFill/>
-        </p:spPr>
-        <p:txBody>
-          <a:bodyPr wrap="square" rtlCol="0">
-            <a:spAutoFit/>
-          </a:bodyPr>
-          <a:lstStyle/>
-          <a:p>
-            <a:r>
-              <a:rPr lang="en-US" sz="1000" b="1" i="0" dirty="0">
-                <a:solidFill>
-                  <a:srgbClr val="E6EDF3"/>
-                </a:solidFill>
-                <a:effectLst/>
-                <a:latin typeface="+mj-lt"/>
-              </a:rPr>
-              <a:t>Model Architecture Selection</a:t>
-            </a:r>
-            <a:endParaRPr lang="en-US" sz="1000" b="1" i="1" dirty="0">
-              <a:solidFill>
-                <a:schemeClr val="bg1"/>
-              </a:solidFill>
-              <a:latin typeface="+mj-lt"/>
-            </a:endParaRPr>
-          </a:p>
-        </p:txBody>
-      </p:sp>
-      <p:sp>
-        <p:nvSpPr>
-          <p:cNvPr id="19" name="TextBox 18">
-            <a:extLst>
-              <a:ext uri="{FF2B5EF4-FFF2-40B4-BE49-F238E27FC236}">
-                <a16:creationId xmlns:a16="http://schemas.microsoft.com/office/drawing/2014/main" id="{289FAF70-B5F1-42DD-06F9-15510A212020}"/>
-              </a:ext>
-            </a:extLst>
-          </p:cNvPr>
-          <p:cNvSpPr txBox="1"/>
-          <p:nvPr/>
-        </p:nvSpPr>
-        <p:spPr>
-          <a:xfrm>
-            <a:off x="6530846" y="1516497"/>
-            <a:ext cx="5129570" cy="461665"/>
-          </a:xfrm>
-          <a:prstGeom prst="rect">
-            <a:avLst/>
-          </a:prstGeom>
-          <a:noFill/>
-        </p:spPr>
-        <p:txBody>
-          <a:bodyPr wrap="square" rtlCol="0">
-            <a:spAutoFit/>
-          </a:bodyPr>
-          <a:lstStyle/>
-          <a:p>
-            <a:r>
-              <a:rPr lang="en-US" sz="2400" b="1" i="0" dirty="0">
-                <a:solidFill>
-                  <a:srgbClr val="E6EDF3"/>
-                </a:solidFill>
-                <a:effectLst/>
-                <a:latin typeface="+mj-lt"/>
-              </a:rPr>
-              <a:t>Model Training and Evaluation</a:t>
-            </a:r>
-            <a:endParaRPr lang="en-US" sz="2400" b="1" i="1" dirty="0">
-              <a:solidFill>
-                <a:schemeClr val="bg1"/>
-              </a:solidFill>
-              <a:latin typeface="+mj-lt"/>
-            </a:endParaRPr>
-          </a:p>
-        </p:txBody>
-      </p:sp>
-      <p:pic>
-        <p:nvPicPr>
-          <p:cNvPr id="21" name="Picture 20" descr="Icon&#10;&#10;Description automatically generated">
-            <a:extLst>
-              <a:ext uri="{FF2B5EF4-FFF2-40B4-BE49-F238E27FC236}">
-                <a16:creationId xmlns:a16="http://schemas.microsoft.com/office/drawing/2014/main" id="{C31D2572-0982-0482-AB2E-4CA77F1440C9}"/>
-              </a:ext>
-            </a:extLst>
-          </p:cNvPr>
-          <p:cNvPicPr>
-            <a:picLocks noChangeAspect="1"/>
-          </p:cNvPicPr>
-          <p:nvPr/>
-        </p:nvPicPr>
-        <p:blipFill>
-          <a:blip r:embed="rId4"/>
-          <a:stretch>
-            <a:fillRect/>
-          </a:stretch>
-        </p:blipFill>
-        <p:spPr>
-          <a:xfrm>
-            <a:off x="4387242" y="191106"/>
-            <a:ext cx="1947633" cy="1947633"/>
-          </a:xfrm>
-          <a:prstGeom prst="rect">
-            <a:avLst/>
-          </a:prstGeom>
-        </p:spPr>
-      </p:pic>
-    </p:spTree>
-    <p:extLst>
-      <p:ext uri="{BB962C8B-B14F-4D97-AF65-F5344CB8AC3E}">
-        <p14:creationId xmlns:p14="http://schemas.microsoft.com/office/powerpoint/2010/main" val="3669134436"/>
-      </p:ext>
-    </p:extLst>
-  </p:cSld>
-  <p:clrMapOvr>
-    <a:masterClrMapping/>
-  </p:clrMapOvr>
-  <mc:AlternateContent xmlns:mc="http://schemas.openxmlformats.org/markup-compatibility/2006" xmlns:p159="http://schemas.microsoft.com/office/powerpoint/2015/09/main">
-    <mc:Choice Requires="p159">
-      <p:transition xmlns:p14="http://schemas.microsoft.com/office/powerpoint/2010/main" spd="slow" p14:dur="2000">
-        <p159:morph option="byObject"/>
-      </p:transition>
-    </mc:Choice>
-    <mc:Fallback xmlns="">
-      <p:transition spd="slow">
-        <p:fade/>
-      </p:transition>
-    </mc:Fallback>
-  </mc:AlternateContent>
-</p:sld>
-</file>
-
-<file path=ppt/slides/slide11.xml><?xml version="1.0" encoding="utf-8"?>
-<p:sld xmlns:a="http://schemas.openxmlformats.org/drawingml/2006/main" xmlns:r="http://schemas.openxmlformats.org/officeDocument/2006/relationships" xmlns:p="http://schemas.openxmlformats.org/presentationml/2006/main">
-  <p:cSld>
-    <p:spTree>
-      <p:nvGrpSpPr>
-        <p:cNvPr id="1" name=""/>
-        <p:cNvGrpSpPr/>
-        <p:nvPr/>
-      </p:nvGrpSpPr>
-      <p:grpSpPr>
-        <a:xfrm>
-          <a:off x="0" y="0"/>
-          <a:ext cx="0" cy="0"/>
-          <a:chOff x="0" y="0"/>
-          <a:chExt cx="0" cy="0"/>
-        </a:xfrm>
-      </p:grpSpPr>
-      <p:sp>
-        <p:nvSpPr>
-          <p:cNvPr id="2" name="Title 1">
-            <a:extLst>
-              <a:ext uri="{FF2B5EF4-FFF2-40B4-BE49-F238E27FC236}">
-                <a16:creationId xmlns:a16="http://schemas.microsoft.com/office/drawing/2014/main" id="{7EB20B63-5B31-0E8A-FDF1-9FCB17774875}"/>
-              </a:ext>
-            </a:extLst>
-          </p:cNvPr>
-          <p:cNvSpPr>
-            <a:spLocks noGrp="1"/>
-          </p:cNvSpPr>
-          <p:nvPr>
-            <p:ph type="title"/>
-          </p:nvPr>
-        </p:nvSpPr>
-        <p:spPr/>
-        <p:txBody>
-          <a:bodyPr/>
-          <a:lstStyle/>
-          <a:p>
-            <a:r>
-              <a:rPr lang="en-US" dirty="0"/>
-              <a:t>Scoring Metrics</a:t>
-            </a:r>
-          </a:p>
-        </p:txBody>
-      </p:sp>
-      <p:sp>
-        <p:nvSpPr>
-          <p:cNvPr id="3" name="Content Placeholder 2">
-            <a:extLst>
-              <a:ext uri="{FF2B5EF4-FFF2-40B4-BE49-F238E27FC236}">
-                <a16:creationId xmlns:a16="http://schemas.microsoft.com/office/drawing/2014/main" id="{1C31CD71-C467-C2B6-F6E7-F5960B65EA0D}"/>
-              </a:ext>
-            </a:extLst>
-          </p:cNvPr>
-          <p:cNvSpPr>
-            <a:spLocks noGrp="1"/>
-          </p:cNvSpPr>
-          <p:nvPr>
-            <p:ph idx="1"/>
-          </p:nvPr>
-        </p:nvSpPr>
-        <p:spPr>
-          <a:xfrm>
-            <a:off x="1638300" y="2057400"/>
-            <a:ext cx="4066309" cy="4137259"/>
-          </a:xfrm>
-        </p:spPr>
-        <p:txBody>
-          <a:bodyPr>
-            <a:normAutofit/>
-          </a:bodyPr>
-          <a:lstStyle/>
-          <a:p>
-            <a:r>
-              <a:rPr lang="en-US" sz="2800" dirty="0"/>
-              <a:t>Cosine Similarity captures semantic similarity</a:t>
-            </a:r>
-          </a:p>
-          <a:p>
-            <a:r>
-              <a:rPr lang="en-US" sz="2800" dirty="0"/>
-              <a:t>We chose Word Man’s Distance and Smooth Inverse Frequency</a:t>
-            </a:r>
-          </a:p>
-        </p:txBody>
-      </p:sp>
-      <p:pic>
-        <p:nvPicPr>
-          <p:cNvPr id="5" name="Picture 4" descr="A picture containing diagram&#10;&#10;Description automatically generated">
-            <a:extLst>
-              <a:ext uri="{FF2B5EF4-FFF2-40B4-BE49-F238E27FC236}">
-                <a16:creationId xmlns:a16="http://schemas.microsoft.com/office/drawing/2014/main" id="{E53EAB1E-E0F0-B9B3-163F-678B0C013A25}"/>
-              </a:ext>
-            </a:extLst>
-          </p:cNvPr>
-          <p:cNvPicPr>
-            <a:picLocks noChangeAspect="1"/>
-          </p:cNvPicPr>
-          <p:nvPr/>
-        </p:nvPicPr>
-        <p:blipFill rotWithShape="1">
-          <a:blip r:embed="rId2"/>
-          <a:srcRect l="46034"/>
-          <a:stretch/>
-        </p:blipFill>
-        <p:spPr>
-          <a:xfrm>
-            <a:off x="7232072" y="685800"/>
-            <a:ext cx="4194464" cy="4364681"/>
-          </a:xfrm>
-          <a:prstGeom prst="rect">
-            <a:avLst/>
-          </a:prstGeom>
-        </p:spPr>
-      </p:pic>
-      <p:sp>
-        <p:nvSpPr>
-          <p:cNvPr id="6" name="TextBox 5">
-            <a:extLst>
-              <a:ext uri="{FF2B5EF4-FFF2-40B4-BE49-F238E27FC236}">
-                <a16:creationId xmlns:a16="http://schemas.microsoft.com/office/drawing/2014/main" id="{607010D1-D55D-5BA5-A229-1CEBE66C2793}"/>
-              </a:ext>
-            </a:extLst>
-          </p:cNvPr>
-          <p:cNvSpPr txBox="1"/>
-          <p:nvPr/>
-        </p:nvSpPr>
-        <p:spPr>
-          <a:xfrm>
-            <a:off x="5393279" y="6237415"/>
-            <a:ext cx="6798721" cy="369332"/>
-          </a:xfrm>
-          <a:prstGeom prst="rect">
-            <a:avLst/>
-          </a:prstGeom>
-          <a:noFill/>
-        </p:spPr>
-        <p:txBody>
-          <a:bodyPr wrap="none" rtlCol="0">
-            <a:spAutoFit/>
-          </a:bodyPr>
-          <a:lstStyle/>
-          <a:p>
-            <a:r>
-              <a:rPr lang="en-US" dirty="0"/>
-              <a:t>image credit: </a:t>
-            </a:r>
-            <a:r>
-              <a:rPr lang="en-US" dirty="0">
-                <a:hlinkClick r:id="rId3"/>
-              </a:rPr>
-              <a:t>https://www.engati.com/glossary/cosine-similarity</a:t>
-            </a:r>
-            <a:r>
-              <a:rPr lang="en-US" dirty="0"/>
-              <a:t> </a:t>
-            </a:r>
-          </a:p>
-        </p:txBody>
-      </p:sp>
-    </p:spTree>
-    <p:extLst>
-      <p:ext uri="{BB962C8B-B14F-4D97-AF65-F5344CB8AC3E}">
-        <p14:creationId xmlns:p14="http://schemas.microsoft.com/office/powerpoint/2010/main" val="2843211348"/>
-      </p:ext>
-    </p:extLst>
-  </p:cSld>
-  <p:clrMapOvr>
-    <a:masterClrMapping/>
-  </p:clrMapOvr>
-</p:sld>
-</file>
-
-<file path=ppt/slides/slide12.xml><?xml version="1.0" encoding="utf-8"?>
-<p:sld xmlns:a="http://schemas.openxmlformats.org/drawingml/2006/main" xmlns:r="http://schemas.openxmlformats.org/officeDocument/2006/relationships" xmlns:p="http://schemas.openxmlformats.org/presentationml/2006/main">
-  <p:cSld>
-    <p:spTree>
-      <p:nvGrpSpPr>
-        <p:cNvPr id="1" name=""/>
-        <p:cNvGrpSpPr/>
-        <p:nvPr/>
-      </p:nvGrpSpPr>
-      <p:grpSpPr>
-        <a:xfrm>
-          <a:off x="0" y="0"/>
-          <a:ext cx="0" cy="0"/>
-          <a:chOff x="0" y="0"/>
-          <a:chExt cx="0" cy="0"/>
-        </a:xfrm>
-      </p:grpSpPr>
-      <p:sp>
-        <p:nvSpPr>
-          <p:cNvPr id="2" name="Title 1">
-            <a:extLst>
-              <a:ext uri="{FF2B5EF4-FFF2-40B4-BE49-F238E27FC236}">
-                <a16:creationId xmlns:a16="http://schemas.microsoft.com/office/drawing/2014/main" id="{7EB20B63-5B31-0E8A-FDF1-9FCB17774875}"/>
-              </a:ext>
-            </a:extLst>
-          </p:cNvPr>
-          <p:cNvSpPr>
-            <a:spLocks noGrp="1"/>
-          </p:cNvSpPr>
-          <p:nvPr>
-            <p:ph type="title"/>
-          </p:nvPr>
-        </p:nvSpPr>
-        <p:spPr/>
-        <p:txBody>
-          <a:bodyPr/>
-          <a:lstStyle/>
-          <a:p>
-            <a:r>
-              <a:rPr lang="en-US" dirty="0"/>
-              <a:t>Scoring</a:t>
-            </a:r>
-          </a:p>
-        </p:txBody>
-      </p:sp>
-      <p:graphicFrame>
-        <p:nvGraphicFramePr>
-          <p:cNvPr id="4" name="Table 3">
-            <a:extLst>
-              <a:ext uri="{FF2B5EF4-FFF2-40B4-BE49-F238E27FC236}">
-                <a16:creationId xmlns:a16="http://schemas.microsoft.com/office/drawing/2014/main" id="{A83B1F93-1773-7BF0-EE70-C13CA53BE037}"/>
-              </a:ext>
-            </a:extLst>
-          </p:cNvPr>
-          <p:cNvGraphicFramePr>
-            <a:graphicFrameLocks noGrp="1"/>
-          </p:cNvGraphicFramePr>
-          <p:nvPr>
-            <p:extLst>
-              <p:ext uri="{D42A27DB-BD31-4B8C-83A1-F6EECF244321}">
-                <p14:modId xmlns:p14="http://schemas.microsoft.com/office/powerpoint/2010/main" val="765183128"/>
-              </p:ext>
-            </p:extLst>
-          </p:nvPr>
-        </p:nvGraphicFramePr>
-        <p:xfrm>
-          <a:off x="1638299" y="1655993"/>
-          <a:ext cx="8915400" cy="2217420"/>
-        </p:xfrm>
-        <a:graphic>
-          <a:graphicData uri="http://schemas.openxmlformats.org/drawingml/2006/table">
-            <a:tbl>
-              <a:tblPr/>
-              <a:tblGrid>
-                <a:gridCol w="2971800">
-                  <a:extLst>
-                    <a:ext uri="{9D8B030D-6E8A-4147-A177-3AD203B41FA5}">
-                      <a16:colId xmlns:a16="http://schemas.microsoft.com/office/drawing/2014/main" val="3643808483"/>
-                    </a:ext>
-                  </a:extLst>
-                </a:gridCol>
-                <a:gridCol w="2971800">
-                  <a:extLst>
-                    <a:ext uri="{9D8B030D-6E8A-4147-A177-3AD203B41FA5}">
-                      <a16:colId xmlns:a16="http://schemas.microsoft.com/office/drawing/2014/main" val="1279949153"/>
-                    </a:ext>
-                  </a:extLst>
-                </a:gridCol>
-                <a:gridCol w="2971800">
-                  <a:extLst>
-                    <a:ext uri="{9D8B030D-6E8A-4147-A177-3AD203B41FA5}">
-                      <a16:colId xmlns:a16="http://schemas.microsoft.com/office/drawing/2014/main" val="909053367"/>
-                    </a:ext>
-                  </a:extLst>
-                </a:gridCol>
-              </a:tblGrid>
-              <a:tr h="0">
-                <a:tc>
-                  <a:txBody>
-                    <a:bodyPr/>
-                    <a:lstStyle/>
-                    <a:p>
-                      <a:br>
-                        <a:rPr lang="en-US" dirty="0">
-                          <a:effectLst/>
-                        </a:rPr>
-                      </a:br>
-                      <a:endParaRPr lang="en-US" dirty="0">
-                        <a:effectLst/>
-                      </a:endParaRPr>
-                    </a:p>
-                  </a:txBody>
-                  <a:tcPr marL="123825" marR="123825" marT="57150" marB="57150" anchor="ctr">
-                    <a:lnL>
-                      <a:noFill/>
-                    </a:lnL>
-                    <a:lnR>
-                      <a:noFill/>
-                    </a:lnR>
-                    <a:lnT>
-                      <a:noFill/>
-                    </a:lnT>
-                    <a:lnB>
-                      <a:noFill/>
-                    </a:lnB>
-                    <a:solidFill>
-                      <a:srgbClr val="FFFFFF"/>
-                    </a:solidFill>
-                  </a:tcPr>
-                </a:tc>
-                <a:tc>
-                  <a:txBody>
-                    <a:bodyPr/>
-                    <a:lstStyle/>
-                    <a:p>
-                      <a:r>
-                        <a:rPr lang="en-US" dirty="0">
-                          <a:effectLst/>
-                        </a:rPr>
-                        <a:t>WMD Mean</a:t>
-                      </a:r>
-                    </a:p>
-                  </a:txBody>
-                  <a:tcPr marL="123825" marR="123825" marT="57150" marB="57150" anchor="ctr">
-                    <a:lnL>
-                      <a:noFill/>
-                    </a:lnL>
-                    <a:lnR>
-                      <a:noFill/>
-                    </a:lnR>
-                    <a:lnT>
-                      <a:noFill/>
-                    </a:lnT>
-                    <a:lnB>
-                      <a:noFill/>
-                    </a:lnB>
-                    <a:solidFill>
-                      <a:srgbClr val="FFFFFF"/>
-                    </a:solidFill>
-                  </a:tcPr>
-                </a:tc>
-                <a:tc>
-                  <a:txBody>
-                    <a:bodyPr/>
-                    <a:lstStyle/>
-                    <a:p>
-                      <a:endParaRPr lang="en-US" dirty="0"/>
-                    </a:p>
-                    <a:p>
-                      <a:r>
-                        <a:rPr lang="en-US" dirty="0"/>
-                        <a:t>SIF Mean</a:t>
-                      </a:r>
-                    </a:p>
-                  </a:txBody>
-                  <a:tcPr>
-                    <a:lnL>
-                      <a:noFill/>
-                    </a:lnL>
-                    <a:lnR w="12700" cmpd="sng">
-                      <a:noFill/>
-                      <a:prstDash val="solid"/>
-                    </a:lnR>
-                    <a:lnT w="12700" cmpd="sng">
-                      <a:noFill/>
-                      <a:prstDash val="solid"/>
-                    </a:lnT>
-                    <a:lnB w="12700" cmpd="sng">
-                      <a:noFill/>
-                      <a:prstDash val="solid"/>
-                    </a:lnB>
-                    <a:lnTlToBr w="12700" cmpd="sng">
-                      <a:noFill/>
-                      <a:prstDash val="solid"/>
-                    </a:lnTlToBr>
-                    <a:lnBlToTr w="12700" cmpd="sng">
-                      <a:noFill/>
-                      <a:prstDash val="solid"/>
-                    </a:lnBlToTr>
-                  </a:tcPr>
-                </a:tc>
-                <a:extLst>
-                  <a:ext uri="{0D108BD9-81ED-4DB2-BD59-A6C34878D82A}">
-                    <a16:rowId xmlns:a16="http://schemas.microsoft.com/office/drawing/2014/main" val="1766557615"/>
-                  </a:ext>
-                </a:extLst>
-              </a:tr>
-              <a:tr h="0">
-                <a:tc>
-                  <a:txBody>
-                    <a:bodyPr/>
-                    <a:lstStyle/>
-                    <a:p>
-                      <a:r>
-                        <a:rPr lang="en-US">
-                          <a:effectLst/>
-                        </a:rPr>
-                        <a:t>DistilBERT</a:t>
-                      </a:r>
-                    </a:p>
-                  </a:txBody>
-                  <a:tcPr marL="123825" marR="123825" marT="57150" marB="57150" anchor="ctr">
-                    <a:lnL>
-                      <a:noFill/>
-                    </a:lnL>
-                    <a:lnR>
-                      <a:noFill/>
-                    </a:lnR>
-                    <a:lnT>
-                      <a:noFill/>
-                    </a:lnT>
-                    <a:lnB>
-                      <a:noFill/>
-                    </a:lnB>
-                    <a:solidFill>
-                      <a:srgbClr val="FFFFFF"/>
-                    </a:solidFill>
-                  </a:tcPr>
-                </a:tc>
-                <a:tc>
-                  <a:txBody>
-                    <a:bodyPr/>
-                    <a:lstStyle/>
-                    <a:p>
-                      <a:r>
-                        <a:rPr lang="en-US">
-                          <a:effectLst/>
-                        </a:rPr>
-                        <a:t>4.4856</a:t>
-                      </a:r>
-                    </a:p>
-                  </a:txBody>
-                  <a:tcPr marL="123825" marR="123825" marT="57150" marB="57150" anchor="ctr">
-                    <a:lnL>
-                      <a:noFill/>
-                    </a:lnL>
-                    <a:lnR>
-                      <a:noFill/>
-                    </a:lnR>
-                    <a:lnT>
-                      <a:noFill/>
-                    </a:lnT>
-                    <a:lnB>
-                      <a:noFill/>
-                    </a:lnB>
-                    <a:solidFill>
-                      <a:srgbClr val="FFFFFF"/>
-                    </a:solidFill>
-                  </a:tcPr>
-                </a:tc>
-                <a:tc>
-                  <a:txBody>
-                    <a:bodyPr/>
-                    <a:lstStyle/>
-                    <a:p>
-                      <a:r>
-                        <a:rPr lang="en-US">
-                          <a:effectLst/>
-                        </a:rPr>
-                        <a:t>0.8400</a:t>
-                      </a:r>
-                    </a:p>
-                  </a:txBody>
-                  <a:tcPr marL="123825" marR="123825" marT="57150" marB="57150" anchor="ctr">
-                    <a:lnL>
-                      <a:noFill/>
-                    </a:lnL>
-                    <a:lnR>
-                      <a:noFill/>
-                    </a:lnR>
-                    <a:lnT w="12700" cmpd="sng">
-                      <a:noFill/>
-                      <a:prstDash val="solid"/>
-                    </a:lnT>
-                    <a:lnB>
-                      <a:noFill/>
-                    </a:lnB>
-                    <a:solidFill>
-                      <a:srgbClr val="FFFFFF"/>
-                    </a:solidFill>
-                  </a:tcPr>
-                </a:tc>
-                <a:extLst>
-                  <a:ext uri="{0D108BD9-81ED-4DB2-BD59-A6C34878D82A}">
-                    <a16:rowId xmlns:a16="http://schemas.microsoft.com/office/drawing/2014/main" val="4151308376"/>
-                  </a:ext>
-                </a:extLst>
-              </a:tr>
-              <a:tr h="0">
-                <a:tc>
-                  <a:txBody>
-                    <a:bodyPr/>
-                    <a:lstStyle/>
-                    <a:p>
-                      <a:r>
-                        <a:rPr lang="en-US">
-                          <a:effectLst/>
-                        </a:rPr>
-                        <a:t>MobileBERT</a:t>
-                      </a:r>
-                    </a:p>
-                  </a:txBody>
-                  <a:tcPr marL="123825" marR="123825" marT="57150" marB="57150" anchor="ctr">
-                    <a:lnL>
-                      <a:noFill/>
-                    </a:lnL>
-                    <a:lnR>
-                      <a:noFill/>
-                    </a:lnR>
-                    <a:lnT>
-                      <a:noFill/>
-                    </a:lnT>
-                    <a:lnB>
-                      <a:noFill/>
-                    </a:lnB>
-                    <a:solidFill>
-                      <a:srgbClr val="FFFFFF"/>
-                    </a:solidFill>
-                  </a:tcPr>
-                </a:tc>
-                <a:tc>
-                  <a:txBody>
-                    <a:bodyPr/>
-                    <a:lstStyle/>
-                    <a:p>
-                      <a:r>
-                        <a:rPr lang="en-US">
-                          <a:effectLst/>
-                        </a:rPr>
-                        <a:t>2204752.00</a:t>
-                      </a:r>
-                    </a:p>
-                  </a:txBody>
-                  <a:tcPr marL="123825" marR="123825" marT="57150" marB="57150" anchor="ctr">
-                    <a:lnL>
-                      <a:noFill/>
-                    </a:lnL>
-                    <a:lnR>
-                      <a:noFill/>
-                    </a:lnR>
-                    <a:lnT>
-                      <a:noFill/>
-                    </a:lnT>
-                    <a:lnB>
-                      <a:noFill/>
-                    </a:lnB>
-                    <a:solidFill>
-                      <a:srgbClr val="FFFFFF"/>
-                    </a:solidFill>
-                  </a:tcPr>
-                </a:tc>
-                <a:tc>
-                  <a:txBody>
-                    <a:bodyPr/>
-                    <a:lstStyle/>
-                    <a:p>
-                      <a:r>
-                        <a:rPr lang="en-US">
-                          <a:effectLst/>
-                        </a:rPr>
-                        <a:t>0.9992</a:t>
-                      </a:r>
-                    </a:p>
-                  </a:txBody>
-                  <a:tcPr marL="123825" marR="123825" marT="57150" marB="57150" anchor="ctr">
-                    <a:lnL>
-                      <a:noFill/>
-                    </a:lnL>
-                    <a:lnR>
-                      <a:noFill/>
-                    </a:lnR>
-                    <a:lnT>
-                      <a:noFill/>
-                    </a:lnT>
-                    <a:lnB>
-                      <a:noFill/>
-                    </a:lnB>
-                    <a:solidFill>
-                      <a:srgbClr val="FFFFFF"/>
-                    </a:solidFill>
-                  </a:tcPr>
-                </a:tc>
-                <a:extLst>
-                  <a:ext uri="{0D108BD9-81ED-4DB2-BD59-A6C34878D82A}">
-                    <a16:rowId xmlns:a16="http://schemas.microsoft.com/office/drawing/2014/main" val="3203319886"/>
-                  </a:ext>
-                </a:extLst>
-              </a:tr>
-              <a:tr h="0">
-                <a:tc>
-                  <a:txBody>
-                    <a:bodyPr/>
-                    <a:lstStyle/>
-                    <a:p>
-                      <a:r>
-                        <a:rPr lang="en-US">
-                          <a:effectLst/>
-                        </a:rPr>
-                        <a:t>ALBERT</a:t>
-                      </a:r>
-                    </a:p>
-                  </a:txBody>
-                  <a:tcPr marL="123825" marR="123825" marT="57150" marB="57150" anchor="ctr">
-                    <a:lnL>
-                      <a:noFill/>
-                    </a:lnL>
-                    <a:lnR>
-                      <a:noFill/>
-                    </a:lnR>
-                    <a:lnT>
-                      <a:noFill/>
-                    </a:lnT>
-                    <a:lnB>
-                      <a:noFill/>
-                    </a:lnB>
-                    <a:solidFill>
-                      <a:srgbClr val="FFFFFF"/>
-                    </a:solidFill>
-                  </a:tcPr>
-                </a:tc>
-                <a:tc>
-                  <a:txBody>
-                    <a:bodyPr/>
-                    <a:lstStyle/>
-                    <a:p>
-                      <a:r>
-                        <a:rPr lang="en-US">
-                          <a:effectLst/>
-                        </a:rPr>
-                        <a:t>15.5492</a:t>
-                      </a:r>
-                    </a:p>
-                  </a:txBody>
-                  <a:tcPr marL="123825" marR="123825" marT="57150" marB="57150" anchor="ctr">
-                    <a:lnL>
-                      <a:noFill/>
-                    </a:lnL>
-                    <a:lnR>
-                      <a:noFill/>
-                    </a:lnR>
-                    <a:lnT>
-                      <a:noFill/>
-                    </a:lnT>
-                    <a:lnB>
-                      <a:noFill/>
-                    </a:lnB>
-                    <a:solidFill>
-                      <a:srgbClr val="FFFFFF"/>
-                    </a:solidFill>
-                  </a:tcPr>
-                </a:tc>
-                <a:tc>
-                  <a:txBody>
-                    <a:bodyPr/>
-                    <a:lstStyle/>
-                    <a:p>
-                      <a:r>
-                        <a:rPr lang="en-US">
-                          <a:effectLst/>
-                        </a:rPr>
-                        <a:t>0.8180</a:t>
-                      </a:r>
-                    </a:p>
-                  </a:txBody>
-                  <a:tcPr marL="123825" marR="123825" marT="57150" marB="57150" anchor="ctr">
-                    <a:lnL>
-                      <a:noFill/>
-                    </a:lnL>
-                    <a:lnR>
-                      <a:noFill/>
-                    </a:lnR>
-                    <a:lnT>
-                      <a:noFill/>
-                    </a:lnT>
-                    <a:lnB>
-                      <a:noFill/>
-                    </a:lnB>
-                    <a:solidFill>
-                      <a:srgbClr val="FFFFFF"/>
-                    </a:solidFill>
-                  </a:tcPr>
-                </a:tc>
-                <a:extLst>
-                  <a:ext uri="{0D108BD9-81ED-4DB2-BD59-A6C34878D82A}">
-                    <a16:rowId xmlns:a16="http://schemas.microsoft.com/office/drawing/2014/main" val="3524579761"/>
-                  </a:ext>
-                </a:extLst>
-              </a:tr>
-              <a:tr h="0">
-                <a:tc>
-                  <a:txBody>
-                    <a:bodyPr/>
-                    <a:lstStyle/>
-                    <a:p>
-                      <a:r>
-                        <a:rPr lang="en-US">
-                          <a:effectLst/>
-                        </a:rPr>
-                        <a:t>ELECTRA</a:t>
-                      </a:r>
-                    </a:p>
-                  </a:txBody>
-                  <a:tcPr marL="123825" marR="123825" marT="57150" marB="57150" anchor="ctr">
-                    <a:lnL>
-                      <a:noFill/>
-                    </a:lnL>
-                    <a:lnR>
-                      <a:noFill/>
-                    </a:lnR>
-                    <a:lnT>
-                      <a:noFill/>
-                    </a:lnT>
-                    <a:lnB>
-                      <a:noFill/>
-                    </a:lnB>
-                    <a:solidFill>
-                      <a:srgbClr val="FFFFFF"/>
-                    </a:solidFill>
-                  </a:tcPr>
-                </a:tc>
-                <a:tc>
-                  <a:txBody>
-                    <a:bodyPr/>
-                    <a:lstStyle/>
-                    <a:p>
-                      <a:r>
-                        <a:rPr lang="en-US">
-                          <a:effectLst/>
-                        </a:rPr>
-                        <a:t>8.3385</a:t>
-                      </a:r>
-                    </a:p>
-                  </a:txBody>
-                  <a:tcPr marL="123825" marR="123825" marT="57150" marB="57150" anchor="ctr">
-                    <a:lnL>
-                      <a:noFill/>
-                    </a:lnL>
-                    <a:lnR>
-                      <a:noFill/>
-                    </a:lnR>
-                    <a:lnT>
-                      <a:noFill/>
-                    </a:lnT>
-                    <a:lnB>
-                      <a:noFill/>
-                    </a:lnB>
-                    <a:solidFill>
-                      <a:srgbClr val="FFFFFF"/>
-                    </a:solidFill>
-                  </a:tcPr>
-                </a:tc>
-                <a:tc>
-                  <a:txBody>
-                    <a:bodyPr/>
-                    <a:lstStyle/>
-                    <a:p>
-                      <a:r>
-                        <a:rPr lang="en-US" dirty="0">
-                          <a:effectLst/>
-                        </a:rPr>
-                        <a:t>0.3745</a:t>
-                      </a:r>
-                    </a:p>
-                  </a:txBody>
-                  <a:tcPr marL="123825" marR="123825" marT="57150" marB="57150" anchor="ctr">
-                    <a:lnL>
-                      <a:noFill/>
-                    </a:lnL>
-                    <a:lnR>
-                      <a:noFill/>
-                    </a:lnR>
-                    <a:lnT>
-                      <a:noFill/>
-                    </a:lnT>
-                    <a:lnB>
-                      <a:noFill/>
-                    </a:lnB>
-                    <a:solidFill>
-                      <a:srgbClr val="FFFFFF"/>
-                    </a:solidFill>
-                  </a:tcPr>
-                </a:tc>
-                <a:extLst>
-                  <a:ext uri="{0D108BD9-81ED-4DB2-BD59-A6C34878D82A}">
-                    <a16:rowId xmlns:a16="http://schemas.microsoft.com/office/drawing/2014/main" val="4101134459"/>
-                  </a:ext>
-                </a:extLst>
-              </a:tr>
-            </a:tbl>
-          </a:graphicData>
-        </a:graphic>
-      </p:graphicFrame>
-      <p:sp>
-        <p:nvSpPr>
-          <p:cNvPr id="8" name="TextBox 7">
-            <a:extLst>
-              <a:ext uri="{FF2B5EF4-FFF2-40B4-BE49-F238E27FC236}">
-                <a16:creationId xmlns:a16="http://schemas.microsoft.com/office/drawing/2014/main" id="{08307F08-426D-4669-ADCE-C345446B6DCF}"/>
-              </a:ext>
-            </a:extLst>
-          </p:cNvPr>
-          <p:cNvSpPr txBox="1"/>
-          <p:nvPr/>
-        </p:nvSpPr>
-        <p:spPr>
-          <a:xfrm>
-            <a:off x="2670463" y="4791652"/>
-            <a:ext cx="7637318" cy="1754326"/>
-          </a:xfrm>
-          <a:prstGeom prst="rect">
-            <a:avLst/>
-          </a:prstGeom>
-          <a:noFill/>
-        </p:spPr>
-        <p:txBody>
-          <a:bodyPr wrap="square" rtlCol="0">
-            <a:spAutoFit/>
-          </a:bodyPr>
-          <a:lstStyle/>
-          <a:p>
-            <a:r>
-              <a:rPr lang="en-US" b="0" i="0" dirty="0" err="1">
-                <a:solidFill>
-                  <a:srgbClr val="1F2328"/>
-                </a:solidFill>
-                <a:effectLst/>
-                <a:latin typeface="-apple-system"/>
-              </a:rPr>
-              <a:t>MobileBERT</a:t>
-            </a:r>
-            <a:r>
-              <a:rPr lang="en-US" b="0" i="0" dirty="0">
-                <a:solidFill>
-                  <a:srgbClr val="1F2328"/>
-                </a:solidFill>
-                <a:effectLst/>
-                <a:latin typeface="-apple-system"/>
-              </a:rPr>
-              <a:t> performed significantly better by WMD score than the other models, while ELECTRA performed the best by SIF score. </a:t>
-            </a:r>
-          </a:p>
-          <a:p>
-            <a:endParaRPr lang="en-US" dirty="0">
-              <a:solidFill>
-                <a:srgbClr val="1F2328"/>
-              </a:solidFill>
-              <a:latin typeface="-apple-system"/>
-            </a:endParaRPr>
-          </a:p>
-          <a:p>
-            <a:r>
-              <a:rPr lang="en-US" b="0" i="0" dirty="0">
-                <a:solidFill>
-                  <a:srgbClr val="1F2328"/>
-                </a:solidFill>
-                <a:effectLst/>
-                <a:latin typeface="-apple-system"/>
-              </a:rPr>
-              <a:t>This suggests that </a:t>
-            </a:r>
-            <a:r>
-              <a:rPr lang="en-US" b="0" i="0" dirty="0" err="1">
-                <a:solidFill>
-                  <a:srgbClr val="1F2328"/>
-                </a:solidFill>
-                <a:effectLst/>
-                <a:latin typeface="-apple-system"/>
-              </a:rPr>
-              <a:t>MobileBERT</a:t>
-            </a:r>
-            <a:r>
-              <a:rPr lang="en-US" b="0" i="0" dirty="0">
-                <a:solidFill>
-                  <a:srgbClr val="1F2328"/>
-                </a:solidFill>
-                <a:effectLst/>
-                <a:latin typeface="-apple-system"/>
-              </a:rPr>
-              <a:t> is better at capturing the semantic similarities between the text inputs, while ELECTRA is better at capturing the overall meaning of the text.</a:t>
-            </a:r>
-            <a:endParaRPr lang="en-US" dirty="0"/>
-          </a:p>
-        </p:txBody>
-      </p:sp>
-      <p:sp>
-        <p:nvSpPr>
-          <p:cNvPr id="9" name="TextBox 8">
-            <a:extLst>
-              <a:ext uri="{FF2B5EF4-FFF2-40B4-BE49-F238E27FC236}">
-                <a16:creationId xmlns:a16="http://schemas.microsoft.com/office/drawing/2014/main" id="{12DDE5C4-A7D1-7660-9D54-94042B44C511}"/>
-              </a:ext>
-            </a:extLst>
-          </p:cNvPr>
-          <p:cNvSpPr txBox="1"/>
-          <p:nvPr/>
-        </p:nvSpPr>
-        <p:spPr>
-          <a:xfrm>
-            <a:off x="7800109" y="1017404"/>
-            <a:ext cx="1664623" cy="369332"/>
-          </a:xfrm>
-          <a:prstGeom prst="rect">
-            <a:avLst/>
-          </a:prstGeom>
-          <a:noFill/>
-        </p:spPr>
-        <p:txBody>
-          <a:bodyPr wrap="none" rtlCol="0">
-            <a:spAutoFit/>
-          </a:bodyPr>
-          <a:lstStyle/>
-          <a:p>
-            <a:r>
-              <a:rPr lang="en-US" dirty="0"/>
-              <a:t>lower is better</a:t>
-            </a:r>
-          </a:p>
-        </p:txBody>
-      </p:sp>
-      <p:sp>
-        <p:nvSpPr>
-          <p:cNvPr id="10" name="TextBox 9">
-            <a:extLst>
-              <a:ext uri="{FF2B5EF4-FFF2-40B4-BE49-F238E27FC236}">
-                <a16:creationId xmlns:a16="http://schemas.microsoft.com/office/drawing/2014/main" id="{4B7AD788-6F04-E522-3E98-CC47EFC1D193}"/>
-              </a:ext>
-            </a:extLst>
-          </p:cNvPr>
-          <p:cNvSpPr txBox="1"/>
-          <p:nvPr/>
-        </p:nvSpPr>
-        <p:spPr>
-          <a:xfrm>
-            <a:off x="5330536" y="553088"/>
-            <a:ext cx="1767215" cy="369332"/>
-          </a:xfrm>
-          <a:prstGeom prst="rect">
-            <a:avLst/>
-          </a:prstGeom>
-          <a:noFill/>
-        </p:spPr>
-        <p:txBody>
-          <a:bodyPr wrap="none" rtlCol="0">
-            <a:spAutoFit/>
-          </a:bodyPr>
-          <a:lstStyle/>
-          <a:p>
-            <a:r>
-              <a:rPr lang="en-US" dirty="0"/>
-              <a:t>higher is better</a:t>
-            </a:r>
-          </a:p>
-        </p:txBody>
-      </p:sp>
-      <mc:AlternateContent xmlns:mc="http://schemas.openxmlformats.org/markup-compatibility/2006">
-        <mc:Choice xmlns:p14="http://schemas.microsoft.com/office/powerpoint/2010/main" Requires="p14">
-          <p:contentPart p14:bwMode="auto" r:id="rId2">
-            <p14:nvContentPartPr>
-              <p14:cNvPr id="11" name="Ink 10">
-                <a:extLst>
-                  <a:ext uri="{FF2B5EF4-FFF2-40B4-BE49-F238E27FC236}">
-                    <a16:creationId xmlns:a16="http://schemas.microsoft.com/office/drawing/2014/main" id="{F94D511D-18AB-4549-978B-2829325A5ED7}"/>
-                  </a:ext>
-                </a:extLst>
-              </p14:cNvPr>
-              <p14:cNvContentPartPr/>
-              <p14:nvPr/>
-            </p14:nvContentPartPr>
-            <p14:xfrm>
-              <a:off x="5199496" y="1037258"/>
-              <a:ext cx="511560" cy="618480"/>
-            </p14:xfrm>
-          </p:contentPart>
-        </mc:Choice>
-        <mc:Fallback>
-          <p:pic>
-            <p:nvPicPr>
-              <p:cNvPr id="11" name="Ink 10">
-                <a:extLst>
-                  <a:ext uri="{FF2B5EF4-FFF2-40B4-BE49-F238E27FC236}">
-                    <a16:creationId xmlns:a16="http://schemas.microsoft.com/office/drawing/2014/main" id="{F94D511D-18AB-4549-978B-2829325A5ED7}"/>
-                  </a:ext>
-                </a:extLst>
-              </p:cNvPr>
-              <p:cNvPicPr/>
-              <p:nvPr/>
-            </p:nvPicPr>
-            <p:blipFill>
-              <a:blip r:embed="rId3"/>
-              <a:stretch>
-                <a:fillRect/>
-              </a:stretch>
-            </p:blipFill>
-            <p:spPr>
-              <a:xfrm>
-                <a:off x="5190496" y="1028618"/>
-                <a:ext cx="529200" cy="636120"/>
-              </a:xfrm>
-              <a:prstGeom prst="rect">
-                <a:avLst/>
-              </a:prstGeom>
-            </p:spPr>
-          </p:pic>
-        </mc:Fallback>
-      </mc:AlternateContent>
-      <mc:AlternateContent xmlns:mc="http://schemas.openxmlformats.org/markup-compatibility/2006">
-        <mc:Choice xmlns:p14="http://schemas.microsoft.com/office/powerpoint/2010/main" Requires="p14">
-          <p:contentPart p14:bwMode="auto" r:id="rId4">
-            <p14:nvContentPartPr>
-              <p14:cNvPr id="12" name="Ink 11">
-                <a:extLst>
-                  <a:ext uri="{FF2B5EF4-FFF2-40B4-BE49-F238E27FC236}">
-                    <a16:creationId xmlns:a16="http://schemas.microsoft.com/office/drawing/2014/main" id="{B021B2AD-278F-6117-CE98-2E92319A4614}"/>
-                  </a:ext>
-                </a:extLst>
-              </p14:cNvPr>
-              <p14:cNvContentPartPr/>
-              <p14:nvPr/>
-            </p14:nvContentPartPr>
-            <p14:xfrm>
-              <a:off x="8342296" y="1440458"/>
-              <a:ext cx="171000" cy="403560"/>
-            </p14:xfrm>
-          </p:contentPart>
-        </mc:Choice>
-        <mc:Fallback>
-          <p:pic>
-            <p:nvPicPr>
-              <p:cNvPr id="12" name="Ink 11">
-                <a:extLst>
-                  <a:ext uri="{FF2B5EF4-FFF2-40B4-BE49-F238E27FC236}">
-                    <a16:creationId xmlns:a16="http://schemas.microsoft.com/office/drawing/2014/main" id="{B021B2AD-278F-6117-CE98-2E92319A4614}"/>
-                  </a:ext>
-                </a:extLst>
-              </p:cNvPr>
-              <p:cNvPicPr/>
-              <p:nvPr/>
-            </p:nvPicPr>
-            <p:blipFill>
-              <a:blip r:embed="rId5"/>
-              <a:stretch>
-                <a:fillRect/>
-              </a:stretch>
-            </p:blipFill>
-            <p:spPr>
-              <a:xfrm>
-                <a:off x="8333296" y="1431818"/>
-                <a:ext cx="188640" cy="421200"/>
-              </a:xfrm>
-              <a:prstGeom prst="rect">
-                <a:avLst/>
-              </a:prstGeom>
-            </p:spPr>
-          </p:pic>
-        </mc:Fallback>
-      </mc:AlternateContent>
-    </p:spTree>
-    <p:extLst>
-      <p:ext uri="{BB962C8B-B14F-4D97-AF65-F5344CB8AC3E}">
-        <p14:creationId xmlns:p14="http://schemas.microsoft.com/office/powerpoint/2010/main" val="3817481306"/>
-      </p:ext>
-    </p:extLst>
-  </p:cSld>
-  <p:clrMapOvr>
-    <a:masterClrMapping/>
-  </p:clrMapOvr>
-</p:sld>
-</file>
-
-<file path=ppt/slides/slide13.xml><?xml version="1.0" encoding="utf-8"?>
-<p:sld xmlns:a="http://schemas.openxmlformats.org/drawingml/2006/main" xmlns:r="http://schemas.openxmlformats.org/officeDocument/2006/relationships" xmlns:p="http://schemas.openxmlformats.org/presentationml/2006/main">
-  <p:cSld>
-    <p:spTree>
-      <p:nvGrpSpPr>
-        <p:cNvPr id="1" name=""/>
-        <p:cNvGrpSpPr/>
-        <p:nvPr/>
-      </p:nvGrpSpPr>
-      <p:grpSpPr>
-        <a:xfrm>
-          <a:off x="0" y="0"/>
-          <a:ext cx="0" cy="0"/>
-          <a:chOff x="0" y="0"/>
-          <a:chExt cx="0" cy="0"/>
-        </a:xfrm>
-      </p:grpSpPr>
-      <p:sp>
-        <p:nvSpPr>
           <p:cNvPr id="2" name="Title 1">
             <a:extLst>
               <a:ext uri="{FF2B5EF4-FFF2-40B4-BE49-F238E27FC236}">
@@ -6214,7 +4617,7 @@
         </p:nvSpPr>
         <p:spPr>
           <a:xfrm>
-            <a:off x="-7848" y="0"/>
+            <a:off x="-24768" y="0"/>
             <a:ext cx="7941234" cy="6858000"/>
           </a:xfrm>
           <a:prstGeom prst="rect">
@@ -6358,7 +4761,7 @@
         </p:nvSpPr>
         <p:spPr>
           <a:xfrm>
-            <a:off x="407659" y="675380"/>
+            <a:off x="1057351" y="821302"/>
             <a:ext cx="3580327" cy="707886"/>
           </a:xfrm>
           <a:prstGeom prst="rect">
@@ -6678,6 +5081,7 @@
           </a:bodyPr>
           <a:lstStyle/>
           <a:p>
+            <a:pPr algn="ctr"/>
             <a:r>
               <a:rPr lang="en-US" sz="2400" b="1" i="1" dirty="0">
                 <a:solidFill>
@@ -6685,15 +5089,166 @@
                 </a:solidFill>
                 <a:latin typeface="+mj-lt"/>
               </a:rPr>
-              <a:t>Data acquisition and refinement</a:t>
-            </a:r>
+              <a:t>Dataset</a:t>
+            </a:r>
+          </a:p>
+        </p:txBody>
+      </p:sp>
+      <p:sp>
+        <p:nvSpPr>
+          <p:cNvPr id="2" name="TextBox 1">
+            <a:extLst>
+              <a:ext uri="{FF2B5EF4-FFF2-40B4-BE49-F238E27FC236}">
+                <a16:creationId xmlns:a16="http://schemas.microsoft.com/office/drawing/2014/main" id="{BA366369-7B0E-45D7-B41C-6B928B5E8CCF}"/>
+              </a:ext>
+            </a:extLst>
+          </p:cNvPr>
+          <p:cNvSpPr txBox="1"/>
+          <p:nvPr/>
+        </p:nvSpPr>
+        <p:spPr>
+          <a:xfrm>
+            <a:off x="449777" y="2581634"/>
+            <a:ext cx="7206873" cy="3600986"/>
+          </a:xfrm>
+          <a:prstGeom prst="rect">
+            <a:avLst/>
+          </a:prstGeom>
+          <a:noFill/>
+        </p:spPr>
+        <p:txBody>
+          <a:bodyPr wrap="square" rtlCol="0">
+            <a:spAutoFit/>
+          </a:bodyPr>
+          <a:lstStyle/>
+          <a:p>
+            <a:pPr algn="l">
+              <a:lnSpc>
+                <a:spcPct val="150000"/>
+              </a:lnSpc>
+              <a:buFont typeface="Arial" panose="020B0604020202020204" pitchFamily="34" charset="0"/>
+              <a:buChar char="•"/>
+            </a:pPr>
+            <a:r>
+              <a:rPr lang="en-US" sz="2000" b="0" i="0" dirty="0">
+                <a:solidFill>
+                  <a:schemeClr val="bg1"/>
+                </a:solidFill>
+                <a:effectLst/>
+              </a:rPr>
+              <a:t>Dataset of news articles from Kaggle</a:t>
+            </a:r>
+          </a:p>
+          <a:p>
+            <a:pPr lvl="1">
+              <a:lnSpc>
+                <a:spcPct val="150000"/>
+              </a:lnSpc>
+              <a:buFont typeface="Arial" panose="020B0604020202020204" pitchFamily="34" charset="0"/>
+              <a:buChar char="•"/>
+            </a:pPr>
+            <a:r>
+              <a:rPr lang="en-US" sz="2000" b="0" i="0" dirty="0">
+                <a:solidFill>
+                  <a:schemeClr val="bg1"/>
+                </a:solidFill>
+                <a:effectLst/>
+              </a:rPr>
+              <a:t> Total of 870,521 articles</a:t>
+            </a:r>
+          </a:p>
+          <a:p>
+            <a:pPr lvl="1">
+              <a:lnSpc>
+                <a:spcPct val="150000"/>
+              </a:lnSpc>
+            </a:pPr>
+            <a:r>
+              <a:rPr lang="en-US" sz="2000" dirty="0">
+                <a:solidFill>
+                  <a:schemeClr val="bg1"/>
+                </a:solidFill>
+              </a:rPr>
+              <a:t>C</a:t>
+            </a:r>
+            <a:r>
+              <a:rPr lang="en-US" sz="2000" b="0" i="0" dirty="0">
+                <a:solidFill>
+                  <a:schemeClr val="bg1"/>
+                </a:solidFill>
+                <a:effectLst/>
+              </a:rPr>
+              <a:t>ollection of news articles from 3 separate datasets (</a:t>
+            </a:r>
+            <a:r>
+              <a:rPr lang="en-US" sz="2000" b="0" i="0" dirty="0" err="1">
+                <a:solidFill>
+                  <a:schemeClr val="bg1"/>
+                </a:solidFill>
+                <a:effectLst/>
+              </a:rPr>
+              <a:t>XSum</a:t>
+            </a:r>
+            <a:r>
+              <a:rPr lang="en-US" sz="2000" b="0" i="0" dirty="0">
+                <a:solidFill>
+                  <a:schemeClr val="bg1"/>
+                </a:solidFill>
+                <a:effectLst/>
+              </a:rPr>
+              <a:t>, CNN/Daily Mail, Multi-News)</a:t>
+            </a:r>
+          </a:p>
+          <a:p>
+            <a:pPr lvl="1">
+              <a:lnSpc>
+                <a:spcPct val="150000"/>
+              </a:lnSpc>
+              <a:buFont typeface="Arial" panose="020B0604020202020204" pitchFamily="34" charset="0"/>
+              <a:buChar char="•"/>
+            </a:pPr>
+            <a:r>
+              <a:rPr lang="en-US" sz="2000" b="0" i="0" dirty="0">
+                <a:solidFill>
+                  <a:schemeClr val="bg1"/>
+                </a:solidFill>
+                <a:effectLst/>
+              </a:rPr>
+              <a:t> Only 580,013 unique articles (about 1/3 of the articles are duplicates)</a:t>
+            </a:r>
+          </a:p>
+          <a:p>
+            <a:pPr>
+              <a:lnSpc>
+                <a:spcPct val="150000"/>
+              </a:lnSpc>
+              <a:buFont typeface="Arial" panose="020B0604020202020204" pitchFamily="34" charset="0"/>
+              <a:buChar char="•"/>
+            </a:pPr>
+            <a:r>
+              <a:rPr lang="en-US" sz="2000" dirty="0">
+                <a:solidFill>
+                  <a:schemeClr val="bg1"/>
+                </a:solidFill>
+              </a:rPr>
+              <a:t> We lemmatized the dataset to extract meaning</a:t>
+            </a:r>
+            <a:endParaRPr lang="en-US" sz="2000" b="0" i="0" dirty="0">
+              <a:solidFill>
+                <a:schemeClr val="bg1"/>
+              </a:solidFill>
+              <a:effectLst/>
+            </a:endParaRPr>
+          </a:p>
+          <a:p>
+            <a:endParaRPr lang="en-US" dirty="0"/>
           </a:p>
         </p:txBody>
       </p:sp>
     </p:spTree>
     <p:extLst>
       <p:ext uri="{BB962C8B-B14F-4D97-AF65-F5344CB8AC3E}">
-        <p14:creationId xmlns:p14="http://schemas.microsoft.com/office/powerpoint/2010/main" val="4223990458"/>
+        <p14:creationId xmlns:p14="http://schemas.microsoft.com/office/powerpoint/2010/main" val="1247765143"/>
       </p:ext>
     </p:extLst>
   </p:cSld>
@@ -6734,170 +5289,720 @@
       </p:grpSpPr>
       <p:sp>
         <p:nvSpPr>
-          <p:cNvPr id="2" name="Title 1">
-            <a:extLst>
-              <a:ext uri="{FF2B5EF4-FFF2-40B4-BE49-F238E27FC236}">
-                <a16:creationId xmlns:a16="http://schemas.microsoft.com/office/drawing/2014/main" id="{7EB20B63-5B31-0E8A-FDF1-9FCB17774875}"/>
-              </a:ext>
-            </a:extLst>
-          </p:cNvPr>
-          <p:cNvSpPr>
-            <a:spLocks noGrp="1"/>
-          </p:cNvSpPr>
-          <p:nvPr>
-            <p:ph type="title"/>
-          </p:nvPr>
-        </p:nvSpPr>
-        <p:spPr/>
-        <p:txBody>
-          <a:bodyPr/>
+          <p:cNvPr id="4" name="Rectangle 3">
+            <a:extLst>
+              <a:ext uri="{FF2B5EF4-FFF2-40B4-BE49-F238E27FC236}">
+                <a16:creationId xmlns:a16="http://schemas.microsoft.com/office/drawing/2014/main" id="{C3107E71-09FC-BCDF-1F64-49DDD36030DE}"/>
+              </a:ext>
+            </a:extLst>
+          </p:cNvPr>
+          <p:cNvSpPr/>
+          <p:nvPr/>
+        </p:nvSpPr>
+        <p:spPr>
+          <a:xfrm>
+            <a:off x="0" y="0"/>
+            <a:ext cx="8742588" cy="6858000"/>
+          </a:xfrm>
+          <a:prstGeom prst="rect">
+            <a:avLst/>
+          </a:prstGeom>
+        </p:spPr>
+        <p:style>
+          <a:lnRef idx="2">
+            <a:schemeClr val="accent1">
+              <a:shade val="50000"/>
+            </a:schemeClr>
+          </a:lnRef>
+          <a:fillRef idx="1">
+            <a:schemeClr val="accent1"/>
+          </a:fillRef>
+          <a:effectRef idx="0">
+            <a:schemeClr val="accent1"/>
+          </a:effectRef>
+          <a:fontRef idx="minor">
+            <a:schemeClr val="lt1"/>
+          </a:fontRef>
+        </p:style>
+        <p:txBody>
+          <a:bodyPr rtlCol="0" anchor="ctr"/>
+          <a:lstStyle/>
+          <a:p>
+            <a:pPr algn="ctr"/>
+            <a:endParaRPr lang="en-US" dirty="0"/>
+          </a:p>
+        </p:txBody>
+      </p:sp>
+      <p:sp>
+        <p:nvSpPr>
+          <p:cNvPr id="5" name="Rectangle 4">
+            <a:extLst>
+              <a:ext uri="{FF2B5EF4-FFF2-40B4-BE49-F238E27FC236}">
+                <a16:creationId xmlns:a16="http://schemas.microsoft.com/office/drawing/2014/main" id="{069A767E-017F-7463-2632-A053F60E3E3D}"/>
+              </a:ext>
+            </a:extLst>
+          </p:cNvPr>
+          <p:cNvSpPr/>
+          <p:nvPr/>
+        </p:nvSpPr>
+        <p:spPr>
+          <a:xfrm>
+            <a:off x="8710363" y="-20370"/>
+            <a:ext cx="1809469" cy="6878370"/>
+          </a:xfrm>
+          <a:prstGeom prst="rect">
+            <a:avLst/>
+          </a:prstGeom>
+          <a:solidFill>
+            <a:schemeClr val="accent4"/>
+          </a:solidFill>
+        </p:spPr>
+        <p:style>
+          <a:lnRef idx="2">
+            <a:schemeClr val="accent1">
+              <a:shade val="50000"/>
+            </a:schemeClr>
+          </a:lnRef>
+          <a:fillRef idx="1">
+            <a:schemeClr val="accent1"/>
+          </a:fillRef>
+          <a:effectRef idx="0">
+            <a:schemeClr val="accent1"/>
+          </a:effectRef>
+          <a:fontRef idx="minor">
+            <a:schemeClr val="lt1"/>
+          </a:fontRef>
+        </p:style>
+        <p:txBody>
+          <a:bodyPr rtlCol="0" anchor="ctr"/>
+          <a:lstStyle/>
+          <a:p>
+            <a:pPr algn="ctr"/>
+            <a:endParaRPr lang="en-US" dirty="0"/>
+          </a:p>
+        </p:txBody>
+      </p:sp>
+      <p:sp>
+        <p:nvSpPr>
+          <p:cNvPr id="6" name="Rectangle 5">
+            <a:extLst>
+              <a:ext uri="{FF2B5EF4-FFF2-40B4-BE49-F238E27FC236}">
+                <a16:creationId xmlns:a16="http://schemas.microsoft.com/office/drawing/2014/main" id="{0DCBBFFD-A6E3-742A-9C31-B4467F1CEAE2}"/>
+              </a:ext>
+            </a:extLst>
+          </p:cNvPr>
+          <p:cNvSpPr/>
+          <p:nvPr/>
+        </p:nvSpPr>
+        <p:spPr>
+          <a:xfrm>
+            <a:off x="10509890" y="-20370"/>
+            <a:ext cx="1687026" cy="6878370"/>
+          </a:xfrm>
+          <a:prstGeom prst="rect">
+            <a:avLst/>
+          </a:prstGeom>
+          <a:solidFill>
+            <a:schemeClr val="accent6"/>
+          </a:solidFill>
+        </p:spPr>
+        <p:style>
+          <a:lnRef idx="2">
+            <a:schemeClr val="accent1">
+              <a:shade val="50000"/>
+            </a:schemeClr>
+          </a:lnRef>
+          <a:fillRef idx="1">
+            <a:schemeClr val="accent1"/>
+          </a:fillRef>
+          <a:effectRef idx="0">
+            <a:schemeClr val="accent1"/>
+          </a:effectRef>
+          <a:fontRef idx="minor">
+            <a:schemeClr val="lt1"/>
+          </a:fontRef>
+        </p:style>
+        <p:txBody>
+          <a:bodyPr rtlCol="0" anchor="ctr"/>
+          <a:lstStyle/>
+          <a:p>
+            <a:pPr algn="ctr"/>
+            <a:endParaRPr lang="en-US" dirty="0"/>
+          </a:p>
+        </p:txBody>
+      </p:sp>
+      <p:sp>
+        <p:nvSpPr>
+          <p:cNvPr id="7" name="TextBox 6">
+            <a:extLst>
+              <a:ext uri="{FF2B5EF4-FFF2-40B4-BE49-F238E27FC236}">
+                <a16:creationId xmlns:a16="http://schemas.microsoft.com/office/drawing/2014/main" id="{4DBCD72F-F194-92BE-0723-EF74452CF088}"/>
+              </a:ext>
+            </a:extLst>
+          </p:cNvPr>
+          <p:cNvSpPr txBox="1"/>
+          <p:nvPr/>
+        </p:nvSpPr>
+        <p:spPr>
+          <a:xfrm>
+            <a:off x="2554326" y="603532"/>
+            <a:ext cx="3580327" cy="707886"/>
+          </a:xfrm>
+          <a:prstGeom prst="rect">
+            <a:avLst/>
+          </a:prstGeom>
+          <a:noFill/>
+        </p:spPr>
+        <p:txBody>
+          <a:bodyPr wrap="square" rtlCol="0">
+            <a:spAutoFit/>
+          </a:bodyPr>
+          <a:lstStyle/>
+          <a:p>
+            <a:pPr algn="ctr"/>
+            <a:r>
+              <a:rPr lang="en-US" sz="4000" b="1" dirty="0">
+                <a:solidFill>
+                  <a:schemeClr val="bg1"/>
+                </a:solidFill>
+                <a:latin typeface="+mj-lt"/>
+              </a:rPr>
+              <a:t>Phase 1</a:t>
+            </a:r>
+          </a:p>
+        </p:txBody>
+      </p:sp>
+      <p:sp>
+        <p:nvSpPr>
+          <p:cNvPr id="10" name="TextBox 9">
+            <a:extLst>
+              <a:ext uri="{FF2B5EF4-FFF2-40B4-BE49-F238E27FC236}">
+                <a16:creationId xmlns:a16="http://schemas.microsoft.com/office/drawing/2014/main" id="{DC57F0F7-F30D-4526-E18F-642F0E2FC0D7}"/>
+              </a:ext>
+            </a:extLst>
+          </p:cNvPr>
+          <p:cNvSpPr txBox="1"/>
+          <p:nvPr/>
+        </p:nvSpPr>
+        <p:spPr>
+          <a:xfrm>
+            <a:off x="10433843" y="1029987"/>
+            <a:ext cx="1657082" cy="400110"/>
+          </a:xfrm>
+          <a:prstGeom prst="rect">
+            <a:avLst/>
+          </a:prstGeom>
+          <a:noFill/>
+        </p:spPr>
+        <p:txBody>
+          <a:bodyPr wrap="square" rtlCol="0">
+            <a:spAutoFit/>
+          </a:bodyPr>
+          <a:lstStyle/>
+          <a:p>
+            <a:pPr algn="ctr"/>
+            <a:r>
+              <a:rPr lang="en-US" sz="2000" b="1" dirty="0">
+                <a:solidFill>
+                  <a:schemeClr val="bg1"/>
+                </a:solidFill>
+                <a:latin typeface="+mj-lt"/>
+              </a:rPr>
+              <a:t>Phase 3</a:t>
+            </a:r>
+          </a:p>
+        </p:txBody>
+      </p:sp>
+      <p:sp>
+        <p:nvSpPr>
+          <p:cNvPr id="11" name="TextBox 10">
+            <a:extLst>
+              <a:ext uri="{FF2B5EF4-FFF2-40B4-BE49-F238E27FC236}">
+                <a16:creationId xmlns:a16="http://schemas.microsoft.com/office/drawing/2014/main" id="{533CC8A0-7D1F-76F0-0216-308434A51135}"/>
+              </a:ext>
+            </a:extLst>
+          </p:cNvPr>
+          <p:cNvSpPr txBox="1"/>
+          <p:nvPr/>
+        </p:nvSpPr>
+        <p:spPr>
+          <a:xfrm>
+            <a:off x="8561194" y="1051377"/>
+            <a:ext cx="2060791" cy="400110"/>
+          </a:xfrm>
+          <a:prstGeom prst="rect">
+            <a:avLst/>
+          </a:prstGeom>
+          <a:noFill/>
+        </p:spPr>
+        <p:txBody>
+          <a:bodyPr wrap="square" rtlCol="0">
+            <a:spAutoFit/>
+          </a:bodyPr>
+          <a:lstStyle/>
+          <a:p>
+            <a:pPr algn="ctr"/>
+            <a:r>
+              <a:rPr lang="en-US" sz="2000" b="1" dirty="0">
+                <a:solidFill>
+                  <a:schemeClr val="bg1"/>
+                </a:solidFill>
+                <a:latin typeface="+mj-lt"/>
+              </a:rPr>
+              <a:t>Phase 2</a:t>
+            </a:r>
+          </a:p>
+        </p:txBody>
+      </p:sp>
+      <p:pic>
+        <p:nvPicPr>
+          <p:cNvPr id="17" name="Picture 16" descr="Icon&#10;&#10;Description automatically generated">
+            <a:extLst>
+              <a:ext uri="{FF2B5EF4-FFF2-40B4-BE49-F238E27FC236}">
+                <a16:creationId xmlns:a16="http://schemas.microsoft.com/office/drawing/2014/main" id="{F2289D26-57CE-E4E7-2E9D-9A9C1D819467}"/>
+              </a:ext>
+            </a:extLst>
+          </p:cNvPr>
+          <p:cNvPicPr>
+            <a:picLocks noChangeAspect="1"/>
+          </p:cNvPicPr>
+          <p:nvPr/>
+        </p:nvPicPr>
+        <p:blipFill>
+          <a:blip r:embed="rId2"/>
+          <a:stretch>
+            <a:fillRect/>
+          </a:stretch>
+        </p:blipFill>
+        <p:spPr>
+          <a:xfrm>
+            <a:off x="9023044" y="2405186"/>
+            <a:ext cx="1292167" cy="1253332"/>
+          </a:xfrm>
+          <a:prstGeom prst="rect">
+            <a:avLst/>
+          </a:prstGeom>
+        </p:spPr>
+      </p:pic>
+      <p:sp>
+        <p:nvSpPr>
+          <p:cNvPr id="18" name="TextBox 17">
+            <a:extLst>
+              <a:ext uri="{FF2B5EF4-FFF2-40B4-BE49-F238E27FC236}">
+                <a16:creationId xmlns:a16="http://schemas.microsoft.com/office/drawing/2014/main" id="{7ADC5359-481D-E038-5CAB-D345D2A8F315}"/>
+              </a:ext>
+            </a:extLst>
+          </p:cNvPr>
+          <p:cNvSpPr txBox="1"/>
+          <p:nvPr/>
+        </p:nvSpPr>
+        <p:spPr>
+          <a:xfrm>
+            <a:off x="8825247" y="1549827"/>
+            <a:ext cx="2987898" cy="215444"/>
+          </a:xfrm>
+          <a:prstGeom prst="rect">
+            <a:avLst/>
+          </a:prstGeom>
+          <a:noFill/>
+        </p:spPr>
+        <p:txBody>
+          <a:bodyPr wrap="square" rtlCol="0">
+            <a:spAutoFit/>
+          </a:bodyPr>
+          <a:lstStyle/>
+          <a:p>
+            <a:r>
+              <a:rPr lang="en-US" sz="800" b="1" i="0" dirty="0">
+                <a:solidFill>
+                  <a:srgbClr val="E6EDF3"/>
+                </a:solidFill>
+                <a:effectLst/>
+                <a:latin typeface="+mj-lt"/>
+              </a:rPr>
+              <a:t>Model Architecture Selection</a:t>
+            </a:r>
+            <a:endParaRPr lang="en-US" sz="800" b="1" i="1" dirty="0">
+              <a:solidFill>
+                <a:schemeClr val="bg1"/>
+              </a:solidFill>
+              <a:latin typeface="+mj-lt"/>
+            </a:endParaRPr>
+          </a:p>
+        </p:txBody>
+      </p:sp>
+      <p:sp>
+        <p:nvSpPr>
+          <p:cNvPr id="19" name="TextBox 18">
+            <a:extLst>
+              <a:ext uri="{FF2B5EF4-FFF2-40B4-BE49-F238E27FC236}">
+                <a16:creationId xmlns:a16="http://schemas.microsoft.com/office/drawing/2014/main" id="{289FAF70-B5F1-42DD-06F9-15510A212020}"/>
+              </a:ext>
+            </a:extLst>
+          </p:cNvPr>
+          <p:cNvSpPr txBox="1"/>
+          <p:nvPr/>
+        </p:nvSpPr>
+        <p:spPr>
+          <a:xfrm>
+            <a:off x="10510124" y="1520288"/>
+            <a:ext cx="2987898" cy="215444"/>
+          </a:xfrm>
+          <a:prstGeom prst="rect">
+            <a:avLst/>
+          </a:prstGeom>
+          <a:noFill/>
+        </p:spPr>
+        <p:txBody>
+          <a:bodyPr wrap="square" rtlCol="0">
+            <a:spAutoFit/>
+          </a:bodyPr>
+          <a:lstStyle/>
+          <a:p>
+            <a:r>
+              <a:rPr lang="en-US" sz="800" b="1" i="0" dirty="0">
+                <a:solidFill>
+                  <a:srgbClr val="E6EDF3"/>
+                </a:solidFill>
+                <a:effectLst/>
+                <a:latin typeface="+mj-lt"/>
+              </a:rPr>
+              <a:t>Model Training and Evaluation</a:t>
+            </a:r>
+            <a:endParaRPr lang="en-US" sz="800" b="1" i="1" dirty="0">
+              <a:solidFill>
+                <a:schemeClr val="bg1"/>
+              </a:solidFill>
+              <a:latin typeface="+mj-lt"/>
+            </a:endParaRPr>
+          </a:p>
+        </p:txBody>
+      </p:sp>
+      <p:pic>
+        <p:nvPicPr>
+          <p:cNvPr id="21" name="Picture 20" descr="Icon&#10;&#10;Description automatically generated">
+            <a:extLst>
+              <a:ext uri="{FF2B5EF4-FFF2-40B4-BE49-F238E27FC236}">
+                <a16:creationId xmlns:a16="http://schemas.microsoft.com/office/drawing/2014/main" id="{C31D2572-0982-0482-AB2E-4CA77F1440C9}"/>
+              </a:ext>
+            </a:extLst>
+          </p:cNvPr>
+          <p:cNvPicPr>
+            <a:picLocks noChangeAspect="1"/>
+          </p:cNvPicPr>
+          <p:nvPr/>
+        </p:nvPicPr>
+        <p:blipFill>
+          <a:blip r:embed="rId3"/>
+          <a:stretch>
+            <a:fillRect/>
+          </a:stretch>
+        </p:blipFill>
+        <p:spPr>
+          <a:xfrm>
+            <a:off x="10860925" y="2440554"/>
+            <a:ext cx="1253332" cy="1253332"/>
+          </a:xfrm>
+          <a:prstGeom prst="rect">
+            <a:avLst/>
+          </a:prstGeom>
+        </p:spPr>
+      </p:pic>
+      <p:sp>
+        <p:nvSpPr>
+          <p:cNvPr id="8" name="TextBox 7">
+            <a:extLst>
+              <a:ext uri="{FF2B5EF4-FFF2-40B4-BE49-F238E27FC236}">
+                <a16:creationId xmlns:a16="http://schemas.microsoft.com/office/drawing/2014/main" id="{70C2C565-4DD4-9817-C365-6DD80FE87CE6}"/>
+              </a:ext>
+            </a:extLst>
+          </p:cNvPr>
+          <p:cNvSpPr txBox="1"/>
+          <p:nvPr/>
+        </p:nvSpPr>
+        <p:spPr>
+          <a:xfrm>
+            <a:off x="1831714" y="1582652"/>
+            <a:ext cx="5307556" cy="461665"/>
+          </a:xfrm>
+          <a:prstGeom prst="rect">
+            <a:avLst/>
+          </a:prstGeom>
+          <a:noFill/>
+        </p:spPr>
+        <p:txBody>
+          <a:bodyPr wrap="square" rtlCol="0">
+            <a:spAutoFit/>
+          </a:bodyPr>
+          <a:lstStyle/>
+          <a:p>
+            <a:pPr algn="ctr"/>
+            <a:r>
+              <a:rPr lang="en-US" sz="2400" b="1" i="1" dirty="0">
+                <a:solidFill>
+                  <a:schemeClr val="bg1"/>
+                </a:solidFill>
+                <a:latin typeface="+mj-lt"/>
+              </a:rPr>
+              <a:t>Word Map</a:t>
+            </a:r>
+          </a:p>
+        </p:txBody>
+      </p:sp>
+      <p:sp>
+        <p:nvSpPr>
+          <p:cNvPr id="3" name="TextBox 2">
+            <a:extLst>
+              <a:ext uri="{FF2B5EF4-FFF2-40B4-BE49-F238E27FC236}">
+                <a16:creationId xmlns:a16="http://schemas.microsoft.com/office/drawing/2014/main" id="{F2377EC2-5749-C852-04C9-DCAE66C407AA}"/>
+              </a:ext>
+            </a:extLst>
+          </p:cNvPr>
+          <p:cNvSpPr txBox="1"/>
+          <p:nvPr/>
+        </p:nvSpPr>
+        <p:spPr>
+          <a:xfrm>
+            <a:off x="1342155" y="2405186"/>
+            <a:ext cx="1069267" cy="369332"/>
+          </a:xfrm>
+          <a:prstGeom prst="rect">
+            <a:avLst/>
+          </a:prstGeom>
+          <a:noFill/>
+        </p:spPr>
+        <p:txBody>
+          <a:bodyPr wrap="none" rtlCol="0">
+            <a:spAutoFit/>
+          </a:bodyPr>
           <a:lstStyle/>
           <a:p>
             <a:r>
               <a:rPr lang="en-US" dirty="0"/>
-              <a:t>The Dataset</a:t>
-            </a:r>
-          </a:p>
-        </p:txBody>
-      </p:sp>
-      <p:sp>
-        <p:nvSpPr>
-          <p:cNvPr id="3" name="Content Placeholder 2">
-            <a:extLst>
-              <a:ext uri="{FF2B5EF4-FFF2-40B4-BE49-F238E27FC236}">
-                <a16:creationId xmlns:a16="http://schemas.microsoft.com/office/drawing/2014/main" id="{1C31CD71-C467-C2B6-F6E7-F5960B65EA0D}"/>
-              </a:ext>
-            </a:extLst>
-          </p:cNvPr>
-          <p:cNvSpPr>
-            <a:spLocks noGrp="1"/>
-          </p:cNvSpPr>
-          <p:nvPr>
-            <p:ph idx="1"/>
-          </p:nvPr>
-        </p:nvSpPr>
-        <p:spPr/>
-        <p:txBody>
-          <a:bodyPr>
-            <a:normAutofit fontScale="92500" lnSpcReduction="20000"/>
+              <a:t>raw data</a:t>
+            </a:r>
+          </a:p>
+        </p:txBody>
+      </p:sp>
+      <mc:AlternateContent xmlns:mc="http://schemas.openxmlformats.org/markup-compatibility/2006">
+        <mc:Choice xmlns:p14="http://schemas.microsoft.com/office/powerpoint/2010/main" Requires="p14">
+          <p:contentPart p14:bwMode="auto" r:id="rId4">
+            <p14:nvContentPartPr>
+              <p14:cNvPr id="9" name="Ink 8">
+                <a:extLst>
+                  <a:ext uri="{FF2B5EF4-FFF2-40B4-BE49-F238E27FC236}">
+                    <a16:creationId xmlns:a16="http://schemas.microsoft.com/office/drawing/2014/main" id="{E2A1128F-6336-47C4-1237-3AE0889EC9C2}"/>
+                  </a:ext>
+                </a:extLst>
+              </p14:cNvPr>
+              <p14:cNvContentPartPr/>
+              <p14:nvPr/>
+            </p14:nvContentPartPr>
+            <p14:xfrm>
+              <a:off x="627152" y="2739848"/>
+              <a:ext cx="466200" cy="455400"/>
+            </p14:xfrm>
+          </p:contentPart>
+        </mc:Choice>
+        <mc:Fallback>
+          <p:pic>
+            <p:nvPicPr>
+              <p:cNvPr id="9" name="Ink 8">
+                <a:extLst>
+                  <a:ext uri="{FF2B5EF4-FFF2-40B4-BE49-F238E27FC236}">
+                    <a16:creationId xmlns:a16="http://schemas.microsoft.com/office/drawing/2014/main" id="{E2A1128F-6336-47C4-1237-3AE0889EC9C2}"/>
+                  </a:ext>
+                </a:extLst>
+              </p:cNvPr>
+              <p:cNvPicPr/>
+              <p:nvPr/>
+            </p:nvPicPr>
+            <p:blipFill>
+              <a:blip r:embed="rId5"/>
+              <a:stretch>
+                <a:fillRect/>
+              </a:stretch>
+            </p:blipFill>
+            <p:spPr>
+              <a:xfrm>
+                <a:off x="618145" y="2730848"/>
+                <a:ext cx="483854" cy="473040"/>
+              </a:xfrm>
+              <a:prstGeom prst="rect">
+                <a:avLst/>
+              </a:prstGeom>
+            </p:spPr>
+          </p:pic>
+        </mc:Fallback>
+      </mc:AlternateContent>
+      <p:sp>
+        <p:nvSpPr>
+          <p:cNvPr id="12" name="TextBox 11">
+            <a:extLst>
+              <a:ext uri="{FF2B5EF4-FFF2-40B4-BE49-F238E27FC236}">
+                <a16:creationId xmlns:a16="http://schemas.microsoft.com/office/drawing/2014/main" id="{2A9DACE7-9C0F-836C-C7CF-85D8EF853CAE}"/>
+              </a:ext>
+            </a:extLst>
+          </p:cNvPr>
+          <p:cNvSpPr txBox="1"/>
+          <p:nvPr/>
+        </p:nvSpPr>
+        <p:spPr>
+          <a:xfrm>
+            <a:off x="5022376" y="2370516"/>
+            <a:ext cx="2330766" cy="369332"/>
+          </a:xfrm>
+          <a:prstGeom prst="rect">
+            <a:avLst/>
+          </a:prstGeom>
+          <a:noFill/>
+        </p:spPr>
+        <p:txBody>
+          <a:bodyPr wrap="none" rtlCol="0">
+            <a:spAutoFit/>
           </a:bodyPr>
           <a:lstStyle/>
           <a:p>
-            <a:pPr algn="l">
-              <a:lnSpc>
-                <a:spcPct val="150000"/>
-              </a:lnSpc>
-              <a:buFont typeface="Arial" panose="020B0604020202020204" pitchFamily="34" charset="0"/>
-              <a:buChar char="•"/>
-            </a:pPr>
-            <a:r>
-              <a:rPr lang="en-US" sz="2800" b="0" i="0" dirty="0">
-                <a:effectLst/>
-                <a:latin typeface="-apple-system"/>
-              </a:rPr>
-              <a:t>Dataset of news articles from Kaggle</a:t>
-            </a:r>
-          </a:p>
-          <a:p>
-            <a:pPr lvl="1">
-              <a:lnSpc>
-                <a:spcPct val="150000"/>
-              </a:lnSpc>
-              <a:buFont typeface="Arial" panose="020B0604020202020204" pitchFamily="34" charset="0"/>
-              <a:buChar char="•"/>
-            </a:pPr>
-            <a:r>
-              <a:rPr lang="en-US" sz="2800" b="0" i="0" dirty="0">
-                <a:effectLst/>
-                <a:latin typeface="-apple-system"/>
-              </a:rPr>
-              <a:t> Total of 870,521 articles</a:t>
-            </a:r>
-          </a:p>
-          <a:p>
-            <a:pPr lvl="1">
-              <a:lnSpc>
-                <a:spcPct val="150000"/>
-              </a:lnSpc>
-            </a:pPr>
-            <a:r>
-              <a:rPr lang="en-US" sz="2800" dirty="0">
-                <a:latin typeface="-apple-system"/>
-              </a:rPr>
-              <a:t>C</a:t>
-            </a:r>
-            <a:r>
-              <a:rPr lang="en-US" sz="2800" b="0" i="0" dirty="0">
-                <a:effectLst/>
-                <a:latin typeface="-apple-system"/>
-              </a:rPr>
-              <a:t>ollection of news articles from 3 separate datasets (</a:t>
-            </a:r>
-            <a:r>
-              <a:rPr lang="en-US" sz="2800" b="0" i="0" dirty="0" err="1">
-                <a:effectLst/>
-                <a:latin typeface="-apple-system"/>
-              </a:rPr>
-              <a:t>XSum</a:t>
-            </a:r>
-            <a:r>
-              <a:rPr lang="en-US" sz="2800" b="0" i="0" dirty="0">
-                <a:effectLst/>
-                <a:latin typeface="-apple-system"/>
-              </a:rPr>
-              <a:t>, CNN/Daily Mail, Multi-News)</a:t>
-            </a:r>
-          </a:p>
-          <a:p>
-            <a:pPr lvl="1">
-              <a:lnSpc>
-                <a:spcPct val="150000"/>
-              </a:lnSpc>
-              <a:buFont typeface="Arial" panose="020B0604020202020204" pitchFamily="34" charset="0"/>
-              <a:buChar char="•"/>
-            </a:pPr>
-            <a:r>
-              <a:rPr lang="en-US" sz="2800" b="0" i="0" dirty="0">
-                <a:effectLst/>
-                <a:latin typeface="-apple-system"/>
-              </a:rPr>
-              <a:t> Only 580,013 unique articles (about 1/3 of the articles are duplicates)</a:t>
-            </a:r>
-          </a:p>
-          <a:p>
-            <a:pPr>
-              <a:lnSpc>
-                <a:spcPct val="150000"/>
-              </a:lnSpc>
-              <a:buFont typeface="Arial" panose="020B0604020202020204" pitchFamily="34" charset="0"/>
-              <a:buChar char="•"/>
-            </a:pPr>
-            <a:r>
-              <a:rPr lang="en-US" sz="2800" dirty="0">
-                <a:latin typeface="-apple-system"/>
-              </a:rPr>
-              <a:t> We lemmatized the dataset to extract meaning</a:t>
-            </a:r>
-            <a:endParaRPr lang="en-US" sz="2800" b="0" i="0" dirty="0">
-              <a:effectLst/>
-              <a:latin typeface="-apple-system"/>
-            </a:endParaRPr>
-          </a:p>
-          <a:p>
-            <a:endParaRPr lang="en-US" dirty="0"/>
-          </a:p>
-        </p:txBody>
-      </p:sp>
+            <a:r>
+              <a:rPr lang="en-US" dirty="0"/>
+              <a:t>stop words removed</a:t>
+            </a:r>
+          </a:p>
+        </p:txBody>
+      </p:sp>
+      <mc:AlternateContent xmlns:mc="http://schemas.openxmlformats.org/markup-compatibility/2006">
+        <mc:Choice xmlns:p14="http://schemas.microsoft.com/office/powerpoint/2010/main" Requires="p14">
+          <p:contentPart p14:bwMode="auto" r:id="rId6">
+            <p14:nvContentPartPr>
+              <p14:cNvPr id="13" name="Ink 12">
+                <a:extLst>
+                  <a:ext uri="{FF2B5EF4-FFF2-40B4-BE49-F238E27FC236}">
+                    <a16:creationId xmlns:a16="http://schemas.microsoft.com/office/drawing/2014/main" id="{415FC5A1-1B22-081D-71A7-C19752798C34}"/>
+                  </a:ext>
+                </a:extLst>
+              </p14:cNvPr>
+              <p14:cNvContentPartPr/>
+              <p14:nvPr/>
+            </p14:nvContentPartPr>
+            <p14:xfrm>
+              <a:off x="7353142" y="2817748"/>
+              <a:ext cx="427680" cy="307080"/>
+            </p14:xfrm>
+          </p:contentPart>
+        </mc:Choice>
+        <mc:Fallback>
+          <p:pic>
+            <p:nvPicPr>
+              <p:cNvPr id="13" name="Ink 12">
+                <a:extLst>
+                  <a:ext uri="{FF2B5EF4-FFF2-40B4-BE49-F238E27FC236}">
+                    <a16:creationId xmlns:a16="http://schemas.microsoft.com/office/drawing/2014/main" id="{415FC5A1-1B22-081D-71A7-C19752798C34}"/>
+                  </a:ext>
+                </a:extLst>
+              </p:cNvPr>
+              <p:cNvPicPr/>
+              <p:nvPr/>
+            </p:nvPicPr>
+            <p:blipFill>
+              <a:blip r:embed="rId7"/>
+              <a:stretch>
+                <a:fillRect/>
+              </a:stretch>
+            </p:blipFill>
+            <p:spPr>
+              <a:xfrm>
+                <a:off x="7344134" y="2808759"/>
+                <a:ext cx="445335" cy="324699"/>
+              </a:xfrm>
+              <a:prstGeom prst="rect">
+                <a:avLst/>
+              </a:prstGeom>
+            </p:spPr>
+          </p:pic>
+        </mc:Fallback>
+      </mc:AlternateContent>
+      <p:pic>
+        <p:nvPicPr>
+          <p:cNvPr id="15" name="Picture 14" descr="Text&#10;&#10;Description automatically generated with medium confidence">
+            <a:extLst>
+              <a:ext uri="{FF2B5EF4-FFF2-40B4-BE49-F238E27FC236}">
+                <a16:creationId xmlns:a16="http://schemas.microsoft.com/office/drawing/2014/main" id="{6BD54EB0-EA24-4207-5121-59A52ED0C9C7}"/>
+              </a:ext>
+            </a:extLst>
+          </p:cNvPr>
+          <p:cNvPicPr>
+            <a:picLocks noChangeAspect="1"/>
+          </p:cNvPicPr>
+          <p:nvPr/>
+        </p:nvPicPr>
+        <p:blipFill>
+          <a:blip r:embed="rId8"/>
+          <a:stretch>
+            <a:fillRect/>
+          </a:stretch>
+        </p:blipFill>
+        <p:spPr>
+          <a:xfrm>
+            <a:off x="56513" y="3330721"/>
+            <a:ext cx="4158108" cy="2130298"/>
+          </a:xfrm>
+          <a:prstGeom prst="rect">
+            <a:avLst/>
+          </a:prstGeom>
+        </p:spPr>
+      </p:pic>
+      <p:pic>
+        <p:nvPicPr>
+          <p:cNvPr id="22" name="Picture 21" descr="A picture containing text&#10;&#10;Description automatically generated">
+            <a:extLst>
+              <a:ext uri="{FF2B5EF4-FFF2-40B4-BE49-F238E27FC236}">
+                <a16:creationId xmlns:a16="http://schemas.microsoft.com/office/drawing/2014/main" id="{88166EDE-D8BB-1572-5AB6-8692BA7C7BDD}"/>
+              </a:ext>
+            </a:extLst>
+          </p:cNvPr>
+          <p:cNvPicPr>
+            <a:picLocks noChangeAspect="1"/>
+          </p:cNvPicPr>
+          <p:nvPr/>
+        </p:nvPicPr>
+        <p:blipFill>
+          <a:blip r:embed="rId9"/>
+          <a:stretch>
+            <a:fillRect/>
+          </a:stretch>
+        </p:blipFill>
+        <p:spPr>
+          <a:xfrm>
+            <a:off x="4555714" y="3403976"/>
+            <a:ext cx="4116625" cy="2109045"/>
+          </a:xfrm>
+          <a:prstGeom prst="rect">
+            <a:avLst/>
+          </a:prstGeom>
+        </p:spPr>
+      </p:pic>
     </p:spTree>
     <p:extLst>
       <p:ext uri="{BB962C8B-B14F-4D97-AF65-F5344CB8AC3E}">
-        <p14:creationId xmlns:p14="http://schemas.microsoft.com/office/powerpoint/2010/main" val="3039075442"/>
+        <p14:creationId xmlns:p14="http://schemas.microsoft.com/office/powerpoint/2010/main" val="4223990458"/>
       </p:ext>
     </p:extLst>
   </p:cSld>
   <p:clrMapOvr>
     <a:masterClrMapping/>
   </p:clrMapOvr>
+  <mc:AlternateContent xmlns:mc="http://schemas.openxmlformats.org/markup-compatibility/2006" xmlns:p159="http://schemas.microsoft.com/office/powerpoint/2015/09/main">
+    <mc:Choice Requires="p159">
+      <p:transition xmlns:p14="http://schemas.microsoft.com/office/powerpoint/2010/main" spd="slow" p14:dur="2000">
+        <p159:morph option="byObject"/>
+      </p:transition>
+    </mc:Choice>
+    <mc:Fallback xmlns="">
+      <p:transition spd="slow">
+        <p:fade/>
+      </p:transition>
+    </mc:Fallback>
+  </mc:AlternateContent>
 </p:sld>
 </file>
 
@@ -6920,45 +6025,326 @@
       </p:grpSpPr>
       <p:sp>
         <p:nvSpPr>
-          <p:cNvPr id="2" name="Title 1">
-            <a:extLst>
-              <a:ext uri="{FF2B5EF4-FFF2-40B4-BE49-F238E27FC236}">
-                <a16:creationId xmlns:a16="http://schemas.microsoft.com/office/drawing/2014/main" id="{7EB20B63-5B31-0E8A-FDF1-9FCB17774875}"/>
-              </a:ext>
-            </a:extLst>
-          </p:cNvPr>
-          <p:cNvSpPr>
-            <a:spLocks noGrp="1"/>
-          </p:cNvSpPr>
-          <p:nvPr>
-            <p:ph type="title"/>
-          </p:nvPr>
-        </p:nvSpPr>
-        <p:spPr/>
-        <p:txBody>
-          <a:bodyPr/>
-          <a:lstStyle/>
-          <a:p>
-            <a:r>
-              <a:rPr lang="en-US" dirty="0"/>
-              <a:t>Word Map</a:t>
+          <p:cNvPr id="4" name="Rectangle 3">
+            <a:extLst>
+              <a:ext uri="{FF2B5EF4-FFF2-40B4-BE49-F238E27FC236}">
+                <a16:creationId xmlns:a16="http://schemas.microsoft.com/office/drawing/2014/main" id="{C3107E71-09FC-BCDF-1F64-49DDD36030DE}"/>
+              </a:ext>
+            </a:extLst>
+          </p:cNvPr>
+          <p:cNvSpPr/>
+          <p:nvPr/>
+        </p:nvSpPr>
+        <p:spPr>
+          <a:xfrm>
+            <a:off x="0" y="-7100"/>
+            <a:ext cx="2202287" cy="6858000"/>
+          </a:xfrm>
+          <a:prstGeom prst="rect">
+            <a:avLst/>
+          </a:prstGeom>
+        </p:spPr>
+        <p:style>
+          <a:lnRef idx="2">
+            <a:schemeClr val="accent1">
+              <a:shade val="50000"/>
+            </a:schemeClr>
+          </a:lnRef>
+          <a:fillRef idx="1">
+            <a:schemeClr val="accent1"/>
+          </a:fillRef>
+          <a:effectRef idx="0">
+            <a:schemeClr val="accent1"/>
+          </a:effectRef>
+          <a:fontRef idx="minor">
+            <a:schemeClr val="lt1"/>
+          </a:fontRef>
+        </p:style>
+        <p:txBody>
+          <a:bodyPr rtlCol="0" anchor="ctr"/>
+          <a:lstStyle/>
+          <a:p>
+            <a:pPr algn="ctr"/>
+            <a:endParaRPr lang="en-US" dirty="0"/>
+          </a:p>
+        </p:txBody>
+      </p:sp>
+      <p:sp>
+        <p:nvSpPr>
+          <p:cNvPr id="5" name="Rectangle 4">
+            <a:extLst>
+              <a:ext uri="{FF2B5EF4-FFF2-40B4-BE49-F238E27FC236}">
+                <a16:creationId xmlns:a16="http://schemas.microsoft.com/office/drawing/2014/main" id="{069A767E-017F-7463-2632-A053F60E3E3D}"/>
+              </a:ext>
+            </a:extLst>
+          </p:cNvPr>
+          <p:cNvSpPr/>
+          <p:nvPr/>
+        </p:nvSpPr>
+        <p:spPr>
+          <a:xfrm>
+            <a:off x="2202287" y="-7100"/>
+            <a:ext cx="7746649" cy="6858000"/>
+          </a:xfrm>
+          <a:prstGeom prst="rect">
+            <a:avLst/>
+          </a:prstGeom>
+          <a:solidFill>
+            <a:schemeClr val="accent4"/>
+          </a:solidFill>
+        </p:spPr>
+        <p:style>
+          <a:lnRef idx="2">
+            <a:schemeClr val="accent1">
+              <a:shade val="50000"/>
+            </a:schemeClr>
+          </a:lnRef>
+          <a:fillRef idx="1">
+            <a:schemeClr val="accent1"/>
+          </a:fillRef>
+          <a:effectRef idx="0">
+            <a:schemeClr val="accent1"/>
+          </a:effectRef>
+          <a:fontRef idx="minor">
+            <a:schemeClr val="lt1"/>
+          </a:fontRef>
+        </p:style>
+        <p:txBody>
+          <a:bodyPr rtlCol="0" anchor="ctr"/>
+          <a:lstStyle/>
+          <a:p>
+            <a:pPr algn="ctr"/>
+            <a:endParaRPr lang="en-US" dirty="0"/>
+          </a:p>
+        </p:txBody>
+      </p:sp>
+      <p:sp>
+        <p:nvSpPr>
+          <p:cNvPr id="6" name="Rectangle 5">
+            <a:extLst>
+              <a:ext uri="{FF2B5EF4-FFF2-40B4-BE49-F238E27FC236}">
+                <a16:creationId xmlns:a16="http://schemas.microsoft.com/office/drawing/2014/main" id="{0DCBBFFD-A6E3-742A-9C31-B4467F1CEAE2}"/>
+              </a:ext>
+            </a:extLst>
+          </p:cNvPr>
+          <p:cNvSpPr/>
+          <p:nvPr/>
+        </p:nvSpPr>
+        <p:spPr>
+          <a:xfrm>
+            <a:off x="9948937" y="0"/>
+            <a:ext cx="2250909" cy="6858000"/>
+          </a:xfrm>
+          <a:prstGeom prst="rect">
+            <a:avLst/>
+          </a:prstGeom>
+          <a:solidFill>
+            <a:schemeClr val="accent6"/>
+          </a:solidFill>
+        </p:spPr>
+        <p:style>
+          <a:lnRef idx="2">
+            <a:schemeClr val="accent1">
+              <a:shade val="50000"/>
+            </a:schemeClr>
+          </a:lnRef>
+          <a:fillRef idx="1">
+            <a:schemeClr val="accent1"/>
+          </a:fillRef>
+          <a:effectRef idx="0">
+            <a:schemeClr val="accent1"/>
+          </a:effectRef>
+          <a:fontRef idx="minor">
+            <a:schemeClr val="lt1"/>
+          </a:fontRef>
+        </p:style>
+        <p:txBody>
+          <a:bodyPr rtlCol="0" anchor="ctr"/>
+          <a:lstStyle/>
+          <a:p>
+            <a:pPr algn="ctr"/>
+            <a:endParaRPr lang="en-US" dirty="0"/>
+          </a:p>
+        </p:txBody>
+      </p:sp>
+      <p:sp>
+        <p:nvSpPr>
+          <p:cNvPr id="7" name="TextBox 6">
+            <a:extLst>
+              <a:ext uri="{FF2B5EF4-FFF2-40B4-BE49-F238E27FC236}">
+                <a16:creationId xmlns:a16="http://schemas.microsoft.com/office/drawing/2014/main" id="{4DBCD72F-F194-92BE-0723-EF74452CF088}"/>
+              </a:ext>
+            </a:extLst>
+          </p:cNvPr>
+          <p:cNvSpPr txBox="1"/>
+          <p:nvPr/>
+        </p:nvSpPr>
+        <p:spPr>
+          <a:xfrm>
+            <a:off x="-793125" y="463286"/>
+            <a:ext cx="3580327" cy="400110"/>
+          </a:xfrm>
+          <a:prstGeom prst="rect">
+            <a:avLst/>
+          </a:prstGeom>
+          <a:noFill/>
+        </p:spPr>
+        <p:txBody>
+          <a:bodyPr wrap="square" rtlCol="0">
+            <a:spAutoFit/>
+          </a:bodyPr>
+          <a:lstStyle/>
+          <a:p>
+            <a:pPr algn="ctr"/>
+            <a:r>
+              <a:rPr lang="en-US" sz="2000" b="1" dirty="0">
+                <a:solidFill>
+                  <a:schemeClr val="bg1"/>
+                </a:solidFill>
+                <a:latin typeface="+mj-lt"/>
+              </a:rPr>
+              <a:t>Phase 1</a:t>
+            </a:r>
+          </a:p>
+        </p:txBody>
+      </p:sp>
+      <p:sp>
+        <p:nvSpPr>
+          <p:cNvPr id="10" name="TextBox 9">
+            <a:extLst>
+              <a:ext uri="{FF2B5EF4-FFF2-40B4-BE49-F238E27FC236}">
+                <a16:creationId xmlns:a16="http://schemas.microsoft.com/office/drawing/2014/main" id="{DC57F0F7-F30D-4526-E18F-642F0E2FC0D7}"/>
+              </a:ext>
+            </a:extLst>
+          </p:cNvPr>
+          <p:cNvSpPr txBox="1"/>
+          <p:nvPr/>
+        </p:nvSpPr>
+        <p:spPr>
+          <a:xfrm>
+            <a:off x="9178344" y="463286"/>
+            <a:ext cx="3580327" cy="400110"/>
+          </a:xfrm>
+          <a:prstGeom prst="rect">
+            <a:avLst/>
+          </a:prstGeom>
+          <a:noFill/>
+        </p:spPr>
+        <p:txBody>
+          <a:bodyPr wrap="square" rtlCol="0">
+            <a:spAutoFit/>
+          </a:bodyPr>
+          <a:lstStyle/>
+          <a:p>
+            <a:pPr algn="ctr"/>
+            <a:r>
+              <a:rPr lang="en-US" sz="2000" b="1" dirty="0">
+                <a:solidFill>
+                  <a:schemeClr val="bg1"/>
+                </a:solidFill>
+                <a:latin typeface="+mj-lt"/>
+              </a:rPr>
+              <a:t>Phase 3</a:t>
+            </a:r>
+          </a:p>
+        </p:txBody>
+      </p:sp>
+      <p:sp>
+        <p:nvSpPr>
+          <p:cNvPr id="11" name="TextBox 10">
+            <a:extLst>
+              <a:ext uri="{FF2B5EF4-FFF2-40B4-BE49-F238E27FC236}">
+                <a16:creationId xmlns:a16="http://schemas.microsoft.com/office/drawing/2014/main" id="{533CC8A0-7D1F-76F0-0216-308434A51135}"/>
+              </a:ext>
+            </a:extLst>
+          </p:cNvPr>
+          <p:cNvSpPr txBox="1"/>
+          <p:nvPr/>
+        </p:nvSpPr>
+        <p:spPr>
+          <a:xfrm>
+            <a:off x="3779976" y="135655"/>
+            <a:ext cx="4131972" cy="677108"/>
+          </a:xfrm>
+          <a:prstGeom prst="rect">
+            <a:avLst/>
+          </a:prstGeom>
+          <a:noFill/>
+        </p:spPr>
+        <p:txBody>
+          <a:bodyPr wrap="square" rtlCol="0">
+            <a:spAutoFit/>
+          </a:bodyPr>
+          <a:lstStyle/>
+          <a:p>
+            <a:pPr algn="ctr"/>
+            <a:r>
+              <a:rPr lang="en-US" sz="3800" b="1" dirty="0">
+                <a:solidFill>
+                  <a:schemeClr val="bg1"/>
+                </a:solidFill>
+                <a:latin typeface="+mj-lt"/>
+              </a:rPr>
+              <a:t>Phase 2</a:t>
+            </a:r>
+          </a:p>
+        </p:txBody>
+      </p:sp>
+      <p:sp>
+        <p:nvSpPr>
+          <p:cNvPr id="12" name="TextBox 11">
+            <a:extLst>
+              <a:ext uri="{FF2B5EF4-FFF2-40B4-BE49-F238E27FC236}">
+                <a16:creationId xmlns:a16="http://schemas.microsoft.com/office/drawing/2014/main" id="{9BA047EF-FD15-E53B-BD23-37A319F6E77E}"/>
+              </a:ext>
+            </a:extLst>
+          </p:cNvPr>
+          <p:cNvSpPr txBox="1"/>
+          <p:nvPr/>
+        </p:nvSpPr>
+        <p:spPr>
+          <a:xfrm>
+            <a:off x="0" y="1262229"/>
+            <a:ext cx="2987898" cy="246221"/>
+          </a:xfrm>
+          <a:prstGeom prst="rect">
+            <a:avLst/>
+          </a:prstGeom>
+          <a:noFill/>
+        </p:spPr>
+        <p:txBody>
+          <a:bodyPr wrap="square" rtlCol="0">
+            <a:spAutoFit/>
+          </a:bodyPr>
+          <a:lstStyle/>
+          <a:p>
+            <a:r>
+              <a:rPr lang="en-US" sz="1000" b="1" i="1" dirty="0">
+                <a:solidFill>
+                  <a:schemeClr val="bg1"/>
+                </a:solidFill>
+                <a:latin typeface="+mj-lt"/>
+              </a:rPr>
+              <a:t>Data acquisition and refinement</a:t>
             </a:r>
           </a:p>
         </p:txBody>
       </p:sp>
       <p:pic>
         <p:nvPicPr>
-          <p:cNvPr id="4" name="Picture 3" descr="A picture containing text&#10;&#10;Description automatically generated">
-            <a:extLst>
-              <a:ext uri="{FF2B5EF4-FFF2-40B4-BE49-F238E27FC236}">
-                <a16:creationId xmlns:a16="http://schemas.microsoft.com/office/drawing/2014/main" id="{487EE9A5-F888-6B00-B0B4-CDA1F62446EE}"/>
+          <p:cNvPr id="14" name="Content Placeholder 13" descr="Icon&#10;&#10;Description automatically generated">
+            <a:extLst>
+              <a:ext uri="{FF2B5EF4-FFF2-40B4-BE49-F238E27FC236}">
+                <a16:creationId xmlns:a16="http://schemas.microsoft.com/office/drawing/2014/main" id="{56C9E5C3-3E25-1323-9E8A-A7867759C32D}"/>
               </a:ext>
             </a:extLst>
           </p:cNvPr>
           <p:cNvPicPr>
-            <a:picLocks noChangeAspect="1"/>
+            <a:picLocks noGrp="1" noChangeAspect="1"/>
           </p:cNvPicPr>
-          <p:nvPr/>
+          <p:nvPr>
+            <p:ph idx="1"/>
+          </p:nvPr>
         </p:nvPicPr>
         <p:blipFill>
           <a:blip r:embed="rId2"/>
@@ -6968,20 +6354,124 @@
         </p:blipFill>
         <p:spPr>
           <a:xfrm>
-            <a:off x="6284191" y="3307160"/>
-            <a:ext cx="5830066" cy="2986882"/>
+            <a:off x="374695" y="2184312"/>
+            <a:ext cx="1244688" cy="1244688"/>
+          </a:xfrm>
+        </p:spPr>
+      </p:pic>
+      <p:sp>
+        <p:nvSpPr>
+          <p:cNvPr id="18" name="TextBox 17">
+            <a:extLst>
+              <a:ext uri="{FF2B5EF4-FFF2-40B4-BE49-F238E27FC236}">
+                <a16:creationId xmlns:a16="http://schemas.microsoft.com/office/drawing/2014/main" id="{7ADC5359-481D-E038-5CAB-D345D2A8F315}"/>
+              </a:ext>
+            </a:extLst>
+          </p:cNvPr>
+          <p:cNvSpPr txBox="1"/>
+          <p:nvPr/>
+        </p:nvSpPr>
+        <p:spPr>
+          <a:xfrm>
+            <a:off x="2066330" y="751426"/>
+            <a:ext cx="7632191" cy="646331"/>
           </a:xfrm>
           <a:prstGeom prst="rect">
             <a:avLst/>
           </a:prstGeom>
-        </p:spPr>
-      </p:pic>
+          <a:noFill/>
+        </p:spPr>
+        <p:txBody>
+          <a:bodyPr wrap="square" rtlCol="0">
+            <a:spAutoFit/>
+          </a:bodyPr>
+          <a:lstStyle/>
+          <a:p>
+            <a:pPr algn="ctr"/>
+            <a:r>
+              <a:rPr lang="en-US" b="1" i="0" dirty="0">
+                <a:solidFill>
+                  <a:srgbClr val="E6EDF3"/>
+                </a:solidFill>
+                <a:effectLst/>
+                <a:latin typeface="+mj-lt"/>
+              </a:rPr>
+              <a:t>Model Architecture Selection </a:t>
+            </a:r>
+          </a:p>
+          <a:p>
+            <a:pPr algn="ctr"/>
+            <a:r>
+              <a:rPr lang="en-US" b="1" dirty="0">
+                <a:solidFill>
+                  <a:srgbClr val="E6EDF3"/>
+                </a:solidFill>
+                <a:latin typeface="+mj-lt"/>
+              </a:rPr>
+              <a:t>Initial Models</a:t>
+            </a:r>
+            <a:endParaRPr lang="en-US" b="1" i="1" dirty="0">
+              <a:solidFill>
+                <a:schemeClr val="bg1"/>
+              </a:solidFill>
+              <a:latin typeface="+mj-lt"/>
+            </a:endParaRPr>
+          </a:p>
+        </p:txBody>
+      </p:sp>
+      <p:sp>
+        <p:nvSpPr>
+          <p:cNvPr id="19" name="TextBox 18">
+            <a:extLst>
+              <a:ext uri="{FF2B5EF4-FFF2-40B4-BE49-F238E27FC236}">
+                <a16:creationId xmlns:a16="http://schemas.microsoft.com/office/drawing/2014/main" id="{289FAF70-B5F1-42DD-06F9-15510A212020}"/>
+              </a:ext>
+            </a:extLst>
+          </p:cNvPr>
+          <p:cNvSpPr txBox="1"/>
+          <p:nvPr/>
+        </p:nvSpPr>
+        <p:spPr>
+          <a:xfrm>
+            <a:off x="9948937" y="1262229"/>
+            <a:ext cx="2987898" cy="246221"/>
+          </a:xfrm>
+          <a:prstGeom prst="rect">
+            <a:avLst/>
+          </a:prstGeom>
+          <a:noFill/>
+        </p:spPr>
+        <p:txBody>
+          <a:bodyPr wrap="square" rtlCol="0">
+            <a:spAutoFit/>
+          </a:bodyPr>
+          <a:lstStyle/>
+          <a:p>
+            <a:r>
+              <a:rPr lang="en-US" sz="1000" b="1" i="0" dirty="0">
+                <a:solidFill>
+                  <a:srgbClr val="E6EDF3"/>
+                </a:solidFill>
+                <a:effectLst/>
+                <a:latin typeface="+mj-lt"/>
+              </a:rPr>
+              <a:t>Model Training and Evaluation</a:t>
+            </a:r>
+            <a:endParaRPr lang="en-US" sz="1000" b="1" i="1" dirty="0">
+              <a:solidFill>
+                <a:schemeClr val="bg1"/>
+              </a:solidFill>
+              <a:latin typeface="+mj-lt"/>
+            </a:endParaRPr>
+          </a:p>
+        </p:txBody>
+      </p:sp>
       <p:pic>
         <p:nvPicPr>
-          <p:cNvPr id="8" name="Picture 7" descr="Text&#10;&#10;Description automatically generated with medium confidence">
-            <a:extLst>
-              <a:ext uri="{FF2B5EF4-FFF2-40B4-BE49-F238E27FC236}">
-                <a16:creationId xmlns:a16="http://schemas.microsoft.com/office/drawing/2014/main" id="{661892BA-3471-CA49-3552-89626167CA83}"/>
+          <p:cNvPr id="21" name="Picture 20" descr="Icon&#10;&#10;Description automatically generated">
+            <a:extLst>
+              <a:ext uri="{FF2B5EF4-FFF2-40B4-BE49-F238E27FC236}">
+                <a16:creationId xmlns:a16="http://schemas.microsoft.com/office/drawing/2014/main" id="{C31D2572-0982-0482-AB2E-4CA77F1440C9}"/>
               </a:ext>
             </a:extLst>
           </p:cNvPr>
@@ -6998,196 +6488,1018 @@
         </p:blipFill>
         <p:spPr>
           <a:xfrm>
-            <a:off x="77743" y="3307160"/>
-            <a:ext cx="5698836" cy="2919650"/>
+            <a:off x="10402649" y="2078416"/>
+            <a:ext cx="1343484" cy="1343484"/>
           </a:xfrm>
           <a:prstGeom prst="rect">
             <a:avLst/>
           </a:prstGeom>
         </p:spPr>
       </p:pic>
-      <p:sp>
-        <p:nvSpPr>
-          <p:cNvPr id="9" name="TextBox 8">
-            <a:extLst>
-              <a:ext uri="{FF2B5EF4-FFF2-40B4-BE49-F238E27FC236}">
-                <a16:creationId xmlns:a16="http://schemas.microsoft.com/office/drawing/2014/main" id="{918E7E68-5C39-E50A-DAD1-DC0428105DA6}"/>
-              </a:ext>
-            </a:extLst>
-          </p:cNvPr>
-          <p:cNvSpPr txBox="1"/>
-          <p:nvPr/>
-        </p:nvSpPr>
-        <p:spPr>
-          <a:xfrm>
-            <a:off x="4010891" y="2497614"/>
-            <a:ext cx="1069267" cy="369332"/>
-          </a:xfrm>
-          <a:prstGeom prst="rect">
-            <a:avLst/>
-          </a:prstGeom>
-          <a:noFill/>
-        </p:spPr>
-        <p:txBody>
-          <a:bodyPr wrap="none" rtlCol="0">
-            <a:spAutoFit/>
-          </a:bodyPr>
-          <a:lstStyle/>
-          <a:p>
-            <a:r>
-              <a:rPr lang="en-US" dirty="0"/>
-              <a:t>raw data</a:t>
-            </a:r>
-          </a:p>
-        </p:txBody>
-      </p:sp>
-      <mc:AlternateContent xmlns:mc="http://schemas.openxmlformats.org/markup-compatibility/2006">
-        <mc:Choice xmlns:p14="http://schemas.microsoft.com/office/powerpoint/2010/main" Requires="p14">
-          <p:contentPart p14:bwMode="auto" r:id="rId4">
-            <p14:nvContentPartPr>
-              <p14:cNvPr id="12" name="Ink 11">
+      <p:graphicFrame>
+        <p:nvGraphicFramePr>
+          <p:cNvPr id="3" name="Table 2">
+            <a:extLst>
+              <a:ext uri="{FF2B5EF4-FFF2-40B4-BE49-F238E27FC236}">
+                <a16:creationId xmlns:a16="http://schemas.microsoft.com/office/drawing/2014/main" id="{18AEAF34-65D1-2648-818A-F0981CA32093}"/>
+              </a:ext>
+            </a:extLst>
+          </p:cNvPr>
+          <p:cNvGraphicFramePr>
+            <a:graphicFrameLocks noGrp="1"/>
+          </p:cNvGraphicFramePr>
+          <p:nvPr>
+            <p:extLst>
+              <p:ext uri="{D42A27DB-BD31-4B8C-83A1-F6EECF244321}">
+                <p14:modId xmlns:p14="http://schemas.microsoft.com/office/powerpoint/2010/main" val="4013386956"/>
+              </p:ext>
+            </p:extLst>
+          </p:nvPr>
+        </p:nvGraphicFramePr>
+        <p:xfrm>
+          <a:off x="2818795" y="1542484"/>
+          <a:ext cx="6393153" cy="5172523"/>
+        </p:xfrm>
+        <a:graphic>
+          <a:graphicData uri="http://schemas.openxmlformats.org/drawingml/2006/table">
+            <a:tbl>
+              <a:tblPr/>
+              <a:tblGrid>
+                <a:gridCol w="2131051">
+                  <a:extLst>
+                    <a:ext uri="{9D8B030D-6E8A-4147-A177-3AD203B41FA5}">
+                      <a16:colId xmlns:a16="http://schemas.microsoft.com/office/drawing/2014/main" val="1369273294"/>
+                    </a:ext>
+                  </a:extLst>
+                </a:gridCol>
+                <a:gridCol w="2131051">
+                  <a:extLst>
+                    <a:ext uri="{9D8B030D-6E8A-4147-A177-3AD203B41FA5}">
+                      <a16:colId xmlns:a16="http://schemas.microsoft.com/office/drawing/2014/main" val="3083860692"/>
+                    </a:ext>
+                  </a:extLst>
+                </a:gridCol>
+                <a:gridCol w="2131051">
+                  <a:extLst>
+                    <a:ext uri="{9D8B030D-6E8A-4147-A177-3AD203B41FA5}">
+                      <a16:colId xmlns:a16="http://schemas.microsoft.com/office/drawing/2014/main" val="2653827986"/>
+                    </a:ext>
+                  </a:extLst>
+                </a:gridCol>
+              </a:tblGrid>
+              <a:tr h="184264">
+                <a:tc>
+                  <a:txBody>
+                    <a:bodyPr/>
+                    <a:lstStyle/>
+                    <a:p>
+                      <a:pPr fontAlgn="ctr"/>
+                      <a:r>
+                        <a:rPr lang="en-US" sz="1000" b="1" dirty="0">
+                          <a:effectLst/>
+                        </a:rPr>
+                        <a:t>Model</a:t>
+                      </a:r>
+                    </a:p>
+                  </a:txBody>
+                  <a:tcPr marL="54372" marR="54372" marT="27186" marB="27186" anchor="ctr">
+                    <a:lnL>
+                      <a:noFill/>
+                    </a:lnL>
+                    <a:lnR>
+                      <a:noFill/>
+                    </a:lnR>
+                    <a:lnT>
+                      <a:noFill/>
+                    </a:lnT>
+                    <a:lnB>
+                      <a:noFill/>
+                    </a:lnB>
+                    <a:solidFill>
+                      <a:srgbClr val="FFFFFF"/>
+                    </a:solidFill>
+                  </a:tcPr>
+                </a:tc>
+                <a:tc>
+                  <a:txBody>
+                    <a:bodyPr/>
+                    <a:lstStyle/>
+                    <a:p>
+                      <a:pPr fontAlgn="ctr"/>
+                      <a:r>
+                        <a:rPr lang="en-US" sz="1000" b="1">
+                          <a:effectLst/>
+                        </a:rPr>
+                        <a:t>Type</a:t>
+                      </a:r>
+                    </a:p>
+                  </a:txBody>
+                  <a:tcPr marL="54372" marR="54372" marT="27186" marB="27186" anchor="ctr">
+                    <a:lnL>
+                      <a:noFill/>
+                    </a:lnL>
+                    <a:lnR>
+                      <a:noFill/>
+                    </a:lnR>
+                    <a:lnT>
+                      <a:noFill/>
+                    </a:lnT>
+                    <a:lnB>
+                      <a:noFill/>
+                    </a:lnB>
+                    <a:solidFill>
+                      <a:srgbClr val="FFFFFF"/>
+                    </a:solidFill>
+                  </a:tcPr>
+                </a:tc>
+                <a:tc>
+                  <a:txBody>
+                    <a:bodyPr/>
+                    <a:lstStyle/>
+                    <a:p>
+                      <a:pPr fontAlgn="ctr"/>
+                      <a:r>
+                        <a:rPr lang="en-US" sz="1000" b="1" dirty="0">
+                          <a:effectLst/>
+                        </a:rPr>
+                        <a:t>Key Features</a:t>
+                      </a:r>
+                    </a:p>
+                  </a:txBody>
+                  <a:tcPr marL="54372" marR="54372" marT="27186" marB="27186" anchor="ctr">
+                    <a:lnL>
+                      <a:noFill/>
+                    </a:lnL>
+                    <a:lnR>
+                      <a:noFill/>
+                    </a:lnR>
+                    <a:lnT>
+                      <a:noFill/>
+                    </a:lnT>
+                    <a:lnB>
+                      <a:noFill/>
+                    </a:lnB>
+                    <a:solidFill>
+                      <a:srgbClr val="FFFFFF"/>
+                    </a:solidFill>
+                  </a:tcPr>
+                </a:tc>
                 <a:extLst>
-                  <a:ext uri="{FF2B5EF4-FFF2-40B4-BE49-F238E27FC236}">
-                    <a16:creationId xmlns:a16="http://schemas.microsoft.com/office/drawing/2014/main" id="{67FA04C3-5322-FD73-DB04-5560A563F72F}"/>
+                  <a:ext uri="{0D108BD9-81ED-4DB2-BD59-A6C34878D82A}">
+                    <a16:rowId xmlns:a16="http://schemas.microsoft.com/office/drawing/2014/main" val="1668912095"/>
                   </a:ext>
                 </a:extLst>
-              </p14:cNvPr>
-              <p14:cNvContentPartPr/>
-              <p14:nvPr/>
-            </p14:nvContentPartPr>
-            <p14:xfrm>
-              <a:off x="3427936" y="2752658"/>
-              <a:ext cx="466200" cy="455400"/>
-            </p14:xfrm>
-          </p:contentPart>
-        </mc:Choice>
-        <mc:Fallback>
-          <p:pic>
-            <p:nvPicPr>
-              <p:cNvPr id="12" name="Ink 11">
+              </a:tr>
+              <a:tr h="460658">
+                <a:tc>
+                  <a:txBody>
+                    <a:bodyPr/>
+                    <a:lstStyle/>
+                    <a:p>
+                      <a:pPr fontAlgn="ctr"/>
+                      <a:r>
+                        <a:rPr lang="en-US" sz="1000">
+                          <a:effectLst/>
+                        </a:rPr>
+                        <a:t>BERT</a:t>
+                      </a:r>
+                    </a:p>
+                  </a:txBody>
+                  <a:tcPr marL="54372" marR="54372" marT="27186" marB="27186" anchor="ctr">
+                    <a:lnL>
+                      <a:noFill/>
+                    </a:lnL>
+                    <a:lnR>
+                      <a:noFill/>
+                    </a:lnR>
+                    <a:lnT>
+                      <a:noFill/>
+                    </a:lnT>
+                    <a:lnB>
+                      <a:noFill/>
+                    </a:lnB>
+                    <a:solidFill>
+                      <a:srgbClr val="FFFFFF"/>
+                    </a:solidFill>
+                  </a:tcPr>
+                </a:tc>
+                <a:tc>
+                  <a:txBody>
+                    <a:bodyPr/>
+                    <a:lstStyle/>
+                    <a:p>
+                      <a:pPr fontAlgn="ctr"/>
+                      <a:r>
+                        <a:rPr lang="en-US" sz="1000">
+                          <a:effectLst/>
+                        </a:rPr>
+                        <a:t>Transformer-based model</a:t>
+                      </a:r>
+                    </a:p>
+                  </a:txBody>
+                  <a:tcPr marL="54372" marR="54372" marT="27186" marB="27186" anchor="ctr">
+                    <a:lnL>
+                      <a:noFill/>
+                    </a:lnL>
+                    <a:lnR>
+                      <a:noFill/>
+                    </a:lnR>
+                    <a:lnT>
+                      <a:noFill/>
+                    </a:lnT>
+                    <a:lnB>
+                      <a:noFill/>
+                    </a:lnB>
+                    <a:solidFill>
+                      <a:srgbClr val="FFFFFF"/>
+                    </a:solidFill>
+                  </a:tcPr>
+                </a:tc>
+                <a:tc>
+                  <a:txBody>
+                    <a:bodyPr/>
+                    <a:lstStyle/>
+                    <a:p>
+                      <a:pPr fontAlgn="ctr"/>
+                      <a:r>
+                        <a:rPr lang="en-US" sz="1000">
+                          <a:effectLst/>
+                        </a:rPr>
+                        <a:t>Pre-trained, fine-tunable, attention-based, bidirectional</a:t>
+                      </a:r>
+                    </a:p>
+                  </a:txBody>
+                  <a:tcPr marL="54372" marR="54372" marT="27186" marB="27186" anchor="ctr">
+                    <a:lnL>
+                      <a:noFill/>
+                    </a:lnL>
+                    <a:lnR>
+                      <a:noFill/>
+                    </a:lnR>
+                    <a:lnT>
+                      <a:noFill/>
+                    </a:lnT>
+                    <a:lnB>
+                      <a:noFill/>
+                    </a:lnB>
+                    <a:solidFill>
+                      <a:srgbClr val="FFFFFF"/>
+                    </a:solidFill>
+                  </a:tcPr>
+                </a:tc>
                 <a:extLst>
-                  <a:ext uri="{FF2B5EF4-FFF2-40B4-BE49-F238E27FC236}">
-                    <a16:creationId xmlns:a16="http://schemas.microsoft.com/office/drawing/2014/main" id="{67FA04C3-5322-FD73-DB04-5560A563F72F}"/>
+                  <a:ext uri="{0D108BD9-81ED-4DB2-BD59-A6C34878D82A}">
+                    <a16:rowId xmlns:a16="http://schemas.microsoft.com/office/drawing/2014/main" val="83961526"/>
                   </a:ext>
                 </a:extLst>
-              </p:cNvPr>
-              <p:cNvPicPr/>
-              <p:nvPr/>
-            </p:nvPicPr>
-            <p:blipFill>
-              <a:blip r:embed="rId5"/>
-              <a:stretch>
-                <a:fillRect/>
-              </a:stretch>
-            </p:blipFill>
-            <p:spPr>
-              <a:xfrm>
-                <a:off x="3419296" y="2743658"/>
-                <a:ext cx="483840" cy="473040"/>
-              </a:xfrm>
-              <a:prstGeom prst="rect">
-                <a:avLst/>
-              </a:prstGeom>
-            </p:spPr>
-          </p:pic>
-        </mc:Fallback>
-      </mc:AlternateContent>
-      <p:sp>
-        <p:nvSpPr>
-          <p:cNvPr id="13" name="TextBox 12">
-            <a:extLst>
-              <a:ext uri="{FF2B5EF4-FFF2-40B4-BE49-F238E27FC236}">
-                <a16:creationId xmlns:a16="http://schemas.microsoft.com/office/drawing/2014/main" id="{43C82F8F-01C1-37C7-10E1-218D110FE554}"/>
-              </a:ext>
-            </a:extLst>
-          </p:cNvPr>
-          <p:cNvSpPr txBox="1"/>
-          <p:nvPr/>
-        </p:nvSpPr>
-        <p:spPr>
-          <a:xfrm>
-            <a:off x="7111844" y="2497614"/>
-            <a:ext cx="2330766" cy="369332"/>
-          </a:xfrm>
-          <a:prstGeom prst="rect">
-            <a:avLst/>
-          </a:prstGeom>
-          <a:noFill/>
-        </p:spPr>
-        <p:txBody>
-          <a:bodyPr wrap="none" rtlCol="0">
-            <a:spAutoFit/>
-          </a:bodyPr>
-          <a:lstStyle/>
-          <a:p>
-            <a:r>
-              <a:rPr lang="en-US" dirty="0"/>
-              <a:t>stop words removed</a:t>
-            </a:r>
-          </a:p>
-        </p:txBody>
-      </p:sp>
-      <mc:AlternateContent xmlns:mc="http://schemas.openxmlformats.org/markup-compatibility/2006">
-        <mc:Choice xmlns:p14="http://schemas.microsoft.com/office/powerpoint/2010/main" Requires="p14">
-          <p:contentPart p14:bwMode="auto" r:id="rId6">
-            <p14:nvContentPartPr>
-              <p14:cNvPr id="14" name="Ink 13">
+              </a:tr>
+              <a:tr h="598855">
+                <a:tc>
+                  <a:txBody>
+                    <a:bodyPr/>
+                    <a:lstStyle/>
+                    <a:p>
+                      <a:pPr fontAlgn="ctr"/>
+                      <a:r>
+                        <a:rPr lang="en-US" sz="1000">
+                          <a:effectLst/>
+                        </a:rPr>
+                        <a:t>T5</a:t>
+                      </a:r>
+                    </a:p>
+                  </a:txBody>
+                  <a:tcPr marL="54372" marR="54372" marT="27186" marB="27186" anchor="ctr">
+                    <a:lnL>
+                      <a:noFill/>
+                    </a:lnL>
+                    <a:lnR>
+                      <a:noFill/>
+                    </a:lnR>
+                    <a:lnT>
+                      <a:noFill/>
+                    </a:lnT>
+                    <a:lnB>
+                      <a:noFill/>
+                    </a:lnB>
+                    <a:solidFill>
+                      <a:srgbClr val="FFFFFF"/>
+                    </a:solidFill>
+                  </a:tcPr>
+                </a:tc>
+                <a:tc>
+                  <a:txBody>
+                    <a:bodyPr/>
+                    <a:lstStyle/>
+                    <a:p>
+                      <a:pPr fontAlgn="ctr"/>
+                      <a:r>
+                        <a:rPr lang="en-US" sz="1000" dirty="0">
+                          <a:effectLst/>
+                        </a:rPr>
+                        <a:t>Transformer-based model</a:t>
+                      </a:r>
+                    </a:p>
+                  </a:txBody>
+                  <a:tcPr marL="54372" marR="54372" marT="27186" marB="27186" anchor="ctr">
+                    <a:lnL>
+                      <a:noFill/>
+                    </a:lnL>
+                    <a:lnR>
+                      <a:noFill/>
+                    </a:lnR>
+                    <a:lnT>
+                      <a:noFill/>
+                    </a:lnT>
+                    <a:lnB>
+                      <a:noFill/>
+                    </a:lnB>
+                    <a:solidFill>
+                      <a:srgbClr val="FFFFFF"/>
+                    </a:solidFill>
+                  </a:tcPr>
+                </a:tc>
+                <a:tc>
+                  <a:txBody>
+                    <a:bodyPr/>
+                    <a:lstStyle/>
+                    <a:p>
+                      <a:pPr fontAlgn="ctr"/>
+                      <a:r>
+                        <a:rPr lang="en-US" sz="1000">
+                          <a:effectLst/>
+                        </a:rPr>
+                        <a:t>Pre-trained, fine-tunable, text-to-text transfer learning, flexible architecture</a:t>
+                      </a:r>
+                    </a:p>
+                  </a:txBody>
+                  <a:tcPr marL="54372" marR="54372" marT="27186" marB="27186" anchor="ctr">
+                    <a:lnL>
+                      <a:noFill/>
+                    </a:lnL>
+                    <a:lnR>
+                      <a:noFill/>
+                    </a:lnR>
+                    <a:lnT>
+                      <a:noFill/>
+                    </a:lnT>
+                    <a:lnB>
+                      <a:noFill/>
+                    </a:lnB>
+                    <a:solidFill>
+                      <a:srgbClr val="FFFFFF"/>
+                    </a:solidFill>
+                  </a:tcPr>
+                </a:tc>
                 <a:extLst>
-                  <a:ext uri="{FF2B5EF4-FFF2-40B4-BE49-F238E27FC236}">
-                    <a16:creationId xmlns:a16="http://schemas.microsoft.com/office/drawing/2014/main" id="{19CFED8F-57EE-D202-6D31-B2BB8F0E2F36}"/>
+                  <a:ext uri="{0D108BD9-81ED-4DB2-BD59-A6C34878D82A}">
+                    <a16:rowId xmlns:a16="http://schemas.microsoft.com/office/drawing/2014/main" val="3485090485"/>
                   </a:ext>
                 </a:extLst>
-              </p14:cNvPr>
-              <p14:cNvContentPartPr/>
-              <p14:nvPr/>
-            </p14:nvContentPartPr>
-            <p14:xfrm>
-              <a:off x="9424456" y="2792258"/>
-              <a:ext cx="427680" cy="307080"/>
-            </p14:xfrm>
-          </p:contentPart>
-        </mc:Choice>
-        <mc:Fallback>
-          <p:pic>
-            <p:nvPicPr>
-              <p:cNvPr id="14" name="Ink 13">
+              </a:tr>
+              <a:tr h="322460">
+                <a:tc>
+                  <a:txBody>
+                    <a:bodyPr/>
+                    <a:lstStyle/>
+                    <a:p>
+                      <a:pPr fontAlgn="ctr"/>
+                      <a:r>
+                        <a:rPr lang="en-US" sz="1000">
+                          <a:effectLst/>
+                        </a:rPr>
+                        <a:t>GPT-J</a:t>
+                      </a:r>
+                    </a:p>
+                  </a:txBody>
+                  <a:tcPr marL="54372" marR="54372" marT="27186" marB="27186" anchor="ctr">
+                    <a:lnL>
+                      <a:noFill/>
+                    </a:lnL>
+                    <a:lnR>
+                      <a:noFill/>
+                    </a:lnR>
+                    <a:lnT>
+                      <a:noFill/>
+                    </a:lnT>
+                    <a:lnB>
+                      <a:noFill/>
+                    </a:lnB>
+                    <a:solidFill>
+                      <a:srgbClr val="FFFFFF"/>
+                    </a:solidFill>
+                  </a:tcPr>
+                </a:tc>
+                <a:tc>
+                  <a:txBody>
+                    <a:bodyPr/>
+                    <a:lstStyle/>
+                    <a:p>
+                      <a:pPr fontAlgn="ctr"/>
+                      <a:r>
+                        <a:rPr lang="en-US" sz="1000" dirty="0">
+                          <a:effectLst/>
+                        </a:rPr>
+                        <a:t>Transformer-based model</a:t>
+                      </a:r>
+                    </a:p>
+                  </a:txBody>
+                  <a:tcPr marL="54372" marR="54372" marT="27186" marB="27186" anchor="ctr">
+                    <a:lnL>
+                      <a:noFill/>
+                    </a:lnL>
+                    <a:lnR>
+                      <a:noFill/>
+                    </a:lnR>
+                    <a:lnT>
+                      <a:noFill/>
+                    </a:lnT>
+                    <a:lnB>
+                      <a:noFill/>
+                    </a:lnB>
+                    <a:solidFill>
+                      <a:srgbClr val="FFFFFF"/>
+                    </a:solidFill>
+                  </a:tcPr>
+                </a:tc>
+                <a:tc>
+                  <a:txBody>
+                    <a:bodyPr/>
+                    <a:lstStyle/>
+                    <a:p>
+                      <a:pPr fontAlgn="ctr"/>
+                      <a:r>
+                        <a:rPr lang="en-US" sz="1000">
+                          <a:effectLst/>
+                        </a:rPr>
+                        <a:t>Pre-trained, large scale, high-quality generation</a:t>
+                      </a:r>
+                    </a:p>
+                  </a:txBody>
+                  <a:tcPr marL="54372" marR="54372" marT="27186" marB="27186" anchor="ctr">
+                    <a:lnL>
+                      <a:noFill/>
+                    </a:lnL>
+                    <a:lnR>
+                      <a:noFill/>
+                    </a:lnR>
+                    <a:lnT>
+                      <a:noFill/>
+                    </a:lnT>
+                    <a:lnB>
+                      <a:noFill/>
+                    </a:lnB>
+                    <a:solidFill>
+                      <a:srgbClr val="FFFFFF"/>
+                    </a:solidFill>
+                  </a:tcPr>
+                </a:tc>
                 <a:extLst>
-                  <a:ext uri="{FF2B5EF4-FFF2-40B4-BE49-F238E27FC236}">
-                    <a16:creationId xmlns:a16="http://schemas.microsoft.com/office/drawing/2014/main" id="{19CFED8F-57EE-D202-6D31-B2BB8F0E2F36}"/>
+                  <a:ext uri="{0D108BD9-81ED-4DB2-BD59-A6C34878D82A}">
+                    <a16:rowId xmlns:a16="http://schemas.microsoft.com/office/drawing/2014/main" val="2382517067"/>
                   </a:ext>
                 </a:extLst>
-              </p:cNvPr>
-              <p:cNvPicPr/>
-              <p:nvPr/>
-            </p:nvPicPr>
-            <p:blipFill>
-              <a:blip r:embed="rId7"/>
-              <a:stretch>
-                <a:fillRect/>
-              </a:stretch>
-            </p:blipFill>
-            <p:spPr>
-              <a:xfrm>
-                <a:off x="9415816" y="2783258"/>
-                <a:ext cx="445320" cy="324720"/>
-              </a:xfrm>
-              <a:prstGeom prst="rect">
-                <a:avLst/>
-              </a:prstGeom>
-            </p:spPr>
-          </p:pic>
-        </mc:Fallback>
-      </mc:AlternateContent>
+              </a:tr>
+              <a:tr h="460658">
+                <a:tc>
+                  <a:txBody>
+                    <a:bodyPr/>
+                    <a:lstStyle/>
+                    <a:p>
+                      <a:pPr fontAlgn="ctr"/>
+                      <a:r>
+                        <a:rPr lang="en-US" sz="1000">
+                          <a:effectLst/>
+                        </a:rPr>
+                        <a:t>GPT-Neo</a:t>
+                      </a:r>
+                    </a:p>
+                  </a:txBody>
+                  <a:tcPr marL="54372" marR="54372" marT="27186" marB="27186" anchor="ctr">
+                    <a:lnL>
+                      <a:noFill/>
+                    </a:lnL>
+                    <a:lnR>
+                      <a:noFill/>
+                    </a:lnR>
+                    <a:lnT>
+                      <a:noFill/>
+                    </a:lnT>
+                    <a:lnB>
+                      <a:noFill/>
+                    </a:lnB>
+                    <a:solidFill>
+                      <a:srgbClr val="FFFFFF"/>
+                    </a:solidFill>
+                  </a:tcPr>
+                </a:tc>
+                <a:tc>
+                  <a:txBody>
+                    <a:bodyPr/>
+                    <a:lstStyle/>
+                    <a:p>
+                      <a:pPr fontAlgn="ctr"/>
+                      <a:r>
+                        <a:rPr lang="en-US" sz="1000" dirty="0">
+                          <a:effectLst/>
+                        </a:rPr>
+                        <a:t>Transformer-based model</a:t>
+                      </a:r>
+                    </a:p>
+                  </a:txBody>
+                  <a:tcPr marL="54372" marR="54372" marT="27186" marB="27186" anchor="ctr">
+                    <a:lnL>
+                      <a:noFill/>
+                    </a:lnL>
+                    <a:lnR>
+                      <a:noFill/>
+                    </a:lnR>
+                    <a:lnT>
+                      <a:noFill/>
+                    </a:lnT>
+                    <a:lnB>
+                      <a:noFill/>
+                    </a:lnB>
+                    <a:solidFill>
+                      <a:srgbClr val="FFFFFF"/>
+                    </a:solidFill>
+                  </a:tcPr>
+                </a:tc>
+                <a:tc>
+                  <a:txBody>
+                    <a:bodyPr/>
+                    <a:lstStyle/>
+                    <a:p>
+                      <a:pPr fontAlgn="ctr"/>
+                      <a:r>
+                        <a:rPr lang="en-US" sz="1000">
+                          <a:effectLst/>
+                        </a:rPr>
+                        <a:t>Pre-trained, smaller than GPT-J, high-quality generation</a:t>
+                      </a:r>
+                    </a:p>
+                  </a:txBody>
+                  <a:tcPr marL="54372" marR="54372" marT="27186" marB="27186" anchor="ctr">
+                    <a:lnL>
+                      <a:noFill/>
+                    </a:lnL>
+                    <a:lnR>
+                      <a:noFill/>
+                    </a:lnR>
+                    <a:lnT>
+                      <a:noFill/>
+                    </a:lnT>
+                    <a:lnB>
+                      <a:noFill/>
+                    </a:lnB>
+                    <a:solidFill>
+                      <a:srgbClr val="FFFFFF"/>
+                    </a:solidFill>
+                  </a:tcPr>
+                </a:tc>
+                <a:extLst>
+                  <a:ext uri="{0D108BD9-81ED-4DB2-BD59-A6C34878D82A}">
+                    <a16:rowId xmlns:a16="http://schemas.microsoft.com/office/drawing/2014/main" val="3793516982"/>
+                  </a:ext>
+                </a:extLst>
+              </a:tr>
+              <a:tr h="598855">
+                <a:tc>
+                  <a:txBody>
+                    <a:bodyPr/>
+                    <a:lstStyle/>
+                    <a:p>
+                      <a:pPr fontAlgn="ctr"/>
+                      <a:r>
+                        <a:rPr lang="en-US" sz="1000" dirty="0">
+                          <a:effectLst/>
+                        </a:rPr>
+                        <a:t>Sequence-to-Sequence with Attention (Seq2Seq)</a:t>
+                      </a:r>
+                    </a:p>
+                  </a:txBody>
+                  <a:tcPr marL="54372" marR="54372" marT="27186" marB="27186" anchor="ctr">
+                    <a:lnL>
+                      <a:noFill/>
+                    </a:lnL>
+                    <a:lnR>
+                      <a:noFill/>
+                    </a:lnR>
+                    <a:lnT>
+                      <a:noFill/>
+                    </a:lnT>
+                    <a:lnB>
+                      <a:noFill/>
+                    </a:lnB>
+                    <a:solidFill>
+                      <a:srgbClr val="FFFFFF"/>
+                    </a:solidFill>
+                  </a:tcPr>
+                </a:tc>
+                <a:tc>
+                  <a:txBody>
+                    <a:bodyPr/>
+                    <a:lstStyle/>
+                    <a:p>
+                      <a:pPr fontAlgn="ctr"/>
+                      <a:r>
+                        <a:rPr lang="en-US" sz="1000" dirty="0">
+                          <a:effectLst/>
+                        </a:rPr>
+                        <a:t>Encoder-Decoder model</a:t>
+                      </a:r>
+                    </a:p>
+                  </a:txBody>
+                  <a:tcPr marL="54372" marR="54372" marT="27186" marB="27186" anchor="ctr">
+                    <a:lnL>
+                      <a:noFill/>
+                    </a:lnL>
+                    <a:lnR>
+                      <a:noFill/>
+                    </a:lnR>
+                    <a:lnT>
+                      <a:noFill/>
+                    </a:lnT>
+                    <a:lnB>
+                      <a:noFill/>
+                    </a:lnB>
+                    <a:solidFill>
+                      <a:srgbClr val="FFFFFF"/>
+                    </a:solidFill>
+                  </a:tcPr>
+                </a:tc>
+                <a:tc>
+                  <a:txBody>
+                    <a:bodyPr/>
+                    <a:lstStyle/>
+                    <a:p>
+                      <a:pPr fontAlgn="ctr"/>
+                      <a:r>
+                        <a:rPr lang="en-US" sz="1000">
+                          <a:effectLst/>
+                        </a:rPr>
+                        <a:t>Attention-based, flexible architecture, proven success for text summarization</a:t>
+                      </a:r>
+                    </a:p>
+                  </a:txBody>
+                  <a:tcPr marL="54372" marR="54372" marT="27186" marB="27186" anchor="ctr">
+                    <a:lnL>
+                      <a:noFill/>
+                    </a:lnL>
+                    <a:lnR>
+                      <a:noFill/>
+                    </a:lnR>
+                    <a:lnT>
+                      <a:noFill/>
+                    </a:lnT>
+                    <a:lnB>
+                      <a:noFill/>
+                    </a:lnB>
+                    <a:solidFill>
+                      <a:srgbClr val="FFFFFF"/>
+                    </a:solidFill>
+                  </a:tcPr>
+                </a:tc>
+                <a:extLst>
+                  <a:ext uri="{0D108BD9-81ED-4DB2-BD59-A6C34878D82A}">
+                    <a16:rowId xmlns:a16="http://schemas.microsoft.com/office/drawing/2014/main" val="804824468"/>
+                  </a:ext>
+                </a:extLst>
+              </a:tr>
+              <a:tr h="875250">
+                <a:tc>
+                  <a:txBody>
+                    <a:bodyPr/>
+                    <a:lstStyle/>
+                    <a:p>
+                      <a:pPr fontAlgn="ctr"/>
+                      <a:r>
+                        <a:rPr lang="en-US" sz="1000">
+                          <a:effectLst/>
+                        </a:rPr>
+                        <a:t>Transformer-Based Encoder-Decoder Models (BART, MASS, XLM)</a:t>
+                      </a:r>
+                    </a:p>
+                  </a:txBody>
+                  <a:tcPr marL="54372" marR="54372" marT="27186" marB="27186" anchor="ctr">
+                    <a:lnL>
+                      <a:noFill/>
+                    </a:lnL>
+                    <a:lnR>
+                      <a:noFill/>
+                    </a:lnR>
+                    <a:lnT>
+                      <a:noFill/>
+                    </a:lnT>
+                    <a:lnB>
+                      <a:noFill/>
+                    </a:lnB>
+                    <a:solidFill>
+                      <a:srgbClr val="FFFFFF"/>
+                    </a:solidFill>
+                  </a:tcPr>
+                </a:tc>
+                <a:tc>
+                  <a:txBody>
+                    <a:bodyPr/>
+                    <a:lstStyle/>
+                    <a:p>
+                      <a:pPr fontAlgn="ctr"/>
+                      <a:r>
+                        <a:rPr lang="en-US" sz="1000">
+                          <a:effectLst/>
+                        </a:rPr>
+                        <a:t>Encoder-Decoder model</a:t>
+                      </a:r>
+                    </a:p>
+                  </a:txBody>
+                  <a:tcPr marL="54372" marR="54372" marT="27186" marB="27186" anchor="ctr">
+                    <a:lnL>
+                      <a:noFill/>
+                    </a:lnL>
+                    <a:lnR>
+                      <a:noFill/>
+                    </a:lnR>
+                    <a:lnT>
+                      <a:noFill/>
+                    </a:lnT>
+                    <a:lnB>
+                      <a:noFill/>
+                    </a:lnB>
+                    <a:solidFill>
+                      <a:srgbClr val="FFFFFF"/>
+                    </a:solidFill>
+                  </a:tcPr>
+                </a:tc>
+                <a:tc>
+                  <a:txBody>
+                    <a:bodyPr/>
+                    <a:lstStyle/>
+                    <a:p>
+                      <a:pPr fontAlgn="ctr"/>
+                      <a:r>
+                        <a:rPr lang="en-US" sz="1000">
+                          <a:effectLst/>
+                        </a:rPr>
+                        <a:t>Transformer-based, pre-trained, fine-tunable, bidirectional, flexible architecture, proven success for text summarization</a:t>
+                      </a:r>
+                    </a:p>
+                  </a:txBody>
+                  <a:tcPr marL="54372" marR="54372" marT="27186" marB="27186" anchor="ctr">
+                    <a:lnL>
+                      <a:noFill/>
+                    </a:lnL>
+                    <a:lnR>
+                      <a:noFill/>
+                    </a:lnR>
+                    <a:lnT>
+                      <a:noFill/>
+                    </a:lnT>
+                    <a:lnB>
+                      <a:noFill/>
+                    </a:lnB>
+                    <a:solidFill>
+                      <a:srgbClr val="FFFFFF"/>
+                    </a:solidFill>
+                  </a:tcPr>
+                </a:tc>
+                <a:extLst>
+                  <a:ext uri="{0D108BD9-81ED-4DB2-BD59-A6C34878D82A}">
+                    <a16:rowId xmlns:a16="http://schemas.microsoft.com/office/drawing/2014/main" val="2819734112"/>
+                  </a:ext>
+                </a:extLst>
+              </a:tr>
+              <a:tr h="737053">
+                <a:tc>
+                  <a:txBody>
+                    <a:bodyPr/>
+                    <a:lstStyle/>
+                    <a:p>
+                      <a:pPr fontAlgn="ctr"/>
+                      <a:r>
+                        <a:rPr lang="en-US" sz="1000">
+                          <a:effectLst/>
+                        </a:rPr>
+                        <a:t>Pointer-Generator Network for Abstractive Summarization</a:t>
+                      </a:r>
+                    </a:p>
+                  </a:txBody>
+                  <a:tcPr marL="54372" marR="54372" marT="27186" marB="27186" anchor="ctr">
+                    <a:lnL>
+                      <a:noFill/>
+                    </a:lnL>
+                    <a:lnR>
+                      <a:noFill/>
+                    </a:lnR>
+                    <a:lnT>
+                      <a:noFill/>
+                    </a:lnT>
+                    <a:lnB>
+                      <a:noFill/>
+                    </a:lnB>
+                    <a:solidFill>
+                      <a:srgbClr val="FFFFFF"/>
+                    </a:solidFill>
+                  </a:tcPr>
+                </a:tc>
+                <a:tc>
+                  <a:txBody>
+                    <a:bodyPr/>
+                    <a:lstStyle/>
+                    <a:p>
+                      <a:pPr fontAlgn="ctr"/>
+                      <a:r>
+                        <a:rPr lang="en-US" sz="1000">
+                          <a:effectLst/>
+                        </a:rPr>
+                        <a:t>Pointer-Generator model</a:t>
+                      </a:r>
+                    </a:p>
+                  </a:txBody>
+                  <a:tcPr marL="54372" marR="54372" marT="27186" marB="27186" anchor="ctr">
+                    <a:lnL>
+                      <a:noFill/>
+                    </a:lnL>
+                    <a:lnR>
+                      <a:noFill/>
+                    </a:lnR>
+                    <a:lnT>
+                      <a:noFill/>
+                    </a:lnT>
+                    <a:lnB>
+                      <a:noFill/>
+                    </a:lnB>
+                    <a:solidFill>
+                      <a:srgbClr val="FFFFFF"/>
+                    </a:solidFill>
+                  </a:tcPr>
+                </a:tc>
+                <a:tc>
+                  <a:txBody>
+                    <a:bodyPr/>
+                    <a:lstStyle/>
+                    <a:p>
+                      <a:pPr fontAlgn="ctr"/>
+                      <a:r>
+                        <a:rPr lang="en-US" sz="1000">
+                          <a:effectLst/>
+                        </a:rPr>
+                        <a:t>Hybrid approach (extraction and abstraction), proven success for text summarization</a:t>
+                      </a:r>
+                    </a:p>
+                  </a:txBody>
+                  <a:tcPr marL="54372" marR="54372" marT="27186" marB="27186" anchor="ctr">
+                    <a:lnL>
+                      <a:noFill/>
+                    </a:lnL>
+                    <a:lnR>
+                      <a:noFill/>
+                    </a:lnR>
+                    <a:lnT>
+                      <a:noFill/>
+                    </a:lnT>
+                    <a:lnB>
+                      <a:noFill/>
+                    </a:lnB>
+                    <a:solidFill>
+                      <a:srgbClr val="FFFFFF"/>
+                    </a:solidFill>
+                  </a:tcPr>
+                </a:tc>
+                <a:extLst>
+                  <a:ext uri="{0D108BD9-81ED-4DB2-BD59-A6C34878D82A}">
+                    <a16:rowId xmlns:a16="http://schemas.microsoft.com/office/drawing/2014/main" val="372547028"/>
+                  </a:ext>
+                </a:extLst>
+              </a:tr>
+              <a:tr h="875250">
+                <a:tc>
+                  <a:txBody>
+                    <a:bodyPr/>
+                    <a:lstStyle/>
+                    <a:p>
+                      <a:pPr fontAlgn="ctr"/>
+                      <a:r>
+                        <a:rPr lang="en-US" sz="1000">
+                          <a:effectLst/>
+                        </a:rPr>
+                        <a:t>Reinforcement Learning-Based Pointer-Generator Network</a:t>
+                      </a:r>
+                    </a:p>
+                  </a:txBody>
+                  <a:tcPr marL="54372" marR="54372" marT="27186" marB="27186" anchor="ctr">
+                    <a:lnL>
+                      <a:noFill/>
+                    </a:lnL>
+                    <a:lnR>
+                      <a:noFill/>
+                    </a:lnR>
+                    <a:lnT>
+                      <a:noFill/>
+                    </a:lnT>
+                    <a:lnB>
+                      <a:noFill/>
+                    </a:lnB>
+                    <a:solidFill>
+                      <a:srgbClr val="FFFFFF"/>
+                    </a:solidFill>
+                  </a:tcPr>
+                </a:tc>
+                <a:tc>
+                  <a:txBody>
+                    <a:bodyPr/>
+                    <a:lstStyle/>
+                    <a:p>
+                      <a:pPr fontAlgn="ctr"/>
+                      <a:r>
+                        <a:rPr lang="en-US" sz="1000" dirty="0">
+                          <a:effectLst/>
+                        </a:rPr>
+                        <a:t>Pointer-Generator model</a:t>
+                      </a:r>
+                    </a:p>
+                  </a:txBody>
+                  <a:tcPr marL="54372" marR="54372" marT="27186" marB="27186" anchor="ctr">
+                    <a:lnL>
+                      <a:noFill/>
+                    </a:lnL>
+                    <a:lnR>
+                      <a:noFill/>
+                    </a:lnR>
+                    <a:lnT>
+                      <a:noFill/>
+                    </a:lnT>
+                    <a:lnB>
+                      <a:noFill/>
+                    </a:lnB>
+                    <a:solidFill>
+                      <a:srgbClr val="FFFFFF"/>
+                    </a:solidFill>
+                  </a:tcPr>
+                </a:tc>
+                <a:tc>
+                  <a:txBody>
+                    <a:bodyPr/>
+                    <a:lstStyle/>
+                    <a:p>
+                      <a:pPr fontAlgn="ctr"/>
+                      <a:r>
+                        <a:rPr lang="en-US" sz="1000" dirty="0">
+                          <a:effectLst/>
+                        </a:rPr>
+                        <a:t>Trained using reinforcement learning, state-of-the-art performance, proven success for text summarization</a:t>
+                      </a:r>
+                    </a:p>
+                  </a:txBody>
+                  <a:tcPr marL="54372" marR="54372" marT="27186" marB="27186" anchor="ctr">
+                    <a:lnL>
+                      <a:noFill/>
+                    </a:lnL>
+                    <a:lnR>
+                      <a:noFill/>
+                    </a:lnR>
+                    <a:lnT>
+                      <a:noFill/>
+                    </a:lnT>
+                    <a:lnB>
+                      <a:noFill/>
+                    </a:lnB>
+                    <a:solidFill>
+                      <a:srgbClr val="FFFFFF"/>
+                    </a:solidFill>
+                  </a:tcPr>
+                </a:tc>
+                <a:extLst>
+                  <a:ext uri="{0D108BD9-81ED-4DB2-BD59-A6C34878D82A}">
+                    <a16:rowId xmlns:a16="http://schemas.microsoft.com/office/drawing/2014/main" val="2893542177"/>
+                  </a:ext>
+                </a:extLst>
+              </a:tr>
+            </a:tbl>
+          </a:graphicData>
+        </a:graphic>
+      </p:graphicFrame>
     </p:spTree>
     <p:extLst>
       <p:ext uri="{BB962C8B-B14F-4D97-AF65-F5344CB8AC3E}">
-        <p14:creationId xmlns:p14="http://schemas.microsoft.com/office/powerpoint/2010/main" val="4086251185"/>
+        <p14:creationId xmlns:p14="http://schemas.microsoft.com/office/powerpoint/2010/main" val="3806660774"/>
       </p:ext>
     </p:extLst>
   </p:cSld>
   <p:clrMapOvr>
     <a:masterClrMapping/>
   </p:clrMapOvr>
+  <mc:AlternateContent xmlns:mc="http://schemas.openxmlformats.org/markup-compatibility/2006" xmlns:p159="http://schemas.microsoft.com/office/powerpoint/2015/09/main">
+    <mc:Choice Requires="p159">
+      <p:transition xmlns:p14="http://schemas.microsoft.com/office/powerpoint/2010/main" spd="slow" p14:dur="2000">
+        <p159:morph option="byObject"/>
+      </p:transition>
+    </mc:Choice>
+    <mc:Fallback xmlns="">
+      <p:transition spd="slow">
+        <p:fade/>
+      </p:transition>
+    </mc:Fallback>
+  </mc:AlternateContent>
 </p:sld>
 </file>
 
@@ -7448,8 +7760,8 @@
         </p:nvSpPr>
         <p:spPr>
           <a:xfrm>
-            <a:off x="3916787" y="155510"/>
-            <a:ext cx="4131972" cy="707886"/>
+            <a:off x="3779976" y="135655"/>
+            <a:ext cx="4131972" cy="677108"/>
           </a:xfrm>
           <a:prstGeom prst="rect">
             <a:avLst/>
@@ -7464,7 +7776,7 @@
           <a:p>
             <a:pPr algn="ctr"/>
             <a:r>
-              <a:rPr lang="en-US" sz="4000" b="1" dirty="0">
+              <a:rPr lang="en-US" sz="3800" b="1" dirty="0">
                 <a:solidFill>
                   <a:schemeClr val="bg1"/>
                 </a:solidFill>
@@ -7558,8 +7870,8 @@
         </p:nvSpPr>
         <p:spPr>
           <a:xfrm>
-            <a:off x="3815097" y="1031396"/>
-            <a:ext cx="5027143" cy="461665"/>
+            <a:off x="2066330" y="751426"/>
+            <a:ext cx="7632191" cy="646331"/>
           </a:xfrm>
           <a:prstGeom prst="rect">
             <a:avLst/>
@@ -7572,17 +7884,30 @@
           </a:bodyPr>
           <a:lstStyle/>
           <a:p>
-            <a:r>
-              <a:rPr lang="en-US" sz="2400" b="1" i="0" dirty="0">
+            <a:pPr algn="ctr"/>
+            <a:r>
+              <a:rPr lang="en-US" b="1" i="0" dirty="0">
                 <a:solidFill>
                   <a:srgbClr val="E6EDF3"/>
                 </a:solidFill>
                 <a:effectLst/>
                 <a:latin typeface="+mj-lt"/>
               </a:rPr>
-              <a:t>Model Architecture Selection</a:t>
-            </a:r>
-            <a:endParaRPr lang="en-US" sz="2400" b="1" i="1" dirty="0">
+              <a:t>Model Architecture Selection </a:t>
+            </a:r>
+          </a:p>
+          <a:p>
+            <a:pPr algn="ctr"/>
+            <a:r>
+              <a:rPr lang="en-US" b="1" dirty="0">
+                <a:solidFill>
+                  <a:srgbClr val="E6EDF3"/>
+                </a:solidFill>
+                <a:latin typeface="+mj-lt"/>
+              </a:rPr>
+              <a:t>Smaller Models</a:t>
+            </a:r>
+            <a:endParaRPr lang="en-US" b="1" i="1" dirty="0">
               <a:solidFill>
                 <a:schemeClr val="bg1"/>
               </a:solidFill>
@@ -7668,40 +7993,124 @@
           </a:prstGeom>
         </p:spPr>
       </p:pic>
-      <p:pic>
-        <p:nvPicPr>
-          <p:cNvPr id="2" name="Picture 1" descr="Icon&#10;&#10;Description automatically generated">
-            <a:extLst>
-              <a:ext uri="{FF2B5EF4-FFF2-40B4-BE49-F238E27FC236}">
-                <a16:creationId xmlns:a16="http://schemas.microsoft.com/office/drawing/2014/main" id="{CE43B082-0008-B668-D867-7F6D95FF121F}"/>
-              </a:ext>
-            </a:extLst>
-          </p:cNvPr>
-          <p:cNvPicPr>
-            <a:picLocks noChangeAspect="1"/>
-          </p:cNvPicPr>
+      <p:sp>
+        <p:nvSpPr>
+          <p:cNvPr id="8" name="TextBox 7">
+            <a:extLst>
+              <a:ext uri="{FF2B5EF4-FFF2-40B4-BE49-F238E27FC236}">
+                <a16:creationId xmlns:a16="http://schemas.microsoft.com/office/drawing/2014/main" id="{2CD8BAEA-AAC4-5E18-0FD8-46FA56F83106}"/>
+              </a:ext>
+            </a:extLst>
+          </p:cNvPr>
+          <p:cNvSpPr txBox="1"/>
           <p:nvPr/>
-        </p:nvPicPr>
-        <p:blipFill>
-          <a:blip r:embed="rId4"/>
-          <a:stretch>
-            <a:fillRect/>
-          </a:stretch>
-        </p:blipFill>
-        <p:spPr>
-          <a:xfrm>
-            <a:off x="4929570" y="1660615"/>
-            <a:ext cx="2292082" cy="2292082"/>
+        </p:nvSpPr>
+        <p:spPr>
+          <a:xfrm>
+            <a:off x="2785191" y="1867523"/>
+            <a:ext cx="6955536" cy="1938992"/>
           </a:xfrm>
           <a:prstGeom prst="rect">
             <a:avLst/>
           </a:prstGeom>
-        </p:spPr>
-      </p:pic>
+          <a:noFill/>
+        </p:spPr>
+        <p:txBody>
+          <a:bodyPr wrap="square">
+            <a:spAutoFit/>
+          </a:bodyPr>
+          <a:lstStyle/>
+          <a:p>
+            <a:pPr marL="342900" indent="-342900">
+              <a:buFont typeface="Arial" panose="020B0604020202020204" pitchFamily="34" charset="0"/>
+              <a:buChar char="•"/>
+            </a:pPr>
+            <a:r>
+              <a:rPr lang="en-US" sz="2400" dirty="0" err="1">
+                <a:solidFill>
+                  <a:schemeClr val="bg1"/>
+                </a:solidFill>
+              </a:rPr>
+              <a:t>DistilBERT</a:t>
+            </a:r>
+            <a:endParaRPr lang="en-US" sz="2400" dirty="0">
+              <a:solidFill>
+                <a:schemeClr val="bg1"/>
+              </a:solidFill>
+            </a:endParaRPr>
+          </a:p>
+          <a:p>
+            <a:pPr marL="342900" indent="-342900">
+              <a:buFont typeface="Arial" panose="020B0604020202020204" pitchFamily="34" charset="0"/>
+              <a:buChar char="•"/>
+            </a:pPr>
+            <a:r>
+              <a:rPr lang="en-US" sz="2400" dirty="0" err="1">
+                <a:solidFill>
+                  <a:schemeClr val="bg1"/>
+                </a:solidFill>
+              </a:rPr>
+              <a:t>MobileBERT</a:t>
+            </a:r>
+            <a:endParaRPr lang="en-US" sz="2400" dirty="0">
+              <a:solidFill>
+                <a:schemeClr val="bg1"/>
+              </a:solidFill>
+            </a:endParaRPr>
+          </a:p>
+          <a:p>
+            <a:pPr marL="342900" indent="-342900">
+              <a:buFont typeface="Arial" panose="020B0604020202020204" pitchFamily="34" charset="0"/>
+              <a:buChar char="•"/>
+            </a:pPr>
+            <a:r>
+              <a:rPr lang="en-US" sz="2400" dirty="0">
+                <a:solidFill>
+                  <a:schemeClr val="bg1"/>
+                </a:solidFill>
+              </a:rPr>
+              <a:t>ALBERT</a:t>
+            </a:r>
+          </a:p>
+          <a:p>
+            <a:pPr marL="342900" indent="-342900">
+              <a:buFont typeface="Arial" panose="020B0604020202020204" pitchFamily="34" charset="0"/>
+              <a:buChar char="•"/>
+            </a:pPr>
+            <a:r>
+              <a:rPr lang="en-US" sz="2400" dirty="0" err="1">
+                <a:solidFill>
+                  <a:schemeClr val="bg1"/>
+                </a:solidFill>
+              </a:rPr>
+              <a:t>TinyBERT</a:t>
+            </a:r>
+            <a:endParaRPr lang="en-US" sz="2400" dirty="0">
+              <a:solidFill>
+                <a:schemeClr val="bg1"/>
+              </a:solidFill>
+            </a:endParaRPr>
+          </a:p>
+          <a:p>
+            <a:pPr marL="342900" indent="-342900">
+              <a:buFont typeface="Arial" panose="020B0604020202020204" pitchFamily="34" charset="0"/>
+              <a:buChar char="•"/>
+            </a:pPr>
+            <a:r>
+              <a:rPr lang="en-US" sz="2400" dirty="0">
+                <a:solidFill>
+                  <a:schemeClr val="bg1"/>
+                </a:solidFill>
+              </a:rPr>
+              <a:t>ELECTRA</a:t>
+            </a:r>
+          </a:p>
+        </p:txBody>
+      </p:sp>
     </p:spTree>
     <p:extLst>
       <p:ext uri="{BB962C8B-B14F-4D97-AF65-F5344CB8AC3E}">
-        <p14:creationId xmlns:p14="http://schemas.microsoft.com/office/powerpoint/2010/main" val="2071080033"/>
+        <p14:creationId xmlns:p14="http://schemas.microsoft.com/office/powerpoint/2010/main" val="3967337878"/>
       </p:ext>
     </p:extLst>
   </p:cSld>
@@ -7742,1029 +8151,677 @@
       </p:grpSpPr>
       <p:sp>
         <p:nvSpPr>
-          <p:cNvPr id="2" name="Title 1">
-            <a:extLst>
-              <a:ext uri="{FF2B5EF4-FFF2-40B4-BE49-F238E27FC236}">
-                <a16:creationId xmlns:a16="http://schemas.microsoft.com/office/drawing/2014/main" id="{7EB20B63-5B31-0E8A-FDF1-9FCB17774875}"/>
-              </a:ext>
-            </a:extLst>
-          </p:cNvPr>
-          <p:cNvSpPr>
-            <a:spLocks noGrp="1"/>
-          </p:cNvSpPr>
+          <p:cNvPr id="4" name="Rectangle 3">
+            <a:extLst>
+              <a:ext uri="{FF2B5EF4-FFF2-40B4-BE49-F238E27FC236}">
+                <a16:creationId xmlns:a16="http://schemas.microsoft.com/office/drawing/2014/main" id="{C3107E71-09FC-BCDF-1F64-49DDD36030DE}"/>
+              </a:ext>
+            </a:extLst>
+          </p:cNvPr>
+          <p:cNvSpPr/>
+          <p:nvPr/>
+        </p:nvSpPr>
+        <p:spPr>
+          <a:xfrm>
+            <a:off x="-7847" y="0"/>
+            <a:ext cx="2138572" cy="6858000"/>
+          </a:xfrm>
+          <a:prstGeom prst="rect">
+            <a:avLst/>
+          </a:prstGeom>
+        </p:spPr>
+        <p:style>
+          <a:lnRef idx="2">
+            <a:schemeClr val="accent1">
+              <a:shade val="50000"/>
+            </a:schemeClr>
+          </a:lnRef>
+          <a:fillRef idx="1">
+            <a:schemeClr val="accent1"/>
+          </a:fillRef>
+          <a:effectRef idx="0">
+            <a:schemeClr val="accent1"/>
+          </a:effectRef>
+          <a:fontRef idx="minor">
+            <a:schemeClr val="lt1"/>
+          </a:fontRef>
+        </p:style>
+        <p:txBody>
+          <a:bodyPr rtlCol="0" anchor="ctr"/>
+          <a:lstStyle/>
+          <a:p>
+            <a:pPr algn="ctr"/>
+            <a:endParaRPr lang="en-US" dirty="0"/>
+          </a:p>
+        </p:txBody>
+      </p:sp>
+      <p:sp>
+        <p:nvSpPr>
+          <p:cNvPr id="5" name="Rectangle 4">
+            <a:extLst>
+              <a:ext uri="{FF2B5EF4-FFF2-40B4-BE49-F238E27FC236}">
+                <a16:creationId xmlns:a16="http://schemas.microsoft.com/office/drawing/2014/main" id="{069A767E-017F-7463-2632-A053F60E3E3D}"/>
+              </a:ext>
+            </a:extLst>
+          </p:cNvPr>
+          <p:cNvSpPr/>
+          <p:nvPr/>
+        </p:nvSpPr>
+        <p:spPr>
+          <a:xfrm>
+            <a:off x="2117725" y="0"/>
+            <a:ext cx="2138572" cy="6858000"/>
+          </a:xfrm>
+          <a:prstGeom prst="rect">
+            <a:avLst/>
+          </a:prstGeom>
+          <a:solidFill>
+            <a:schemeClr val="accent4"/>
+          </a:solidFill>
+        </p:spPr>
+        <p:style>
+          <a:lnRef idx="2">
+            <a:schemeClr val="accent1">
+              <a:shade val="50000"/>
+            </a:schemeClr>
+          </a:lnRef>
+          <a:fillRef idx="1">
+            <a:schemeClr val="accent1"/>
+          </a:fillRef>
+          <a:effectRef idx="0">
+            <a:schemeClr val="accent1"/>
+          </a:effectRef>
+          <a:fontRef idx="minor">
+            <a:schemeClr val="lt1"/>
+          </a:fontRef>
+        </p:style>
+        <p:txBody>
+          <a:bodyPr rtlCol="0" anchor="ctr"/>
+          <a:lstStyle/>
+          <a:p>
+            <a:pPr algn="ctr"/>
+            <a:endParaRPr lang="en-US" dirty="0"/>
+          </a:p>
+        </p:txBody>
+      </p:sp>
+      <p:sp>
+        <p:nvSpPr>
+          <p:cNvPr id="6" name="Rectangle 5">
+            <a:extLst>
+              <a:ext uri="{FF2B5EF4-FFF2-40B4-BE49-F238E27FC236}">
+                <a16:creationId xmlns:a16="http://schemas.microsoft.com/office/drawing/2014/main" id="{0DCBBFFD-A6E3-742A-9C31-B4467F1CEAE2}"/>
+              </a:ext>
+            </a:extLst>
+          </p:cNvPr>
+          <p:cNvSpPr/>
+          <p:nvPr/>
+        </p:nvSpPr>
+        <p:spPr>
+          <a:xfrm>
+            <a:off x="4256297" y="0"/>
+            <a:ext cx="7960575" cy="6858000"/>
+          </a:xfrm>
+          <a:prstGeom prst="rect">
+            <a:avLst/>
+          </a:prstGeom>
+          <a:solidFill>
+            <a:schemeClr val="accent6"/>
+          </a:solidFill>
+        </p:spPr>
+        <p:style>
+          <a:lnRef idx="2">
+            <a:schemeClr val="accent1">
+              <a:shade val="50000"/>
+            </a:schemeClr>
+          </a:lnRef>
+          <a:fillRef idx="1">
+            <a:schemeClr val="accent1"/>
+          </a:fillRef>
+          <a:effectRef idx="0">
+            <a:schemeClr val="accent1"/>
+          </a:effectRef>
+          <a:fontRef idx="minor">
+            <a:schemeClr val="lt1"/>
+          </a:fontRef>
+        </p:style>
+        <p:txBody>
+          <a:bodyPr rtlCol="0" anchor="ctr"/>
+          <a:lstStyle/>
+          <a:p>
+            <a:pPr algn="ctr"/>
+            <a:endParaRPr lang="en-US" dirty="0"/>
+          </a:p>
+        </p:txBody>
+      </p:sp>
+      <p:sp>
+        <p:nvSpPr>
+          <p:cNvPr id="7" name="TextBox 6">
+            <a:extLst>
+              <a:ext uri="{FF2B5EF4-FFF2-40B4-BE49-F238E27FC236}">
+                <a16:creationId xmlns:a16="http://schemas.microsoft.com/office/drawing/2014/main" id="{4DBCD72F-F194-92BE-0723-EF74452CF088}"/>
+              </a:ext>
+            </a:extLst>
+          </p:cNvPr>
+          <p:cNvSpPr txBox="1"/>
+          <p:nvPr/>
+        </p:nvSpPr>
+        <p:spPr>
+          <a:xfrm>
+            <a:off x="-823175" y="659028"/>
+            <a:ext cx="3580327" cy="400110"/>
+          </a:xfrm>
+          <a:prstGeom prst="rect">
+            <a:avLst/>
+          </a:prstGeom>
+          <a:noFill/>
+        </p:spPr>
+        <p:txBody>
+          <a:bodyPr wrap="square" rtlCol="0">
+            <a:spAutoFit/>
+          </a:bodyPr>
+          <a:lstStyle/>
+          <a:p>
+            <a:pPr algn="ctr"/>
+            <a:r>
+              <a:rPr lang="en-US" sz="2000" b="1" dirty="0">
+                <a:solidFill>
+                  <a:schemeClr val="bg1"/>
+                </a:solidFill>
+                <a:latin typeface="+mj-lt"/>
+              </a:rPr>
+              <a:t>Phase 1</a:t>
+            </a:r>
+          </a:p>
+        </p:txBody>
+      </p:sp>
+      <p:sp>
+        <p:nvSpPr>
+          <p:cNvPr id="10" name="TextBox 9">
+            <a:extLst>
+              <a:ext uri="{FF2B5EF4-FFF2-40B4-BE49-F238E27FC236}">
+                <a16:creationId xmlns:a16="http://schemas.microsoft.com/office/drawing/2014/main" id="{DC57F0F7-F30D-4526-E18F-642F0E2FC0D7}"/>
+              </a:ext>
+            </a:extLst>
+          </p:cNvPr>
+          <p:cNvSpPr txBox="1"/>
+          <p:nvPr/>
+        </p:nvSpPr>
+        <p:spPr>
+          <a:xfrm>
+            <a:off x="3587509" y="281581"/>
+            <a:ext cx="3580327" cy="707886"/>
+          </a:xfrm>
+          <a:prstGeom prst="rect">
+            <a:avLst/>
+          </a:prstGeom>
+          <a:noFill/>
+        </p:spPr>
+        <p:txBody>
+          <a:bodyPr wrap="square" rtlCol="0">
+            <a:spAutoFit/>
+          </a:bodyPr>
+          <a:lstStyle/>
+          <a:p>
+            <a:pPr algn="ctr"/>
+            <a:r>
+              <a:rPr lang="en-US" sz="4000" b="1" dirty="0">
+                <a:solidFill>
+                  <a:schemeClr val="bg1"/>
+                </a:solidFill>
+                <a:latin typeface="+mj-lt"/>
+              </a:rPr>
+              <a:t>Phase 3</a:t>
+            </a:r>
+          </a:p>
+        </p:txBody>
+      </p:sp>
+      <p:sp>
+        <p:nvSpPr>
+          <p:cNvPr id="11" name="TextBox 10">
+            <a:extLst>
+              <a:ext uri="{FF2B5EF4-FFF2-40B4-BE49-F238E27FC236}">
+                <a16:creationId xmlns:a16="http://schemas.microsoft.com/office/drawing/2014/main" id="{533CC8A0-7D1F-76F0-0216-308434A51135}"/>
+              </a:ext>
+            </a:extLst>
+          </p:cNvPr>
+          <p:cNvSpPr txBox="1"/>
+          <p:nvPr/>
+        </p:nvSpPr>
+        <p:spPr>
+          <a:xfrm>
+            <a:off x="1313496" y="659028"/>
+            <a:ext cx="3580327" cy="400110"/>
+          </a:xfrm>
+          <a:prstGeom prst="rect">
+            <a:avLst/>
+          </a:prstGeom>
+          <a:noFill/>
+        </p:spPr>
+        <p:txBody>
+          <a:bodyPr wrap="square" rtlCol="0">
+            <a:spAutoFit/>
+          </a:bodyPr>
+          <a:lstStyle/>
+          <a:p>
+            <a:pPr algn="ctr"/>
+            <a:r>
+              <a:rPr lang="en-US" sz="2000" b="1" dirty="0">
+                <a:solidFill>
+                  <a:schemeClr val="bg1"/>
+                </a:solidFill>
+                <a:latin typeface="+mj-lt"/>
+              </a:rPr>
+              <a:t>Phase 2</a:t>
+            </a:r>
+          </a:p>
+        </p:txBody>
+      </p:sp>
+      <p:sp>
+        <p:nvSpPr>
+          <p:cNvPr id="12" name="TextBox 11">
+            <a:extLst>
+              <a:ext uri="{FF2B5EF4-FFF2-40B4-BE49-F238E27FC236}">
+                <a16:creationId xmlns:a16="http://schemas.microsoft.com/office/drawing/2014/main" id="{9BA047EF-FD15-E53B-BD23-37A319F6E77E}"/>
+              </a:ext>
+            </a:extLst>
+          </p:cNvPr>
+          <p:cNvSpPr txBox="1"/>
+          <p:nvPr/>
+        </p:nvSpPr>
+        <p:spPr>
+          <a:xfrm>
+            <a:off x="-7847" y="1132480"/>
+            <a:ext cx="2336979" cy="246221"/>
+          </a:xfrm>
+          <a:prstGeom prst="rect">
+            <a:avLst/>
+          </a:prstGeom>
+          <a:noFill/>
+        </p:spPr>
+        <p:txBody>
+          <a:bodyPr wrap="square" rtlCol="0">
+            <a:spAutoFit/>
+          </a:bodyPr>
+          <a:lstStyle/>
+          <a:p>
+            <a:r>
+              <a:rPr lang="en-US" sz="1000" b="1" i="1" dirty="0">
+                <a:solidFill>
+                  <a:schemeClr val="bg1"/>
+                </a:solidFill>
+                <a:latin typeface="+mj-lt"/>
+              </a:rPr>
+              <a:t>Data acquisition and refinement</a:t>
+            </a:r>
+          </a:p>
+        </p:txBody>
+      </p:sp>
+      <p:pic>
+        <p:nvPicPr>
+          <p:cNvPr id="14" name="Content Placeholder 13" descr="Icon&#10;&#10;Description automatically generated">
+            <a:extLst>
+              <a:ext uri="{FF2B5EF4-FFF2-40B4-BE49-F238E27FC236}">
+                <a16:creationId xmlns:a16="http://schemas.microsoft.com/office/drawing/2014/main" id="{56C9E5C3-3E25-1323-9E8A-A7867759C32D}"/>
+              </a:ext>
+            </a:extLst>
+          </p:cNvPr>
+          <p:cNvPicPr>
+            <a:picLocks noGrp="1" noChangeAspect="1"/>
+          </p:cNvPicPr>
           <p:nvPr>
-            <p:ph type="title"/>
+            <p:ph idx="1"/>
           </p:nvPr>
-        </p:nvSpPr>
-        <p:spPr>
-          <a:xfrm>
-            <a:off x="1118754" y="727364"/>
-            <a:ext cx="8915402" cy="1371600"/>
-          </a:xfrm>
-        </p:spPr>
-        <p:txBody>
-          <a:bodyPr/>
-          <a:lstStyle/>
-          <a:p>
-            <a:r>
-              <a:rPr lang="en-US" dirty="0"/>
-              <a:t>Initial Models</a:t>
-            </a:r>
-          </a:p>
-        </p:txBody>
-      </p:sp>
-      <p:graphicFrame>
-        <p:nvGraphicFramePr>
-          <p:cNvPr id="4" name="Table 3">
-            <a:extLst>
-              <a:ext uri="{FF2B5EF4-FFF2-40B4-BE49-F238E27FC236}">
-                <a16:creationId xmlns:a16="http://schemas.microsoft.com/office/drawing/2014/main" id="{2B68C382-C099-44CB-BA8C-FA58ABC2E2AF}"/>
-              </a:ext>
-            </a:extLst>
-          </p:cNvPr>
-          <p:cNvGraphicFramePr>
-            <a:graphicFrameLocks noGrp="1"/>
-          </p:cNvGraphicFramePr>
-          <p:nvPr>
-            <p:extLst>
-              <p:ext uri="{D42A27DB-BD31-4B8C-83A1-F6EECF244321}">
-                <p14:modId xmlns:p14="http://schemas.microsoft.com/office/powerpoint/2010/main" val="4009569966"/>
-              </p:ext>
-            </p:extLst>
-          </p:nvPr>
-        </p:nvGraphicFramePr>
-        <p:xfrm>
-          <a:off x="5141508" y="501939"/>
-          <a:ext cx="5301354" cy="6035387"/>
-        </p:xfrm>
-        <a:graphic>
-          <a:graphicData uri="http://schemas.openxmlformats.org/drawingml/2006/table">
-            <a:tbl>
-              <a:tblPr/>
-              <a:tblGrid>
-                <a:gridCol w="1767118">
+        </p:nvPicPr>
+        <p:blipFill>
+          <a:blip r:embed="rId2"/>
+          <a:stretch>
+            <a:fillRect/>
+          </a:stretch>
+        </p:blipFill>
+        <p:spPr>
+          <a:xfrm>
+            <a:off x="374695" y="2138739"/>
+            <a:ext cx="1213220" cy="1213220"/>
+          </a:xfrm>
+        </p:spPr>
+      </p:pic>
+      <p:pic>
+        <p:nvPicPr>
+          <p:cNvPr id="17" name="Picture 16" descr="Icon&#10;&#10;Description automatically generated">
+            <a:extLst>
+              <a:ext uri="{FF2B5EF4-FFF2-40B4-BE49-F238E27FC236}">
+                <a16:creationId xmlns:a16="http://schemas.microsoft.com/office/drawing/2014/main" id="{F2289D26-57CE-E4E7-2E9D-9A9C1D819467}"/>
+              </a:ext>
+            </a:extLst>
+          </p:cNvPr>
+          <p:cNvPicPr>
+            <a:picLocks noChangeAspect="1"/>
+          </p:cNvPicPr>
+          <p:nvPr/>
+        </p:nvPicPr>
+        <p:blipFill>
+          <a:blip r:embed="rId3"/>
+          <a:stretch>
+            <a:fillRect/>
+          </a:stretch>
+        </p:blipFill>
+        <p:spPr>
+          <a:xfrm>
+            <a:off x="2589507" y="2121019"/>
+            <a:ext cx="1225033" cy="1225033"/>
+          </a:xfrm>
+          <a:prstGeom prst="rect">
+            <a:avLst/>
+          </a:prstGeom>
+        </p:spPr>
+      </p:pic>
+      <p:sp>
+        <p:nvSpPr>
+          <p:cNvPr id="18" name="TextBox 17">
+            <a:extLst>
+              <a:ext uri="{FF2B5EF4-FFF2-40B4-BE49-F238E27FC236}">
+                <a16:creationId xmlns:a16="http://schemas.microsoft.com/office/drawing/2014/main" id="{7ADC5359-481D-E038-5CAB-D345D2A8F315}"/>
+              </a:ext>
+            </a:extLst>
+          </p:cNvPr>
+          <p:cNvSpPr txBox="1"/>
+          <p:nvPr/>
+        </p:nvSpPr>
+        <p:spPr>
+          <a:xfrm>
+            <a:off x="2273055" y="1132479"/>
+            <a:ext cx="2987898" cy="246221"/>
+          </a:xfrm>
+          <a:prstGeom prst="rect">
+            <a:avLst/>
+          </a:prstGeom>
+          <a:noFill/>
+        </p:spPr>
+        <p:txBody>
+          <a:bodyPr wrap="square" rtlCol="0">
+            <a:spAutoFit/>
+          </a:bodyPr>
+          <a:lstStyle/>
+          <a:p>
+            <a:r>
+              <a:rPr lang="en-US" sz="1000" b="1" i="0" dirty="0">
+                <a:solidFill>
+                  <a:srgbClr val="E6EDF3"/>
+                </a:solidFill>
+                <a:effectLst/>
+                <a:latin typeface="+mj-lt"/>
+              </a:rPr>
+              <a:t>Model Architecture Selection</a:t>
+            </a:r>
+            <a:endParaRPr lang="en-US" sz="1000" b="1" i="1" dirty="0">
+              <a:solidFill>
+                <a:schemeClr val="bg1"/>
+              </a:solidFill>
+              <a:latin typeface="+mj-lt"/>
+            </a:endParaRPr>
+          </a:p>
+        </p:txBody>
+      </p:sp>
+      <p:sp>
+        <p:nvSpPr>
+          <p:cNvPr id="19" name="TextBox 18">
+            <a:extLst>
+              <a:ext uri="{FF2B5EF4-FFF2-40B4-BE49-F238E27FC236}">
+                <a16:creationId xmlns:a16="http://schemas.microsoft.com/office/drawing/2014/main" id="{289FAF70-B5F1-42DD-06F9-15510A212020}"/>
+              </a:ext>
+            </a:extLst>
+          </p:cNvPr>
+          <p:cNvSpPr txBox="1"/>
+          <p:nvPr/>
+        </p:nvSpPr>
+        <p:spPr>
+          <a:xfrm>
+            <a:off x="4312280" y="940539"/>
+            <a:ext cx="5129570" cy="461665"/>
+          </a:xfrm>
+          <a:prstGeom prst="rect">
+            <a:avLst/>
+          </a:prstGeom>
+          <a:noFill/>
+        </p:spPr>
+        <p:txBody>
+          <a:bodyPr wrap="square" rtlCol="0">
+            <a:spAutoFit/>
+          </a:bodyPr>
+          <a:lstStyle/>
+          <a:p>
+            <a:r>
+              <a:rPr lang="en-US" sz="2400" b="1" i="0" dirty="0">
+                <a:solidFill>
+                  <a:srgbClr val="E6EDF3"/>
+                </a:solidFill>
+                <a:effectLst/>
+                <a:latin typeface="+mj-lt"/>
+              </a:rPr>
+              <a:t>Model Training and Evaluation</a:t>
+            </a:r>
+            <a:endParaRPr lang="en-US" sz="2400" b="1" i="1" dirty="0">
+              <a:solidFill>
+                <a:schemeClr val="bg1"/>
+              </a:solidFill>
+              <a:latin typeface="+mj-lt"/>
+            </a:endParaRPr>
+          </a:p>
+        </p:txBody>
+      </p:sp>
+      <p:pic>
+        <p:nvPicPr>
+          <p:cNvPr id="2" name="Picture 1" descr="A picture containing diagram&#10;&#10;Description automatically generated">
+            <a:extLst>
+              <a:ext uri="{FF2B5EF4-FFF2-40B4-BE49-F238E27FC236}">
+                <a16:creationId xmlns:a16="http://schemas.microsoft.com/office/drawing/2014/main" id="{FFFBA206-F981-5552-ABDF-DF077113F7EF}"/>
+              </a:ext>
+            </a:extLst>
+          </p:cNvPr>
+          <p:cNvPicPr>
+            <a:picLocks noChangeAspect="1"/>
+          </p:cNvPicPr>
+          <p:nvPr/>
+        </p:nvPicPr>
+        <p:blipFill rotWithShape="1">
+          <a:blip r:embed="rId4"/>
+          <a:srcRect l="46034"/>
+          <a:stretch/>
+        </p:blipFill>
+        <p:spPr>
+          <a:xfrm>
+            <a:off x="7853864" y="1552780"/>
+            <a:ext cx="4194464" cy="4364681"/>
+          </a:xfrm>
+          <a:prstGeom prst="rect">
+            <a:avLst/>
+          </a:prstGeom>
+        </p:spPr>
+      </p:pic>
+      <p:sp>
+        <p:nvSpPr>
+          <p:cNvPr id="3" name="TextBox 2">
+            <a:extLst>
+              <a:ext uri="{FF2B5EF4-FFF2-40B4-BE49-F238E27FC236}">
+                <a16:creationId xmlns:a16="http://schemas.microsoft.com/office/drawing/2014/main" id="{F0E3756B-81E3-68AC-7A9A-50947A9BF5AE}"/>
+              </a:ext>
+            </a:extLst>
+          </p:cNvPr>
+          <p:cNvSpPr txBox="1"/>
+          <p:nvPr/>
+        </p:nvSpPr>
+        <p:spPr>
+          <a:xfrm>
+            <a:off x="4386126" y="2177751"/>
+            <a:ext cx="3133344" cy="2215991"/>
+          </a:xfrm>
+          <a:prstGeom prst="rect">
+            <a:avLst/>
+          </a:prstGeom>
+          <a:noFill/>
+        </p:spPr>
+        <p:txBody>
+          <a:bodyPr wrap="square" rtlCol="0">
+            <a:spAutoFit/>
+          </a:bodyPr>
+          <a:lstStyle/>
+          <a:p>
+            <a:pPr marL="285750" indent="-285750">
+              <a:buFont typeface="Arial" panose="020B0604020202020204" pitchFamily="34" charset="0"/>
+              <a:buChar char="•"/>
+            </a:pPr>
+            <a:r>
+              <a:rPr lang="en-US" sz="2000" dirty="0">
+                <a:solidFill>
+                  <a:schemeClr val="bg1"/>
+                </a:solidFill>
+              </a:rPr>
+              <a:t>Cosine Similarity captures semantic similarity</a:t>
+            </a:r>
+          </a:p>
+          <a:p>
+            <a:pPr marL="285750" indent="-285750">
+              <a:buFont typeface="Arial" panose="020B0604020202020204" pitchFamily="34" charset="0"/>
+              <a:buChar char="•"/>
+            </a:pPr>
+            <a:r>
+              <a:rPr lang="en-US" sz="2000" dirty="0">
+                <a:solidFill>
+                  <a:schemeClr val="bg1"/>
+                </a:solidFill>
+              </a:rPr>
+              <a:t>We chose Word Man’s Distance and Smooth Inverse Frequency</a:t>
+            </a:r>
+          </a:p>
+          <a:p>
+            <a:endParaRPr lang="en-US" dirty="0"/>
+          </a:p>
+        </p:txBody>
+      </p:sp>
+      <p:sp>
+        <p:nvSpPr>
+          <p:cNvPr id="8" name="TextBox 7">
+            <a:extLst>
+              <a:ext uri="{FF2B5EF4-FFF2-40B4-BE49-F238E27FC236}">
+                <a16:creationId xmlns:a16="http://schemas.microsoft.com/office/drawing/2014/main" id="{D0A5BAF1-25A6-339E-5108-D73C1CAE82D7}"/>
+              </a:ext>
+            </a:extLst>
+          </p:cNvPr>
+          <p:cNvSpPr txBox="1"/>
+          <p:nvPr/>
+        </p:nvSpPr>
+        <p:spPr>
+          <a:xfrm>
+            <a:off x="5393279" y="6237415"/>
+            <a:ext cx="6798721" cy="369332"/>
+          </a:xfrm>
+          <a:prstGeom prst="rect">
+            <a:avLst/>
+          </a:prstGeom>
+          <a:noFill/>
+        </p:spPr>
+        <p:txBody>
+          <a:bodyPr wrap="none" rtlCol="0">
+            <a:spAutoFit/>
+          </a:bodyPr>
+          <a:lstStyle/>
+          <a:p>
+            <a:r>
+              <a:rPr lang="en-US" dirty="0">
+                <a:solidFill>
+                  <a:schemeClr val="bg1"/>
+                </a:solidFill>
+              </a:rPr>
+              <a:t>image credit: </a:t>
+            </a:r>
+            <a:r>
+              <a:rPr lang="en-US" dirty="0">
+                <a:solidFill>
+                  <a:schemeClr val="accent4"/>
+                </a:solidFill>
+                <a:hlinkClick r:id="rId5">
                   <a:extLst>
-                    <a:ext uri="{9D8B030D-6E8A-4147-A177-3AD203B41FA5}">
-                      <a16:colId xmlns:a16="http://schemas.microsoft.com/office/drawing/2014/main" val="1369273294"/>
+                    <a:ext uri="{A12FA001-AC4F-418D-AE19-62706E023703}">
+                      <ahyp:hlinkClr xmlns:ahyp="http://schemas.microsoft.com/office/drawing/2018/hyperlinkcolor" val="tx"/>
                     </a:ext>
                   </a:extLst>
-                </a:gridCol>
-                <a:gridCol w="1767118">
-                  <a:extLst>
-                    <a:ext uri="{9D8B030D-6E8A-4147-A177-3AD203B41FA5}">
-                      <a16:colId xmlns:a16="http://schemas.microsoft.com/office/drawing/2014/main" val="3083860692"/>
-                    </a:ext>
-                  </a:extLst>
-                </a:gridCol>
-                <a:gridCol w="1767118">
-                  <a:extLst>
-                    <a:ext uri="{9D8B030D-6E8A-4147-A177-3AD203B41FA5}">
-                      <a16:colId xmlns:a16="http://schemas.microsoft.com/office/drawing/2014/main" val="2653827986"/>
-                    </a:ext>
-                  </a:extLst>
-                </a:gridCol>
-              </a:tblGrid>
-              <a:tr h="217492">
-                <a:tc>
-                  <a:txBody>
-                    <a:bodyPr/>
-                    <a:lstStyle/>
-                    <a:p>
-                      <a:pPr fontAlgn="ctr"/>
-                      <a:r>
-                        <a:rPr lang="en-US" sz="1000" b="1">
-                          <a:effectLst/>
-                        </a:rPr>
-                        <a:t>Model</a:t>
-                      </a:r>
-                    </a:p>
-                  </a:txBody>
-                  <a:tcPr marL="54372" marR="54372" marT="27186" marB="27186" anchor="ctr">
-                    <a:lnL>
-                      <a:noFill/>
-                    </a:lnL>
-                    <a:lnR>
-                      <a:noFill/>
-                    </a:lnR>
-                    <a:lnT>
-                      <a:noFill/>
-                    </a:lnT>
-                    <a:lnB>
-                      <a:noFill/>
-                    </a:lnB>
-                    <a:solidFill>
-                      <a:srgbClr val="FFFFFF"/>
-                    </a:solidFill>
-                  </a:tcPr>
-                </a:tc>
-                <a:tc>
-                  <a:txBody>
-                    <a:bodyPr/>
-                    <a:lstStyle/>
-                    <a:p>
-                      <a:pPr fontAlgn="ctr"/>
-                      <a:r>
-                        <a:rPr lang="en-US" sz="1000" b="1">
-                          <a:effectLst/>
-                        </a:rPr>
-                        <a:t>Type</a:t>
-                      </a:r>
-                    </a:p>
-                  </a:txBody>
-                  <a:tcPr marL="54372" marR="54372" marT="27186" marB="27186" anchor="ctr">
-                    <a:lnL>
-                      <a:noFill/>
-                    </a:lnL>
-                    <a:lnR>
-                      <a:noFill/>
-                    </a:lnR>
-                    <a:lnT>
-                      <a:noFill/>
-                    </a:lnT>
-                    <a:lnB>
-                      <a:noFill/>
-                    </a:lnB>
-                    <a:solidFill>
-                      <a:srgbClr val="FFFFFF"/>
-                    </a:solidFill>
-                  </a:tcPr>
-                </a:tc>
-                <a:tc>
-                  <a:txBody>
-                    <a:bodyPr/>
-                    <a:lstStyle/>
-                    <a:p>
-                      <a:pPr fontAlgn="ctr"/>
-                      <a:r>
-                        <a:rPr lang="en-US" sz="1000" b="1">
-                          <a:effectLst/>
-                        </a:rPr>
-                        <a:t>Key Features</a:t>
-                      </a:r>
-                    </a:p>
-                  </a:txBody>
-                  <a:tcPr marL="54372" marR="54372" marT="27186" marB="27186" anchor="ctr">
-                    <a:lnL>
-                      <a:noFill/>
-                    </a:lnL>
-                    <a:lnR>
-                      <a:noFill/>
-                    </a:lnR>
-                    <a:lnT>
-                      <a:noFill/>
-                    </a:lnT>
-                    <a:lnB>
-                      <a:noFill/>
-                    </a:lnB>
-                    <a:solidFill>
-                      <a:srgbClr val="FFFFFF"/>
-                    </a:solidFill>
-                  </a:tcPr>
-                </a:tc>
-                <a:extLst>
-                  <a:ext uri="{0D108BD9-81ED-4DB2-BD59-A6C34878D82A}">
-                    <a16:rowId xmlns:a16="http://schemas.microsoft.com/office/drawing/2014/main" val="1668912095"/>
-                  </a:ext>
-                </a:extLst>
-              </a:tr>
-              <a:tr h="543729">
-                <a:tc>
-                  <a:txBody>
-                    <a:bodyPr/>
-                    <a:lstStyle/>
-                    <a:p>
-                      <a:pPr fontAlgn="ctr"/>
-                      <a:r>
-                        <a:rPr lang="en-US" sz="1000">
-                          <a:effectLst/>
-                        </a:rPr>
-                        <a:t>BERT</a:t>
-                      </a:r>
-                    </a:p>
-                  </a:txBody>
-                  <a:tcPr marL="54372" marR="54372" marT="27186" marB="27186" anchor="ctr">
-                    <a:lnL>
-                      <a:noFill/>
-                    </a:lnL>
-                    <a:lnR>
-                      <a:noFill/>
-                    </a:lnR>
-                    <a:lnT>
-                      <a:noFill/>
-                    </a:lnT>
-                    <a:lnB>
-                      <a:noFill/>
-                    </a:lnB>
-                    <a:solidFill>
-                      <a:srgbClr val="FFFFFF"/>
-                    </a:solidFill>
-                  </a:tcPr>
-                </a:tc>
-                <a:tc>
-                  <a:txBody>
-                    <a:bodyPr/>
-                    <a:lstStyle/>
-                    <a:p>
-                      <a:pPr fontAlgn="ctr"/>
-                      <a:r>
-                        <a:rPr lang="en-US" sz="1000">
-                          <a:effectLst/>
-                        </a:rPr>
-                        <a:t>Transformer-based model</a:t>
-                      </a:r>
-                    </a:p>
-                  </a:txBody>
-                  <a:tcPr marL="54372" marR="54372" marT="27186" marB="27186" anchor="ctr">
-                    <a:lnL>
-                      <a:noFill/>
-                    </a:lnL>
-                    <a:lnR>
-                      <a:noFill/>
-                    </a:lnR>
-                    <a:lnT>
-                      <a:noFill/>
-                    </a:lnT>
-                    <a:lnB>
-                      <a:noFill/>
-                    </a:lnB>
-                    <a:solidFill>
-                      <a:srgbClr val="FFFFFF"/>
-                    </a:solidFill>
-                  </a:tcPr>
-                </a:tc>
-                <a:tc>
-                  <a:txBody>
-                    <a:bodyPr/>
-                    <a:lstStyle/>
-                    <a:p>
-                      <a:pPr fontAlgn="ctr"/>
-                      <a:r>
-                        <a:rPr lang="en-US" sz="1000">
-                          <a:effectLst/>
-                        </a:rPr>
-                        <a:t>Pre-trained, fine-tunable, attention-based, bidirectional</a:t>
-                      </a:r>
-                    </a:p>
-                  </a:txBody>
-                  <a:tcPr marL="54372" marR="54372" marT="27186" marB="27186" anchor="ctr">
-                    <a:lnL>
-                      <a:noFill/>
-                    </a:lnL>
-                    <a:lnR>
-                      <a:noFill/>
-                    </a:lnR>
-                    <a:lnT>
-                      <a:noFill/>
-                    </a:lnT>
-                    <a:lnB>
-                      <a:noFill/>
-                    </a:lnB>
-                    <a:solidFill>
-                      <a:srgbClr val="FFFFFF"/>
-                    </a:solidFill>
-                  </a:tcPr>
-                </a:tc>
-                <a:extLst>
-                  <a:ext uri="{0D108BD9-81ED-4DB2-BD59-A6C34878D82A}">
-                    <a16:rowId xmlns:a16="http://schemas.microsoft.com/office/drawing/2014/main" val="83961526"/>
-                  </a:ext>
-                </a:extLst>
-              </a:tr>
-              <a:tr h="706847">
-                <a:tc>
-                  <a:txBody>
-                    <a:bodyPr/>
-                    <a:lstStyle/>
-                    <a:p>
-                      <a:pPr fontAlgn="ctr"/>
-                      <a:r>
-                        <a:rPr lang="en-US" sz="1000">
-                          <a:effectLst/>
-                        </a:rPr>
-                        <a:t>T5</a:t>
-                      </a:r>
-                    </a:p>
-                  </a:txBody>
-                  <a:tcPr marL="54372" marR="54372" marT="27186" marB="27186" anchor="ctr">
-                    <a:lnL>
-                      <a:noFill/>
-                    </a:lnL>
-                    <a:lnR>
-                      <a:noFill/>
-                    </a:lnR>
-                    <a:lnT>
-                      <a:noFill/>
-                    </a:lnT>
-                    <a:lnB>
-                      <a:noFill/>
-                    </a:lnB>
-                    <a:solidFill>
-                      <a:srgbClr val="FFFFFF"/>
-                    </a:solidFill>
-                  </a:tcPr>
-                </a:tc>
-                <a:tc>
-                  <a:txBody>
-                    <a:bodyPr/>
-                    <a:lstStyle/>
-                    <a:p>
-                      <a:pPr fontAlgn="ctr"/>
-                      <a:r>
-                        <a:rPr lang="en-US" sz="1000">
-                          <a:effectLst/>
-                        </a:rPr>
-                        <a:t>Transformer-based model</a:t>
-                      </a:r>
-                    </a:p>
-                  </a:txBody>
-                  <a:tcPr marL="54372" marR="54372" marT="27186" marB="27186" anchor="ctr">
-                    <a:lnL>
-                      <a:noFill/>
-                    </a:lnL>
-                    <a:lnR>
-                      <a:noFill/>
-                    </a:lnR>
-                    <a:lnT>
-                      <a:noFill/>
-                    </a:lnT>
-                    <a:lnB>
-                      <a:noFill/>
-                    </a:lnB>
-                    <a:solidFill>
-                      <a:srgbClr val="FFFFFF"/>
-                    </a:solidFill>
-                  </a:tcPr>
-                </a:tc>
-                <a:tc>
-                  <a:txBody>
-                    <a:bodyPr/>
-                    <a:lstStyle/>
-                    <a:p>
-                      <a:pPr fontAlgn="ctr"/>
-                      <a:r>
-                        <a:rPr lang="en-US" sz="1000">
-                          <a:effectLst/>
-                        </a:rPr>
-                        <a:t>Pre-trained, fine-tunable, text-to-text transfer learning, flexible architecture</a:t>
-                      </a:r>
-                    </a:p>
-                  </a:txBody>
-                  <a:tcPr marL="54372" marR="54372" marT="27186" marB="27186" anchor="ctr">
-                    <a:lnL>
-                      <a:noFill/>
-                    </a:lnL>
-                    <a:lnR>
-                      <a:noFill/>
-                    </a:lnR>
-                    <a:lnT>
-                      <a:noFill/>
-                    </a:lnT>
-                    <a:lnB>
-                      <a:noFill/>
-                    </a:lnB>
-                    <a:solidFill>
-                      <a:srgbClr val="FFFFFF"/>
-                    </a:solidFill>
-                  </a:tcPr>
-                </a:tc>
-                <a:extLst>
-                  <a:ext uri="{0D108BD9-81ED-4DB2-BD59-A6C34878D82A}">
-                    <a16:rowId xmlns:a16="http://schemas.microsoft.com/office/drawing/2014/main" val="3485090485"/>
-                  </a:ext>
-                </a:extLst>
-              </a:tr>
-              <a:tr h="380609">
-                <a:tc>
-                  <a:txBody>
-                    <a:bodyPr/>
-                    <a:lstStyle/>
-                    <a:p>
-                      <a:pPr fontAlgn="ctr"/>
-                      <a:r>
-                        <a:rPr lang="en-US" sz="1000">
-                          <a:effectLst/>
-                        </a:rPr>
-                        <a:t>GPT-J</a:t>
-                      </a:r>
-                    </a:p>
-                  </a:txBody>
-                  <a:tcPr marL="54372" marR="54372" marT="27186" marB="27186" anchor="ctr">
-                    <a:lnL>
-                      <a:noFill/>
-                    </a:lnL>
-                    <a:lnR>
-                      <a:noFill/>
-                    </a:lnR>
-                    <a:lnT>
-                      <a:noFill/>
-                    </a:lnT>
-                    <a:lnB>
-                      <a:noFill/>
-                    </a:lnB>
-                    <a:solidFill>
-                      <a:srgbClr val="FFFFFF"/>
-                    </a:solidFill>
-                  </a:tcPr>
-                </a:tc>
-                <a:tc>
-                  <a:txBody>
-                    <a:bodyPr/>
-                    <a:lstStyle/>
-                    <a:p>
-                      <a:pPr fontAlgn="ctr"/>
-                      <a:r>
-                        <a:rPr lang="en-US" sz="1000">
-                          <a:effectLst/>
-                        </a:rPr>
-                        <a:t>Transformer-based model</a:t>
-                      </a:r>
-                    </a:p>
-                  </a:txBody>
-                  <a:tcPr marL="54372" marR="54372" marT="27186" marB="27186" anchor="ctr">
-                    <a:lnL>
-                      <a:noFill/>
-                    </a:lnL>
-                    <a:lnR>
-                      <a:noFill/>
-                    </a:lnR>
-                    <a:lnT>
-                      <a:noFill/>
-                    </a:lnT>
-                    <a:lnB>
-                      <a:noFill/>
-                    </a:lnB>
-                    <a:solidFill>
-                      <a:srgbClr val="FFFFFF"/>
-                    </a:solidFill>
-                  </a:tcPr>
-                </a:tc>
-                <a:tc>
-                  <a:txBody>
-                    <a:bodyPr/>
-                    <a:lstStyle/>
-                    <a:p>
-                      <a:pPr fontAlgn="ctr"/>
-                      <a:r>
-                        <a:rPr lang="en-US" sz="1000">
-                          <a:effectLst/>
-                        </a:rPr>
-                        <a:t>Pre-trained, large scale, high-quality generation</a:t>
-                      </a:r>
-                    </a:p>
-                  </a:txBody>
-                  <a:tcPr marL="54372" marR="54372" marT="27186" marB="27186" anchor="ctr">
-                    <a:lnL>
-                      <a:noFill/>
-                    </a:lnL>
-                    <a:lnR>
-                      <a:noFill/>
-                    </a:lnR>
-                    <a:lnT>
-                      <a:noFill/>
-                    </a:lnT>
-                    <a:lnB>
-                      <a:noFill/>
-                    </a:lnB>
-                    <a:solidFill>
-                      <a:srgbClr val="FFFFFF"/>
-                    </a:solidFill>
-                  </a:tcPr>
-                </a:tc>
-                <a:extLst>
-                  <a:ext uri="{0D108BD9-81ED-4DB2-BD59-A6C34878D82A}">
-                    <a16:rowId xmlns:a16="http://schemas.microsoft.com/office/drawing/2014/main" val="2382517067"/>
-                  </a:ext>
-                </a:extLst>
-              </a:tr>
-              <a:tr h="543729">
-                <a:tc>
-                  <a:txBody>
-                    <a:bodyPr/>
-                    <a:lstStyle/>
-                    <a:p>
-                      <a:pPr fontAlgn="ctr"/>
-                      <a:r>
-                        <a:rPr lang="en-US" sz="1000">
-                          <a:effectLst/>
-                        </a:rPr>
-                        <a:t>GPT-Neo</a:t>
-                      </a:r>
-                    </a:p>
-                  </a:txBody>
-                  <a:tcPr marL="54372" marR="54372" marT="27186" marB="27186" anchor="ctr">
-                    <a:lnL>
-                      <a:noFill/>
-                    </a:lnL>
-                    <a:lnR>
-                      <a:noFill/>
-                    </a:lnR>
-                    <a:lnT>
-                      <a:noFill/>
-                    </a:lnT>
-                    <a:lnB>
-                      <a:noFill/>
-                    </a:lnB>
-                    <a:solidFill>
-                      <a:srgbClr val="FFFFFF"/>
-                    </a:solidFill>
-                  </a:tcPr>
-                </a:tc>
-                <a:tc>
-                  <a:txBody>
-                    <a:bodyPr/>
-                    <a:lstStyle/>
-                    <a:p>
-                      <a:pPr fontAlgn="ctr"/>
-                      <a:r>
-                        <a:rPr lang="en-US" sz="1000">
-                          <a:effectLst/>
-                        </a:rPr>
-                        <a:t>Transformer-based model</a:t>
-                      </a:r>
-                    </a:p>
-                  </a:txBody>
-                  <a:tcPr marL="54372" marR="54372" marT="27186" marB="27186" anchor="ctr">
-                    <a:lnL>
-                      <a:noFill/>
-                    </a:lnL>
-                    <a:lnR>
-                      <a:noFill/>
-                    </a:lnR>
-                    <a:lnT>
-                      <a:noFill/>
-                    </a:lnT>
-                    <a:lnB>
-                      <a:noFill/>
-                    </a:lnB>
-                    <a:solidFill>
-                      <a:srgbClr val="FFFFFF"/>
-                    </a:solidFill>
-                  </a:tcPr>
-                </a:tc>
-                <a:tc>
-                  <a:txBody>
-                    <a:bodyPr/>
-                    <a:lstStyle/>
-                    <a:p>
-                      <a:pPr fontAlgn="ctr"/>
-                      <a:r>
-                        <a:rPr lang="en-US" sz="1000">
-                          <a:effectLst/>
-                        </a:rPr>
-                        <a:t>Pre-trained, smaller than GPT-J, high-quality generation</a:t>
-                      </a:r>
-                    </a:p>
-                  </a:txBody>
-                  <a:tcPr marL="54372" marR="54372" marT="27186" marB="27186" anchor="ctr">
-                    <a:lnL>
-                      <a:noFill/>
-                    </a:lnL>
-                    <a:lnR>
-                      <a:noFill/>
-                    </a:lnR>
-                    <a:lnT>
-                      <a:noFill/>
-                    </a:lnT>
-                    <a:lnB>
-                      <a:noFill/>
-                    </a:lnB>
-                    <a:solidFill>
-                      <a:srgbClr val="FFFFFF"/>
-                    </a:solidFill>
-                  </a:tcPr>
-                </a:tc>
-                <a:extLst>
-                  <a:ext uri="{0D108BD9-81ED-4DB2-BD59-A6C34878D82A}">
-                    <a16:rowId xmlns:a16="http://schemas.microsoft.com/office/drawing/2014/main" val="3793516982"/>
-                  </a:ext>
-                </a:extLst>
-              </a:tr>
-              <a:tr h="706847">
-                <a:tc>
-                  <a:txBody>
-                    <a:bodyPr/>
-                    <a:lstStyle/>
-                    <a:p>
-                      <a:pPr fontAlgn="ctr"/>
-                      <a:r>
-                        <a:rPr lang="en-US" sz="1000">
-                          <a:effectLst/>
-                        </a:rPr>
-                        <a:t>Sequence-to-Sequence with Attention (Seq2Seq)</a:t>
-                      </a:r>
-                    </a:p>
-                  </a:txBody>
-                  <a:tcPr marL="54372" marR="54372" marT="27186" marB="27186" anchor="ctr">
-                    <a:lnL>
-                      <a:noFill/>
-                    </a:lnL>
-                    <a:lnR>
-                      <a:noFill/>
-                    </a:lnR>
-                    <a:lnT>
-                      <a:noFill/>
-                    </a:lnT>
-                    <a:lnB>
-                      <a:noFill/>
-                    </a:lnB>
-                    <a:solidFill>
-                      <a:srgbClr val="FFFFFF"/>
-                    </a:solidFill>
-                  </a:tcPr>
-                </a:tc>
-                <a:tc>
-                  <a:txBody>
-                    <a:bodyPr/>
-                    <a:lstStyle/>
-                    <a:p>
-                      <a:pPr fontAlgn="ctr"/>
-                      <a:r>
-                        <a:rPr lang="en-US" sz="1000">
-                          <a:effectLst/>
-                        </a:rPr>
-                        <a:t>Encoder-Decoder model</a:t>
-                      </a:r>
-                    </a:p>
-                  </a:txBody>
-                  <a:tcPr marL="54372" marR="54372" marT="27186" marB="27186" anchor="ctr">
-                    <a:lnL>
-                      <a:noFill/>
-                    </a:lnL>
-                    <a:lnR>
-                      <a:noFill/>
-                    </a:lnR>
-                    <a:lnT>
-                      <a:noFill/>
-                    </a:lnT>
-                    <a:lnB>
-                      <a:noFill/>
-                    </a:lnB>
-                    <a:solidFill>
-                      <a:srgbClr val="FFFFFF"/>
-                    </a:solidFill>
-                  </a:tcPr>
-                </a:tc>
-                <a:tc>
-                  <a:txBody>
-                    <a:bodyPr/>
-                    <a:lstStyle/>
-                    <a:p>
-                      <a:pPr fontAlgn="ctr"/>
-                      <a:r>
-                        <a:rPr lang="en-US" sz="1000">
-                          <a:effectLst/>
-                        </a:rPr>
-                        <a:t>Attention-based, flexible architecture, proven success for text summarization</a:t>
-                      </a:r>
-                    </a:p>
-                  </a:txBody>
-                  <a:tcPr marL="54372" marR="54372" marT="27186" marB="27186" anchor="ctr">
-                    <a:lnL>
-                      <a:noFill/>
-                    </a:lnL>
-                    <a:lnR>
-                      <a:noFill/>
-                    </a:lnR>
-                    <a:lnT>
-                      <a:noFill/>
-                    </a:lnT>
-                    <a:lnB>
-                      <a:noFill/>
-                    </a:lnB>
-                    <a:solidFill>
-                      <a:srgbClr val="FFFFFF"/>
-                    </a:solidFill>
-                  </a:tcPr>
-                </a:tc>
-                <a:extLst>
-                  <a:ext uri="{0D108BD9-81ED-4DB2-BD59-A6C34878D82A}">
-                    <a16:rowId xmlns:a16="http://schemas.microsoft.com/office/drawing/2014/main" val="804824468"/>
-                  </a:ext>
-                </a:extLst>
-              </a:tr>
-              <a:tr h="1033084">
-                <a:tc>
-                  <a:txBody>
-                    <a:bodyPr/>
-                    <a:lstStyle/>
-                    <a:p>
-                      <a:pPr fontAlgn="ctr"/>
-                      <a:r>
-                        <a:rPr lang="en-US" sz="1000">
-                          <a:effectLst/>
-                        </a:rPr>
-                        <a:t>Transformer-Based Encoder-Decoder Models (BART, MASS, XLM)</a:t>
-                      </a:r>
-                    </a:p>
-                  </a:txBody>
-                  <a:tcPr marL="54372" marR="54372" marT="27186" marB="27186" anchor="ctr">
-                    <a:lnL>
-                      <a:noFill/>
-                    </a:lnL>
-                    <a:lnR>
-                      <a:noFill/>
-                    </a:lnR>
-                    <a:lnT>
-                      <a:noFill/>
-                    </a:lnT>
-                    <a:lnB>
-                      <a:noFill/>
-                    </a:lnB>
-                    <a:solidFill>
-                      <a:srgbClr val="FFFFFF"/>
-                    </a:solidFill>
-                  </a:tcPr>
-                </a:tc>
-                <a:tc>
-                  <a:txBody>
-                    <a:bodyPr/>
-                    <a:lstStyle/>
-                    <a:p>
-                      <a:pPr fontAlgn="ctr"/>
-                      <a:r>
-                        <a:rPr lang="en-US" sz="1000">
-                          <a:effectLst/>
-                        </a:rPr>
-                        <a:t>Encoder-Decoder model</a:t>
-                      </a:r>
-                    </a:p>
-                  </a:txBody>
-                  <a:tcPr marL="54372" marR="54372" marT="27186" marB="27186" anchor="ctr">
-                    <a:lnL>
-                      <a:noFill/>
-                    </a:lnL>
-                    <a:lnR>
-                      <a:noFill/>
-                    </a:lnR>
-                    <a:lnT>
-                      <a:noFill/>
-                    </a:lnT>
-                    <a:lnB>
-                      <a:noFill/>
-                    </a:lnB>
-                    <a:solidFill>
-                      <a:srgbClr val="FFFFFF"/>
-                    </a:solidFill>
-                  </a:tcPr>
-                </a:tc>
-                <a:tc>
-                  <a:txBody>
-                    <a:bodyPr/>
-                    <a:lstStyle/>
-                    <a:p>
-                      <a:pPr fontAlgn="ctr"/>
-                      <a:r>
-                        <a:rPr lang="en-US" sz="1000">
-                          <a:effectLst/>
-                        </a:rPr>
-                        <a:t>Transformer-based, pre-trained, fine-tunable, bidirectional, flexible architecture, proven success for text summarization</a:t>
-                      </a:r>
-                    </a:p>
-                  </a:txBody>
-                  <a:tcPr marL="54372" marR="54372" marT="27186" marB="27186" anchor="ctr">
-                    <a:lnL>
-                      <a:noFill/>
-                    </a:lnL>
-                    <a:lnR>
-                      <a:noFill/>
-                    </a:lnR>
-                    <a:lnT>
-                      <a:noFill/>
-                    </a:lnT>
-                    <a:lnB>
-                      <a:noFill/>
-                    </a:lnB>
-                    <a:solidFill>
-                      <a:srgbClr val="FFFFFF"/>
-                    </a:solidFill>
-                  </a:tcPr>
-                </a:tc>
-                <a:extLst>
-                  <a:ext uri="{0D108BD9-81ED-4DB2-BD59-A6C34878D82A}">
-                    <a16:rowId xmlns:a16="http://schemas.microsoft.com/office/drawing/2014/main" val="2819734112"/>
-                  </a:ext>
-                </a:extLst>
-              </a:tr>
-              <a:tr h="869966">
-                <a:tc>
-                  <a:txBody>
-                    <a:bodyPr/>
-                    <a:lstStyle/>
-                    <a:p>
-                      <a:pPr fontAlgn="ctr"/>
-                      <a:r>
-                        <a:rPr lang="en-US" sz="1000">
-                          <a:effectLst/>
-                        </a:rPr>
-                        <a:t>Pointer-Generator Network for Abstractive Summarization</a:t>
-                      </a:r>
-                    </a:p>
-                  </a:txBody>
-                  <a:tcPr marL="54372" marR="54372" marT="27186" marB="27186" anchor="ctr">
-                    <a:lnL>
-                      <a:noFill/>
-                    </a:lnL>
-                    <a:lnR>
-                      <a:noFill/>
-                    </a:lnR>
-                    <a:lnT>
-                      <a:noFill/>
-                    </a:lnT>
-                    <a:lnB>
-                      <a:noFill/>
-                    </a:lnB>
-                    <a:solidFill>
-                      <a:srgbClr val="FFFFFF"/>
-                    </a:solidFill>
-                  </a:tcPr>
-                </a:tc>
-                <a:tc>
-                  <a:txBody>
-                    <a:bodyPr/>
-                    <a:lstStyle/>
-                    <a:p>
-                      <a:pPr fontAlgn="ctr"/>
-                      <a:r>
-                        <a:rPr lang="en-US" sz="1000">
-                          <a:effectLst/>
-                        </a:rPr>
-                        <a:t>Pointer-Generator model</a:t>
-                      </a:r>
-                    </a:p>
-                  </a:txBody>
-                  <a:tcPr marL="54372" marR="54372" marT="27186" marB="27186" anchor="ctr">
-                    <a:lnL>
-                      <a:noFill/>
-                    </a:lnL>
-                    <a:lnR>
-                      <a:noFill/>
-                    </a:lnR>
-                    <a:lnT>
-                      <a:noFill/>
-                    </a:lnT>
-                    <a:lnB>
-                      <a:noFill/>
-                    </a:lnB>
-                    <a:solidFill>
-                      <a:srgbClr val="FFFFFF"/>
-                    </a:solidFill>
-                  </a:tcPr>
-                </a:tc>
-                <a:tc>
-                  <a:txBody>
-                    <a:bodyPr/>
-                    <a:lstStyle/>
-                    <a:p>
-                      <a:pPr fontAlgn="ctr"/>
-                      <a:r>
-                        <a:rPr lang="en-US" sz="1000">
-                          <a:effectLst/>
-                        </a:rPr>
-                        <a:t>Hybrid approach (extraction and abstraction), proven success for text summarization</a:t>
-                      </a:r>
-                    </a:p>
-                  </a:txBody>
-                  <a:tcPr marL="54372" marR="54372" marT="27186" marB="27186" anchor="ctr">
-                    <a:lnL>
-                      <a:noFill/>
-                    </a:lnL>
-                    <a:lnR>
-                      <a:noFill/>
-                    </a:lnR>
-                    <a:lnT>
-                      <a:noFill/>
-                    </a:lnT>
-                    <a:lnB>
-                      <a:noFill/>
-                    </a:lnB>
-                    <a:solidFill>
-                      <a:srgbClr val="FFFFFF"/>
-                    </a:solidFill>
-                  </a:tcPr>
-                </a:tc>
-                <a:extLst>
-                  <a:ext uri="{0D108BD9-81ED-4DB2-BD59-A6C34878D82A}">
-                    <a16:rowId xmlns:a16="http://schemas.microsoft.com/office/drawing/2014/main" val="372547028"/>
-                  </a:ext>
-                </a:extLst>
-              </a:tr>
-              <a:tr h="1033084">
-                <a:tc>
-                  <a:txBody>
-                    <a:bodyPr/>
-                    <a:lstStyle/>
-                    <a:p>
-                      <a:pPr fontAlgn="ctr"/>
-                      <a:r>
-                        <a:rPr lang="en-US" sz="1000">
-                          <a:effectLst/>
-                        </a:rPr>
-                        <a:t>Reinforcement Learning-Based Pointer-Generator Network</a:t>
-                      </a:r>
-                    </a:p>
-                  </a:txBody>
-                  <a:tcPr marL="54372" marR="54372" marT="27186" marB="27186" anchor="ctr">
-                    <a:lnL>
-                      <a:noFill/>
-                    </a:lnL>
-                    <a:lnR>
-                      <a:noFill/>
-                    </a:lnR>
-                    <a:lnT>
-                      <a:noFill/>
-                    </a:lnT>
-                    <a:lnB>
-                      <a:noFill/>
-                    </a:lnB>
-                    <a:solidFill>
-                      <a:srgbClr val="FFFFFF"/>
-                    </a:solidFill>
-                  </a:tcPr>
-                </a:tc>
-                <a:tc>
-                  <a:txBody>
-                    <a:bodyPr/>
-                    <a:lstStyle/>
-                    <a:p>
-                      <a:pPr fontAlgn="ctr"/>
-                      <a:r>
-                        <a:rPr lang="en-US" sz="1000">
-                          <a:effectLst/>
-                        </a:rPr>
-                        <a:t>Pointer-Generator model</a:t>
-                      </a:r>
-                    </a:p>
-                  </a:txBody>
-                  <a:tcPr marL="54372" marR="54372" marT="27186" marB="27186" anchor="ctr">
-                    <a:lnL>
-                      <a:noFill/>
-                    </a:lnL>
-                    <a:lnR>
-                      <a:noFill/>
-                    </a:lnR>
-                    <a:lnT>
-                      <a:noFill/>
-                    </a:lnT>
-                    <a:lnB>
-                      <a:noFill/>
-                    </a:lnB>
-                    <a:solidFill>
-                      <a:srgbClr val="FFFFFF"/>
-                    </a:solidFill>
-                  </a:tcPr>
-                </a:tc>
-                <a:tc>
-                  <a:txBody>
-                    <a:bodyPr/>
-                    <a:lstStyle/>
-                    <a:p>
-                      <a:pPr fontAlgn="ctr"/>
-                      <a:r>
-                        <a:rPr lang="en-US" sz="1000" dirty="0">
-                          <a:effectLst/>
-                        </a:rPr>
-                        <a:t>Trained using reinforcement learning, state-of-the-art performance, proven success for text summarization</a:t>
-                      </a:r>
-                    </a:p>
-                  </a:txBody>
-                  <a:tcPr marL="54372" marR="54372" marT="27186" marB="27186" anchor="ctr">
-                    <a:lnL>
-                      <a:noFill/>
-                    </a:lnL>
-                    <a:lnR>
-                      <a:noFill/>
-                    </a:lnR>
-                    <a:lnT>
-                      <a:noFill/>
-                    </a:lnT>
-                    <a:lnB>
-                      <a:noFill/>
-                    </a:lnB>
-                    <a:solidFill>
-                      <a:srgbClr val="FFFFFF"/>
-                    </a:solidFill>
-                  </a:tcPr>
-                </a:tc>
-                <a:extLst>
-                  <a:ext uri="{0D108BD9-81ED-4DB2-BD59-A6C34878D82A}">
-                    <a16:rowId xmlns:a16="http://schemas.microsoft.com/office/drawing/2014/main" val="2893542177"/>
-                  </a:ext>
-                </a:extLst>
-              </a:tr>
-            </a:tbl>
-          </a:graphicData>
-        </a:graphic>
-      </p:graphicFrame>
+                </a:hlinkClick>
+              </a:rPr>
+              <a:t>https://www.engati.com/glossary/cosine-similarity</a:t>
+            </a:r>
+            <a:r>
+              <a:rPr lang="en-US" dirty="0">
+                <a:solidFill>
+                  <a:schemeClr val="accent4"/>
+                </a:solidFill>
+              </a:rPr>
+              <a:t> </a:t>
+            </a:r>
+          </a:p>
+        </p:txBody>
+      </p:sp>
+      <p:sp>
+        <p:nvSpPr>
+          <p:cNvPr id="9" name="TextBox 8">
+            <a:extLst>
+              <a:ext uri="{FF2B5EF4-FFF2-40B4-BE49-F238E27FC236}">
+                <a16:creationId xmlns:a16="http://schemas.microsoft.com/office/drawing/2014/main" id="{DAABF93B-2C23-CE9F-EBF3-CECE5B7B65E7}"/>
+              </a:ext>
+            </a:extLst>
+          </p:cNvPr>
+          <p:cNvSpPr txBox="1"/>
+          <p:nvPr/>
+        </p:nvSpPr>
+        <p:spPr>
+          <a:xfrm>
+            <a:off x="4338137" y="1467821"/>
+            <a:ext cx="2987266" cy="461665"/>
+          </a:xfrm>
+          <a:prstGeom prst="rect">
+            <a:avLst/>
+          </a:prstGeom>
+          <a:noFill/>
+        </p:spPr>
+        <p:txBody>
+          <a:bodyPr wrap="square" rtlCol="0">
+            <a:spAutoFit/>
+          </a:bodyPr>
+          <a:lstStyle/>
+          <a:p>
+            <a:r>
+              <a:rPr lang="en-US" sz="2400" b="1" dirty="0">
+                <a:solidFill>
+                  <a:schemeClr val="bg1"/>
+                </a:solidFill>
+                <a:latin typeface="+mj-lt"/>
+              </a:rPr>
+              <a:t>Scoring Metrics</a:t>
+            </a:r>
+          </a:p>
+        </p:txBody>
+      </p:sp>
     </p:spTree>
     <p:extLst>
       <p:ext uri="{BB962C8B-B14F-4D97-AF65-F5344CB8AC3E}">
-        <p14:creationId xmlns:p14="http://schemas.microsoft.com/office/powerpoint/2010/main" val="680871311"/>
+        <p14:creationId xmlns:p14="http://schemas.microsoft.com/office/powerpoint/2010/main" val="3669134436"/>
       </p:ext>
     </p:extLst>
   </p:cSld>
   <p:clrMapOvr>
     <a:masterClrMapping/>
   </p:clrMapOvr>
+  <mc:AlternateContent xmlns:mc="http://schemas.openxmlformats.org/markup-compatibility/2006" xmlns:p159="http://schemas.microsoft.com/office/powerpoint/2015/09/main">
+    <mc:Choice Requires="p159">
+      <p:transition xmlns:p14="http://schemas.microsoft.com/office/powerpoint/2010/main" spd="slow" p14:dur="2000">
+        <p159:morph option="byObject"/>
+      </p:transition>
+    </mc:Choice>
+    <mc:Fallback xmlns="">
+      <p:transition spd="slow">
+        <p:fade/>
+      </p:transition>
+    </mc:Fallback>
+  </mc:AlternateContent>
 </p:sld>
 </file>
 
@@ -8787,85 +8844,1096 @@
       </p:grpSpPr>
       <p:sp>
         <p:nvSpPr>
-          <p:cNvPr id="2" name="Title 1">
-            <a:extLst>
-              <a:ext uri="{FF2B5EF4-FFF2-40B4-BE49-F238E27FC236}">
-                <a16:creationId xmlns:a16="http://schemas.microsoft.com/office/drawing/2014/main" id="{7EB20B63-5B31-0E8A-FDF1-9FCB17774875}"/>
-              </a:ext>
-            </a:extLst>
-          </p:cNvPr>
-          <p:cNvSpPr>
-            <a:spLocks noGrp="1"/>
-          </p:cNvSpPr>
-          <p:nvPr>
-            <p:ph type="title"/>
-          </p:nvPr>
-        </p:nvSpPr>
-        <p:spPr/>
-        <p:txBody>
-          <a:bodyPr/>
-          <a:lstStyle/>
-          <a:p>
-            <a:r>
-              <a:rPr lang="en-US" dirty="0"/>
-              <a:t>Smaller Models</a:t>
-            </a:r>
-          </a:p>
-        </p:txBody>
-      </p:sp>
-      <p:sp>
-        <p:nvSpPr>
-          <p:cNvPr id="3" name="Content Placeholder 2">
-            <a:extLst>
-              <a:ext uri="{FF2B5EF4-FFF2-40B4-BE49-F238E27FC236}">
-                <a16:creationId xmlns:a16="http://schemas.microsoft.com/office/drawing/2014/main" id="{1C31CD71-C467-C2B6-F6E7-F5960B65EA0D}"/>
-              </a:ext>
-            </a:extLst>
-          </p:cNvPr>
-          <p:cNvSpPr>
-            <a:spLocks noGrp="1"/>
-          </p:cNvSpPr>
+          <p:cNvPr id="4" name="Rectangle 3">
+            <a:extLst>
+              <a:ext uri="{FF2B5EF4-FFF2-40B4-BE49-F238E27FC236}">
+                <a16:creationId xmlns:a16="http://schemas.microsoft.com/office/drawing/2014/main" id="{C3107E71-09FC-BCDF-1F64-49DDD36030DE}"/>
+              </a:ext>
+            </a:extLst>
+          </p:cNvPr>
+          <p:cNvSpPr/>
+          <p:nvPr/>
+        </p:nvSpPr>
+        <p:spPr>
+          <a:xfrm>
+            <a:off x="-7847" y="0"/>
+            <a:ext cx="2138572" cy="6858000"/>
+          </a:xfrm>
+          <a:prstGeom prst="rect">
+            <a:avLst/>
+          </a:prstGeom>
+        </p:spPr>
+        <p:style>
+          <a:lnRef idx="2">
+            <a:schemeClr val="accent1">
+              <a:shade val="50000"/>
+            </a:schemeClr>
+          </a:lnRef>
+          <a:fillRef idx="1">
+            <a:schemeClr val="accent1"/>
+          </a:fillRef>
+          <a:effectRef idx="0">
+            <a:schemeClr val="accent1"/>
+          </a:effectRef>
+          <a:fontRef idx="minor">
+            <a:schemeClr val="lt1"/>
+          </a:fontRef>
+        </p:style>
+        <p:txBody>
+          <a:bodyPr rtlCol="0" anchor="ctr"/>
+          <a:lstStyle/>
+          <a:p>
+            <a:pPr algn="ctr"/>
+            <a:endParaRPr lang="en-US" dirty="0"/>
+          </a:p>
+        </p:txBody>
+      </p:sp>
+      <p:sp>
+        <p:nvSpPr>
+          <p:cNvPr id="5" name="Rectangle 4">
+            <a:extLst>
+              <a:ext uri="{FF2B5EF4-FFF2-40B4-BE49-F238E27FC236}">
+                <a16:creationId xmlns:a16="http://schemas.microsoft.com/office/drawing/2014/main" id="{069A767E-017F-7463-2632-A053F60E3E3D}"/>
+              </a:ext>
+            </a:extLst>
+          </p:cNvPr>
+          <p:cNvSpPr/>
+          <p:nvPr/>
+        </p:nvSpPr>
+        <p:spPr>
+          <a:xfrm>
+            <a:off x="2117725" y="0"/>
+            <a:ext cx="2138572" cy="6858000"/>
+          </a:xfrm>
+          <a:prstGeom prst="rect">
+            <a:avLst/>
+          </a:prstGeom>
+          <a:solidFill>
+            <a:schemeClr val="accent4"/>
+          </a:solidFill>
+        </p:spPr>
+        <p:style>
+          <a:lnRef idx="2">
+            <a:schemeClr val="accent1">
+              <a:shade val="50000"/>
+            </a:schemeClr>
+          </a:lnRef>
+          <a:fillRef idx="1">
+            <a:schemeClr val="accent1"/>
+          </a:fillRef>
+          <a:effectRef idx="0">
+            <a:schemeClr val="accent1"/>
+          </a:effectRef>
+          <a:fontRef idx="minor">
+            <a:schemeClr val="lt1"/>
+          </a:fontRef>
+        </p:style>
+        <p:txBody>
+          <a:bodyPr rtlCol="0" anchor="ctr"/>
+          <a:lstStyle/>
+          <a:p>
+            <a:pPr algn="ctr"/>
+            <a:endParaRPr lang="en-US" dirty="0"/>
+          </a:p>
+        </p:txBody>
+      </p:sp>
+      <p:sp>
+        <p:nvSpPr>
+          <p:cNvPr id="6" name="Rectangle 5">
+            <a:extLst>
+              <a:ext uri="{FF2B5EF4-FFF2-40B4-BE49-F238E27FC236}">
+                <a16:creationId xmlns:a16="http://schemas.microsoft.com/office/drawing/2014/main" id="{0DCBBFFD-A6E3-742A-9C31-B4467F1CEAE2}"/>
+              </a:ext>
+            </a:extLst>
+          </p:cNvPr>
+          <p:cNvSpPr/>
+          <p:nvPr/>
+        </p:nvSpPr>
+        <p:spPr>
+          <a:xfrm>
+            <a:off x="4263674" y="0"/>
+            <a:ext cx="7960575" cy="6858000"/>
+          </a:xfrm>
+          <a:prstGeom prst="rect">
+            <a:avLst/>
+          </a:prstGeom>
+          <a:solidFill>
+            <a:schemeClr val="accent6"/>
+          </a:solidFill>
+        </p:spPr>
+        <p:style>
+          <a:lnRef idx="2">
+            <a:schemeClr val="accent1">
+              <a:shade val="50000"/>
+            </a:schemeClr>
+          </a:lnRef>
+          <a:fillRef idx="1">
+            <a:schemeClr val="accent1"/>
+          </a:fillRef>
+          <a:effectRef idx="0">
+            <a:schemeClr val="accent1"/>
+          </a:effectRef>
+          <a:fontRef idx="minor">
+            <a:schemeClr val="lt1"/>
+          </a:fontRef>
+        </p:style>
+        <p:txBody>
+          <a:bodyPr rtlCol="0" anchor="ctr"/>
+          <a:lstStyle/>
+          <a:p>
+            <a:pPr algn="ctr"/>
+            <a:endParaRPr lang="en-US" dirty="0"/>
+          </a:p>
+        </p:txBody>
+      </p:sp>
+      <p:sp>
+        <p:nvSpPr>
+          <p:cNvPr id="7" name="TextBox 6">
+            <a:extLst>
+              <a:ext uri="{FF2B5EF4-FFF2-40B4-BE49-F238E27FC236}">
+                <a16:creationId xmlns:a16="http://schemas.microsoft.com/office/drawing/2014/main" id="{4DBCD72F-F194-92BE-0723-EF74452CF088}"/>
+              </a:ext>
+            </a:extLst>
+          </p:cNvPr>
+          <p:cNvSpPr txBox="1"/>
+          <p:nvPr/>
+        </p:nvSpPr>
+        <p:spPr>
+          <a:xfrm>
+            <a:off x="-823175" y="659028"/>
+            <a:ext cx="3580327" cy="400110"/>
+          </a:xfrm>
+          <a:prstGeom prst="rect">
+            <a:avLst/>
+          </a:prstGeom>
+          <a:noFill/>
+        </p:spPr>
+        <p:txBody>
+          <a:bodyPr wrap="square" rtlCol="0">
+            <a:spAutoFit/>
+          </a:bodyPr>
+          <a:lstStyle/>
+          <a:p>
+            <a:pPr algn="ctr"/>
+            <a:r>
+              <a:rPr lang="en-US" sz="2000" b="1" dirty="0">
+                <a:solidFill>
+                  <a:schemeClr val="bg1"/>
+                </a:solidFill>
+                <a:latin typeface="+mj-lt"/>
+              </a:rPr>
+              <a:t>Phase 1</a:t>
+            </a:r>
+          </a:p>
+        </p:txBody>
+      </p:sp>
+      <p:sp>
+        <p:nvSpPr>
+          <p:cNvPr id="10" name="TextBox 9">
+            <a:extLst>
+              <a:ext uri="{FF2B5EF4-FFF2-40B4-BE49-F238E27FC236}">
+                <a16:creationId xmlns:a16="http://schemas.microsoft.com/office/drawing/2014/main" id="{DC57F0F7-F30D-4526-E18F-642F0E2FC0D7}"/>
+              </a:ext>
+            </a:extLst>
+          </p:cNvPr>
+          <p:cNvSpPr txBox="1"/>
+          <p:nvPr/>
+        </p:nvSpPr>
+        <p:spPr>
+          <a:xfrm>
+            <a:off x="3633469" y="390160"/>
+            <a:ext cx="3580327" cy="707886"/>
+          </a:xfrm>
+          <a:prstGeom prst="rect">
+            <a:avLst/>
+          </a:prstGeom>
+          <a:noFill/>
+        </p:spPr>
+        <p:txBody>
+          <a:bodyPr wrap="square" rtlCol="0">
+            <a:spAutoFit/>
+          </a:bodyPr>
+          <a:lstStyle/>
+          <a:p>
+            <a:pPr algn="ctr"/>
+            <a:r>
+              <a:rPr lang="en-US" sz="4000" b="1" dirty="0">
+                <a:solidFill>
+                  <a:schemeClr val="bg1"/>
+                </a:solidFill>
+                <a:latin typeface="+mj-lt"/>
+              </a:rPr>
+              <a:t>Phase 3</a:t>
+            </a:r>
+          </a:p>
+        </p:txBody>
+      </p:sp>
+      <p:sp>
+        <p:nvSpPr>
+          <p:cNvPr id="11" name="TextBox 10">
+            <a:extLst>
+              <a:ext uri="{FF2B5EF4-FFF2-40B4-BE49-F238E27FC236}">
+                <a16:creationId xmlns:a16="http://schemas.microsoft.com/office/drawing/2014/main" id="{533CC8A0-7D1F-76F0-0216-308434A51135}"/>
+              </a:ext>
+            </a:extLst>
+          </p:cNvPr>
+          <p:cNvSpPr txBox="1"/>
+          <p:nvPr/>
+        </p:nvSpPr>
+        <p:spPr>
+          <a:xfrm>
+            <a:off x="1313496" y="659028"/>
+            <a:ext cx="3580327" cy="400110"/>
+          </a:xfrm>
+          <a:prstGeom prst="rect">
+            <a:avLst/>
+          </a:prstGeom>
+          <a:noFill/>
+        </p:spPr>
+        <p:txBody>
+          <a:bodyPr wrap="square" rtlCol="0">
+            <a:spAutoFit/>
+          </a:bodyPr>
+          <a:lstStyle/>
+          <a:p>
+            <a:pPr algn="ctr"/>
+            <a:r>
+              <a:rPr lang="en-US" sz="2000" b="1" dirty="0">
+                <a:solidFill>
+                  <a:schemeClr val="bg1"/>
+                </a:solidFill>
+                <a:latin typeface="+mj-lt"/>
+              </a:rPr>
+              <a:t>Phase 2</a:t>
+            </a:r>
+          </a:p>
+        </p:txBody>
+      </p:sp>
+      <p:sp>
+        <p:nvSpPr>
+          <p:cNvPr id="12" name="TextBox 11">
+            <a:extLst>
+              <a:ext uri="{FF2B5EF4-FFF2-40B4-BE49-F238E27FC236}">
+                <a16:creationId xmlns:a16="http://schemas.microsoft.com/office/drawing/2014/main" id="{9BA047EF-FD15-E53B-BD23-37A319F6E77E}"/>
+              </a:ext>
+            </a:extLst>
+          </p:cNvPr>
+          <p:cNvSpPr txBox="1"/>
+          <p:nvPr/>
+        </p:nvSpPr>
+        <p:spPr>
+          <a:xfrm>
+            <a:off x="-7847" y="1132480"/>
+            <a:ext cx="2336979" cy="246221"/>
+          </a:xfrm>
+          <a:prstGeom prst="rect">
+            <a:avLst/>
+          </a:prstGeom>
+          <a:noFill/>
+        </p:spPr>
+        <p:txBody>
+          <a:bodyPr wrap="square" rtlCol="0">
+            <a:spAutoFit/>
+          </a:bodyPr>
+          <a:lstStyle/>
+          <a:p>
+            <a:r>
+              <a:rPr lang="en-US" sz="1000" b="1" i="1" dirty="0">
+                <a:solidFill>
+                  <a:schemeClr val="bg1"/>
+                </a:solidFill>
+                <a:latin typeface="+mj-lt"/>
+              </a:rPr>
+              <a:t>Data acquisition and refinement</a:t>
+            </a:r>
+          </a:p>
+        </p:txBody>
+      </p:sp>
+      <p:pic>
+        <p:nvPicPr>
+          <p:cNvPr id="14" name="Content Placeholder 13" descr="Icon&#10;&#10;Description automatically generated">
+            <a:extLst>
+              <a:ext uri="{FF2B5EF4-FFF2-40B4-BE49-F238E27FC236}">
+                <a16:creationId xmlns:a16="http://schemas.microsoft.com/office/drawing/2014/main" id="{56C9E5C3-3E25-1323-9E8A-A7867759C32D}"/>
+              </a:ext>
+            </a:extLst>
+          </p:cNvPr>
+          <p:cNvPicPr>
+            <a:picLocks noGrp="1" noChangeAspect="1"/>
+          </p:cNvPicPr>
           <p:nvPr>
             <p:ph idx="1"/>
           </p:nvPr>
-        </p:nvSpPr>
-        <p:spPr/>
-        <p:txBody>
-          <a:bodyPr>
-            <a:normAutofit/>
+        </p:nvPicPr>
+        <p:blipFill>
+          <a:blip r:embed="rId2"/>
+          <a:stretch>
+            <a:fillRect/>
+          </a:stretch>
+        </p:blipFill>
+        <p:spPr>
+          <a:xfrm>
+            <a:off x="374695" y="2138739"/>
+            <a:ext cx="1213220" cy="1213220"/>
+          </a:xfrm>
+        </p:spPr>
+      </p:pic>
+      <p:pic>
+        <p:nvPicPr>
+          <p:cNvPr id="17" name="Picture 16" descr="Icon&#10;&#10;Description automatically generated">
+            <a:extLst>
+              <a:ext uri="{FF2B5EF4-FFF2-40B4-BE49-F238E27FC236}">
+                <a16:creationId xmlns:a16="http://schemas.microsoft.com/office/drawing/2014/main" id="{F2289D26-57CE-E4E7-2E9D-9A9C1D819467}"/>
+              </a:ext>
+            </a:extLst>
+          </p:cNvPr>
+          <p:cNvPicPr>
+            <a:picLocks noChangeAspect="1"/>
+          </p:cNvPicPr>
+          <p:nvPr/>
+        </p:nvPicPr>
+        <p:blipFill>
+          <a:blip r:embed="rId3"/>
+          <a:stretch>
+            <a:fillRect/>
+          </a:stretch>
+        </p:blipFill>
+        <p:spPr>
+          <a:xfrm>
+            <a:off x="2589507" y="2121019"/>
+            <a:ext cx="1225033" cy="1225033"/>
+          </a:xfrm>
+          <a:prstGeom prst="rect">
+            <a:avLst/>
+          </a:prstGeom>
+        </p:spPr>
+      </p:pic>
+      <p:sp>
+        <p:nvSpPr>
+          <p:cNvPr id="18" name="TextBox 17">
+            <a:extLst>
+              <a:ext uri="{FF2B5EF4-FFF2-40B4-BE49-F238E27FC236}">
+                <a16:creationId xmlns:a16="http://schemas.microsoft.com/office/drawing/2014/main" id="{7ADC5359-481D-E038-5CAB-D345D2A8F315}"/>
+              </a:ext>
+            </a:extLst>
+          </p:cNvPr>
+          <p:cNvSpPr txBox="1"/>
+          <p:nvPr/>
+        </p:nvSpPr>
+        <p:spPr>
+          <a:xfrm>
+            <a:off x="2273055" y="1132479"/>
+            <a:ext cx="2987898" cy="246221"/>
+          </a:xfrm>
+          <a:prstGeom prst="rect">
+            <a:avLst/>
+          </a:prstGeom>
+          <a:noFill/>
+        </p:spPr>
+        <p:txBody>
+          <a:bodyPr wrap="square" rtlCol="0">
+            <a:spAutoFit/>
           </a:bodyPr>
           <a:lstStyle/>
           <a:p>
             <a:r>
-              <a:rPr lang="en-US" sz="2800" dirty="0" err="1"/>
-              <a:t>DistilBERT</a:t>
-            </a:r>
-            <a:endParaRPr lang="en-US" sz="2800" dirty="0"/>
-          </a:p>
-          <a:p>
-            <a:r>
-              <a:rPr lang="en-US" sz="2800" dirty="0" err="1"/>
+              <a:rPr lang="en-US" sz="1000" b="1" i="0" dirty="0">
+                <a:solidFill>
+                  <a:srgbClr val="E6EDF3"/>
+                </a:solidFill>
+                <a:effectLst/>
+                <a:latin typeface="+mj-lt"/>
+              </a:rPr>
+              <a:t>Model Architecture Selection</a:t>
+            </a:r>
+            <a:endParaRPr lang="en-US" sz="1000" b="1" i="1" dirty="0">
+              <a:solidFill>
+                <a:schemeClr val="bg1"/>
+              </a:solidFill>
+              <a:latin typeface="+mj-lt"/>
+            </a:endParaRPr>
+          </a:p>
+        </p:txBody>
+      </p:sp>
+      <p:sp>
+        <p:nvSpPr>
+          <p:cNvPr id="19" name="TextBox 18">
+            <a:extLst>
+              <a:ext uri="{FF2B5EF4-FFF2-40B4-BE49-F238E27FC236}">
+                <a16:creationId xmlns:a16="http://schemas.microsoft.com/office/drawing/2014/main" id="{289FAF70-B5F1-42DD-06F9-15510A212020}"/>
+              </a:ext>
+            </a:extLst>
+          </p:cNvPr>
+          <p:cNvSpPr txBox="1"/>
+          <p:nvPr/>
+        </p:nvSpPr>
+        <p:spPr>
+          <a:xfrm>
+            <a:off x="4382567" y="1098046"/>
+            <a:ext cx="5129570" cy="461665"/>
+          </a:xfrm>
+          <a:prstGeom prst="rect">
+            <a:avLst/>
+          </a:prstGeom>
+          <a:noFill/>
+        </p:spPr>
+        <p:txBody>
+          <a:bodyPr wrap="square" rtlCol="0">
+            <a:spAutoFit/>
+          </a:bodyPr>
+          <a:lstStyle/>
+          <a:p>
+            <a:r>
+              <a:rPr lang="en-US" sz="2400" b="1" i="0" dirty="0">
+                <a:solidFill>
+                  <a:srgbClr val="E6EDF3"/>
+                </a:solidFill>
+                <a:effectLst/>
+                <a:latin typeface="+mj-lt"/>
+              </a:rPr>
+              <a:t>Model Training and Evaluation</a:t>
+            </a:r>
+            <a:endParaRPr lang="en-US" sz="2400" b="1" i="1" dirty="0">
+              <a:solidFill>
+                <a:schemeClr val="bg1"/>
+              </a:solidFill>
+              <a:latin typeface="+mj-lt"/>
+            </a:endParaRPr>
+          </a:p>
+        </p:txBody>
+      </p:sp>
+      <p:graphicFrame>
+        <p:nvGraphicFramePr>
+          <p:cNvPr id="2" name="Table 1">
+            <a:extLst>
+              <a:ext uri="{FF2B5EF4-FFF2-40B4-BE49-F238E27FC236}">
+                <a16:creationId xmlns:a16="http://schemas.microsoft.com/office/drawing/2014/main" id="{092CE6AE-1390-668A-23B9-3A720186C75F}"/>
+              </a:ext>
+            </a:extLst>
+          </p:cNvPr>
+          <p:cNvGraphicFramePr>
+            <a:graphicFrameLocks noGrp="1"/>
+          </p:cNvGraphicFramePr>
+          <p:nvPr>
+            <p:extLst>
+              <p:ext uri="{D42A27DB-BD31-4B8C-83A1-F6EECF244321}">
+                <p14:modId xmlns:p14="http://schemas.microsoft.com/office/powerpoint/2010/main" val="1575548594"/>
+              </p:ext>
+            </p:extLst>
+          </p:nvPr>
+        </p:nvGraphicFramePr>
+        <p:xfrm>
+          <a:off x="4525064" y="2465344"/>
+          <a:ext cx="7292241" cy="2217420"/>
+        </p:xfrm>
+        <a:graphic>
+          <a:graphicData uri="http://schemas.openxmlformats.org/drawingml/2006/table">
+            <a:tbl>
+              <a:tblPr>
+                <a:tableStyleId>{08FB837D-C827-4EFA-A057-4D05807E0F7C}</a:tableStyleId>
+              </a:tblPr>
+              <a:tblGrid>
+                <a:gridCol w="2430747">
+                  <a:extLst>
+                    <a:ext uri="{9D8B030D-6E8A-4147-A177-3AD203B41FA5}">
+                      <a16:colId xmlns:a16="http://schemas.microsoft.com/office/drawing/2014/main" val="3643808483"/>
+                    </a:ext>
+                  </a:extLst>
+                </a:gridCol>
+                <a:gridCol w="2430747">
+                  <a:extLst>
+                    <a:ext uri="{9D8B030D-6E8A-4147-A177-3AD203B41FA5}">
+                      <a16:colId xmlns:a16="http://schemas.microsoft.com/office/drawing/2014/main" val="1279949153"/>
+                    </a:ext>
+                  </a:extLst>
+                </a:gridCol>
+                <a:gridCol w="2430747">
+                  <a:extLst>
+                    <a:ext uri="{9D8B030D-6E8A-4147-A177-3AD203B41FA5}">
+                      <a16:colId xmlns:a16="http://schemas.microsoft.com/office/drawing/2014/main" val="909053367"/>
+                    </a:ext>
+                  </a:extLst>
+                </a:gridCol>
+              </a:tblGrid>
+              <a:tr h="598095">
+                <a:tc>
+                  <a:txBody>
+                    <a:bodyPr/>
+                    <a:lstStyle/>
+                    <a:p>
+                      <a:br>
+                        <a:rPr lang="en-US" dirty="0">
+                          <a:effectLst/>
+                        </a:rPr>
+                      </a:br>
+                      <a:endParaRPr lang="en-US" dirty="0">
+                        <a:effectLst/>
+                      </a:endParaRPr>
+                    </a:p>
+                  </a:txBody>
+                  <a:tcPr marL="123825" marR="123825" marT="57150" marB="57150" anchor="ctr"/>
+                </a:tc>
+                <a:tc>
+                  <a:txBody>
+                    <a:bodyPr/>
+                    <a:lstStyle/>
+                    <a:p>
+                      <a:r>
+                        <a:rPr lang="en-US" dirty="0">
+                          <a:effectLst/>
+                        </a:rPr>
+                        <a:t>WMD Mean</a:t>
+                      </a:r>
+                    </a:p>
+                  </a:txBody>
+                  <a:tcPr marL="123825" marR="123825" marT="57150" marB="57150" anchor="ctr"/>
+                </a:tc>
+                <a:tc>
+                  <a:txBody>
+                    <a:bodyPr/>
+                    <a:lstStyle/>
+                    <a:p>
+                      <a:endParaRPr lang="en-US" dirty="0"/>
+                    </a:p>
+                    <a:p>
+                      <a:r>
+                        <a:rPr lang="en-US" dirty="0"/>
+                        <a:t>SIF Mean</a:t>
+                      </a:r>
+                    </a:p>
+                  </a:txBody>
+                  <a:tcPr/>
+                </a:tc>
+                <a:extLst>
+                  <a:ext uri="{0D108BD9-81ED-4DB2-BD59-A6C34878D82A}">
+                    <a16:rowId xmlns:a16="http://schemas.microsoft.com/office/drawing/2014/main" val="1766557615"/>
+                  </a:ext>
+                </a:extLst>
+              </a:tr>
+              <a:tr h="350607">
+                <a:tc>
+                  <a:txBody>
+                    <a:bodyPr/>
+                    <a:lstStyle/>
+                    <a:p>
+                      <a:r>
+                        <a:rPr lang="en-US" dirty="0" err="1">
+                          <a:effectLst/>
+                        </a:rPr>
+                        <a:t>DistilBERT</a:t>
+                      </a:r>
+                      <a:endParaRPr lang="en-US" dirty="0">
+                        <a:effectLst/>
+                      </a:endParaRPr>
+                    </a:p>
+                  </a:txBody>
+                  <a:tcPr marL="123825" marR="123825" marT="57150" marB="57150" anchor="ctr"/>
+                </a:tc>
+                <a:tc>
+                  <a:txBody>
+                    <a:bodyPr/>
+                    <a:lstStyle/>
+                    <a:p>
+                      <a:r>
+                        <a:rPr lang="en-US" dirty="0">
+                          <a:effectLst/>
+                        </a:rPr>
+                        <a:t>4.4856</a:t>
+                      </a:r>
+                    </a:p>
+                  </a:txBody>
+                  <a:tcPr marL="123825" marR="123825" marT="57150" marB="57150" anchor="ctr"/>
+                </a:tc>
+                <a:tc>
+                  <a:txBody>
+                    <a:bodyPr/>
+                    <a:lstStyle/>
+                    <a:p>
+                      <a:r>
+                        <a:rPr lang="en-US">
+                          <a:effectLst/>
+                        </a:rPr>
+                        <a:t>0.8400</a:t>
+                      </a:r>
+                    </a:p>
+                  </a:txBody>
+                  <a:tcPr marL="123825" marR="123825" marT="57150" marB="57150" anchor="ctr"/>
+                </a:tc>
+                <a:extLst>
+                  <a:ext uri="{0D108BD9-81ED-4DB2-BD59-A6C34878D82A}">
+                    <a16:rowId xmlns:a16="http://schemas.microsoft.com/office/drawing/2014/main" val="4151308376"/>
+                  </a:ext>
+                </a:extLst>
+              </a:tr>
+              <a:tr h="350607">
+                <a:tc>
+                  <a:txBody>
+                    <a:bodyPr/>
+                    <a:lstStyle/>
+                    <a:p>
+                      <a:r>
+                        <a:rPr lang="en-US" dirty="0" err="1">
+                          <a:effectLst/>
+                        </a:rPr>
+                        <a:t>MobileBERT</a:t>
+                      </a:r>
+                      <a:endParaRPr lang="en-US" dirty="0">
+                        <a:effectLst/>
+                      </a:endParaRPr>
+                    </a:p>
+                  </a:txBody>
+                  <a:tcPr marL="123825" marR="123825" marT="57150" marB="57150" anchor="ctr"/>
+                </a:tc>
+                <a:tc>
+                  <a:txBody>
+                    <a:bodyPr/>
+                    <a:lstStyle/>
+                    <a:p>
+                      <a:r>
+                        <a:rPr lang="en-US" dirty="0">
+                          <a:effectLst/>
+                        </a:rPr>
+                        <a:t>2204752.00</a:t>
+                      </a:r>
+                    </a:p>
+                  </a:txBody>
+                  <a:tcPr marL="123825" marR="123825" marT="57150" marB="57150" anchor="ctr"/>
+                </a:tc>
+                <a:tc>
+                  <a:txBody>
+                    <a:bodyPr/>
+                    <a:lstStyle/>
+                    <a:p>
+                      <a:r>
+                        <a:rPr lang="en-US" dirty="0">
+                          <a:effectLst/>
+                        </a:rPr>
+                        <a:t>0.9992</a:t>
+                      </a:r>
+                    </a:p>
+                  </a:txBody>
+                  <a:tcPr marL="123825" marR="123825" marT="57150" marB="57150" anchor="ctr"/>
+                </a:tc>
+                <a:extLst>
+                  <a:ext uri="{0D108BD9-81ED-4DB2-BD59-A6C34878D82A}">
+                    <a16:rowId xmlns:a16="http://schemas.microsoft.com/office/drawing/2014/main" val="3203319886"/>
+                  </a:ext>
+                </a:extLst>
+              </a:tr>
+              <a:tr h="350607">
+                <a:tc>
+                  <a:txBody>
+                    <a:bodyPr/>
+                    <a:lstStyle/>
+                    <a:p>
+                      <a:r>
+                        <a:rPr lang="en-US" dirty="0">
+                          <a:effectLst/>
+                        </a:rPr>
+                        <a:t>ALBERT</a:t>
+                      </a:r>
+                    </a:p>
+                  </a:txBody>
+                  <a:tcPr marL="123825" marR="123825" marT="57150" marB="57150" anchor="ctr"/>
+                </a:tc>
+                <a:tc>
+                  <a:txBody>
+                    <a:bodyPr/>
+                    <a:lstStyle/>
+                    <a:p>
+                      <a:r>
+                        <a:rPr lang="en-US" dirty="0">
+                          <a:effectLst/>
+                        </a:rPr>
+                        <a:t>15.5492</a:t>
+                      </a:r>
+                    </a:p>
+                  </a:txBody>
+                  <a:tcPr marL="123825" marR="123825" marT="57150" marB="57150" anchor="ctr"/>
+                </a:tc>
+                <a:tc>
+                  <a:txBody>
+                    <a:bodyPr/>
+                    <a:lstStyle/>
+                    <a:p>
+                      <a:r>
+                        <a:rPr lang="en-US" dirty="0">
+                          <a:effectLst/>
+                        </a:rPr>
+                        <a:t>0.8180</a:t>
+                      </a:r>
+                    </a:p>
+                  </a:txBody>
+                  <a:tcPr marL="123825" marR="123825" marT="57150" marB="57150" anchor="ctr"/>
+                </a:tc>
+                <a:extLst>
+                  <a:ext uri="{0D108BD9-81ED-4DB2-BD59-A6C34878D82A}">
+                    <a16:rowId xmlns:a16="http://schemas.microsoft.com/office/drawing/2014/main" val="3524579761"/>
+                  </a:ext>
+                </a:extLst>
+              </a:tr>
+              <a:tr h="350607">
+                <a:tc>
+                  <a:txBody>
+                    <a:bodyPr/>
+                    <a:lstStyle/>
+                    <a:p>
+                      <a:r>
+                        <a:rPr lang="en-US" dirty="0">
+                          <a:effectLst/>
+                        </a:rPr>
+                        <a:t>ELECTRA</a:t>
+                      </a:r>
+                    </a:p>
+                  </a:txBody>
+                  <a:tcPr marL="123825" marR="123825" marT="57150" marB="57150" anchor="ctr"/>
+                </a:tc>
+                <a:tc>
+                  <a:txBody>
+                    <a:bodyPr/>
+                    <a:lstStyle/>
+                    <a:p>
+                      <a:r>
+                        <a:rPr lang="en-US" dirty="0">
+                          <a:effectLst/>
+                        </a:rPr>
+                        <a:t>8.3385</a:t>
+                      </a:r>
+                    </a:p>
+                  </a:txBody>
+                  <a:tcPr marL="123825" marR="123825" marT="57150" marB="57150" anchor="ctr"/>
+                </a:tc>
+                <a:tc>
+                  <a:txBody>
+                    <a:bodyPr/>
+                    <a:lstStyle/>
+                    <a:p>
+                      <a:r>
+                        <a:rPr lang="en-US" dirty="0">
+                          <a:effectLst/>
+                        </a:rPr>
+                        <a:t>0.3745</a:t>
+                      </a:r>
+                    </a:p>
+                  </a:txBody>
+                  <a:tcPr marL="123825" marR="123825" marT="57150" marB="57150" anchor="ctr"/>
+                </a:tc>
+                <a:extLst>
+                  <a:ext uri="{0D108BD9-81ED-4DB2-BD59-A6C34878D82A}">
+                    <a16:rowId xmlns:a16="http://schemas.microsoft.com/office/drawing/2014/main" val="4101134459"/>
+                  </a:ext>
+                </a:extLst>
+              </a:tr>
+            </a:tbl>
+          </a:graphicData>
+        </a:graphic>
+      </p:graphicFrame>
+      <p:sp>
+        <p:nvSpPr>
+          <p:cNvPr id="3" name="TextBox 2">
+            <a:extLst>
+              <a:ext uri="{FF2B5EF4-FFF2-40B4-BE49-F238E27FC236}">
+                <a16:creationId xmlns:a16="http://schemas.microsoft.com/office/drawing/2014/main" id="{4BDF4442-B9F7-7344-73D7-F8E20E72D510}"/>
+              </a:ext>
+            </a:extLst>
+          </p:cNvPr>
+          <p:cNvSpPr txBox="1"/>
+          <p:nvPr/>
+        </p:nvSpPr>
+        <p:spPr>
+          <a:xfrm>
+            <a:off x="4525064" y="4864608"/>
+            <a:ext cx="7292241" cy="2031325"/>
+          </a:xfrm>
+          <a:prstGeom prst="rect">
+            <a:avLst/>
+          </a:prstGeom>
+          <a:noFill/>
+        </p:spPr>
+        <p:txBody>
+          <a:bodyPr wrap="square" rtlCol="0">
+            <a:spAutoFit/>
+          </a:bodyPr>
+          <a:lstStyle/>
+          <a:p>
+            <a:r>
+              <a:rPr lang="en-US" b="0" i="0" dirty="0" err="1">
+                <a:solidFill>
+                  <a:schemeClr val="bg1"/>
+                </a:solidFill>
+                <a:effectLst/>
+              </a:rPr>
               <a:t>MobileBERT</a:t>
             </a:r>
-            <a:endParaRPr lang="en-US" sz="2800" dirty="0"/>
-          </a:p>
-          <a:p>
-            <a:r>
-              <a:rPr lang="en-US" sz="2800" dirty="0"/>
-              <a:t>ALBERT</a:t>
-            </a:r>
-          </a:p>
-          <a:p>
-            <a:r>
-              <a:rPr lang="en-US" sz="2800" dirty="0" err="1"/>
-              <a:t>TinyBERT</a:t>
-            </a:r>
-            <a:endParaRPr lang="en-US" sz="2800" dirty="0"/>
-          </a:p>
-          <a:p>
-            <a:r>
-              <a:rPr lang="en-US" sz="2800" dirty="0"/>
-              <a:t>ELECTRA</a:t>
+            <a:r>
+              <a:rPr lang="en-US" b="0" i="0" dirty="0">
+                <a:solidFill>
+                  <a:schemeClr val="bg1"/>
+                </a:solidFill>
+                <a:effectLst/>
+              </a:rPr>
+              <a:t> performed significantly better by WMD score than the other models, while ELECTRA performed the best by SIF score. </a:t>
+            </a:r>
+          </a:p>
+          <a:p>
+            <a:endParaRPr lang="en-US" dirty="0">
+              <a:solidFill>
+                <a:schemeClr val="bg1"/>
+              </a:solidFill>
+            </a:endParaRPr>
+          </a:p>
+          <a:p>
+            <a:r>
+              <a:rPr lang="en-US" b="0" i="0" dirty="0">
+                <a:solidFill>
+                  <a:schemeClr val="bg1"/>
+                </a:solidFill>
+                <a:effectLst/>
+              </a:rPr>
+              <a:t>This suggests that </a:t>
+            </a:r>
+            <a:r>
+              <a:rPr lang="en-US" b="0" i="0" dirty="0" err="1">
+                <a:solidFill>
+                  <a:schemeClr val="bg1"/>
+                </a:solidFill>
+                <a:effectLst/>
+              </a:rPr>
+              <a:t>MobileBERT</a:t>
+            </a:r>
+            <a:r>
+              <a:rPr lang="en-US" b="0" i="0" dirty="0">
+                <a:solidFill>
+                  <a:schemeClr val="bg1"/>
+                </a:solidFill>
+                <a:effectLst/>
+              </a:rPr>
+              <a:t> is better at capturing the semantic similarities between the text inputs, while ELECTRA is better at capturing the overall meaning of the text.</a:t>
+            </a:r>
+            <a:endParaRPr lang="en-US" dirty="0">
+              <a:solidFill>
+                <a:schemeClr val="bg1"/>
+              </a:solidFill>
+            </a:endParaRPr>
+          </a:p>
+          <a:p>
+            <a:endParaRPr lang="en-US" dirty="0">
+              <a:solidFill>
+                <a:schemeClr val="bg1"/>
+              </a:solidFill>
+            </a:endParaRPr>
+          </a:p>
+        </p:txBody>
+      </p:sp>
+      <p:sp>
+        <p:nvSpPr>
+          <p:cNvPr id="8" name="TextBox 7">
+            <a:extLst>
+              <a:ext uri="{FF2B5EF4-FFF2-40B4-BE49-F238E27FC236}">
+                <a16:creationId xmlns:a16="http://schemas.microsoft.com/office/drawing/2014/main" id="{B65035E4-7547-843A-8647-7579C124D976}"/>
+              </a:ext>
+            </a:extLst>
+          </p:cNvPr>
+          <p:cNvSpPr txBox="1"/>
+          <p:nvPr/>
+        </p:nvSpPr>
+        <p:spPr>
+          <a:xfrm>
+            <a:off x="10035881" y="1478635"/>
+            <a:ext cx="1664623" cy="369332"/>
+          </a:xfrm>
+          <a:prstGeom prst="rect">
+            <a:avLst/>
+          </a:prstGeom>
+          <a:noFill/>
+        </p:spPr>
+        <p:txBody>
+          <a:bodyPr wrap="none" rtlCol="0">
+            <a:spAutoFit/>
+          </a:bodyPr>
+          <a:lstStyle/>
+          <a:p>
+            <a:r>
+              <a:rPr lang="en-US" dirty="0"/>
+              <a:t>lower is better</a:t>
+            </a:r>
+          </a:p>
+        </p:txBody>
+      </p:sp>
+      <p:sp>
+        <p:nvSpPr>
+          <p:cNvPr id="9" name="TextBox 8">
+            <a:extLst>
+              <a:ext uri="{FF2B5EF4-FFF2-40B4-BE49-F238E27FC236}">
+                <a16:creationId xmlns:a16="http://schemas.microsoft.com/office/drawing/2014/main" id="{84CB21D7-20EA-4E74-9CDE-4697C6F88C85}"/>
+              </a:ext>
+            </a:extLst>
+          </p:cNvPr>
+          <p:cNvSpPr txBox="1"/>
+          <p:nvPr/>
+        </p:nvSpPr>
+        <p:spPr>
+          <a:xfrm>
+            <a:off x="7902932" y="1563597"/>
+            <a:ext cx="1767215" cy="369332"/>
+          </a:xfrm>
+          <a:prstGeom prst="rect">
+            <a:avLst/>
+          </a:prstGeom>
+          <a:noFill/>
+        </p:spPr>
+        <p:txBody>
+          <a:bodyPr wrap="none" rtlCol="0">
+            <a:spAutoFit/>
+          </a:bodyPr>
+          <a:lstStyle/>
+          <a:p>
+            <a:r>
+              <a:rPr lang="en-US" dirty="0"/>
+              <a:t>higher is better</a:t>
+            </a:r>
+          </a:p>
+        </p:txBody>
+      </p:sp>
+      <mc:AlternateContent xmlns:mc="http://schemas.openxmlformats.org/markup-compatibility/2006">
+        <mc:Choice xmlns:p14="http://schemas.microsoft.com/office/powerpoint/2010/main" Requires="p14">
+          <p:contentPart p14:bwMode="auto" r:id="rId4">
+            <p14:nvContentPartPr>
+              <p14:cNvPr id="13" name="Ink 12">
+                <a:extLst>
+                  <a:ext uri="{FF2B5EF4-FFF2-40B4-BE49-F238E27FC236}">
+                    <a16:creationId xmlns:a16="http://schemas.microsoft.com/office/drawing/2014/main" id="{FD213889-A608-24D4-8128-60F8731DA2D7}"/>
+                  </a:ext>
+                </a:extLst>
+              </p14:cNvPr>
+              <p14:cNvContentPartPr/>
+              <p14:nvPr/>
+            </p14:nvContentPartPr>
+            <p14:xfrm>
+              <a:off x="7656576" y="2023851"/>
+              <a:ext cx="461016" cy="403560"/>
+            </p14:xfrm>
+          </p:contentPart>
+        </mc:Choice>
+        <mc:Fallback>
+          <p:pic>
+            <p:nvPicPr>
+              <p:cNvPr id="13" name="Ink 12">
+                <a:extLst>
+                  <a:ext uri="{FF2B5EF4-FFF2-40B4-BE49-F238E27FC236}">
+                    <a16:creationId xmlns:a16="http://schemas.microsoft.com/office/drawing/2014/main" id="{FD213889-A608-24D4-8128-60F8731DA2D7}"/>
+                  </a:ext>
+                </a:extLst>
+              </p:cNvPr>
+              <p:cNvPicPr/>
+              <p:nvPr/>
+            </p:nvPicPr>
+            <p:blipFill>
+              <a:blip r:embed="rId5"/>
+              <a:stretch>
+                <a:fillRect/>
+              </a:stretch>
+            </p:blipFill>
+            <p:spPr>
+              <a:xfrm>
+                <a:off x="7647579" y="2014851"/>
+                <a:ext cx="478650" cy="421200"/>
+              </a:xfrm>
+              <a:prstGeom prst="rect">
+                <a:avLst/>
+              </a:prstGeom>
+            </p:spPr>
+          </p:pic>
+        </mc:Fallback>
+      </mc:AlternateContent>
+      <mc:AlternateContent xmlns:mc="http://schemas.openxmlformats.org/markup-compatibility/2006">
+        <mc:Choice xmlns:p14="http://schemas.microsoft.com/office/powerpoint/2010/main" Requires="p14">
+          <p:contentPart p14:bwMode="auto" r:id="rId6">
+            <p14:nvContentPartPr>
+              <p14:cNvPr id="15" name="Ink 14">
+                <a:extLst>
+                  <a:ext uri="{FF2B5EF4-FFF2-40B4-BE49-F238E27FC236}">
+                    <a16:creationId xmlns:a16="http://schemas.microsoft.com/office/drawing/2014/main" id="{BBCF03C5-4ABF-764C-6EA6-24E84D713B25}"/>
+                  </a:ext>
+                </a:extLst>
+              </p14:cNvPr>
+              <p14:cNvContentPartPr/>
+              <p14:nvPr/>
+            </p14:nvContentPartPr>
+            <p14:xfrm>
+              <a:off x="10497312" y="1824228"/>
+              <a:ext cx="211259" cy="498571"/>
+            </p14:xfrm>
+          </p:contentPart>
+        </mc:Choice>
+        <mc:Fallback>
+          <p:pic>
+            <p:nvPicPr>
+              <p:cNvPr id="15" name="Ink 14">
+                <a:extLst>
+                  <a:ext uri="{FF2B5EF4-FFF2-40B4-BE49-F238E27FC236}">
+                    <a16:creationId xmlns:a16="http://schemas.microsoft.com/office/drawing/2014/main" id="{BBCF03C5-4ABF-764C-6EA6-24E84D713B25}"/>
+                  </a:ext>
+                </a:extLst>
+              </p:cNvPr>
+              <p:cNvPicPr/>
+              <p:nvPr/>
+            </p:nvPicPr>
+            <p:blipFill>
+              <a:blip r:embed="rId7"/>
+              <a:stretch>
+                <a:fillRect/>
+              </a:stretch>
+            </p:blipFill>
+            <p:spPr>
+              <a:xfrm>
+                <a:off x="10488315" y="1815229"/>
+                <a:ext cx="228894" cy="516210"/>
+              </a:xfrm>
+              <a:prstGeom prst="rect">
+                <a:avLst/>
+              </a:prstGeom>
+            </p:spPr>
+          </p:pic>
+        </mc:Fallback>
+      </mc:AlternateContent>
+      <p:sp>
+        <p:nvSpPr>
+          <p:cNvPr id="16" name="TextBox 15">
+            <a:extLst>
+              <a:ext uri="{FF2B5EF4-FFF2-40B4-BE49-F238E27FC236}">
+                <a16:creationId xmlns:a16="http://schemas.microsoft.com/office/drawing/2014/main" id="{2A845AB9-64CA-EA0E-0702-89AF0C6B8B11}"/>
+              </a:ext>
+            </a:extLst>
+          </p:cNvPr>
+          <p:cNvSpPr txBox="1"/>
+          <p:nvPr/>
+        </p:nvSpPr>
+        <p:spPr>
+          <a:xfrm>
+            <a:off x="3892570" y="1630461"/>
+            <a:ext cx="2353056" cy="461665"/>
+          </a:xfrm>
+          <a:prstGeom prst="rect">
+            <a:avLst/>
+          </a:prstGeom>
+          <a:noFill/>
+        </p:spPr>
+        <p:txBody>
+          <a:bodyPr wrap="square" rtlCol="0">
+            <a:spAutoFit/>
+          </a:bodyPr>
+          <a:lstStyle/>
+          <a:p>
+            <a:pPr algn="ctr"/>
+            <a:r>
+              <a:rPr lang="en-US" sz="2400" b="1" dirty="0">
+                <a:solidFill>
+                  <a:schemeClr val="bg1"/>
+                </a:solidFill>
+                <a:latin typeface="+mj-lt"/>
+              </a:rPr>
+              <a:t>Scoring</a:t>
             </a:r>
           </a:p>
         </p:txBody>
@@ -8873,13 +9941,25 @@
     </p:spTree>
     <p:extLst>
       <p:ext uri="{BB962C8B-B14F-4D97-AF65-F5344CB8AC3E}">
-        <p14:creationId xmlns:p14="http://schemas.microsoft.com/office/powerpoint/2010/main" val="1385325545"/>
+        <p14:creationId xmlns:p14="http://schemas.microsoft.com/office/powerpoint/2010/main" val="3771364221"/>
       </p:ext>
     </p:extLst>
   </p:cSld>
   <p:clrMapOvr>
     <a:masterClrMapping/>
   </p:clrMapOvr>
+  <mc:AlternateContent xmlns:mc="http://schemas.openxmlformats.org/markup-compatibility/2006" xmlns:p159="http://schemas.microsoft.com/office/powerpoint/2015/09/main">
+    <mc:Choice Requires="p159">
+      <p:transition xmlns:p14="http://schemas.microsoft.com/office/powerpoint/2010/main" spd="slow" p14:dur="2000">
+        <p159:morph option="byObject"/>
+      </p:transition>
+    </mc:Choice>
+    <mc:Fallback xmlns="">
+      <p:transition spd="slow">
+        <p:fade/>
+      </p:transition>
+    </mc:Fallback>
+  </mc:AlternateContent>
 </p:sld>
 </file>
 
